--- a/Introduction_SII_PSI.pptx
+++ b/Introduction_SII_PSI.pptx
@@ -846,6 +846,925 @@
     <dgm:fillClrLst meth="repeat">
       <a:schemeClr val="accent1">
         <a:tint val="60000"/>
+      </a:schemeClr>
+    </dgm:fillClrLst>
+    <dgm:linClrLst meth="repeat">
+      <a:schemeClr val="lt1"/>
+    </dgm:linClrLst>
+    <dgm:effectClrLst/>
+    <dgm:txLinClrLst/>
+    <dgm:txFillClrLst meth="repeat">
+      <a:schemeClr val="dk1"/>
+    </dgm:txFillClrLst>
+    <dgm:txEffectClrLst/>
+  </dgm:styleLbl>
+  <dgm:styleLbl name="revTx">
+    <dgm:fillClrLst meth="repeat">
+      <a:schemeClr val="lt1">
+        <a:alpha val="0"/>
+      </a:schemeClr>
+    </dgm:fillClrLst>
+    <dgm:linClrLst meth="repeat">
+      <a:schemeClr val="dk1">
+        <a:alpha val="0"/>
+      </a:schemeClr>
+    </dgm:linClrLst>
+    <dgm:effectClrLst/>
+    <dgm:txLinClrLst/>
+    <dgm:txFillClrLst meth="repeat">
+      <a:schemeClr val="tx1"/>
+    </dgm:txFillClrLst>
+    <dgm:txEffectClrLst/>
+  </dgm:styleLbl>
+</dgm:colorsDef>
+</file>
+
+<file path=ppt/diagrams/colors2.xml><?xml version="1.0" encoding="utf-8"?>
+<dgm:colorsDef xmlns:dgm="http://schemas.openxmlformats.org/drawingml/2006/diagram" xmlns:a="http://schemas.openxmlformats.org/drawingml/2006/main" uniqueId="urn:microsoft.com/office/officeart/2005/8/colors/colorful1">
+  <dgm:title val=""/>
+  <dgm:desc val=""/>
+  <dgm:catLst>
+    <dgm:cat type="colorful" pri="10100"/>
+  </dgm:catLst>
+  <dgm:styleLbl name="node0">
+    <dgm:fillClrLst meth="repeat">
+      <a:schemeClr val="accent1"/>
+    </dgm:fillClrLst>
+    <dgm:linClrLst meth="repeat">
+      <a:schemeClr val="lt1"/>
+    </dgm:linClrLst>
+    <dgm:effectClrLst/>
+    <dgm:txLinClrLst/>
+    <dgm:txFillClrLst/>
+    <dgm:txEffectClrLst/>
+  </dgm:styleLbl>
+  <dgm:styleLbl name="node1">
+    <dgm:fillClrLst meth="repeat">
+      <a:schemeClr val="accent2"/>
+      <a:schemeClr val="accent3"/>
+      <a:schemeClr val="accent4"/>
+      <a:schemeClr val="accent5"/>
+      <a:schemeClr val="accent6"/>
+    </dgm:fillClrLst>
+    <dgm:linClrLst meth="repeat">
+      <a:schemeClr val="lt1"/>
+    </dgm:linClrLst>
+    <dgm:effectClrLst/>
+    <dgm:txLinClrLst/>
+    <dgm:txFillClrLst/>
+    <dgm:txEffectClrLst/>
+  </dgm:styleLbl>
+  <dgm:styleLbl name="alignNode1">
+    <dgm:fillClrLst meth="repeat">
+      <a:schemeClr val="accent2"/>
+      <a:schemeClr val="accent3"/>
+      <a:schemeClr val="accent4"/>
+      <a:schemeClr val="accent5"/>
+      <a:schemeClr val="accent6"/>
+    </dgm:fillClrLst>
+    <dgm:linClrLst meth="repeat">
+      <a:schemeClr val="accent2"/>
+      <a:schemeClr val="accent3"/>
+      <a:schemeClr val="accent4"/>
+      <a:schemeClr val="accent5"/>
+      <a:schemeClr val="accent6"/>
+    </dgm:linClrLst>
+    <dgm:effectClrLst/>
+    <dgm:txLinClrLst/>
+    <dgm:txFillClrLst/>
+    <dgm:txEffectClrLst/>
+  </dgm:styleLbl>
+  <dgm:styleLbl name="lnNode1">
+    <dgm:fillClrLst meth="repeat">
+      <a:schemeClr val="accent2"/>
+      <a:schemeClr val="accent3"/>
+      <a:schemeClr val="accent4"/>
+      <a:schemeClr val="accent5"/>
+      <a:schemeClr val="accent6"/>
+    </dgm:fillClrLst>
+    <dgm:linClrLst meth="repeat">
+      <a:schemeClr val="lt1"/>
+    </dgm:linClrLst>
+    <dgm:effectClrLst/>
+    <dgm:txLinClrLst/>
+    <dgm:txFillClrLst/>
+    <dgm:txEffectClrLst/>
+  </dgm:styleLbl>
+  <dgm:styleLbl name="vennNode1">
+    <dgm:fillClrLst meth="repeat">
+      <a:schemeClr val="accent2">
+        <a:alpha val="50000"/>
+      </a:schemeClr>
+      <a:schemeClr val="accent3">
+        <a:alpha val="50000"/>
+      </a:schemeClr>
+      <a:schemeClr val="accent4">
+        <a:alpha val="50000"/>
+      </a:schemeClr>
+      <a:schemeClr val="accent5">
+        <a:alpha val="50000"/>
+      </a:schemeClr>
+      <a:schemeClr val="accent6">
+        <a:alpha val="50000"/>
+      </a:schemeClr>
+    </dgm:fillClrLst>
+    <dgm:linClrLst meth="repeat">
+      <a:schemeClr val="lt1"/>
+    </dgm:linClrLst>
+    <dgm:effectClrLst/>
+    <dgm:txLinClrLst/>
+    <dgm:txFillClrLst/>
+    <dgm:txEffectClrLst/>
+  </dgm:styleLbl>
+  <dgm:styleLbl name="node2">
+    <dgm:fillClrLst>
+      <a:schemeClr val="accent2"/>
+    </dgm:fillClrLst>
+    <dgm:linClrLst meth="repeat">
+      <a:schemeClr val="lt1"/>
+    </dgm:linClrLst>
+    <dgm:effectClrLst/>
+    <dgm:txLinClrLst/>
+    <dgm:txFillClrLst/>
+    <dgm:txEffectClrLst/>
+  </dgm:styleLbl>
+  <dgm:styleLbl name="node3">
+    <dgm:fillClrLst>
+      <a:schemeClr val="accent3"/>
+    </dgm:fillClrLst>
+    <dgm:linClrLst meth="repeat">
+      <a:schemeClr val="lt1"/>
+    </dgm:linClrLst>
+    <dgm:effectClrLst/>
+    <dgm:txLinClrLst/>
+    <dgm:txFillClrLst/>
+    <dgm:txEffectClrLst/>
+  </dgm:styleLbl>
+  <dgm:styleLbl name="node4">
+    <dgm:fillClrLst>
+      <a:schemeClr val="accent4"/>
+    </dgm:fillClrLst>
+    <dgm:linClrLst meth="repeat">
+      <a:schemeClr val="lt1"/>
+    </dgm:linClrLst>
+    <dgm:effectClrLst/>
+    <dgm:txLinClrLst/>
+    <dgm:txFillClrLst/>
+    <dgm:txEffectClrLst/>
+  </dgm:styleLbl>
+  <dgm:styleLbl name="fgImgPlace1">
+    <dgm:fillClrLst meth="repeat">
+      <a:schemeClr val="accent2">
+        <a:tint val="50000"/>
+      </a:schemeClr>
+      <a:schemeClr val="accent3">
+        <a:tint val="50000"/>
+      </a:schemeClr>
+      <a:schemeClr val="accent4">
+        <a:tint val="50000"/>
+      </a:schemeClr>
+      <a:schemeClr val="accent5">
+        <a:tint val="50000"/>
+      </a:schemeClr>
+      <a:schemeClr val="accent6">
+        <a:tint val="50000"/>
+      </a:schemeClr>
+    </dgm:fillClrLst>
+    <dgm:linClrLst meth="repeat">
+      <a:schemeClr val="lt1"/>
+    </dgm:linClrLst>
+    <dgm:effectClrLst/>
+    <dgm:txLinClrLst/>
+    <dgm:txFillClrLst meth="repeat">
+      <a:schemeClr val="lt1"/>
+    </dgm:txFillClrLst>
+    <dgm:txEffectClrLst/>
+  </dgm:styleLbl>
+  <dgm:styleLbl name="alignImgPlace1">
+    <dgm:fillClrLst>
+      <a:schemeClr val="accent1">
+        <a:tint val="50000"/>
+      </a:schemeClr>
+      <a:schemeClr val="accent2">
+        <a:tint val="20000"/>
+      </a:schemeClr>
+    </dgm:fillClrLst>
+    <dgm:linClrLst meth="repeat">
+      <a:schemeClr val="lt1"/>
+    </dgm:linClrLst>
+    <dgm:effectClrLst/>
+    <dgm:txLinClrLst/>
+    <dgm:txFillClrLst meth="repeat">
+      <a:schemeClr val="lt1"/>
+    </dgm:txFillClrLst>
+    <dgm:txEffectClrLst/>
+  </dgm:styleLbl>
+  <dgm:styleLbl name="bgImgPlace1">
+    <dgm:fillClrLst>
+      <a:schemeClr val="accent1">
+        <a:tint val="50000"/>
+      </a:schemeClr>
+      <a:schemeClr val="accent2">
+        <a:tint val="20000"/>
+      </a:schemeClr>
+    </dgm:fillClrLst>
+    <dgm:linClrLst meth="repeat">
+      <a:schemeClr val="lt1"/>
+    </dgm:linClrLst>
+    <dgm:effectClrLst/>
+    <dgm:txLinClrLst/>
+    <dgm:txFillClrLst meth="repeat">
+      <a:schemeClr val="lt1"/>
+    </dgm:txFillClrLst>
+    <dgm:txEffectClrLst/>
+  </dgm:styleLbl>
+  <dgm:styleLbl name="sibTrans2D1">
+    <dgm:fillClrLst meth="repeat">
+      <a:schemeClr val="accent2"/>
+      <a:schemeClr val="accent3"/>
+      <a:schemeClr val="accent4"/>
+      <a:schemeClr val="accent5"/>
+      <a:schemeClr val="accent6"/>
+    </dgm:fillClrLst>
+    <dgm:linClrLst meth="cycle">
+      <a:schemeClr val="lt1"/>
+    </dgm:linClrLst>
+    <dgm:effectClrLst/>
+    <dgm:txLinClrLst/>
+    <dgm:txFillClrLst/>
+    <dgm:txEffectClrLst/>
+  </dgm:styleLbl>
+  <dgm:styleLbl name="fgSibTrans2D1">
+    <dgm:fillClrLst meth="repeat">
+      <a:schemeClr val="accent2"/>
+      <a:schemeClr val="accent3"/>
+      <a:schemeClr val="accent4"/>
+      <a:schemeClr val="accent5"/>
+      <a:schemeClr val="accent6"/>
+    </dgm:fillClrLst>
+    <dgm:linClrLst meth="cycle">
+      <a:schemeClr val="lt1"/>
+    </dgm:linClrLst>
+    <dgm:effectClrLst/>
+    <dgm:txLinClrLst/>
+    <dgm:txFillClrLst meth="repeat">
+      <a:schemeClr val="lt1"/>
+    </dgm:txFillClrLst>
+    <dgm:txEffectClrLst/>
+  </dgm:styleLbl>
+  <dgm:styleLbl name="bgSibTrans2D1">
+    <dgm:fillClrLst meth="repeat">
+      <a:schemeClr val="accent2"/>
+      <a:schemeClr val="accent3"/>
+      <a:schemeClr val="accent4"/>
+      <a:schemeClr val="accent5"/>
+      <a:schemeClr val="accent6"/>
+    </dgm:fillClrLst>
+    <dgm:linClrLst meth="cycle">
+      <a:schemeClr val="lt1"/>
+    </dgm:linClrLst>
+    <dgm:effectClrLst/>
+    <dgm:txLinClrLst/>
+    <dgm:txFillClrLst meth="repeat">
+      <a:schemeClr val="lt1"/>
+    </dgm:txFillClrLst>
+    <dgm:txEffectClrLst/>
+  </dgm:styleLbl>
+  <dgm:styleLbl name="sibTrans1D1">
+    <dgm:fillClrLst meth="repeat">
+      <a:schemeClr val="accent2"/>
+      <a:schemeClr val="accent3"/>
+      <a:schemeClr val="accent4"/>
+      <a:schemeClr val="accent5"/>
+      <a:schemeClr val="accent6"/>
+    </dgm:fillClrLst>
+    <dgm:linClrLst meth="repeat">
+      <a:schemeClr val="accent2"/>
+      <a:schemeClr val="accent3"/>
+      <a:schemeClr val="accent4"/>
+      <a:schemeClr val="accent5"/>
+      <a:schemeClr val="accent6"/>
+    </dgm:linClrLst>
+    <dgm:effectClrLst/>
+    <dgm:txLinClrLst/>
+    <dgm:txFillClrLst meth="repeat">
+      <a:schemeClr val="tx1"/>
+    </dgm:txFillClrLst>
+    <dgm:txEffectClrLst/>
+  </dgm:styleLbl>
+  <dgm:styleLbl name="callout">
+    <dgm:fillClrLst meth="repeat">
+      <a:schemeClr val="accent2"/>
+    </dgm:fillClrLst>
+    <dgm:linClrLst meth="repeat">
+      <a:schemeClr val="accent2">
+        <a:tint val="50000"/>
+      </a:schemeClr>
+    </dgm:linClrLst>
+    <dgm:effectClrLst/>
+    <dgm:txLinClrLst/>
+    <dgm:txFillClrLst meth="repeat">
+      <a:schemeClr val="tx1"/>
+    </dgm:txFillClrLst>
+    <dgm:txEffectClrLst/>
+  </dgm:styleLbl>
+  <dgm:styleLbl name="asst0">
+    <dgm:fillClrLst meth="repeat">
+      <a:schemeClr val="accent1"/>
+    </dgm:fillClrLst>
+    <dgm:linClrLst meth="repeat">
+      <a:schemeClr val="lt1"/>
+    </dgm:linClrLst>
+    <dgm:effectClrLst/>
+    <dgm:txLinClrLst/>
+    <dgm:txFillClrLst/>
+    <dgm:txEffectClrLst/>
+  </dgm:styleLbl>
+  <dgm:styleLbl name="asst1">
+    <dgm:fillClrLst meth="repeat">
+      <a:schemeClr val="accent2"/>
+    </dgm:fillClrLst>
+    <dgm:linClrLst meth="repeat">
+      <a:schemeClr val="lt1"/>
+    </dgm:linClrLst>
+    <dgm:effectClrLst/>
+    <dgm:txLinClrLst/>
+    <dgm:txFillClrLst/>
+    <dgm:txEffectClrLst/>
+  </dgm:styleLbl>
+  <dgm:styleLbl name="asst2">
+    <dgm:fillClrLst>
+      <a:schemeClr val="accent3"/>
+    </dgm:fillClrLst>
+    <dgm:linClrLst meth="repeat">
+      <a:schemeClr val="lt1"/>
+    </dgm:linClrLst>
+    <dgm:effectClrLst/>
+    <dgm:txLinClrLst/>
+    <dgm:txFillClrLst/>
+    <dgm:txEffectClrLst/>
+  </dgm:styleLbl>
+  <dgm:styleLbl name="asst3">
+    <dgm:fillClrLst>
+      <a:schemeClr val="accent4"/>
+    </dgm:fillClrLst>
+    <dgm:linClrLst meth="repeat">
+      <a:schemeClr val="lt1"/>
+    </dgm:linClrLst>
+    <dgm:effectClrLst/>
+    <dgm:txLinClrLst/>
+    <dgm:txFillClrLst/>
+    <dgm:txEffectClrLst/>
+  </dgm:styleLbl>
+  <dgm:styleLbl name="asst4">
+    <dgm:fillClrLst>
+      <a:schemeClr val="accent5"/>
+    </dgm:fillClrLst>
+    <dgm:linClrLst meth="repeat">
+      <a:schemeClr val="lt1"/>
+    </dgm:linClrLst>
+    <dgm:effectClrLst/>
+    <dgm:txLinClrLst/>
+    <dgm:txFillClrLst/>
+    <dgm:txEffectClrLst/>
+  </dgm:styleLbl>
+  <dgm:styleLbl name="parChTrans2D1">
+    <dgm:fillClrLst meth="repeat">
+      <a:schemeClr val="accent2"/>
+    </dgm:fillClrLst>
+    <dgm:linClrLst meth="repeat">
+      <a:schemeClr val="lt1"/>
+    </dgm:linClrLst>
+    <dgm:effectClrLst/>
+    <dgm:txLinClrLst/>
+    <dgm:txFillClrLst meth="repeat">
+      <a:schemeClr val="lt1"/>
+    </dgm:txFillClrLst>
+    <dgm:txEffectClrLst/>
+  </dgm:styleLbl>
+  <dgm:styleLbl name="parChTrans2D2">
+    <dgm:fillClrLst meth="repeat">
+      <a:schemeClr val="accent3"/>
+    </dgm:fillClrLst>
+    <dgm:linClrLst meth="repeat">
+      <a:schemeClr val="lt1"/>
+    </dgm:linClrLst>
+    <dgm:effectClrLst/>
+    <dgm:txLinClrLst/>
+    <dgm:txFillClrLst/>
+    <dgm:txEffectClrLst/>
+  </dgm:styleLbl>
+  <dgm:styleLbl name="parChTrans2D3">
+    <dgm:fillClrLst meth="repeat">
+      <a:schemeClr val="accent4"/>
+    </dgm:fillClrLst>
+    <dgm:linClrLst meth="repeat">
+      <a:schemeClr val="lt1"/>
+    </dgm:linClrLst>
+    <dgm:effectClrLst/>
+    <dgm:txLinClrLst/>
+    <dgm:txFillClrLst/>
+    <dgm:txEffectClrLst/>
+  </dgm:styleLbl>
+  <dgm:styleLbl name="parChTrans2D4">
+    <dgm:fillClrLst meth="repeat">
+      <a:schemeClr val="accent5"/>
+    </dgm:fillClrLst>
+    <dgm:linClrLst meth="repeat">
+      <a:schemeClr val="lt1"/>
+    </dgm:linClrLst>
+    <dgm:effectClrLst/>
+    <dgm:txLinClrLst/>
+    <dgm:txFillClrLst meth="repeat">
+      <a:schemeClr val="lt1"/>
+    </dgm:txFillClrLst>
+    <dgm:txEffectClrLst/>
+  </dgm:styleLbl>
+  <dgm:styleLbl name="parChTrans1D1">
+    <dgm:fillClrLst meth="repeat">
+      <a:schemeClr val="accent2"/>
+    </dgm:fillClrLst>
+    <dgm:linClrLst meth="repeat">
+      <a:schemeClr val="accent1"/>
+    </dgm:linClrLst>
+    <dgm:effectClrLst/>
+    <dgm:txLinClrLst/>
+    <dgm:txFillClrLst meth="repeat">
+      <a:schemeClr val="tx1"/>
+    </dgm:txFillClrLst>
+    <dgm:txEffectClrLst/>
+  </dgm:styleLbl>
+  <dgm:styleLbl name="parChTrans1D2">
+    <dgm:fillClrLst meth="repeat">
+      <a:schemeClr val="accent3">
+        <a:tint val="90000"/>
+      </a:schemeClr>
+    </dgm:fillClrLst>
+    <dgm:linClrLst meth="repeat">
+      <a:schemeClr val="accent2"/>
+    </dgm:linClrLst>
+    <dgm:effectClrLst/>
+    <dgm:txLinClrLst/>
+    <dgm:txFillClrLst meth="repeat">
+      <a:schemeClr val="tx1"/>
+    </dgm:txFillClrLst>
+    <dgm:txEffectClrLst/>
+  </dgm:styleLbl>
+  <dgm:styleLbl name="parChTrans1D3">
+    <dgm:fillClrLst meth="repeat">
+      <a:schemeClr val="accent4">
+        <a:tint val="70000"/>
+      </a:schemeClr>
+    </dgm:fillClrLst>
+    <dgm:linClrLst meth="repeat">
+      <a:schemeClr val="accent3"/>
+    </dgm:linClrLst>
+    <dgm:effectClrLst/>
+    <dgm:txLinClrLst/>
+    <dgm:txFillClrLst meth="repeat">
+      <a:schemeClr val="tx1"/>
+    </dgm:txFillClrLst>
+    <dgm:txEffectClrLst/>
+  </dgm:styleLbl>
+  <dgm:styleLbl name="parChTrans1D4">
+    <dgm:fillClrLst meth="repeat">
+      <a:schemeClr val="accent5">
+        <a:tint val="50000"/>
+      </a:schemeClr>
+    </dgm:fillClrLst>
+    <dgm:linClrLst meth="repeat">
+      <a:schemeClr val="accent4"/>
+    </dgm:linClrLst>
+    <dgm:effectClrLst/>
+    <dgm:txLinClrLst/>
+    <dgm:txFillClrLst meth="repeat">
+      <a:schemeClr val="tx1"/>
+    </dgm:txFillClrLst>
+    <dgm:txEffectClrLst/>
+  </dgm:styleLbl>
+  <dgm:styleLbl name="fgAcc1">
+    <dgm:fillClrLst meth="repeat">
+      <a:schemeClr val="lt1">
+        <a:alpha val="90000"/>
+      </a:schemeClr>
+    </dgm:fillClrLst>
+    <dgm:linClrLst meth="repeat">
+      <a:schemeClr val="accent2"/>
+      <a:schemeClr val="accent3"/>
+      <a:schemeClr val="accent4"/>
+      <a:schemeClr val="accent5"/>
+      <a:schemeClr val="accent6"/>
+    </dgm:linClrLst>
+    <dgm:effectClrLst/>
+    <dgm:txLinClrLst/>
+    <dgm:txFillClrLst meth="repeat">
+      <a:schemeClr val="dk1"/>
+    </dgm:txFillClrLst>
+    <dgm:txEffectClrLst/>
+  </dgm:styleLbl>
+  <dgm:styleLbl name="conFgAcc1">
+    <dgm:fillClrLst meth="repeat">
+      <a:schemeClr val="lt1">
+        <a:alpha val="90000"/>
+      </a:schemeClr>
+    </dgm:fillClrLst>
+    <dgm:linClrLst meth="repeat">
+      <a:schemeClr val="accent2"/>
+      <a:schemeClr val="accent3"/>
+      <a:schemeClr val="accent4"/>
+      <a:schemeClr val="accent5"/>
+      <a:schemeClr val="accent6"/>
+    </dgm:linClrLst>
+    <dgm:effectClrLst/>
+    <dgm:txLinClrLst/>
+    <dgm:txFillClrLst meth="repeat">
+      <a:schemeClr val="dk1"/>
+    </dgm:txFillClrLst>
+    <dgm:txEffectClrLst/>
+  </dgm:styleLbl>
+  <dgm:styleLbl name="alignAcc1">
+    <dgm:fillClrLst meth="repeat">
+      <a:schemeClr val="lt1">
+        <a:alpha val="90000"/>
+      </a:schemeClr>
+    </dgm:fillClrLst>
+    <dgm:linClrLst meth="repeat">
+      <a:schemeClr val="accent2"/>
+      <a:schemeClr val="accent3"/>
+      <a:schemeClr val="accent4"/>
+      <a:schemeClr val="accent5"/>
+      <a:schemeClr val="accent6"/>
+    </dgm:linClrLst>
+    <dgm:effectClrLst/>
+    <dgm:txLinClrLst/>
+    <dgm:txFillClrLst meth="repeat">
+      <a:schemeClr val="dk1"/>
+    </dgm:txFillClrLst>
+    <dgm:txEffectClrLst/>
+  </dgm:styleLbl>
+  <dgm:styleLbl name="trAlignAcc1">
+    <dgm:fillClrLst meth="repeat">
+      <a:schemeClr val="lt1">
+        <a:alpha val="40000"/>
+      </a:schemeClr>
+    </dgm:fillClrLst>
+    <dgm:linClrLst meth="repeat">
+      <a:schemeClr val="accent1"/>
+    </dgm:linClrLst>
+    <dgm:effectClrLst/>
+    <dgm:txLinClrLst/>
+    <dgm:txFillClrLst meth="repeat">
+      <a:schemeClr val="dk1"/>
+    </dgm:txFillClrLst>
+    <dgm:txEffectClrLst/>
+  </dgm:styleLbl>
+  <dgm:styleLbl name="bgAcc1">
+    <dgm:fillClrLst meth="repeat">
+      <a:schemeClr val="lt1">
+        <a:alpha val="90000"/>
+      </a:schemeClr>
+    </dgm:fillClrLst>
+    <dgm:linClrLst meth="repeat">
+      <a:schemeClr val="accent2"/>
+      <a:schemeClr val="accent3"/>
+      <a:schemeClr val="accent4"/>
+      <a:schemeClr val="accent5"/>
+      <a:schemeClr val="accent6"/>
+    </dgm:linClrLst>
+    <dgm:effectClrLst/>
+    <dgm:txLinClrLst/>
+    <dgm:txFillClrLst meth="repeat">
+      <a:schemeClr val="dk1"/>
+    </dgm:txFillClrLst>
+    <dgm:txEffectClrLst/>
+  </dgm:styleLbl>
+  <dgm:styleLbl name="solidFgAcc1">
+    <dgm:fillClrLst meth="repeat">
+      <a:schemeClr val="lt1"/>
+    </dgm:fillClrLst>
+    <dgm:linClrLst meth="repeat">
+      <a:schemeClr val="accent2"/>
+      <a:schemeClr val="accent3"/>
+      <a:schemeClr val="accent4"/>
+      <a:schemeClr val="accent5"/>
+      <a:schemeClr val="accent6"/>
+    </dgm:linClrLst>
+    <dgm:effectClrLst/>
+    <dgm:txLinClrLst/>
+    <dgm:txFillClrLst meth="repeat">
+      <a:schemeClr val="dk1"/>
+    </dgm:txFillClrLst>
+    <dgm:txEffectClrLst/>
+  </dgm:styleLbl>
+  <dgm:styleLbl name="solidAlignAcc1">
+    <dgm:fillClrLst meth="repeat">
+      <a:schemeClr val="lt1"/>
+    </dgm:fillClrLst>
+    <dgm:linClrLst meth="repeat">
+      <a:schemeClr val="accent2"/>
+      <a:schemeClr val="accent3"/>
+      <a:schemeClr val="accent4"/>
+      <a:schemeClr val="accent5"/>
+      <a:schemeClr val="accent6"/>
+    </dgm:linClrLst>
+    <dgm:effectClrLst/>
+    <dgm:txLinClrLst/>
+    <dgm:txFillClrLst meth="repeat">
+      <a:schemeClr val="dk1"/>
+    </dgm:txFillClrLst>
+    <dgm:txEffectClrLst/>
+  </dgm:styleLbl>
+  <dgm:styleLbl name="solidBgAcc1">
+    <dgm:fillClrLst meth="repeat">
+      <a:schemeClr val="lt1"/>
+    </dgm:fillClrLst>
+    <dgm:linClrLst meth="repeat">
+      <a:schemeClr val="accent2"/>
+      <a:schemeClr val="accent3"/>
+      <a:schemeClr val="accent4"/>
+      <a:schemeClr val="accent5"/>
+      <a:schemeClr val="accent6"/>
+    </dgm:linClrLst>
+    <dgm:effectClrLst/>
+    <dgm:txLinClrLst/>
+    <dgm:txFillClrLst meth="repeat">
+      <a:schemeClr val="dk1"/>
+    </dgm:txFillClrLst>
+    <dgm:txEffectClrLst/>
+  </dgm:styleLbl>
+  <dgm:styleLbl name="fgAccFollowNode1">
+    <dgm:fillClrLst meth="repeat">
+      <a:schemeClr val="accent2">
+        <a:tint val="40000"/>
+        <a:alpha val="90000"/>
+      </a:schemeClr>
+      <a:schemeClr val="accent3">
+        <a:tint val="40000"/>
+        <a:alpha val="90000"/>
+      </a:schemeClr>
+      <a:schemeClr val="accent4">
+        <a:tint val="40000"/>
+        <a:alpha val="90000"/>
+      </a:schemeClr>
+      <a:schemeClr val="accent5">
+        <a:tint val="40000"/>
+        <a:alpha val="90000"/>
+      </a:schemeClr>
+      <a:schemeClr val="accent6">
+        <a:tint val="40000"/>
+        <a:alpha val="90000"/>
+      </a:schemeClr>
+    </dgm:fillClrLst>
+    <dgm:linClrLst meth="repeat">
+      <a:schemeClr val="accent2">
+        <a:tint val="40000"/>
+        <a:alpha val="90000"/>
+      </a:schemeClr>
+      <a:schemeClr val="accent3">
+        <a:tint val="40000"/>
+        <a:alpha val="90000"/>
+      </a:schemeClr>
+      <a:schemeClr val="accent4">
+        <a:tint val="40000"/>
+        <a:alpha val="90000"/>
+      </a:schemeClr>
+      <a:schemeClr val="accent5">
+        <a:tint val="40000"/>
+        <a:alpha val="90000"/>
+      </a:schemeClr>
+      <a:schemeClr val="accent6">
+        <a:tint val="40000"/>
+        <a:alpha val="90000"/>
+      </a:schemeClr>
+    </dgm:linClrLst>
+    <dgm:effectClrLst/>
+    <dgm:txLinClrLst/>
+    <dgm:txFillClrLst meth="repeat">
+      <a:schemeClr val="dk1"/>
+    </dgm:txFillClrLst>
+    <dgm:txEffectClrLst/>
+  </dgm:styleLbl>
+  <dgm:styleLbl name="alignAccFollowNode1">
+    <dgm:fillClrLst meth="repeat">
+      <a:schemeClr val="accent2">
+        <a:tint val="40000"/>
+        <a:alpha val="90000"/>
+      </a:schemeClr>
+      <a:schemeClr val="accent3">
+        <a:tint val="40000"/>
+        <a:alpha val="90000"/>
+      </a:schemeClr>
+      <a:schemeClr val="accent4">
+        <a:tint val="40000"/>
+        <a:alpha val="90000"/>
+      </a:schemeClr>
+      <a:schemeClr val="accent5">
+        <a:tint val="40000"/>
+        <a:alpha val="90000"/>
+      </a:schemeClr>
+      <a:schemeClr val="accent6">
+        <a:tint val="40000"/>
+        <a:alpha val="90000"/>
+      </a:schemeClr>
+    </dgm:fillClrLst>
+    <dgm:linClrLst meth="repeat">
+      <a:schemeClr val="accent2">
+        <a:tint val="40000"/>
+        <a:alpha val="90000"/>
+      </a:schemeClr>
+      <a:schemeClr val="accent3">
+        <a:tint val="40000"/>
+        <a:alpha val="90000"/>
+      </a:schemeClr>
+      <a:schemeClr val="accent4">
+        <a:tint val="40000"/>
+        <a:alpha val="90000"/>
+      </a:schemeClr>
+      <a:schemeClr val="accent5">
+        <a:tint val="40000"/>
+        <a:alpha val="90000"/>
+      </a:schemeClr>
+      <a:schemeClr val="accent6">
+        <a:tint val="40000"/>
+        <a:alpha val="90000"/>
+      </a:schemeClr>
+    </dgm:linClrLst>
+    <dgm:effectClrLst/>
+    <dgm:txLinClrLst/>
+    <dgm:txFillClrLst meth="repeat">
+      <a:schemeClr val="dk1"/>
+    </dgm:txFillClrLst>
+    <dgm:txEffectClrLst/>
+  </dgm:styleLbl>
+  <dgm:styleLbl name="bgAccFollowNode1">
+    <dgm:fillClrLst meth="repeat">
+      <a:schemeClr val="accent2">
+        <a:tint val="40000"/>
+        <a:alpha val="90000"/>
+      </a:schemeClr>
+      <a:schemeClr val="accent3">
+        <a:tint val="40000"/>
+        <a:alpha val="90000"/>
+      </a:schemeClr>
+      <a:schemeClr val="accent4">
+        <a:tint val="40000"/>
+        <a:alpha val="90000"/>
+      </a:schemeClr>
+      <a:schemeClr val="accent5">
+        <a:tint val="40000"/>
+        <a:alpha val="90000"/>
+      </a:schemeClr>
+      <a:schemeClr val="accent6">
+        <a:tint val="40000"/>
+        <a:alpha val="90000"/>
+      </a:schemeClr>
+    </dgm:fillClrLst>
+    <dgm:linClrLst meth="repeat">
+      <a:schemeClr val="accent2">
+        <a:tint val="40000"/>
+        <a:alpha val="90000"/>
+      </a:schemeClr>
+      <a:schemeClr val="accent3">
+        <a:tint val="40000"/>
+        <a:alpha val="90000"/>
+      </a:schemeClr>
+      <a:schemeClr val="accent4">
+        <a:tint val="40000"/>
+        <a:alpha val="90000"/>
+      </a:schemeClr>
+      <a:schemeClr val="accent5">
+        <a:tint val="40000"/>
+        <a:alpha val="90000"/>
+      </a:schemeClr>
+      <a:schemeClr val="accent6">
+        <a:tint val="40000"/>
+        <a:alpha val="90000"/>
+      </a:schemeClr>
+    </dgm:linClrLst>
+    <dgm:effectClrLst/>
+    <dgm:txLinClrLst/>
+    <dgm:txFillClrLst meth="repeat">
+      <a:schemeClr val="dk1"/>
+    </dgm:txFillClrLst>
+    <dgm:txEffectClrLst/>
+  </dgm:styleLbl>
+  <dgm:styleLbl name="fgAcc0">
+    <dgm:fillClrLst meth="repeat">
+      <a:schemeClr val="lt1">
+        <a:alpha val="90000"/>
+      </a:schemeClr>
+    </dgm:fillClrLst>
+    <dgm:linClrLst>
+      <a:schemeClr val="accent1"/>
+    </dgm:linClrLst>
+    <dgm:effectClrLst/>
+    <dgm:txLinClrLst/>
+    <dgm:txFillClrLst meth="repeat">
+      <a:schemeClr val="dk1"/>
+    </dgm:txFillClrLst>
+    <dgm:txEffectClrLst/>
+  </dgm:styleLbl>
+  <dgm:styleLbl name="fgAcc2">
+    <dgm:fillClrLst meth="repeat">
+      <a:schemeClr val="lt1">
+        <a:alpha val="90000"/>
+      </a:schemeClr>
+    </dgm:fillClrLst>
+    <dgm:linClrLst>
+      <a:schemeClr val="accent2"/>
+    </dgm:linClrLst>
+    <dgm:effectClrLst/>
+    <dgm:txLinClrLst/>
+    <dgm:txFillClrLst meth="repeat">
+      <a:schemeClr val="dk1"/>
+    </dgm:txFillClrLst>
+    <dgm:txEffectClrLst/>
+  </dgm:styleLbl>
+  <dgm:styleLbl name="fgAcc3">
+    <dgm:fillClrLst meth="repeat">
+      <a:schemeClr val="lt1">
+        <a:alpha val="90000"/>
+      </a:schemeClr>
+    </dgm:fillClrLst>
+    <dgm:linClrLst>
+      <a:schemeClr val="accent3"/>
+    </dgm:linClrLst>
+    <dgm:effectClrLst/>
+    <dgm:txLinClrLst/>
+    <dgm:txFillClrLst meth="repeat">
+      <a:schemeClr val="dk1"/>
+    </dgm:txFillClrLst>
+    <dgm:txEffectClrLst/>
+  </dgm:styleLbl>
+  <dgm:styleLbl name="fgAcc4">
+    <dgm:fillClrLst meth="repeat">
+      <a:schemeClr val="lt1">
+        <a:alpha val="90000"/>
+      </a:schemeClr>
+    </dgm:fillClrLst>
+    <dgm:linClrLst>
+      <a:schemeClr val="accent4"/>
+    </dgm:linClrLst>
+    <dgm:effectClrLst/>
+    <dgm:txLinClrLst/>
+    <dgm:txFillClrLst meth="repeat">
+      <a:schemeClr val="dk1"/>
+    </dgm:txFillClrLst>
+    <dgm:txEffectClrLst/>
+  </dgm:styleLbl>
+  <dgm:styleLbl name="bgShp">
+    <dgm:fillClrLst meth="repeat">
+      <a:schemeClr val="accent2">
+        <a:tint val="40000"/>
+      </a:schemeClr>
+    </dgm:fillClrLst>
+    <dgm:linClrLst meth="repeat">
+      <a:schemeClr val="dk1"/>
+    </dgm:linClrLst>
+    <dgm:effectClrLst/>
+    <dgm:txLinClrLst/>
+    <dgm:txFillClrLst meth="repeat">
+      <a:schemeClr val="dk1"/>
+    </dgm:txFillClrLst>
+    <dgm:txEffectClrLst/>
+  </dgm:styleLbl>
+  <dgm:styleLbl name="dkBgShp">
+    <dgm:fillClrLst meth="repeat">
+      <a:schemeClr val="accent2">
+        <a:shade val="90000"/>
+      </a:schemeClr>
+    </dgm:fillClrLst>
+    <dgm:linClrLst meth="repeat">
+      <a:schemeClr val="dk1"/>
+    </dgm:linClrLst>
+    <dgm:effectClrLst/>
+    <dgm:txLinClrLst/>
+    <dgm:txFillClrLst meth="repeat">
+      <a:schemeClr val="lt1"/>
+    </dgm:txFillClrLst>
+    <dgm:txEffectClrLst/>
+  </dgm:styleLbl>
+  <dgm:styleLbl name="trBgShp">
+    <dgm:fillClrLst meth="repeat">
+      <a:schemeClr val="accent1">
+        <a:tint val="50000"/>
+        <a:alpha val="40000"/>
+      </a:schemeClr>
+    </dgm:fillClrLst>
+    <dgm:linClrLst meth="repeat">
+      <a:schemeClr val="accent2"/>
+    </dgm:linClrLst>
+    <dgm:effectClrLst/>
+    <dgm:txLinClrLst/>
+    <dgm:txFillClrLst meth="repeat">
+      <a:schemeClr val="lt1"/>
+    </dgm:txFillClrLst>
+    <dgm:txEffectClrLst/>
+  </dgm:styleLbl>
+  <dgm:styleLbl name="fgShp">
+    <dgm:fillClrLst meth="repeat">
+      <a:schemeClr val="accent2">
+        <a:tint val="40000"/>
       </a:schemeClr>
     </dgm:fillClrLst>
     <dgm:linClrLst meth="repeat">
@@ -1155,18 +2074,46 @@
         </dgm:presLayoutVars>
       </dgm:prSet>
       <dgm:spPr/>
+      <dgm:t>
+        <a:bodyPr/>
+        <a:lstStyle/>
+        <a:p>
+          <a:endParaRPr lang="fr-FR"/>
+        </a:p>
+      </dgm:t>
     </dgm:pt>
     <dgm:pt modelId="{795B084A-6AF2-4FE3-B8E7-6E77B4B1B4FE}" type="pres">
       <dgm:prSet presAssocID="{6C7F26EE-DC41-4FCE-9A2B-BCB785BD3D40}" presName="centerShape" presStyleLbl="node0" presStyleIdx="0" presStyleCnt="1" custScaleX="134623" custScaleY="61213"/>
       <dgm:spPr/>
+      <dgm:t>
+        <a:bodyPr/>
+        <a:lstStyle/>
+        <a:p>
+          <a:endParaRPr lang="fr-FR"/>
+        </a:p>
+      </dgm:t>
     </dgm:pt>
     <dgm:pt modelId="{855A38A7-EDEB-431E-A167-42643272BBEE}" type="pres">
       <dgm:prSet presAssocID="{BF08AF18-252A-4A5D-9A63-82B61EF94DB5}" presName="parTrans" presStyleLbl="sibTrans2D1" presStyleIdx="0" presStyleCnt="6"/>
       <dgm:spPr/>
+      <dgm:t>
+        <a:bodyPr/>
+        <a:lstStyle/>
+        <a:p>
+          <a:endParaRPr lang="fr-FR"/>
+        </a:p>
+      </dgm:t>
     </dgm:pt>
     <dgm:pt modelId="{C5CB236E-81F3-4E87-9694-5BDFFCCF0DCD}" type="pres">
       <dgm:prSet presAssocID="{BF08AF18-252A-4A5D-9A63-82B61EF94DB5}" presName="connectorText" presStyleLbl="sibTrans2D1" presStyleIdx="0" presStyleCnt="6"/>
       <dgm:spPr/>
+      <dgm:t>
+        <a:bodyPr/>
+        <a:lstStyle/>
+        <a:p>
+          <a:endParaRPr lang="fr-FR"/>
+        </a:p>
+      </dgm:t>
     </dgm:pt>
     <dgm:pt modelId="{A4EEF9AC-C79A-4CC0-AE94-3847C4155BC9}" type="pres">
       <dgm:prSet presAssocID="{ABD21938-04B1-41CA-83C8-2ABDF967D126}" presName="node" presStyleLbl="node1" presStyleIdx="0" presStyleCnt="6" custScaleX="134758" custScaleY="53903" custRadScaleRad="87743" custRadScaleInc="-3456">
@@ -1175,14 +2122,35 @@
         </dgm:presLayoutVars>
       </dgm:prSet>
       <dgm:spPr/>
+      <dgm:t>
+        <a:bodyPr/>
+        <a:lstStyle/>
+        <a:p>
+          <a:endParaRPr lang="fr-FR"/>
+        </a:p>
+      </dgm:t>
     </dgm:pt>
     <dgm:pt modelId="{67BD1836-BBD8-49E6-8A1D-0B6AD1A49804}" type="pres">
       <dgm:prSet presAssocID="{AF093D10-7012-425E-8E21-3F88DE2923C4}" presName="parTrans" presStyleLbl="sibTrans2D1" presStyleIdx="1" presStyleCnt="6"/>
       <dgm:spPr/>
+      <dgm:t>
+        <a:bodyPr/>
+        <a:lstStyle/>
+        <a:p>
+          <a:endParaRPr lang="fr-FR"/>
+        </a:p>
+      </dgm:t>
     </dgm:pt>
     <dgm:pt modelId="{44173EF8-C060-456B-A7FF-51FF3C3F3728}" type="pres">
       <dgm:prSet presAssocID="{AF093D10-7012-425E-8E21-3F88DE2923C4}" presName="connectorText" presStyleLbl="sibTrans2D1" presStyleIdx="1" presStyleCnt="6"/>
       <dgm:spPr/>
+      <dgm:t>
+        <a:bodyPr/>
+        <a:lstStyle/>
+        <a:p>
+          <a:endParaRPr lang="fr-FR"/>
+        </a:p>
+      </dgm:t>
     </dgm:pt>
     <dgm:pt modelId="{3CA7F5B3-1CF7-48CD-9446-5EAAC42314B2}" type="pres">
       <dgm:prSet presAssocID="{F0C6DB36-3872-4B58-8E34-E788738E6D2E}" presName="node" presStyleLbl="node1" presStyleIdx="1" presStyleCnt="6" custScaleX="134758" custScaleY="53903" custRadScaleRad="106734" custRadScaleInc="8488">
@@ -1191,14 +2159,35 @@
         </dgm:presLayoutVars>
       </dgm:prSet>
       <dgm:spPr/>
+      <dgm:t>
+        <a:bodyPr/>
+        <a:lstStyle/>
+        <a:p>
+          <a:endParaRPr lang="fr-FR"/>
+        </a:p>
+      </dgm:t>
     </dgm:pt>
     <dgm:pt modelId="{79CA3347-9782-411C-88F7-42E0FDE4A993}" type="pres">
       <dgm:prSet presAssocID="{D505439A-4959-4459-A573-2343A93FF006}" presName="parTrans" presStyleLbl="sibTrans2D1" presStyleIdx="2" presStyleCnt="6"/>
       <dgm:spPr/>
+      <dgm:t>
+        <a:bodyPr/>
+        <a:lstStyle/>
+        <a:p>
+          <a:endParaRPr lang="fr-FR"/>
+        </a:p>
+      </dgm:t>
     </dgm:pt>
     <dgm:pt modelId="{FAC6D00E-7DBC-4269-B96D-AD34341426B3}" type="pres">
       <dgm:prSet presAssocID="{D505439A-4959-4459-A573-2343A93FF006}" presName="connectorText" presStyleLbl="sibTrans2D1" presStyleIdx="2" presStyleCnt="6"/>
       <dgm:spPr/>
+      <dgm:t>
+        <a:bodyPr/>
+        <a:lstStyle/>
+        <a:p>
+          <a:endParaRPr lang="fr-FR"/>
+        </a:p>
+      </dgm:t>
     </dgm:pt>
     <dgm:pt modelId="{4BBFCE1B-2519-4F4B-A2D6-A629CFD6B43E}" type="pres">
       <dgm:prSet presAssocID="{E03C1B12-9674-4158-82E6-380D58725FD2}" presName="node" presStyleLbl="node1" presStyleIdx="2" presStyleCnt="6" custScaleX="134758" custScaleY="53903" custRadScaleRad="112253" custRadScaleInc="-8187">
@@ -1207,14 +2196,35 @@
         </dgm:presLayoutVars>
       </dgm:prSet>
       <dgm:spPr/>
+      <dgm:t>
+        <a:bodyPr/>
+        <a:lstStyle/>
+        <a:p>
+          <a:endParaRPr lang="fr-FR"/>
+        </a:p>
+      </dgm:t>
     </dgm:pt>
     <dgm:pt modelId="{2908CCF2-B3E0-4425-A3A4-741C48F697CC}" type="pres">
       <dgm:prSet presAssocID="{7C67E25A-687E-43EF-A30E-1BE6BB1C96BB}" presName="parTrans" presStyleLbl="sibTrans2D1" presStyleIdx="3" presStyleCnt="6"/>
       <dgm:spPr/>
+      <dgm:t>
+        <a:bodyPr/>
+        <a:lstStyle/>
+        <a:p>
+          <a:endParaRPr lang="fr-FR"/>
+        </a:p>
+      </dgm:t>
     </dgm:pt>
     <dgm:pt modelId="{02EDF0E0-C93D-496C-9C44-8B52081CF42F}" type="pres">
       <dgm:prSet presAssocID="{7C67E25A-687E-43EF-A30E-1BE6BB1C96BB}" presName="connectorText" presStyleLbl="sibTrans2D1" presStyleIdx="3" presStyleCnt="6"/>
       <dgm:spPr/>
+      <dgm:t>
+        <a:bodyPr/>
+        <a:lstStyle/>
+        <a:p>
+          <a:endParaRPr lang="fr-FR"/>
+        </a:p>
+      </dgm:t>
     </dgm:pt>
     <dgm:pt modelId="{E47AF97F-3A35-4678-BBFB-CEBE864CC32F}" type="pres">
       <dgm:prSet presAssocID="{3BB986C5-39B4-419F-BC66-29AA94C2C8B4}" presName="node" presStyleLbl="node1" presStyleIdx="3" presStyleCnt="6" custScaleX="134758" custScaleY="53903" custRadScaleRad="90444" custRadScaleInc="3352">
@@ -1223,14 +2233,35 @@
         </dgm:presLayoutVars>
       </dgm:prSet>
       <dgm:spPr/>
+      <dgm:t>
+        <a:bodyPr/>
+        <a:lstStyle/>
+        <a:p>
+          <a:endParaRPr lang="fr-FR"/>
+        </a:p>
+      </dgm:t>
     </dgm:pt>
     <dgm:pt modelId="{6EA9DD4F-02C6-49FE-9FCF-19492F4C119B}" type="pres">
       <dgm:prSet presAssocID="{97E1711E-874A-4867-847A-9FB0D49421F4}" presName="parTrans" presStyleLbl="sibTrans2D1" presStyleIdx="4" presStyleCnt="6"/>
       <dgm:spPr/>
+      <dgm:t>
+        <a:bodyPr/>
+        <a:lstStyle/>
+        <a:p>
+          <a:endParaRPr lang="fr-FR"/>
+        </a:p>
+      </dgm:t>
     </dgm:pt>
     <dgm:pt modelId="{76B889AC-5DC7-49E9-9470-1726B0E1E77F}" type="pres">
       <dgm:prSet presAssocID="{97E1711E-874A-4867-847A-9FB0D49421F4}" presName="connectorText" presStyleLbl="sibTrans2D1" presStyleIdx="4" presStyleCnt="6"/>
       <dgm:spPr/>
+      <dgm:t>
+        <a:bodyPr/>
+        <a:lstStyle/>
+        <a:p>
+          <a:endParaRPr lang="fr-FR"/>
+        </a:p>
+      </dgm:t>
     </dgm:pt>
     <dgm:pt modelId="{F649323C-9A23-4780-ABBF-44EB22816205}" type="pres">
       <dgm:prSet presAssocID="{8E868AD2-930E-400E-AAA6-8A5A38622904}" presName="node" presStyleLbl="node1" presStyleIdx="4" presStyleCnt="6" custScaleX="134758" custScaleY="53903" custRadScaleRad="115077" custRadScaleInc="10623">
@@ -1239,14 +2270,35 @@
         </dgm:presLayoutVars>
       </dgm:prSet>
       <dgm:spPr/>
+      <dgm:t>
+        <a:bodyPr/>
+        <a:lstStyle/>
+        <a:p>
+          <a:endParaRPr lang="fr-FR"/>
+        </a:p>
+      </dgm:t>
     </dgm:pt>
     <dgm:pt modelId="{D8543BC6-C2A3-44A0-AD66-B070AE3B70F1}" type="pres">
       <dgm:prSet presAssocID="{CDC0C329-BEB2-408B-BDAB-EAAE090BC465}" presName="parTrans" presStyleLbl="sibTrans2D1" presStyleIdx="5" presStyleCnt="6"/>
       <dgm:spPr/>
+      <dgm:t>
+        <a:bodyPr/>
+        <a:lstStyle/>
+        <a:p>
+          <a:endParaRPr lang="fr-FR"/>
+        </a:p>
+      </dgm:t>
     </dgm:pt>
     <dgm:pt modelId="{4B41BC24-608A-47A8-894A-F5C3286201C3}" type="pres">
       <dgm:prSet presAssocID="{CDC0C329-BEB2-408B-BDAB-EAAE090BC465}" presName="connectorText" presStyleLbl="sibTrans2D1" presStyleIdx="5" presStyleCnt="6"/>
       <dgm:spPr/>
+      <dgm:t>
+        <a:bodyPr/>
+        <a:lstStyle/>
+        <a:p>
+          <a:endParaRPr lang="fr-FR"/>
+        </a:p>
+      </dgm:t>
     </dgm:pt>
     <dgm:pt modelId="{649B0251-076A-43A0-A9F0-20A26A16F648}" type="pres">
       <dgm:prSet presAssocID="{B62E7B2B-FA3A-426A-B7EB-F310A4C8F75C}" presName="node" presStyleLbl="node1" presStyleIdx="5" presStyleCnt="6" custScaleX="134758" custScaleY="53903" custRadScaleRad="109562" custRadScaleInc="-11039">
@@ -1255,36 +2307,43 @@
         </dgm:presLayoutVars>
       </dgm:prSet>
       <dgm:spPr/>
+      <dgm:t>
+        <a:bodyPr/>
+        <a:lstStyle/>
+        <a:p>
+          <a:endParaRPr lang="fr-FR"/>
+        </a:p>
+      </dgm:t>
     </dgm:pt>
   </dgm:ptLst>
   <dgm:cxnLst>
+    <dgm:cxn modelId="{9165EBD3-B066-4A24-9446-F2A6D64CD860}" type="presOf" srcId="{ABD21938-04B1-41CA-83C8-2ABDF967D126}" destId="{A4EEF9AC-C79A-4CC0-AE94-3847C4155BC9}" srcOrd="0" destOrd="0" presId="urn:microsoft.com/office/officeart/2005/8/layout/radial5"/>
+    <dgm:cxn modelId="{A27BD5C5-98E9-4318-AF6E-79EC1869D510}" srcId="{F9998325-7ADE-4311-A231-52FDC1B8CDA9}" destId="{6C7F26EE-DC41-4FCE-9A2B-BCB785BD3D40}" srcOrd="0" destOrd="0" parTransId="{E67DDFC5-6407-44C9-88BA-B29F651CA55F}" sibTransId="{32DAA5E5-A336-4688-A8E9-E9E67FCEA09C}"/>
+    <dgm:cxn modelId="{48B183D5-9229-49B8-B8BF-7CCC95286584}" type="presOf" srcId="{3BB986C5-39B4-419F-BC66-29AA94C2C8B4}" destId="{E47AF97F-3A35-4678-BBFB-CEBE864CC32F}" srcOrd="0" destOrd="0" presId="urn:microsoft.com/office/officeart/2005/8/layout/radial5"/>
+    <dgm:cxn modelId="{DA00FFCE-8051-4BEE-B2CB-D038378B4F4A}" type="presOf" srcId="{97E1711E-874A-4867-847A-9FB0D49421F4}" destId="{76B889AC-5DC7-49E9-9470-1726B0E1E77F}" srcOrd="1" destOrd="0" presId="urn:microsoft.com/office/officeart/2005/8/layout/radial5"/>
+    <dgm:cxn modelId="{E231FA1D-34BE-490D-93A5-27BDDF493FD6}" type="presOf" srcId="{F0C6DB36-3872-4B58-8E34-E788738E6D2E}" destId="{3CA7F5B3-1CF7-48CD-9446-5EAAC42314B2}" srcOrd="0" destOrd="0" presId="urn:microsoft.com/office/officeart/2005/8/layout/radial5"/>
+    <dgm:cxn modelId="{6A7F93C6-E7A5-40CF-BCA9-62CFB38140A6}" type="presOf" srcId="{7C67E25A-687E-43EF-A30E-1BE6BB1C96BB}" destId="{2908CCF2-B3E0-4425-A3A4-741C48F697CC}" srcOrd="0" destOrd="0" presId="urn:microsoft.com/office/officeart/2005/8/layout/radial5"/>
+    <dgm:cxn modelId="{5702097A-4CE3-41F2-81F9-FDD9F1A422E4}" type="presOf" srcId="{97E1711E-874A-4867-847A-9FB0D49421F4}" destId="{6EA9DD4F-02C6-49FE-9FCF-19492F4C119B}" srcOrd="0" destOrd="0" presId="urn:microsoft.com/office/officeart/2005/8/layout/radial5"/>
+    <dgm:cxn modelId="{D6147ED2-98C9-440A-8128-A2C7C8E7F921}" type="presOf" srcId="{BF08AF18-252A-4A5D-9A63-82B61EF94DB5}" destId="{C5CB236E-81F3-4E87-9694-5BDFFCCF0DCD}" srcOrd="1" destOrd="0" presId="urn:microsoft.com/office/officeart/2005/8/layout/radial5"/>
+    <dgm:cxn modelId="{A2A26490-63E0-4244-8E5E-DA191B3871F9}" srcId="{6C7F26EE-DC41-4FCE-9A2B-BCB785BD3D40}" destId="{ABD21938-04B1-41CA-83C8-2ABDF967D126}" srcOrd="0" destOrd="0" parTransId="{BF08AF18-252A-4A5D-9A63-82B61EF94DB5}" sibTransId="{E2D2F5AC-45C6-47DE-8D32-46362313B352}"/>
+    <dgm:cxn modelId="{CCA1D185-E200-464F-9472-1CE2C5A7E784}" type="presOf" srcId="{BF08AF18-252A-4A5D-9A63-82B61EF94DB5}" destId="{855A38A7-EDEB-431E-A167-42643272BBEE}" srcOrd="0" destOrd="0" presId="urn:microsoft.com/office/officeart/2005/8/layout/radial5"/>
+    <dgm:cxn modelId="{7EFFB9AC-B92F-4FE0-AD61-CD9D563F93D8}" type="presOf" srcId="{D505439A-4959-4459-A573-2343A93FF006}" destId="{79CA3347-9782-411C-88F7-42E0FDE4A993}" srcOrd="0" destOrd="0" presId="urn:microsoft.com/office/officeart/2005/8/layout/radial5"/>
+    <dgm:cxn modelId="{E0E29099-C7D9-46F1-9955-FB30872C1168}" type="presOf" srcId="{8E868AD2-930E-400E-AAA6-8A5A38622904}" destId="{F649323C-9A23-4780-ABBF-44EB22816205}" srcOrd="0" destOrd="0" presId="urn:microsoft.com/office/officeart/2005/8/layout/radial5"/>
+    <dgm:cxn modelId="{DDE09341-A8D5-48FF-80C0-A0DD3008222C}" type="presOf" srcId="{F9998325-7ADE-4311-A231-52FDC1B8CDA9}" destId="{C587B4A8-743B-42E8-A685-647273CB9C3E}" srcOrd="0" destOrd="0" presId="urn:microsoft.com/office/officeart/2005/8/layout/radial5"/>
+    <dgm:cxn modelId="{F7BF687E-CDC4-402E-AA1A-21EEA45381D3}" srcId="{6C7F26EE-DC41-4FCE-9A2B-BCB785BD3D40}" destId="{F0C6DB36-3872-4B58-8E34-E788738E6D2E}" srcOrd="1" destOrd="0" parTransId="{AF093D10-7012-425E-8E21-3F88DE2923C4}" sibTransId="{A8813212-DCE7-4664-97BA-CD68F83C165B}"/>
+    <dgm:cxn modelId="{8D6FC9A5-7FEF-406E-8FAF-7341EF098230}" srcId="{6C7F26EE-DC41-4FCE-9A2B-BCB785BD3D40}" destId="{8E868AD2-930E-400E-AAA6-8A5A38622904}" srcOrd="4" destOrd="0" parTransId="{97E1711E-874A-4867-847A-9FB0D49421F4}" sibTransId="{42EA9274-B982-4F92-AB98-104C73C78B23}"/>
+    <dgm:cxn modelId="{EFE7E207-FE94-4657-8EF6-9DB24939E01D}" srcId="{6C7F26EE-DC41-4FCE-9A2B-BCB785BD3D40}" destId="{B62E7B2B-FA3A-426A-B7EB-F310A4C8F75C}" srcOrd="5" destOrd="0" parTransId="{CDC0C329-BEB2-408B-BDAB-EAAE090BC465}" sibTransId="{6F80404E-2C54-4D9F-9ECA-7172053D77E5}"/>
+    <dgm:cxn modelId="{96AD066A-C83F-45F3-8784-C0EA75EEC60C}" type="presOf" srcId="{AF093D10-7012-425E-8E21-3F88DE2923C4}" destId="{44173EF8-C060-456B-A7FF-51FF3C3F3728}" srcOrd="1" destOrd="0" presId="urn:microsoft.com/office/officeart/2005/8/layout/radial5"/>
+    <dgm:cxn modelId="{ACB3CE3A-9A82-4288-848C-FF1454AC4B14}" type="presOf" srcId="{6C7F26EE-DC41-4FCE-9A2B-BCB785BD3D40}" destId="{795B084A-6AF2-4FE3-B8E7-6E77B4B1B4FE}" srcOrd="0" destOrd="0" presId="urn:microsoft.com/office/officeart/2005/8/layout/radial5"/>
+    <dgm:cxn modelId="{115F94F3-B364-44B5-B59A-022972CB01FC}" srcId="{6C7F26EE-DC41-4FCE-9A2B-BCB785BD3D40}" destId="{E03C1B12-9674-4158-82E6-380D58725FD2}" srcOrd="2" destOrd="0" parTransId="{D505439A-4959-4459-A573-2343A93FF006}" sibTransId="{79082AFD-ADB4-4A07-AD6D-3FAB394DA409}"/>
+    <dgm:cxn modelId="{4D9799D1-7C58-4CFA-B446-10A6EAE9D19E}" type="presOf" srcId="{CDC0C329-BEB2-408B-BDAB-EAAE090BC465}" destId="{4B41BC24-608A-47A8-894A-F5C3286201C3}" srcOrd="1" destOrd="0" presId="urn:microsoft.com/office/officeart/2005/8/layout/radial5"/>
+    <dgm:cxn modelId="{796749A4-54A5-4F96-8DF6-936CD2B5D858}" type="presOf" srcId="{D505439A-4959-4459-A573-2343A93FF006}" destId="{FAC6D00E-7DBC-4269-B96D-AD34341426B3}" srcOrd="1" destOrd="0" presId="urn:microsoft.com/office/officeart/2005/8/layout/radial5"/>
     <dgm:cxn modelId="{82D56A07-0F2D-4B39-8112-28903D5E7914}" srcId="{6C7F26EE-DC41-4FCE-9A2B-BCB785BD3D40}" destId="{3BB986C5-39B4-419F-BC66-29AA94C2C8B4}" srcOrd="3" destOrd="0" parTransId="{7C67E25A-687E-43EF-A30E-1BE6BB1C96BB}" sibTransId="{6D74F808-3D7F-4FA4-AAE3-8BE6FCE9A644}"/>
-    <dgm:cxn modelId="{EFE7E207-FE94-4657-8EF6-9DB24939E01D}" srcId="{6C7F26EE-DC41-4FCE-9A2B-BCB785BD3D40}" destId="{B62E7B2B-FA3A-426A-B7EB-F310A4C8F75C}" srcOrd="5" destOrd="0" parTransId="{CDC0C329-BEB2-408B-BDAB-EAAE090BC465}" sibTransId="{6F80404E-2C54-4D9F-9ECA-7172053D77E5}"/>
     <dgm:cxn modelId="{DB4DCA15-3A21-49E2-8DE1-AE14995A8429}" type="presOf" srcId="{7C67E25A-687E-43EF-A30E-1BE6BB1C96BB}" destId="{02EDF0E0-C93D-496C-9C44-8B52081CF42F}" srcOrd="1" destOrd="0" presId="urn:microsoft.com/office/officeart/2005/8/layout/radial5"/>
-    <dgm:cxn modelId="{E231FA1D-34BE-490D-93A5-27BDDF493FD6}" type="presOf" srcId="{F0C6DB36-3872-4B58-8E34-E788738E6D2E}" destId="{3CA7F5B3-1CF7-48CD-9446-5EAAC42314B2}" srcOrd="0" destOrd="0" presId="urn:microsoft.com/office/officeart/2005/8/layout/radial5"/>
+    <dgm:cxn modelId="{06F65436-5D60-422F-8FA6-E3C1921BED54}" type="presOf" srcId="{B62E7B2B-FA3A-426A-B7EB-F310A4C8F75C}" destId="{649B0251-076A-43A0-A9F0-20A26A16F648}" srcOrd="0" destOrd="0" presId="urn:microsoft.com/office/officeart/2005/8/layout/radial5"/>
     <dgm:cxn modelId="{0ED3562F-3DCF-42AB-82A3-B3E0DD0F2256}" type="presOf" srcId="{E03C1B12-9674-4158-82E6-380D58725FD2}" destId="{4BBFCE1B-2519-4F4B-A2D6-A629CFD6B43E}" srcOrd="0" destOrd="0" presId="urn:microsoft.com/office/officeart/2005/8/layout/radial5"/>
-    <dgm:cxn modelId="{06F65436-5D60-422F-8FA6-E3C1921BED54}" type="presOf" srcId="{B62E7B2B-FA3A-426A-B7EB-F310A4C8F75C}" destId="{649B0251-076A-43A0-A9F0-20A26A16F648}" srcOrd="0" destOrd="0" presId="urn:microsoft.com/office/officeart/2005/8/layout/radial5"/>
-    <dgm:cxn modelId="{ACB3CE3A-9A82-4288-848C-FF1454AC4B14}" type="presOf" srcId="{6C7F26EE-DC41-4FCE-9A2B-BCB785BD3D40}" destId="{795B084A-6AF2-4FE3-B8E7-6E77B4B1B4FE}" srcOrd="0" destOrd="0" presId="urn:microsoft.com/office/officeart/2005/8/layout/radial5"/>
-    <dgm:cxn modelId="{DDE09341-A8D5-48FF-80C0-A0DD3008222C}" type="presOf" srcId="{F9998325-7ADE-4311-A231-52FDC1B8CDA9}" destId="{C587B4A8-743B-42E8-A685-647273CB9C3E}" srcOrd="0" destOrd="0" presId="urn:microsoft.com/office/officeart/2005/8/layout/radial5"/>
-    <dgm:cxn modelId="{96AD066A-C83F-45F3-8784-C0EA75EEC60C}" type="presOf" srcId="{AF093D10-7012-425E-8E21-3F88DE2923C4}" destId="{44173EF8-C060-456B-A7FF-51FF3C3F3728}" srcOrd="1" destOrd="0" presId="urn:microsoft.com/office/officeart/2005/8/layout/radial5"/>
+    <dgm:cxn modelId="{74EEB082-FF03-4B2C-A079-A3F2D3709F1E}" type="presOf" srcId="{CDC0C329-BEB2-408B-BDAB-EAAE090BC465}" destId="{D8543BC6-C2A3-44A0-AD66-B070AE3B70F1}" srcOrd="0" destOrd="0" presId="urn:microsoft.com/office/officeart/2005/8/layout/radial5"/>
     <dgm:cxn modelId="{B9B8684B-2680-48F1-9A77-B950DD172C77}" type="presOf" srcId="{AF093D10-7012-425E-8E21-3F88DE2923C4}" destId="{67BD1836-BBD8-49E6-8A1D-0B6AD1A49804}" srcOrd="0" destOrd="0" presId="urn:microsoft.com/office/officeart/2005/8/layout/radial5"/>
-    <dgm:cxn modelId="{5702097A-4CE3-41F2-81F9-FDD9F1A422E4}" type="presOf" srcId="{97E1711E-874A-4867-847A-9FB0D49421F4}" destId="{6EA9DD4F-02C6-49FE-9FCF-19492F4C119B}" srcOrd="0" destOrd="0" presId="urn:microsoft.com/office/officeart/2005/8/layout/radial5"/>
-    <dgm:cxn modelId="{F7BF687E-CDC4-402E-AA1A-21EEA45381D3}" srcId="{6C7F26EE-DC41-4FCE-9A2B-BCB785BD3D40}" destId="{F0C6DB36-3872-4B58-8E34-E788738E6D2E}" srcOrd="1" destOrd="0" parTransId="{AF093D10-7012-425E-8E21-3F88DE2923C4}" sibTransId="{A8813212-DCE7-4664-97BA-CD68F83C165B}"/>
-    <dgm:cxn modelId="{74EEB082-FF03-4B2C-A079-A3F2D3709F1E}" type="presOf" srcId="{CDC0C329-BEB2-408B-BDAB-EAAE090BC465}" destId="{D8543BC6-C2A3-44A0-AD66-B070AE3B70F1}" srcOrd="0" destOrd="0" presId="urn:microsoft.com/office/officeart/2005/8/layout/radial5"/>
-    <dgm:cxn modelId="{CCA1D185-E200-464F-9472-1CE2C5A7E784}" type="presOf" srcId="{BF08AF18-252A-4A5D-9A63-82B61EF94DB5}" destId="{855A38A7-EDEB-431E-A167-42643272BBEE}" srcOrd="0" destOrd="0" presId="urn:microsoft.com/office/officeart/2005/8/layout/radial5"/>
-    <dgm:cxn modelId="{A2A26490-63E0-4244-8E5E-DA191B3871F9}" srcId="{6C7F26EE-DC41-4FCE-9A2B-BCB785BD3D40}" destId="{ABD21938-04B1-41CA-83C8-2ABDF967D126}" srcOrd="0" destOrd="0" parTransId="{BF08AF18-252A-4A5D-9A63-82B61EF94DB5}" sibTransId="{E2D2F5AC-45C6-47DE-8D32-46362313B352}"/>
-    <dgm:cxn modelId="{E0E29099-C7D9-46F1-9955-FB30872C1168}" type="presOf" srcId="{8E868AD2-930E-400E-AAA6-8A5A38622904}" destId="{F649323C-9A23-4780-ABBF-44EB22816205}" srcOrd="0" destOrd="0" presId="urn:microsoft.com/office/officeart/2005/8/layout/radial5"/>
-    <dgm:cxn modelId="{796749A4-54A5-4F96-8DF6-936CD2B5D858}" type="presOf" srcId="{D505439A-4959-4459-A573-2343A93FF006}" destId="{FAC6D00E-7DBC-4269-B96D-AD34341426B3}" srcOrd="1" destOrd="0" presId="urn:microsoft.com/office/officeart/2005/8/layout/radial5"/>
-    <dgm:cxn modelId="{8D6FC9A5-7FEF-406E-8FAF-7341EF098230}" srcId="{6C7F26EE-DC41-4FCE-9A2B-BCB785BD3D40}" destId="{8E868AD2-930E-400E-AAA6-8A5A38622904}" srcOrd="4" destOrd="0" parTransId="{97E1711E-874A-4867-847A-9FB0D49421F4}" sibTransId="{42EA9274-B982-4F92-AB98-104C73C78B23}"/>
-    <dgm:cxn modelId="{7EFFB9AC-B92F-4FE0-AD61-CD9D563F93D8}" type="presOf" srcId="{D505439A-4959-4459-A573-2343A93FF006}" destId="{79CA3347-9782-411C-88F7-42E0FDE4A993}" srcOrd="0" destOrd="0" presId="urn:microsoft.com/office/officeart/2005/8/layout/radial5"/>
-    <dgm:cxn modelId="{A27BD5C5-98E9-4318-AF6E-79EC1869D510}" srcId="{F9998325-7ADE-4311-A231-52FDC1B8CDA9}" destId="{6C7F26EE-DC41-4FCE-9A2B-BCB785BD3D40}" srcOrd="0" destOrd="0" parTransId="{E67DDFC5-6407-44C9-88BA-B29F651CA55F}" sibTransId="{32DAA5E5-A336-4688-A8E9-E9E67FCEA09C}"/>
-    <dgm:cxn modelId="{6A7F93C6-E7A5-40CF-BCA9-62CFB38140A6}" type="presOf" srcId="{7C67E25A-687E-43EF-A30E-1BE6BB1C96BB}" destId="{2908CCF2-B3E0-4425-A3A4-741C48F697CC}" srcOrd="0" destOrd="0" presId="urn:microsoft.com/office/officeart/2005/8/layout/radial5"/>
-    <dgm:cxn modelId="{DA00FFCE-8051-4BEE-B2CB-D038378B4F4A}" type="presOf" srcId="{97E1711E-874A-4867-847A-9FB0D49421F4}" destId="{76B889AC-5DC7-49E9-9470-1726B0E1E77F}" srcOrd="1" destOrd="0" presId="urn:microsoft.com/office/officeart/2005/8/layout/radial5"/>
-    <dgm:cxn modelId="{4D9799D1-7C58-4CFA-B446-10A6EAE9D19E}" type="presOf" srcId="{CDC0C329-BEB2-408B-BDAB-EAAE090BC465}" destId="{4B41BC24-608A-47A8-894A-F5C3286201C3}" srcOrd="1" destOrd="0" presId="urn:microsoft.com/office/officeart/2005/8/layout/radial5"/>
-    <dgm:cxn modelId="{D6147ED2-98C9-440A-8128-A2C7C8E7F921}" type="presOf" srcId="{BF08AF18-252A-4A5D-9A63-82B61EF94DB5}" destId="{C5CB236E-81F3-4E87-9694-5BDFFCCF0DCD}" srcOrd="1" destOrd="0" presId="urn:microsoft.com/office/officeart/2005/8/layout/radial5"/>
-    <dgm:cxn modelId="{9165EBD3-B066-4A24-9446-F2A6D64CD860}" type="presOf" srcId="{ABD21938-04B1-41CA-83C8-2ABDF967D126}" destId="{A4EEF9AC-C79A-4CC0-AE94-3847C4155BC9}" srcOrd="0" destOrd="0" presId="urn:microsoft.com/office/officeart/2005/8/layout/radial5"/>
-    <dgm:cxn modelId="{48B183D5-9229-49B8-B8BF-7CCC95286584}" type="presOf" srcId="{3BB986C5-39B4-419F-BC66-29AA94C2C8B4}" destId="{E47AF97F-3A35-4678-BBFB-CEBE864CC32F}" srcOrd="0" destOrd="0" presId="urn:microsoft.com/office/officeart/2005/8/layout/radial5"/>
-    <dgm:cxn modelId="{115F94F3-B364-44B5-B59A-022972CB01FC}" srcId="{6C7F26EE-DC41-4FCE-9A2B-BCB785BD3D40}" destId="{E03C1B12-9674-4158-82E6-380D58725FD2}" srcOrd="2" destOrd="0" parTransId="{D505439A-4959-4459-A573-2343A93FF006}" sibTransId="{79082AFD-ADB4-4A07-AD6D-3FAB394DA409}"/>
     <dgm:cxn modelId="{8B9BC0E2-457C-4F1B-9FAC-A97A73469517}" type="presParOf" srcId="{C587B4A8-743B-42E8-A685-647273CB9C3E}" destId="{795B084A-6AF2-4FE3-B8E7-6E77B4B1B4FE}" srcOrd="0" destOrd="0" presId="urn:microsoft.com/office/officeart/2005/8/layout/radial5"/>
     <dgm:cxn modelId="{0A006FF0-C2EC-4E22-BEEA-F922A33F3E8D}" type="presParOf" srcId="{C587B4A8-743B-42E8-A685-647273CB9C3E}" destId="{855A38A7-EDEB-431E-A167-42643272BBEE}" srcOrd="1" destOrd="0" presId="urn:microsoft.com/office/officeart/2005/8/layout/radial5"/>
     <dgm:cxn modelId="{A5230BF6-DE15-4DCC-857B-819590E791F4}" type="presParOf" srcId="{855A38A7-EDEB-431E-A167-42643272BBEE}" destId="{C5CB236E-81F3-4E87-9694-5BDFFCCF0DCD}" srcOrd="0" destOrd="0" presId="urn:microsoft.com/office/officeart/2005/8/layout/radial5"/>
@@ -1304,6 +2363,1222 @@
     <dgm:cxn modelId="{647F40A5-F55D-4E7C-993F-52318AB64AC4}" type="presParOf" srcId="{C587B4A8-743B-42E8-A685-647273CB9C3E}" destId="{D8543BC6-C2A3-44A0-AD66-B070AE3B70F1}" srcOrd="11" destOrd="0" presId="urn:microsoft.com/office/officeart/2005/8/layout/radial5"/>
     <dgm:cxn modelId="{5FB40B3E-D5DF-4A58-AD34-6C280623A4F1}" type="presParOf" srcId="{D8543BC6-C2A3-44A0-AD66-B070AE3B70F1}" destId="{4B41BC24-608A-47A8-894A-F5C3286201C3}" srcOrd="0" destOrd="0" presId="urn:microsoft.com/office/officeart/2005/8/layout/radial5"/>
     <dgm:cxn modelId="{EC87134B-34C3-4BD9-A5F0-159C87FC185B}" type="presParOf" srcId="{C587B4A8-743B-42E8-A685-647273CB9C3E}" destId="{649B0251-076A-43A0-A9F0-20A26A16F648}" srcOrd="12" destOrd="0" presId="urn:microsoft.com/office/officeart/2005/8/layout/radial5"/>
+  </dgm:cxnLst>
+  <dgm:bg/>
+  <dgm:whole/>
+  <dgm:extLst>
+    <a:ext uri="http://schemas.microsoft.com/office/drawing/2008/diagram">
+      <dsp:dataModelExt xmlns:dsp="http://schemas.microsoft.com/office/drawing/2008/diagram" relId="rId6" minVer="http://schemas.openxmlformats.org/drawingml/2006/diagram"/>
+    </a:ext>
+  </dgm:extLst>
+</dgm:dataModel>
+</file>
+
+<file path=ppt/diagrams/data2.xml><?xml version="1.0" encoding="utf-8"?>
+<dgm:dataModel xmlns:dgm="http://schemas.openxmlformats.org/drawingml/2006/diagram" xmlns:a="http://schemas.openxmlformats.org/drawingml/2006/main">
+  <dgm:ptLst>
+    <dgm:pt modelId="{7E20A5FC-0273-40CD-89F2-053CAB6583FE}" type="doc">
+      <dgm:prSet loTypeId="urn:microsoft.com/office/officeart/2005/8/layout/chevron2" loCatId="process" qsTypeId="urn:microsoft.com/office/officeart/2005/8/quickstyle/simple1" qsCatId="simple" csTypeId="urn:microsoft.com/office/officeart/2005/8/colors/colorful1" csCatId="colorful" phldr="1"/>
+      <dgm:spPr/>
+      <dgm:t>
+        <a:bodyPr/>
+        <a:lstStyle/>
+        <a:p>
+          <a:endParaRPr lang="fr-FR"/>
+        </a:p>
+      </dgm:t>
+    </dgm:pt>
+    <dgm:pt modelId="{C07A4D4E-1F57-4DAC-9444-D904B093352B}">
+      <dgm:prSet phldrT="[Texte]" custT="1"/>
+      <dgm:spPr/>
+      <dgm:t>
+        <a:bodyPr/>
+        <a:lstStyle/>
+        <a:p>
+          <a:r>
+            <a:rPr lang="fr-FR" sz="1600" dirty="0" smtClean="0"/>
+            <a:t>Lundi</a:t>
+          </a:r>
+          <a:endParaRPr lang="fr-FR" sz="1600" dirty="0"/>
+        </a:p>
+      </dgm:t>
+    </dgm:pt>
+    <dgm:pt modelId="{C7C34C89-FBDE-4D74-9987-9F49BA3208DB}" type="parTrans" cxnId="{559E4041-AA70-420B-BEF7-94D328EA1409}">
+      <dgm:prSet/>
+      <dgm:spPr/>
+      <dgm:t>
+        <a:bodyPr/>
+        <a:lstStyle/>
+        <a:p>
+          <a:endParaRPr lang="fr-FR" sz="3600"/>
+        </a:p>
+      </dgm:t>
+    </dgm:pt>
+    <dgm:pt modelId="{011D8FF6-3C95-469C-9B31-5369C4E2E1B8}" type="sibTrans" cxnId="{559E4041-AA70-420B-BEF7-94D328EA1409}">
+      <dgm:prSet/>
+      <dgm:spPr/>
+      <dgm:t>
+        <a:bodyPr/>
+        <a:lstStyle/>
+        <a:p>
+          <a:endParaRPr lang="fr-FR" sz="3600"/>
+        </a:p>
+      </dgm:t>
+    </dgm:pt>
+    <dgm:pt modelId="{0314623C-C841-43FB-80DA-8D2A3985605B}">
+      <dgm:prSet phldrT="[Texte]" custT="1"/>
+      <dgm:spPr/>
+      <dgm:t>
+        <a:bodyPr/>
+        <a:lstStyle/>
+        <a:p>
+          <a:r>
+            <a:rPr lang="fr-FR" sz="1050" dirty="0" smtClean="0"/>
+            <a:t>DS</a:t>
+          </a:r>
+          <a:endParaRPr lang="fr-FR" sz="1050" dirty="0"/>
+        </a:p>
+      </dgm:t>
+    </dgm:pt>
+    <dgm:pt modelId="{374F48A8-C9B9-4DE1-A695-EE4AE5E69D9C}" type="parTrans" cxnId="{ADED19CC-1C78-4ADB-9145-67DF1B93B17B}">
+      <dgm:prSet/>
+      <dgm:spPr/>
+      <dgm:t>
+        <a:bodyPr/>
+        <a:lstStyle/>
+        <a:p>
+          <a:endParaRPr lang="fr-FR" sz="3600"/>
+        </a:p>
+      </dgm:t>
+    </dgm:pt>
+    <dgm:pt modelId="{5BE30A2B-D9DA-4B95-AF37-99EC60D806BB}" type="sibTrans" cxnId="{ADED19CC-1C78-4ADB-9145-67DF1B93B17B}">
+      <dgm:prSet/>
+      <dgm:spPr/>
+      <dgm:t>
+        <a:bodyPr/>
+        <a:lstStyle/>
+        <a:p>
+          <a:endParaRPr lang="fr-FR" sz="3600"/>
+        </a:p>
+      </dgm:t>
+    </dgm:pt>
+    <dgm:pt modelId="{29986421-EAF9-4B01-97C1-4B8FCF0CBE89}">
+      <dgm:prSet phldrT="[Texte]" custT="1"/>
+      <dgm:spPr/>
+      <dgm:t>
+        <a:bodyPr/>
+        <a:lstStyle/>
+        <a:p>
+          <a:r>
+            <a:rPr lang="fr-FR" sz="1050" dirty="0" smtClean="0"/>
+            <a:t>Devoir du soir (en lien avec le cour du mardi)</a:t>
+          </a:r>
+          <a:endParaRPr lang="fr-FR" sz="1050" dirty="0"/>
+        </a:p>
+      </dgm:t>
+    </dgm:pt>
+    <dgm:pt modelId="{84F1F3AA-3D7E-418A-A916-66F655C69EEF}" type="parTrans" cxnId="{D3964954-F2E2-4428-887D-FA323B4C988F}">
+      <dgm:prSet/>
+      <dgm:spPr/>
+      <dgm:t>
+        <a:bodyPr/>
+        <a:lstStyle/>
+        <a:p>
+          <a:endParaRPr lang="fr-FR" sz="3600"/>
+        </a:p>
+      </dgm:t>
+    </dgm:pt>
+    <dgm:pt modelId="{005C9155-6AF6-406A-8094-4C141D497761}" type="sibTrans" cxnId="{D3964954-F2E2-4428-887D-FA323B4C988F}">
+      <dgm:prSet/>
+      <dgm:spPr/>
+      <dgm:t>
+        <a:bodyPr/>
+        <a:lstStyle/>
+        <a:p>
+          <a:endParaRPr lang="fr-FR" sz="3600"/>
+        </a:p>
+      </dgm:t>
+    </dgm:pt>
+    <dgm:pt modelId="{AD9D62D7-1F99-4D89-89C6-0A38338357A0}">
+      <dgm:prSet phldrT="[Texte]" custT="1"/>
+      <dgm:spPr/>
+      <dgm:t>
+        <a:bodyPr/>
+        <a:lstStyle/>
+        <a:p>
+          <a:r>
+            <a:rPr lang="fr-FR" sz="1600" dirty="0" smtClean="0"/>
+            <a:t>Mardi</a:t>
+          </a:r>
+          <a:endParaRPr lang="fr-FR" sz="1600" dirty="0"/>
+        </a:p>
+      </dgm:t>
+    </dgm:pt>
+    <dgm:pt modelId="{32FCA36B-323D-4798-86D6-DCA97C85C26F}" type="parTrans" cxnId="{A644C78A-884A-47D3-A1E6-8E6E60421329}">
+      <dgm:prSet/>
+      <dgm:spPr/>
+      <dgm:t>
+        <a:bodyPr/>
+        <a:lstStyle/>
+        <a:p>
+          <a:endParaRPr lang="fr-FR" sz="3600"/>
+        </a:p>
+      </dgm:t>
+    </dgm:pt>
+    <dgm:pt modelId="{F8A4A5CA-3159-49AB-90FD-CD1980E80B50}" type="sibTrans" cxnId="{A644C78A-884A-47D3-A1E6-8E6E60421329}">
+      <dgm:prSet/>
+      <dgm:spPr/>
+      <dgm:t>
+        <a:bodyPr/>
+        <a:lstStyle/>
+        <a:p>
+          <a:endParaRPr lang="fr-FR" sz="3600"/>
+        </a:p>
+      </dgm:t>
+    </dgm:pt>
+    <dgm:pt modelId="{4A031B29-F710-4D37-9F06-A1DF78714540}">
+      <dgm:prSet phldrT="[Texte]" custT="1"/>
+      <dgm:spPr/>
+      <dgm:t>
+        <a:bodyPr/>
+        <a:lstStyle/>
+        <a:p>
+          <a:r>
+            <a:rPr lang="fr-FR" sz="1050" dirty="0" smtClean="0"/>
+            <a:t>Cours (1h)</a:t>
+          </a:r>
+          <a:endParaRPr lang="fr-FR" sz="1050" dirty="0"/>
+        </a:p>
+      </dgm:t>
+    </dgm:pt>
+    <dgm:pt modelId="{A299B8BF-8805-4A60-BF92-393D78006AF6}" type="parTrans" cxnId="{9B25F1BD-03C2-45E9-AA96-67EB13544757}">
+      <dgm:prSet/>
+      <dgm:spPr/>
+      <dgm:t>
+        <a:bodyPr/>
+        <a:lstStyle/>
+        <a:p>
+          <a:endParaRPr lang="fr-FR" sz="3600"/>
+        </a:p>
+      </dgm:t>
+    </dgm:pt>
+    <dgm:pt modelId="{AFEEF681-A582-4C0D-BF18-F9146FA61BEB}" type="sibTrans" cxnId="{9B25F1BD-03C2-45E9-AA96-67EB13544757}">
+      <dgm:prSet/>
+      <dgm:spPr/>
+      <dgm:t>
+        <a:bodyPr/>
+        <a:lstStyle/>
+        <a:p>
+          <a:endParaRPr lang="fr-FR" sz="3600"/>
+        </a:p>
+      </dgm:t>
+    </dgm:pt>
+    <dgm:pt modelId="{3EBC4A83-B75A-4F14-AECF-538D384C11DF}">
+      <dgm:prSet phldrT="[Texte]" custT="1"/>
+      <dgm:spPr/>
+      <dgm:t>
+        <a:bodyPr/>
+        <a:lstStyle/>
+        <a:p>
+          <a:r>
+            <a:rPr lang="fr-FR" sz="1050" dirty="0" smtClean="0"/>
+            <a:t>TD (1h)</a:t>
+          </a:r>
+          <a:endParaRPr lang="fr-FR" sz="1050" dirty="0"/>
+        </a:p>
+      </dgm:t>
+    </dgm:pt>
+    <dgm:pt modelId="{F46D7DAC-5B99-42C4-BD28-6AE792DC4878}" type="parTrans" cxnId="{50A4749E-BC07-4943-AE97-C9690A4FBCDC}">
+      <dgm:prSet/>
+      <dgm:spPr/>
+      <dgm:t>
+        <a:bodyPr/>
+        <a:lstStyle/>
+        <a:p>
+          <a:endParaRPr lang="fr-FR" sz="3600"/>
+        </a:p>
+      </dgm:t>
+    </dgm:pt>
+    <dgm:pt modelId="{19BD95F7-08B9-414D-B188-BE5DCE54EAD5}" type="sibTrans" cxnId="{50A4749E-BC07-4943-AE97-C9690A4FBCDC}">
+      <dgm:prSet/>
+      <dgm:spPr/>
+      <dgm:t>
+        <a:bodyPr/>
+        <a:lstStyle/>
+        <a:p>
+          <a:endParaRPr lang="fr-FR" sz="3600"/>
+        </a:p>
+      </dgm:t>
+    </dgm:pt>
+    <dgm:pt modelId="{3C74B643-80FE-4007-9FB0-D46F166D1975}">
+      <dgm:prSet phldrT="[Texte]" custT="1"/>
+      <dgm:spPr/>
+      <dgm:t>
+        <a:bodyPr/>
+        <a:lstStyle/>
+        <a:p>
+          <a:r>
+            <a:rPr lang="fr-FR" sz="1600" dirty="0" smtClean="0"/>
+            <a:t>Mercredi</a:t>
+          </a:r>
+          <a:endParaRPr lang="fr-FR" sz="1600" dirty="0"/>
+        </a:p>
+      </dgm:t>
+    </dgm:pt>
+    <dgm:pt modelId="{B7FA8628-7661-4231-B966-FC621EE69D37}" type="parTrans" cxnId="{9C473685-6AF5-4C80-A4E1-7BEAD5CAE4BD}">
+      <dgm:prSet/>
+      <dgm:spPr/>
+      <dgm:t>
+        <a:bodyPr/>
+        <a:lstStyle/>
+        <a:p>
+          <a:endParaRPr lang="fr-FR" sz="3600"/>
+        </a:p>
+      </dgm:t>
+    </dgm:pt>
+    <dgm:pt modelId="{6F952D6C-7C51-4229-8B4F-D8AFBC4A08FF}" type="sibTrans" cxnId="{9C473685-6AF5-4C80-A4E1-7BEAD5CAE4BD}">
+      <dgm:prSet/>
+      <dgm:spPr/>
+      <dgm:t>
+        <a:bodyPr/>
+        <a:lstStyle/>
+        <a:p>
+          <a:endParaRPr lang="fr-FR" sz="3600"/>
+        </a:p>
+      </dgm:t>
+    </dgm:pt>
+    <dgm:pt modelId="{B8EDA89E-7F8E-44AE-A699-0A203067934C}">
+      <dgm:prSet phldrT="[Texte]" custT="1"/>
+      <dgm:spPr/>
+      <dgm:t>
+        <a:bodyPr/>
+        <a:lstStyle/>
+        <a:p>
+          <a:r>
+            <a:rPr lang="fr-FR" sz="1050" dirty="0" smtClean="0"/>
+            <a:t>Colle</a:t>
+          </a:r>
+          <a:endParaRPr lang="fr-FR" sz="1050" dirty="0"/>
+        </a:p>
+      </dgm:t>
+    </dgm:pt>
+    <dgm:pt modelId="{CED3B03B-00AF-4263-82FD-DA2A38D9D691}" type="parTrans" cxnId="{547DDF64-8481-4345-8F97-67BBF1F1E81E}">
+      <dgm:prSet/>
+      <dgm:spPr/>
+      <dgm:t>
+        <a:bodyPr/>
+        <a:lstStyle/>
+        <a:p>
+          <a:endParaRPr lang="fr-FR" sz="3600"/>
+        </a:p>
+      </dgm:t>
+    </dgm:pt>
+    <dgm:pt modelId="{F8A86FD8-34B0-442D-ABD1-F8E2A9C39419}" type="sibTrans" cxnId="{547DDF64-8481-4345-8F97-67BBF1F1E81E}">
+      <dgm:prSet/>
+      <dgm:spPr/>
+      <dgm:t>
+        <a:bodyPr/>
+        <a:lstStyle/>
+        <a:p>
+          <a:endParaRPr lang="fr-FR" sz="3600"/>
+        </a:p>
+      </dgm:t>
+    </dgm:pt>
+    <dgm:pt modelId="{732A70D7-57AA-462F-B424-95C1672DBA58}">
+      <dgm:prSet phldrT="[Texte]" custT="1"/>
+      <dgm:spPr/>
+      <dgm:t>
+        <a:bodyPr/>
+        <a:lstStyle/>
+        <a:p>
+          <a:r>
+            <a:rPr lang="fr-FR" sz="1050" dirty="0" smtClean="0"/>
+            <a:t>Devoir du soir (sur le cours de la semaine)</a:t>
+          </a:r>
+          <a:endParaRPr lang="fr-FR" sz="1050" dirty="0"/>
+        </a:p>
+      </dgm:t>
+    </dgm:pt>
+    <dgm:pt modelId="{A35DD438-C6F1-44C3-B997-0621D7519DFD}" type="parTrans" cxnId="{349E1131-DD1D-4A75-B2B2-5BD82C50FD64}">
+      <dgm:prSet/>
+      <dgm:spPr/>
+      <dgm:t>
+        <a:bodyPr/>
+        <a:lstStyle/>
+        <a:p>
+          <a:endParaRPr lang="fr-FR" sz="3600"/>
+        </a:p>
+      </dgm:t>
+    </dgm:pt>
+    <dgm:pt modelId="{9096FDF1-382B-4AD3-92B2-9B11A1A6FA50}" type="sibTrans" cxnId="{349E1131-DD1D-4A75-B2B2-5BD82C50FD64}">
+      <dgm:prSet/>
+      <dgm:spPr/>
+      <dgm:t>
+        <a:bodyPr/>
+        <a:lstStyle/>
+        <a:p>
+          <a:endParaRPr lang="fr-FR" sz="3600"/>
+        </a:p>
+      </dgm:t>
+    </dgm:pt>
+    <dgm:pt modelId="{77339EB7-3D97-42B2-BB41-F1DA7E77D2F9}">
+      <dgm:prSet phldrT="[Texte]" custT="1"/>
+      <dgm:spPr/>
+      <dgm:t>
+        <a:bodyPr/>
+        <a:lstStyle/>
+        <a:p>
+          <a:r>
+            <a:rPr lang="fr-FR" sz="1600" dirty="0" smtClean="0"/>
+            <a:t>Jeudi</a:t>
+          </a:r>
+          <a:endParaRPr lang="fr-FR" sz="1600" dirty="0"/>
+        </a:p>
+      </dgm:t>
+    </dgm:pt>
+    <dgm:pt modelId="{1E69D24B-706B-4353-A2B2-FB65387E0569}" type="parTrans" cxnId="{0DA65F52-3E2B-44E7-9BBF-1291DD392748}">
+      <dgm:prSet/>
+      <dgm:spPr/>
+      <dgm:t>
+        <a:bodyPr/>
+        <a:lstStyle/>
+        <a:p>
+          <a:endParaRPr lang="fr-FR" sz="3600"/>
+        </a:p>
+      </dgm:t>
+    </dgm:pt>
+    <dgm:pt modelId="{11BF7650-7EA2-45DA-A3F4-1219449A4709}" type="sibTrans" cxnId="{0DA65F52-3E2B-44E7-9BBF-1291DD392748}">
+      <dgm:prSet/>
+      <dgm:spPr/>
+      <dgm:t>
+        <a:bodyPr/>
+        <a:lstStyle/>
+        <a:p>
+          <a:endParaRPr lang="fr-FR" sz="3600"/>
+        </a:p>
+      </dgm:t>
+    </dgm:pt>
+    <dgm:pt modelId="{9FB89A36-0EEE-4147-B38E-6AA0BE15EBDA}">
+      <dgm:prSet phldrT="[Texte]" custT="1"/>
+      <dgm:spPr/>
+      <dgm:t>
+        <a:bodyPr/>
+        <a:lstStyle/>
+        <a:p>
+          <a:r>
+            <a:rPr lang="fr-FR" sz="1600" dirty="0" smtClean="0"/>
+            <a:t>Vendredi</a:t>
+          </a:r>
+          <a:endParaRPr lang="fr-FR" sz="1600" dirty="0"/>
+        </a:p>
+      </dgm:t>
+    </dgm:pt>
+    <dgm:pt modelId="{449EADF4-4A97-4ADE-98EF-98CD3ABB364E}" type="parTrans" cxnId="{A4EA0A04-D72F-445C-AFE9-412E558308CF}">
+      <dgm:prSet/>
+      <dgm:spPr/>
+      <dgm:t>
+        <a:bodyPr/>
+        <a:lstStyle/>
+        <a:p>
+          <a:endParaRPr lang="fr-FR" sz="3600"/>
+        </a:p>
+      </dgm:t>
+    </dgm:pt>
+    <dgm:pt modelId="{185239E5-C8AF-42E5-B008-D5C65D8C47A5}" type="sibTrans" cxnId="{A4EA0A04-D72F-445C-AFE9-412E558308CF}">
+      <dgm:prSet/>
+      <dgm:spPr/>
+      <dgm:t>
+        <a:bodyPr/>
+        <a:lstStyle/>
+        <a:p>
+          <a:endParaRPr lang="fr-FR" sz="3600"/>
+        </a:p>
+      </dgm:t>
+    </dgm:pt>
+    <dgm:pt modelId="{4A3CC92A-0A13-4A1B-A50E-A66EBFF25D7D}">
+      <dgm:prSet phldrT="[Texte]" custT="1"/>
+      <dgm:spPr/>
+      <dgm:t>
+        <a:bodyPr/>
+        <a:lstStyle/>
+        <a:p>
+          <a:r>
+            <a:rPr lang="fr-FR" sz="1600" dirty="0" smtClean="0"/>
+            <a:t>Samedi</a:t>
+          </a:r>
+          <a:endParaRPr lang="fr-FR" sz="1600" dirty="0"/>
+        </a:p>
+      </dgm:t>
+    </dgm:pt>
+    <dgm:pt modelId="{3DEA74AD-B84A-4A87-B596-29EDB2BE35A6}" type="parTrans" cxnId="{5AF1953A-F0AD-46AA-92F1-B1CB82164EB1}">
+      <dgm:prSet/>
+      <dgm:spPr/>
+      <dgm:t>
+        <a:bodyPr/>
+        <a:lstStyle/>
+        <a:p>
+          <a:endParaRPr lang="fr-FR" sz="3600"/>
+        </a:p>
+      </dgm:t>
+    </dgm:pt>
+    <dgm:pt modelId="{400C1C92-1F19-4809-92E5-16A2B90D6901}" type="sibTrans" cxnId="{5AF1953A-F0AD-46AA-92F1-B1CB82164EB1}">
+      <dgm:prSet/>
+      <dgm:spPr/>
+      <dgm:t>
+        <a:bodyPr/>
+        <a:lstStyle/>
+        <a:p>
+          <a:endParaRPr lang="fr-FR" sz="3600"/>
+        </a:p>
+      </dgm:t>
+    </dgm:pt>
+    <dgm:pt modelId="{6B1ED8E1-BC78-4A78-81DD-93138B8B2263}">
+      <dgm:prSet phldrT="[Texte]" custT="1"/>
+      <dgm:spPr/>
+      <dgm:t>
+        <a:bodyPr/>
+        <a:lstStyle/>
+        <a:p>
+          <a:r>
+            <a:rPr lang="fr-FR" sz="1600" dirty="0" smtClean="0"/>
+            <a:t>Dimanche</a:t>
+          </a:r>
+          <a:endParaRPr lang="fr-FR" sz="1600" dirty="0"/>
+        </a:p>
+      </dgm:t>
+    </dgm:pt>
+    <dgm:pt modelId="{A2482158-1E8C-4D98-A286-3A43912CCDC4}" type="parTrans" cxnId="{AC13EBC1-D050-4471-A804-AA9D0A0C01F0}">
+      <dgm:prSet/>
+      <dgm:spPr/>
+      <dgm:t>
+        <a:bodyPr/>
+        <a:lstStyle/>
+        <a:p>
+          <a:endParaRPr lang="fr-FR" sz="3600"/>
+        </a:p>
+      </dgm:t>
+    </dgm:pt>
+    <dgm:pt modelId="{AAA6C421-F9EC-4DCC-9E22-A4B2D61459DB}" type="sibTrans" cxnId="{AC13EBC1-D050-4471-A804-AA9D0A0C01F0}">
+      <dgm:prSet/>
+      <dgm:spPr/>
+      <dgm:t>
+        <a:bodyPr/>
+        <a:lstStyle/>
+        <a:p>
+          <a:endParaRPr lang="fr-FR" sz="3600"/>
+        </a:p>
+      </dgm:t>
+    </dgm:pt>
+    <dgm:pt modelId="{A40BEFD5-BC45-4048-8B24-2F7479051BD6}">
+      <dgm:prSet custT="1"/>
+      <dgm:spPr/>
+      <dgm:t>
+        <a:bodyPr/>
+        <a:lstStyle/>
+        <a:p>
+          <a:r>
+            <a:rPr lang="fr-FR" sz="1050" dirty="0" smtClean="0"/>
+            <a:t>TP organisation à géométrie variable </a:t>
+          </a:r>
+          <a:r>
+            <a:rPr lang="fr-FR" sz="1050" dirty="0" smtClean="0">
+              <a:sym typeface="Wingdings" panose="05000000000000000000" pitchFamily="2" charset="2"/>
+            </a:rPr>
+            <a:t></a:t>
+          </a:r>
+          <a:endParaRPr lang="fr-FR" sz="1050" dirty="0"/>
+        </a:p>
+      </dgm:t>
+    </dgm:pt>
+    <dgm:pt modelId="{7400E96A-5A90-4E7F-A45E-CE34FB0094FB}" type="parTrans" cxnId="{EAF3F87F-E7B0-4F9A-8B18-1F7B5D949992}">
+      <dgm:prSet/>
+      <dgm:spPr/>
+      <dgm:t>
+        <a:bodyPr/>
+        <a:lstStyle/>
+        <a:p>
+          <a:endParaRPr lang="fr-FR" sz="3600"/>
+        </a:p>
+      </dgm:t>
+    </dgm:pt>
+    <dgm:pt modelId="{285060AE-308D-4846-98A5-8B2E94880E0B}" type="sibTrans" cxnId="{EAF3F87F-E7B0-4F9A-8B18-1F7B5D949992}">
+      <dgm:prSet/>
+      <dgm:spPr/>
+      <dgm:t>
+        <a:bodyPr/>
+        <a:lstStyle/>
+        <a:p>
+          <a:endParaRPr lang="fr-FR" sz="3600"/>
+        </a:p>
+      </dgm:t>
+    </dgm:pt>
+    <dgm:pt modelId="{D9DEF419-D138-41FE-851E-CDC74510A105}">
+      <dgm:prSet custT="1"/>
+      <dgm:spPr/>
+      <dgm:t>
+        <a:bodyPr/>
+        <a:lstStyle/>
+        <a:p>
+          <a:r>
+            <a:rPr lang="fr-FR" sz="1050" dirty="0" smtClean="0"/>
+            <a:t>Colle</a:t>
+          </a:r>
+          <a:endParaRPr lang="fr-FR" sz="1050" dirty="0"/>
+        </a:p>
+      </dgm:t>
+    </dgm:pt>
+    <dgm:pt modelId="{83FA2C37-01EB-4985-9737-6EE3E81C9849}" type="parTrans" cxnId="{6DB29905-7417-476F-BCCC-C52E67C05D03}">
+      <dgm:prSet/>
+      <dgm:spPr/>
+      <dgm:t>
+        <a:bodyPr/>
+        <a:lstStyle/>
+        <a:p>
+          <a:endParaRPr lang="fr-FR" sz="3600"/>
+        </a:p>
+      </dgm:t>
+    </dgm:pt>
+    <dgm:pt modelId="{D4CF7BED-6015-474A-BC41-2D6F79161D22}" type="sibTrans" cxnId="{6DB29905-7417-476F-BCCC-C52E67C05D03}">
+      <dgm:prSet/>
+      <dgm:spPr/>
+      <dgm:t>
+        <a:bodyPr/>
+        <a:lstStyle/>
+        <a:p>
+          <a:endParaRPr lang="fr-FR" sz="3600"/>
+        </a:p>
+      </dgm:t>
+    </dgm:pt>
+    <dgm:pt modelId="{DA8565ED-B2CF-404B-9B88-B2EF6BDD6BF9}">
+      <dgm:prSet phldrT="[Texte]" custT="1"/>
+      <dgm:spPr/>
+      <dgm:t>
+        <a:bodyPr/>
+        <a:lstStyle/>
+        <a:p>
+          <a:r>
+            <a:rPr lang="fr-FR" sz="1050" dirty="0" smtClean="0"/>
+            <a:t>Devoir du soir (sur le cours de la semaine)</a:t>
+          </a:r>
+          <a:endParaRPr lang="fr-FR" sz="1050" dirty="0"/>
+        </a:p>
+      </dgm:t>
+    </dgm:pt>
+    <dgm:pt modelId="{8C899E2D-3787-4781-8F41-D8D05958684E}" type="parTrans" cxnId="{342277B8-5C62-4541-A2D1-98E6E96391A2}">
+      <dgm:prSet/>
+      <dgm:spPr/>
+      <dgm:t>
+        <a:bodyPr/>
+        <a:lstStyle/>
+        <a:p>
+          <a:endParaRPr lang="fr-FR" sz="3600"/>
+        </a:p>
+      </dgm:t>
+    </dgm:pt>
+    <dgm:pt modelId="{3F62C1EB-316E-4621-8388-00C6CAB82DD1}" type="sibTrans" cxnId="{342277B8-5C62-4541-A2D1-98E6E96391A2}">
+      <dgm:prSet/>
+      <dgm:spPr/>
+      <dgm:t>
+        <a:bodyPr/>
+        <a:lstStyle/>
+        <a:p>
+          <a:endParaRPr lang="fr-FR" sz="3600"/>
+        </a:p>
+      </dgm:t>
+    </dgm:pt>
+    <dgm:pt modelId="{CB19EA66-1FC5-4EDD-9580-E3332C45FEB6}">
+      <dgm:prSet custT="1"/>
+      <dgm:spPr/>
+      <dgm:t>
+        <a:bodyPr/>
+        <a:lstStyle/>
+        <a:p>
+          <a:r>
+            <a:rPr lang="fr-FR" sz="1050" dirty="0" smtClean="0"/>
+            <a:t>Devoir du soir (Révision Sup)</a:t>
+          </a:r>
+          <a:endParaRPr lang="fr-FR" sz="1050" dirty="0"/>
+        </a:p>
+      </dgm:t>
+    </dgm:pt>
+    <dgm:pt modelId="{2DDEC189-843E-4B26-9C65-CFC244F38A46}" type="parTrans" cxnId="{F537C272-05E2-458E-8FE5-139A2E2A2EB8}">
+      <dgm:prSet/>
+      <dgm:spPr/>
+      <dgm:t>
+        <a:bodyPr/>
+        <a:lstStyle/>
+        <a:p>
+          <a:endParaRPr lang="fr-FR" sz="3600"/>
+        </a:p>
+      </dgm:t>
+    </dgm:pt>
+    <dgm:pt modelId="{79934201-009A-4DA0-BFDA-EECEF07DBC56}" type="sibTrans" cxnId="{F537C272-05E2-458E-8FE5-139A2E2A2EB8}">
+      <dgm:prSet/>
+      <dgm:spPr/>
+      <dgm:t>
+        <a:bodyPr/>
+        <a:lstStyle/>
+        <a:p>
+          <a:endParaRPr lang="fr-FR" sz="3600"/>
+        </a:p>
+      </dgm:t>
+    </dgm:pt>
+    <dgm:pt modelId="{EC58611F-E584-4173-AF30-D2FE585ED2F7}">
+      <dgm:prSet custT="1"/>
+      <dgm:spPr/>
+      <dgm:t>
+        <a:bodyPr/>
+        <a:lstStyle/>
+        <a:p>
+          <a:r>
+            <a:rPr lang="fr-FR" sz="1050" dirty="0" smtClean="0"/>
+            <a:t>Lecture du cours (du mardi)</a:t>
+          </a:r>
+          <a:endParaRPr lang="fr-FR" sz="1050" dirty="0"/>
+        </a:p>
+      </dgm:t>
+    </dgm:pt>
+    <dgm:pt modelId="{0CA42739-8AC8-46B0-92E5-5E3C58ED184C}" type="parTrans" cxnId="{9D0D746D-632F-4DB6-85D2-98458FE6B157}">
+      <dgm:prSet/>
+      <dgm:spPr/>
+      <dgm:t>
+        <a:bodyPr/>
+        <a:lstStyle/>
+        <a:p>
+          <a:endParaRPr lang="fr-FR" sz="3600"/>
+        </a:p>
+      </dgm:t>
+    </dgm:pt>
+    <dgm:pt modelId="{EBD5F202-37A3-4D29-B73E-878E5C8616AE}" type="sibTrans" cxnId="{9D0D746D-632F-4DB6-85D2-98458FE6B157}">
+      <dgm:prSet/>
+      <dgm:spPr/>
+      <dgm:t>
+        <a:bodyPr/>
+        <a:lstStyle/>
+        <a:p>
+          <a:endParaRPr lang="fr-FR" sz="3600"/>
+        </a:p>
+      </dgm:t>
+    </dgm:pt>
+    <dgm:pt modelId="{AB7DCAC9-011C-4FEB-806D-18BDE3D6A956}">
+      <dgm:prSet custT="1"/>
+      <dgm:spPr/>
+      <dgm:t>
+        <a:bodyPr/>
+        <a:lstStyle/>
+        <a:p>
+          <a:r>
+            <a:rPr lang="fr-FR" sz="1050" dirty="0" smtClean="0"/>
+            <a:t>Devoir du soir</a:t>
+          </a:r>
+          <a:endParaRPr lang="fr-FR" sz="1050" dirty="0"/>
+        </a:p>
+      </dgm:t>
+    </dgm:pt>
+    <dgm:pt modelId="{82AF1EA9-6A0A-4559-A550-6BDF0DF897B3}" type="parTrans" cxnId="{72CC33C2-1A72-4A91-B2F1-93BD599E958D}">
+      <dgm:prSet/>
+      <dgm:spPr/>
+      <dgm:t>
+        <a:bodyPr/>
+        <a:lstStyle/>
+        <a:p>
+          <a:endParaRPr lang="fr-FR" sz="3600"/>
+        </a:p>
+      </dgm:t>
+    </dgm:pt>
+    <dgm:pt modelId="{9485809D-E4EE-45DA-BD88-0AB4B739123F}" type="sibTrans" cxnId="{72CC33C2-1A72-4A91-B2F1-93BD599E958D}">
+      <dgm:prSet/>
+      <dgm:spPr/>
+      <dgm:t>
+        <a:bodyPr/>
+        <a:lstStyle/>
+        <a:p>
+          <a:endParaRPr lang="fr-FR" sz="3600"/>
+        </a:p>
+      </dgm:t>
+    </dgm:pt>
+    <dgm:pt modelId="{B40F9859-46C7-43D9-856A-E681CE783A5C}">
+      <dgm:prSet phldrT="[Texte]" custT="1"/>
+      <dgm:spPr/>
+      <dgm:t>
+        <a:bodyPr/>
+        <a:lstStyle/>
+        <a:p>
+          <a:r>
+            <a:rPr lang="fr-FR" sz="1050" dirty="0" smtClean="0"/>
+            <a:t>Réponses aux questions</a:t>
+          </a:r>
+          <a:endParaRPr lang="fr-FR" sz="1050" dirty="0"/>
+        </a:p>
+      </dgm:t>
+    </dgm:pt>
+    <dgm:pt modelId="{AA01302C-68D0-44CB-8C8A-4F5248B26303}" type="parTrans" cxnId="{82F1F98B-AA1C-4265-BB52-17968C0B4ACB}">
+      <dgm:prSet/>
+      <dgm:spPr/>
+      <dgm:t>
+        <a:bodyPr/>
+        <a:lstStyle/>
+        <a:p>
+          <a:endParaRPr lang="fr-FR" sz="3600"/>
+        </a:p>
+      </dgm:t>
+    </dgm:pt>
+    <dgm:pt modelId="{F350DC72-D52B-48E3-AAFC-D6B62C60EA1B}" type="sibTrans" cxnId="{82F1F98B-AA1C-4265-BB52-17968C0B4ACB}">
+      <dgm:prSet/>
+      <dgm:spPr/>
+      <dgm:t>
+        <a:bodyPr/>
+        <a:lstStyle/>
+        <a:p>
+          <a:endParaRPr lang="fr-FR" sz="3600"/>
+        </a:p>
+      </dgm:t>
+    </dgm:pt>
+    <dgm:pt modelId="{870A194F-E8BA-487A-9CFA-36C61E802BDE}">
+      <dgm:prSet phldrT="[Texte]" custT="1"/>
+      <dgm:spPr/>
+      <dgm:t>
+        <a:bodyPr/>
+        <a:lstStyle/>
+        <a:p>
+          <a:r>
+            <a:rPr lang="fr-FR" sz="1050" dirty="0" smtClean="0"/>
+            <a:t>Exercices d’application</a:t>
+          </a:r>
+          <a:endParaRPr lang="fr-FR" sz="1050" dirty="0"/>
+        </a:p>
+      </dgm:t>
+    </dgm:pt>
+    <dgm:pt modelId="{B5D4BA33-1D24-409B-A966-136960610FD4}" type="parTrans" cxnId="{334F2A8A-8CEB-48CA-ADAC-98629BD2B163}">
+      <dgm:prSet/>
+      <dgm:spPr/>
+      <dgm:t>
+        <a:bodyPr/>
+        <a:lstStyle/>
+        <a:p>
+          <a:endParaRPr lang="fr-FR" sz="3600"/>
+        </a:p>
+      </dgm:t>
+    </dgm:pt>
+    <dgm:pt modelId="{CA037BE7-687F-47A5-BE2E-46D2E8C515CD}" type="sibTrans" cxnId="{334F2A8A-8CEB-48CA-ADAC-98629BD2B163}">
+      <dgm:prSet/>
+      <dgm:spPr/>
+      <dgm:t>
+        <a:bodyPr/>
+        <a:lstStyle/>
+        <a:p>
+          <a:endParaRPr lang="fr-FR" sz="3600"/>
+        </a:p>
+      </dgm:t>
+    </dgm:pt>
+    <dgm:pt modelId="{DB94D76E-767C-41FD-A202-81DBF3EFC15B}">
+      <dgm:prSet phldrT="[Texte]" custT="1"/>
+      <dgm:spPr/>
+      <dgm:t>
+        <a:bodyPr/>
+        <a:lstStyle/>
+        <a:p>
+          <a:r>
+            <a:rPr lang="fr-FR" sz="1050" dirty="0" smtClean="0"/>
+            <a:t>Travail en groupe, pas de correction au tableau</a:t>
+          </a:r>
+          <a:endParaRPr lang="fr-FR" sz="1050" dirty="0"/>
+        </a:p>
+      </dgm:t>
+    </dgm:pt>
+    <dgm:pt modelId="{4BFCE2FD-8EFF-4915-BD3B-3778F8C9D2A2}" type="parTrans" cxnId="{E9655302-B59B-415E-847C-E9783786FD24}">
+      <dgm:prSet/>
+      <dgm:spPr/>
+      <dgm:t>
+        <a:bodyPr/>
+        <a:lstStyle/>
+        <a:p>
+          <a:endParaRPr lang="fr-FR"/>
+        </a:p>
+      </dgm:t>
+    </dgm:pt>
+    <dgm:pt modelId="{C718EAC8-CFF7-4C9D-9EF8-8EDCE548DB53}" type="sibTrans" cxnId="{E9655302-B59B-415E-847C-E9783786FD24}">
+      <dgm:prSet/>
+      <dgm:spPr/>
+      <dgm:t>
+        <a:bodyPr/>
+        <a:lstStyle/>
+        <a:p>
+          <a:endParaRPr lang="fr-FR"/>
+        </a:p>
+      </dgm:t>
+    </dgm:pt>
+    <dgm:pt modelId="{9922386E-ACED-4C10-BA88-511A4AD1F234}">
+      <dgm:prSet custT="1"/>
+      <dgm:spPr/>
+      <dgm:t>
+        <a:bodyPr/>
+        <a:lstStyle/>
+        <a:p>
+          <a:r>
+            <a:rPr lang="fr-FR" sz="1050" dirty="0" smtClean="0"/>
+            <a:t>(Révision Sup)</a:t>
+          </a:r>
+          <a:endParaRPr lang="fr-FR" sz="1050" dirty="0"/>
+        </a:p>
+      </dgm:t>
+    </dgm:pt>
+    <dgm:pt modelId="{E9C1C605-EA98-494E-82D5-58FEC7EDEF9D}" type="parTrans" cxnId="{966DA5D7-01C7-43A8-9B58-E11CDB6998F9}">
+      <dgm:prSet/>
+      <dgm:spPr/>
+      <dgm:t>
+        <a:bodyPr/>
+        <a:lstStyle/>
+        <a:p>
+          <a:endParaRPr lang="fr-FR"/>
+        </a:p>
+      </dgm:t>
+    </dgm:pt>
+    <dgm:pt modelId="{64F33CB9-A6F9-4197-99EB-1E074B308FFC}" type="sibTrans" cxnId="{966DA5D7-01C7-43A8-9B58-E11CDB6998F9}">
+      <dgm:prSet/>
+      <dgm:spPr/>
+      <dgm:t>
+        <a:bodyPr/>
+        <a:lstStyle/>
+        <a:p>
+          <a:endParaRPr lang="fr-FR"/>
+        </a:p>
+      </dgm:t>
+    </dgm:pt>
+    <dgm:pt modelId="{3F33E216-90DD-40D0-AF92-45A2BE8EAE1A}" type="pres">
+      <dgm:prSet presAssocID="{7E20A5FC-0273-40CD-89F2-053CAB6583FE}" presName="linearFlow" presStyleCnt="0">
+        <dgm:presLayoutVars>
+          <dgm:dir/>
+          <dgm:animLvl val="lvl"/>
+          <dgm:resizeHandles val="exact"/>
+        </dgm:presLayoutVars>
+      </dgm:prSet>
+      <dgm:spPr/>
+    </dgm:pt>
+    <dgm:pt modelId="{E26D7BC0-2D46-4D9A-BDE3-27607C397756}" type="pres">
+      <dgm:prSet presAssocID="{C07A4D4E-1F57-4DAC-9444-D904B093352B}" presName="composite" presStyleCnt="0"/>
+      <dgm:spPr/>
+    </dgm:pt>
+    <dgm:pt modelId="{E011FCA7-DB8E-4BAA-8092-DC2BC4862BA4}" type="pres">
+      <dgm:prSet presAssocID="{C07A4D4E-1F57-4DAC-9444-D904B093352B}" presName="parentText" presStyleLbl="alignNode1" presStyleIdx="0" presStyleCnt="7">
+        <dgm:presLayoutVars>
+          <dgm:chMax val="1"/>
+          <dgm:bulletEnabled val="1"/>
+        </dgm:presLayoutVars>
+      </dgm:prSet>
+      <dgm:spPr/>
+      <dgm:t>
+        <a:bodyPr/>
+        <a:lstStyle/>
+        <a:p>
+          <a:endParaRPr lang="fr-FR"/>
+        </a:p>
+      </dgm:t>
+    </dgm:pt>
+    <dgm:pt modelId="{28DC3CE0-3193-466C-894D-80050B24E5DA}" type="pres">
+      <dgm:prSet presAssocID="{C07A4D4E-1F57-4DAC-9444-D904B093352B}" presName="descendantText" presStyleLbl="alignAcc1" presStyleIdx="0" presStyleCnt="7">
+        <dgm:presLayoutVars>
+          <dgm:bulletEnabled val="1"/>
+        </dgm:presLayoutVars>
+      </dgm:prSet>
+      <dgm:spPr/>
+      <dgm:t>
+        <a:bodyPr/>
+        <a:lstStyle/>
+        <a:p>
+          <a:endParaRPr lang="fr-FR"/>
+        </a:p>
+      </dgm:t>
+    </dgm:pt>
+    <dgm:pt modelId="{5BC16E71-8F1A-477A-A6BA-F204F3A6EA14}" type="pres">
+      <dgm:prSet presAssocID="{011D8FF6-3C95-469C-9B31-5369C4E2E1B8}" presName="sp" presStyleCnt="0"/>
+      <dgm:spPr/>
+    </dgm:pt>
+    <dgm:pt modelId="{8172ED90-5200-4FCD-9525-5B712E417105}" type="pres">
+      <dgm:prSet presAssocID="{AD9D62D7-1F99-4D89-89C6-0A38338357A0}" presName="composite" presStyleCnt="0"/>
+      <dgm:spPr/>
+    </dgm:pt>
+    <dgm:pt modelId="{266A5E94-14C9-415A-8105-BDE6727986AB}" type="pres">
+      <dgm:prSet presAssocID="{AD9D62D7-1F99-4D89-89C6-0A38338357A0}" presName="parentText" presStyleLbl="alignNode1" presStyleIdx="1" presStyleCnt="7">
+        <dgm:presLayoutVars>
+          <dgm:chMax val="1"/>
+          <dgm:bulletEnabled val="1"/>
+        </dgm:presLayoutVars>
+      </dgm:prSet>
+      <dgm:spPr/>
+    </dgm:pt>
+    <dgm:pt modelId="{06D5105E-114A-40BA-ACE5-A6DCE207A378}" type="pres">
+      <dgm:prSet presAssocID="{AD9D62D7-1F99-4D89-89C6-0A38338357A0}" presName="descendantText" presStyleLbl="alignAcc1" presStyleIdx="1" presStyleCnt="7">
+        <dgm:presLayoutVars>
+          <dgm:bulletEnabled val="1"/>
+        </dgm:presLayoutVars>
+      </dgm:prSet>
+      <dgm:spPr/>
+      <dgm:t>
+        <a:bodyPr/>
+        <a:lstStyle/>
+        <a:p>
+          <a:endParaRPr lang="fr-FR"/>
+        </a:p>
+      </dgm:t>
+    </dgm:pt>
+    <dgm:pt modelId="{04B3CCCD-497B-48CB-A93F-7122882EF4D2}" type="pres">
+      <dgm:prSet presAssocID="{F8A4A5CA-3159-49AB-90FD-CD1980E80B50}" presName="sp" presStyleCnt="0"/>
+      <dgm:spPr/>
+    </dgm:pt>
+    <dgm:pt modelId="{9A9AB5FB-D55D-4DCC-87B4-87653FAAE728}" type="pres">
+      <dgm:prSet presAssocID="{3C74B643-80FE-4007-9FB0-D46F166D1975}" presName="composite" presStyleCnt="0"/>
+      <dgm:spPr/>
+    </dgm:pt>
+    <dgm:pt modelId="{4B17D4C9-4F1B-407D-8E0D-00D37DE42A0C}" type="pres">
+      <dgm:prSet presAssocID="{3C74B643-80FE-4007-9FB0-D46F166D1975}" presName="parentText" presStyleLbl="alignNode1" presStyleIdx="2" presStyleCnt="7">
+        <dgm:presLayoutVars>
+          <dgm:chMax val="1"/>
+          <dgm:bulletEnabled val="1"/>
+        </dgm:presLayoutVars>
+      </dgm:prSet>
+      <dgm:spPr/>
+      <dgm:t>
+        <a:bodyPr/>
+        <a:lstStyle/>
+        <a:p>
+          <a:endParaRPr lang="fr-FR"/>
+        </a:p>
+      </dgm:t>
+    </dgm:pt>
+    <dgm:pt modelId="{D0E00011-FA70-4FBB-9146-AD04318BD5DA}" type="pres">
+      <dgm:prSet presAssocID="{3C74B643-80FE-4007-9FB0-D46F166D1975}" presName="descendantText" presStyleLbl="alignAcc1" presStyleIdx="2" presStyleCnt="7" custLinFactNeighborX="33170" custLinFactNeighborY="7175">
+        <dgm:presLayoutVars>
+          <dgm:bulletEnabled val="1"/>
+        </dgm:presLayoutVars>
+      </dgm:prSet>
+      <dgm:spPr/>
+      <dgm:t>
+        <a:bodyPr/>
+        <a:lstStyle/>
+        <a:p>
+          <a:endParaRPr lang="fr-FR"/>
+        </a:p>
+      </dgm:t>
+    </dgm:pt>
+    <dgm:pt modelId="{75F6E3B6-E514-47E6-BED7-236B77CB45D4}" type="pres">
+      <dgm:prSet presAssocID="{6F952D6C-7C51-4229-8B4F-D8AFBC4A08FF}" presName="sp" presStyleCnt="0"/>
+      <dgm:spPr/>
+    </dgm:pt>
+    <dgm:pt modelId="{5C840B8F-0FA1-477F-961A-444F16FF4BA7}" type="pres">
+      <dgm:prSet presAssocID="{77339EB7-3D97-42B2-BB41-F1DA7E77D2F9}" presName="composite" presStyleCnt="0"/>
+      <dgm:spPr/>
+    </dgm:pt>
+    <dgm:pt modelId="{93432DA5-C4BB-4E0D-A925-4053920073DA}" type="pres">
+      <dgm:prSet presAssocID="{77339EB7-3D97-42B2-BB41-F1DA7E77D2F9}" presName="parentText" presStyleLbl="alignNode1" presStyleIdx="3" presStyleCnt="7">
+        <dgm:presLayoutVars>
+          <dgm:chMax val="1"/>
+          <dgm:bulletEnabled val="1"/>
+        </dgm:presLayoutVars>
+      </dgm:prSet>
+      <dgm:spPr/>
+      <dgm:t>
+        <a:bodyPr/>
+        <a:lstStyle/>
+        <a:p>
+          <a:endParaRPr lang="fr-FR"/>
+        </a:p>
+      </dgm:t>
+    </dgm:pt>
+    <dgm:pt modelId="{D7CF852B-8E7A-4965-BF56-4F15593C1C8A}" type="pres">
+      <dgm:prSet presAssocID="{77339EB7-3D97-42B2-BB41-F1DA7E77D2F9}" presName="descendantText" presStyleLbl="alignAcc1" presStyleIdx="3" presStyleCnt="7">
+        <dgm:presLayoutVars>
+          <dgm:bulletEnabled val="1"/>
+        </dgm:presLayoutVars>
+      </dgm:prSet>
+      <dgm:spPr/>
+      <dgm:t>
+        <a:bodyPr/>
+        <a:lstStyle/>
+        <a:p>
+          <a:endParaRPr lang="fr-FR"/>
+        </a:p>
+      </dgm:t>
+    </dgm:pt>
+    <dgm:pt modelId="{A187A16F-2A77-43BB-9881-30EF6EC02091}" type="pres">
+      <dgm:prSet presAssocID="{11BF7650-7EA2-45DA-A3F4-1219449A4709}" presName="sp" presStyleCnt="0"/>
+      <dgm:spPr/>
+    </dgm:pt>
+    <dgm:pt modelId="{18A0F09F-848A-428C-83F8-BC8BF7D1641E}" type="pres">
+      <dgm:prSet presAssocID="{9FB89A36-0EEE-4147-B38E-6AA0BE15EBDA}" presName="composite" presStyleCnt="0"/>
+      <dgm:spPr/>
+    </dgm:pt>
+    <dgm:pt modelId="{537375AC-3E85-4320-91D1-954E099E0ED6}" type="pres">
+      <dgm:prSet presAssocID="{9FB89A36-0EEE-4147-B38E-6AA0BE15EBDA}" presName="parentText" presStyleLbl="alignNode1" presStyleIdx="4" presStyleCnt="7">
+        <dgm:presLayoutVars>
+          <dgm:chMax val="1"/>
+          <dgm:bulletEnabled val="1"/>
+        </dgm:presLayoutVars>
+      </dgm:prSet>
+      <dgm:spPr/>
+      <dgm:t>
+        <a:bodyPr/>
+        <a:lstStyle/>
+        <a:p>
+          <a:endParaRPr lang="fr-FR"/>
+        </a:p>
+      </dgm:t>
+    </dgm:pt>
+    <dgm:pt modelId="{202FA6AE-2DDF-45F4-913E-F7845EBFB6A6}" type="pres">
+      <dgm:prSet presAssocID="{9FB89A36-0EEE-4147-B38E-6AA0BE15EBDA}" presName="descendantText" presStyleLbl="alignAcc1" presStyleIdx="4" presStyleCnt="7">
+        <dgm:presLayoutVars>
+          <dgm:bulletEnabled val="1"/>
+        </dgm:presLayoutVars>
+      </dgm:prSet>
+      <dgm:spPr/>
+      <dgm:t>
+        <a:bodyPr/>
+        <a:lstStyle/>
+        <a:p>
+          <a:endParaRPr lang="fr-FR"/>
+        </a:p>
+      </dgm:t>
+    </dgm:pt>
+    <dgm:pt modelId="{A4B0B0E2-58F1-48E2-A0C3-886950A2B1F0}" type="pres">
+      <dgm:prSet presAssocID="{185239E5-C8AF-42E5-B008-D5C65D8C47A5}" presName="sp" presStyleCnt="0"/>
+      <dgm:spPr/>
+    </dgm:pt>
+    <dgm:pt modelId="{9151EA62-BF1B-475D-8CC0-DD2D014EFDEF}" type="pres">
+      <dgm:prSet presAssocID="{4A3CC92A-0A13-4A1B-A50E-A66EBFF25D7D}" presName="composite" presStyleCnt="0"/>
+      <dgm:spPr/>
+    </dgm:pt>
+    <dgm:pt modelId="{95F1E751-A099-4D9D-88C4-E602AD448B8C}" type="pres">
+      <dgm:prSet presAssocID="{4A3CC92A-0A13-4A1B-A50E-A66EBFF25D7D}" presName="parentText" presStyleLbl="alignNode1" presStyleIdx="5" presStyleCnt="7">
+        <dgm:presLayoutVars>
+          <dgm:chMax val="1"/>
+          <dgm:bulletEnabled val="1"/>
+        </dgm:presLayoutVars>
+      </dgm:prSet>
+      <dgm:spPr/>
+      <dgm:t>
+        <a:bodyPr/>
+        <a:lstStyle/>
+        <a:p>
+          <a:endParaRPr lang="fr-FR"/>
+        </a:p>
+      </dgm:t>
+    </dgm:pt>
+    <dgm:pt modelId="{858E6D29-F598-4C6A-9026-D912C022C231}" type="pres">
+      <dgm:prSet presAssocID="{4A3CC92A-0A13-4A1B-A50E-A66EBFF25D7D}" presName="descendantText" presStyleLbl="alignAcc1" presStyleIdx="5" presStyleCnt="7">
+        <dgm:presLayoutVars>
+          <dgm:bulletEnabled val="1"/>
+        </dgm:presLayoutVars>
+      </dgm:prSet>
+      <dgm:spPr/>
+    </dgm:pt>
+    <dgm:pt modelId="{C1CA6282-E2B5-4402-AB99-9AF587A6444A}" type="pres">
+      <dgm:prSet presAssocID="{400C1C92-1F19-4809-92E5-16A2B90D6901}" presName="sp" presStyleCnt="0"/>
+      <dgm:spPr/>
+    </dgm:pt>
+    <dgm:pt modelId="{12BB2D59-0EAB-45F8-BCE7-F7C55A5A2387}" type="pres">
+      <dgm:prSet presAssocID="{6B1ED8E1-BC78-4A78-81DD-93138B8B2263}" presName="composite" presStyleCnt="0"/>
+      <dgm:spPr/>
+    </dgm:pt>
+    <dgm:pt modelId="{B7F01B2B-FAF6-42FD-9911-1DA7AE44FE30}" type="pres">
+      <dgm:prSet presAssocID="{6B1ED8E1-BC78-4A78-81DD-93138B8B2263}" presName="parentText" presStyleLbl="alignNode1" presStyleIdx="6" presStyleCnt="7">
+        <dgm:presLayoutVars>
+          <dgm:chMax val="1"/>
+          <dgm:bulletEnabled val="1"/>
+        </dgm:presLayoutVars>
+      </dgm:prSet>
+      <dgm:spPr/>
+      <dgm:t>
+        <a:bodyPr/>
+        <a:lstStyle/>
+        <a:p>
+          <a:endParaRPr lang="fr-FR"/>
+        </a:p>
+      </dgm:t>
+    </dgm:pt>
+    <dgm:pt modelId="{6BF9DE3A-8408-47E6-95C4-9D68C0B59118}" type="pres">
+      <dgm:prSet presAssocID="{6B1ED8E1-BC78-4A78-81DD-93138B8B2263}" presName="descendantText" presStyleLbl="alignAcc1" presStyleIdx="6" presStyleCnt="7">
+        <dgm:presLayoutVars>
+          <dgm:bulletEnabled val="1"/>
+        </dgm:presLayoutVars>
+      </dgm:prSet>
+      <dgm:spPr/>
+    </dgm:pt>
+  </dgm:ptLst>
+  <dgm:cxnLst>
+    <dgm:cxn modelId="{AC13EBC1-D050-4471-A804-AA9D0A0C01F0}" srcId="{7E20A5FC-0273-40CD-89F2-053CAB6583FE}" destId="{6B1ED8E1-BC78-4A78-81DD-93138B8B2263}" srcOrd="6" destOrd="0" parTransId="{A2482158-1E8C-4D98-A286-3A43912CCDC4}" sibTransId="{AAA6C421-F9EC-4DCC-9E22-A4B2D61459DB}"/>
+    <dgm:cxn modelId="{88BE21C1-B726-41BC-8E7B-D1A3657AAC5F}" type="presOf" srcId="{0314623C-C841-43FB-80DA-8D2A3985605B}" destId="{28DC3CE0-3193-466C-894D-80050B24E5DA}" srcOrd="0" destOrd="0" presId="urn:microsoft.com/office/officeart/2005/8/layout/chevron2"/>
+    <dgm:cxn modelId="{ADED19CC-1C78-4ADB-9145-67DF1B93B17B}" srcId="{C07A4D4E-1F57-4DAC-9444-D904B093352B}" destId="{0314623C-C841-43FB-80DA-8D2A3985605B}" srcOrd="0" destOrd="0" parTransId="{374F48A8-C9B9-4DE1-A695-EE4AE5E69D9C}" sibTransId="{5BE30A2B-D9DA-4B95-AF37-99EC60D806BB}"/>
+    <dgm:cxn modelId="{C68F6B10-1A5C-488C-8945-4D2B29E6D751}" type="presOf" srcId="{AD9D62D7-1F99-4D89-89C6-0A38338357A0}" destId="{266A5E94-14C9-415A-8105-BDE6727986AB}" srcOrd="0" destOrd="0" presId="urn:microsoft.com/office/officeart/2005/8/layout/chevron2"/>
+    <dgm:cxn modelId="{0DA65F52-3E2B-44E7-9BBF-1291DD392748}" srcId="{7E20A5FC-0273-40CD-89F2-053CAB6583FE}" destId="{77339EB7-3D97-42B2-BB41-F1DA7E77D2F9}" srcOrd="3" destOrd="0" parTransId="{1E69D24B-706B-4353-A2B2-FB65387E0569}" sibTransId="{11BF7650-7EA2-45DA-A3F4-1219449A4709}"/>
+    <dgm:cxn modelId="{675ADC43-3724-45C5-81CA-A8F5740AEDC4}" type="presOf" srcId="{CB19EA66-1FC5-4EDD-9580-E3332C45FEB6}" destId="{D7CF852B-8E7A-4965-BF56-4F15593C1C8A}" srcOrd="0" destOrd="0" presId="urn:microsoft.com/office/officeart/2005/8/layout/chevron2"/>
+    <dgm:cxn modelId="{9B25F1BD-03C2-45E9-AA96-67EB13544757}" srcId="{AD9D62D7-1F99-4D89-89C6-0A38338357A0}" destId="{4A031B29-F710-4D37-9F06-A1DF78714540}" srcOrd="0" destOrd="0" parTransId="{A299B8BF-8805-4A60-BF92-393D78006AF6}" sibTransId="{AFEEF681-A582-4C0D-BF18-F9146FA61BEB}"/>
+    <dgm:cxn modelId="{9C473685-6AF5-4C80-A4E1-7BEAD5CAE4BD}" srcId="{7E20A5FC-0273-40CD-89F2-053CAB6583FE}" destId="{3C74B643-80FE-4007-9FB0-D46F166D1975}" srcOrd="2" destOrd="0" parTransId="{B7FA8628-7661-4231-B966-FC621EE69D37}" sibTransId="{6F952D6C-7C51-4229-8B4F-D8AFBC4A08FF}"/>
+    <dgm:cxn modelId="{D3964954-F2E2-4428-887D-FA323B4C988F}" srcId="{C07A4D4E-1F57-4DAC-9444-D904B093352B}" destId="{29986421-EAF9-4B01-97C1-4B8FCF0CBE89}" srcOrd="1" destOrd="0" parTransId="{84F1F3AA-3D7E-418A-A916-66F655C69EEF}" sibTransId="{005C9155-6AF6-406A-8094-4C141D497761}"/>
+    <dgm:cxn modelId="{A4EA0A04-D72F-445C-AFE9-412E558308CF}" srcId="{7E20A5FC-0273-40CD-89F2-053CAB6583FE}" destId="{9FB89A36-0EEE-4147-B38E-6AA0BE15EBDA}" srcOrd="4" destOrd="0" parTransId="{449EADF4-4A97-4ADE-98EF-98CD3ABB364E}" sibTransId="{185239E5-C8AF-42E5-B008-D5C65D8C47A5}"/>
+    <dgm:cxn modelId="{334F2A8A-8CEB-48CA-ADAC-98629BD2B163}" srcId="{4A031B29-F710-4D37-9F06-A1DF78714540}" destId="{870A194F-E8BA-487A-9CFA-36C61E802BDE}" srcOrd="1" destOrd="0" parTransId="{B5D4BA33-1D24-409B-A966-136960610FD4}" sibTransId="{CA037BE7-687F-47A5-BE2E-46D2E8C515CD}"/>
+    <dgm:cxn modelId="{5AF1953A-F0AD-46AA-92F1-B1CB82164EB1}" srcId="{7E20A5FC-0273-40CD-89F2-053CAB6583FE}" destId="{4A3CC92A-0A13-4A1B-A50E-A66EBFF25D7D}" srcOrd="5" destOrd="0" parTransId="{3DEA74AD-B84A-4A87-B596-29EDB2BE35A6}" sibTransId="{400C1C92-1F19-4809-92E5-16A2B90D6901}"/>
+    <dgm:cxn modelId="{074CD0B7-BC77-4E42-BD21-6FE693EDC3FC}" type="presOf" srcId="{C07A4D4E-1F57-4DAC-9444-D904B093352B}" destId="{E011FCA7-DB8E-4BAA-8092-DC2BC4862BA4}" srcOrd="0" destOrd="0" presId="urn:microsoft.com/office/officeart/2005/8/layout/chevron2"/>
+    <dgm:cxn modelId="{A398B666-DB7C-4743-9E7C-8114A4063720}" type="presOf" srcId="{A40BEFD5-BC45-4048-8B24-2F7479051BD6}" destId="{202FA6AE-2DDF-45F4-913E-F7845EBFB6A6}" srcOrd="0" destOrd="0" presId="urn:microsoft.com/office/officeart/2005/8/layout/chevron2"/>
+    <dgm:cxn modelId="{349E1131-DD1D-4A75-B2B2-5BD82C50FD64}" srcId="{3C74B643-80FE-4007-9FB0-D46F166D1975}" destId="{732A70D7-57AA-462F-B424-95C1672DBA58}" srcOrd="1" destOrd="0" parTransId="{A35DD438-C6F1-44C3-B997-0621D7519DFD}" sibTransId="{9096FDF1-382B-4AD3-92B2-9B11A1A6FA50}"/>
+    <dgm:cxn modelId="{342277B8-5C62-4541-A2D1-98E6E96391A2}" srcId="{AD9D62D7-1F99-4D89-89C6-0A38338357A0}" destId="{DA8565ED-B2CF-404B-9B88-B2EF6BDD6BF9}" srcOrd="2" destOrd="0" parTransId="{8C899E2D-3787-4781-8F41-D8D05958684E}" sibTransId="{3F62C1EB-316E-4621-8388-00C6CAB82DD1}"/>
+    <dgm:cxn modelId="{9F2022DD-806C-4BE2-91FE-40B7BA6C0632}" type="presOf" srcId="{B8EDA89E-7F8E-44AE-A699-0A203067934C}" destId="{D0E00011-FA70-4FBB-9146-AD04318BD5DA}" srcOrd="0" destOrd="0" presId="urn:microsoft.com/office/officeart/2005/8/layout/chevron2"/>
+    <dgm:cxn modelId="{B143CB23-D906-4EE6-A051-3502337598BD}" type="presOf" srcId="{77339EB7-3D97-42B2-BB41-F1DA7E77D2F9}" destId="{93432DA5-C4BB-4E0D-A925-4053920073DA}" srcOrd="0" destOrd="0" presId="urn:microsoft.com/office/officeart/2005/8/layout/chevron2"/>
+    <dgm:cxn modelId="{966DA5D7-01C7-43A8-9B58-E11CDB6998F9}" srcId="{9FB89A36-0EEE-4147-B38E-6AA0BE15EBDA}" destId="{9922386E-ACED-4C10-BA88-511A4AD1F234}" srcOrd="2" destOrd="0" parTransId="{E9C1C605-EA98-494E-82D5-58FEC7EDEF9D}" sibTransId="{64F33CB9-A6F9-4197-99EB-1E074B308FFC}"/>
+    <dgm:cxn modelId="{9D0D746D-632F-4DB6-85D2-98458FE6B157}" srcId="{6B1ED8E1-BC78-4A78-81DD-93138B8B2263}" destId="{EC58611F-E584-4173-AF30-D2FE585ED2F7}" srcOrd="0" destOrd="0" parTransId="{0CA42739-8AC8-46B0-92E5-5E3C58ED184C}" sibTransId="{EBD5F202-37A3-4D29-B73E-878E5C8616AE}"/>
+    <dgm:cxn modelId="{6DB29905-7417-476F-BCCC-C52E67C05D03}" srcId="{9FB89A36-0EEE-4147-B38E-6AA0BE15EBDA}" destId="{D9DEF419-D138-41FE-851E-CDC74510A105}" srcOrd="1" destOrd="0" parTransId="{83FA2C37-01EB-4985-9737-6EE3E81C9849}" sibTransId="{D4CF7BED-6015-474A-BC41-2D6F79161D22}"/>
+    <dgm:cxn modelId="{E69A63E9-0A9B-41A6-9A3B-72B57C0BCC97}" type="presOf" srcId="{4A031B29-F710-4D37-9F06-A1DF78714540}" destId="{06D5105E-114A-40BA-ACE5-A6DCE207A378}" srcOrd="0" destOrd="0" presId="urn:microsoft.com/office/officeart/2005/8/layout/chevron2"/>
+    <dgm:cxn modelId="{559E4041-AA70-420B-BEF7-94D328EA1409}" srcId="{7E20A5FC-0273-40CD-89F2-053CAB6583FE}" destId="{C07A4D4E-1F57-4DAC-9444-D904B093352B}" srcOrd="0" destOrd="0" parTransId="{C7C34C89-FBDE-4D74-9987-9F49BA3208DB}" sibTransId="{011D8FF6-3C95-469C-9B31-5369C4E2E1B8}"/>
+    <dgm:cxn modelId="{E27DCC4E-652B-4741-9D6D-BFE76FABB2DF}" type="presOf" srcId="{B40F9859-46C7-43D9-856A-E681CE783A5C}" destId="{06D5105E-114A-40BA-ACE5-A6DCE207A378}" srcOrd="0" destOrd="1" presId="urn:microsoft.com/office/officeart/2005/8/layout/chevron2"/>
+    <dgm:cxn modelId="{E9655302-B59B-415E-847C-E9783786FD24}" srcId="{3EBC4A83-B75A-4F14-AECF-538D384C11DF}" destId="{DB94D76E-767C-41FD-A202-81DBF3EFC15B}" srcOrd="0" destOrd="0" parTransId="{4BFCE2FD-8EFF-4915-BD3B-3778F8C9D2A2}" sibTransId="{C718EAC8-CFF7-4C9D-9EF8-8EDCE548DB53}"/>
+    <dgm:cxn modelId="{A8667061-D14D-406F-AF24-0AB56E30A470}" type="presOf" srcId="{6B1ED8E1-BC78-4A78-81DD-93138B8B2263}" destId="{B7F01B2B-FAF6-42FD-9911-1DA7AE44FE30}" srcOrd="0" destOrd="0" presId="urn:microsoft.com/office/officeart/2005/8/layout/chevron2"/>
+    <dgm:cxn modelId="{939F7923-9E02-401E-A689-CF295F2094BF}" type="presOf" srcId="{3EBC4A83-B75A-4F14-AECF-538D384C11DF}" destId="{06D5105E-114A-40BA-ACE5-A6DCE207A378}" srcOrd="0" destOrd="3" presId="urn:microsoft.com/office/officeart/2005/8/layout/chevron2"/>
+    <dgm:cxn modelId="{21DACDAA-EEF2-4832-80DD-55CE9820C08D}" type="presOf" srcId="{29986421-EAF9-4B01-97C1-4B8FCF0CBE89}" destId="{28DC3CE0-3193-466C-894D-80050B24E5DA}" srcOrd="0" destOrd="1" presId="urn:microsoft.com/office/officeart/2005/8/layout/chevron2"/>
+    <dgm:cxn modelId="{56EB7D64-3592-497E-92A2-29D8F85B4A52}" type="presOf" srcId="{DB94D76E-767C-41FD-A202-81DBF3EFC15B}" destId="{06D5105E-114A-40BA-ACE5-A6DCE207A378}" srcOrd="0" destOrd="4" presId="urn:microsoft.com/office/officeart/2005/8/layout/chevron2"/>
+    <dgm:cxn modelId="{4F9523D1-2BCE-4BED-9F16-55B9D1C87ECB}" type="presOf" srcId="{3C74B643-80FE-4007-9FB0-D46F166D1975}" destId="{4B17D4C9-4F1B-407D-8E0D-00D37DE42A0C}" srcOrd="0" destOrd="0" presId="urn:microsoft.com/office/officeart/2005/8/layout/chevron2"/>
+    <dgm:cxn modelId="{BB5E575D-88AF-4633-A9DD-B5C758D1A004}" type="presOf" srcId="{EC58611F-E584-4173-AF30-D2FE585ED2F7}" destId="{6BF9DE3A-8408-47E6-95C4-9D68C0B59118}" srcOrd="0" destOrd="0" presId="urn:microsoft.com/office/officeart/2005/8/layout/chevron2"/>
+    <dgm:cxn modelId="{1B1D920A-6EF3-4154-A7DD-8F612790526A}" type="presOf" srcId="{9922386E-ACED-4C10-BA88-511A4AD1F234}" destId="{202FA6AE-2DDF-45F4-913E-F7845EBFB6A6}" srcOrd="0" destOrd="2" presId="urn:microsoft.com/office/officeart/2005/8/layout/chevron2"/>
+    <dgm:cxn modelId="{CACAA253-6811-4B32-9A65-422EBDAB868F}" type="presOf" srcId="{870A194F-E8BA-487A-9CFA-36C61E802BDE}" destId="{06D5105E-114A-40BA-ACE5-A6DCE207A378}" srcOrd="0" destOrd="2" presId="urn:microsoft.com/office/officeart/2005/8/layout/chevron2"/>
+    <dgm:cxn modelId="{10EF5823-828A-446B-83D1-1ECBCB7168C5}" type="presOf" srcId="{4A3CC92A-0A13-4A1B-A50E-A66EBFF25D7D}" destId="{95F1E751-A099-4D9D-88C4-E602AD448B8C}" srcOrd="0" destOrd="0" presId="urn:microsoft.com/office/officeart/2005/8/layout/chevron2"/>
+    <dgm:cxn modelId="{50A4749E-BC07-4943-AE97-C9690A4FBCDC}" srcId="{AD9D62D7-1F99-4D89-89C6-0A38338357A0}" destId="{3EBC4A83-B75A-4F14-AECF-538D384C11DF}" srcOrd="1" destOrd="0" parTransId="{F46D7DAC-5B99-42C4-BD28-6AE792DC4878}" sibTransId="{19BD95F7-08B9-414D-B188-BE5DCE54EAD5}"/>
+    <dgm:cxn modelId="{82F1F98B-AA1C-4265-BB52-17968C0B4ACB}" srcId="{4A031B29-F710-4D37-9F06-A1DF78714540}" destId="{B40F9859-46C7-43D9-856A-E681CE783A5C}" srcOrd="0" destOrd="0" parTransId="{AA01302C-68D0-44CB-8C8A-4F5248B26303}" sibTransId="{F350DC72-D52B-48E3-AAFC-D6B62C60EA1B}"/>
+    <dgm:cxn modelId="{D392EEA0-1E60-479A-B769-6A44B6521C51}" type="presOf" srcId="{732A70D7-57AA-462F-B424-95C1672DBA58}" destId="{D0E00011-FA70-4FBB-9146-AD04318BD5DA}" srcOrd="0" destOrd="1" presId="urn:microsoft.com/office/officeart/2005/8/layout/chevron2"/>
+    <dgm:cxn modelId="{F537C272-05E2-458E-8FE5-139A2E2A2EB8}" srcId="{77339EB7-3D97-42B2-BB41-F1DA7E77D2F9}" destId="{CB19EA66-1FC5-4EDD-9580-E3332C45FEB6}" srcOrd="0" destOrd="0" parTransId="{2DDEC189-843E-4B26-9C65-CFC244F38A46}" sibTransId="{79934201-009A-4DA0-BFDA-EECEF07DBC56}"/>
+    <dgm:cxn modelId="{74EEF5E8-C9AE-414E-8616-BCFE59AEC44F}" type="presOf" srcId="{9FB89A36-0EEE-4147-B38E-6AA0BE15EBDA}" destId="{537375AC-3E85-4320-91D1-954E099E0ED6}" srcOrd="0" destOrd="0" presId="urn:microsoft.com/office/officeart/2005/8/layout/chevron2"/>
+    <dgm:cxn modelId="{A644C78A-884A-47D3-A1E6-8E6E60421329}" srcId="{7E20A5FC-0273-40CD-89F2-053CAB6583FE}" destId="{AD9D62D7-1F99-4D89-89C6-0A38338357A0}" srcOrd="1" destOrd="0" parTransId="{32FCA36B-323D-4798-86D6-DCA97C85C26F}" sibTransId="{F8A4A5CA-3159-49AB-90FD-CD1980E80B50}"/>
+    <dgm:cxn modelId="{315D93B2-44BF-4985-8128-8C8236D3FF2F}" type="presOf" srcId="{DA8565ED-B2CF-404B-9B88-B2EF6BDD6BF9}" destId="{06D5105E-114A-40BA-ACE5-A6DCE207A378}" srcOrd="0" destOrd="5" presId="urn:microsoft.com/office/officeart/2005/8/layout/chevron2"/>
+    <dgm:cxn modelId="{547DDF64-8481-4345-8F97-67BBF1F1E81E}" srcId="{3C74B643-80FE-4007-9FB0-D46F166D1975}" destId="{B8EDA89E-7F8E-44AE-A699-0A203067934C}" srcOrd="0" destOrd="0" parTransId="{CED3B03B-00AF-4263-82FD-DA2A38D9D691}" sibTransId="{F8A86FD8-34B0-442D-ABD1-F8E2A9C39419}"/>
+    <dgm:cxn modelId="{72CC33C2-1A72-4A91-B2F1-93BD599E958D}" srcId="{4A3CC92A-0A13-4A1B-A50E-A66EBFF25D7D}" destId="{AB7DCAC9-011C-4FEB-806D-18BDE3D6A956}" srcOrd="0" destOrd="0" parTransId="{82AF1EA9-6A0A-4559-A550-6BDF0DF897B3}" sibTransId="{9485809D-E4EE-45DA-BD88-0AB4B739123F}"/>
+    <dgm:cxn modelId="{EAF3F87F-E7B0-4F9A-8B18-1F7B5D949992}" srcId="{9FB89A36-0EEE-4147-B38E-6AA0BE15EBDA}" destId="{A40BEFD5-BC45-4048-8B24-2F7479051BD6}" srcOrd="0" destOrd="0" parTransId="{7400E96A-5A90-4E7F-A45E-CE34FB0094FB}" sibTransId="{285060AE-308D-4846-98A5-8B2E94880E0B}"/>
+    <dgm:cxn modelId="{88133DBE-7693-40C5-B970-B1E2C53BF704}" type="presOf" srcId="{7E20A5FC-0273-40CD-89F2-053CAB6583FE}" destId="{3F33E216-90DD-40D0-AF92-45A2BE8EAE1A}" srcOrd="0" destOrd="0" presId="urn:microsoft.com/office/officeart/2005/8/layout/chevron2"/>
+    <dgm:cxn modelId="{03D90BCA-5BB9-4873-A27B-1E63F3CAD2C2}" type="presOf" srcId="{D9DEF419-D138-41FE-851E-CDC74510A105}" destId="{202FA6AE-2DDF-45F4-913E-F7845EBFB6A6}" srcOrd="0" destOrd="1" presId="urn:microsoft.com/office/officeart/2005/8/layout/chevron2"/>
+    <dgm:cxn modelId="{8322F5FE-6AB9-485F-B330-B86630985716}" type="presOf" srcId="{AB7DCAC9-011C-4FEB-806D-18BDE3D6A956}" destId="{858E6D29-F598-4C6A-9026-D912C022C231}" srcOrd="0" destOrd="0" presId="urn:microsoft.com/office/officeart/2005/8/layout/chevron2"/>
+    <dgm:cxn modelId="{F9F2BD1D-1716-4BFD-A548-A1391A307C1B}" type="presParOf" srcId="{3F33E216-90DD-40D0-AF92-45A2BE8EAE1A}" destId="{E26D7BC0-2D46-4D9A-BDE3-27607C397756}" srcOrd="0" destOrd="0" presId="urn:microsoft.com/office/officeart/2005/8/layout/chevron2"/>
+    <dgm:cxn modelId="{64905DC9-C7CB-44D8-9EDD-4BD578270591}" type="presParOf" srcId="{E26D7BC0-2D46-4D9A-BDE3-27607C397756}" destId="{E011FCA7-DB8E-4BAA-8092-DC2BC4862BA4}" srcOrd="0" destOrd="0" presId="urn:microsoft.com/office/officeart/2005/8/layout/chevron2"/>
+    <dgm:cxn modelId="{DBF8425E-425C-4A39-99BA-4A9166EFC548}" type="presParOf" srcId="{E26D7BC0-2D46-4D9A-BDE3-27607C397756}" destId="{28DC3CE0-3193-466C-894D-80050B24E5DA}" srcOrd="1" destOrd="0" presId="urn:microsoft.com/office/officeart/2005/8/layout/chevron2"/>
+    <dgm:cxn modelId="{8593DB4C-4560-4ABE-B462-9E1D8CA4763C}" type="presParOf" srcId="{3F33E216-90DD-40D0-AF92-45A2BE8EAE1A}" destId="{5BC16E71-8F1A-477A-A6BA-F204F3A6EA14}" srcOrd="1" destOrd="0" presId="urn:microsoft.com/office/officeart/2005/8/layout/chevron2"/>
+    <dgm:cxn modelId="{68ABD044-611F-4BFC-889E-02158C079EC5}" type="presParOf" srcId="{3F33E216-90DD-40D0-AF92-45A2BE8EAE1A}" destId="{8172ED90-5200-4FCD-9525-5B712E417105}" srcOrd="2" destOrd="0" presId="urn:microsoft.com/office/officeart/2005/8/layout/chevron2"/>
+    <dgm:cxn modelId="{22CBBCD6-92E4-447C-AC65-4CADCA1A8F0F}" type="presParOf" srcId="{8172ED90-5200-4FCD-9525-5B712E417105}" destId="{266A5E94-14C9-415A-8105-BDE6727986AB}" srcOrd="0" destOrd="0" presId="urn:microsoft.com/office/officeart/2005/8/layout/chevron2"/>
+    <dgm:cxn modelId="{C23BF5F1-0B2A-4616-8E1A-BE070CA2ABA6}" type="presParOf" srcId="{8172ED90-5200-4FCD-9525-5B712E417105}" destId="{06D5105E-114A-40BA-ACE5-A6DCE207A378}" srcOrd="1" destOrd="0" presId="urn:microsoft.com/office/officeart/2005/8/layout/chevron2"/>
+    <dgm:cxn modelId="{7617AF2C-6558-46E6-96B9-EC290F4F6129}" type="presParOf" srcId="{3F33E216-90DD-40D0-AF92-45A2BE8EAE1A}" destId="{04B3CCCD-497B-48CB-A93F-7122882EF4D2}" srcOrd="3" destOrd="0" presId="urn:microsoft.com/office/officeart/2005/8/layout/chevron2"/>
+    <dgm:cxn modelId="{EDAB7325-14D8-49B5-A8F5-A62591411358}" type="presParOf" srcId="{3F33E216-90DD-40D0-AF92-45A2BE8EAE1A}" destId="{9A9AB5FB-D55D-4DCC-87B4-87653FAAE728}" srcOrd="4" destOrd="0" presId="urn:microsoft.com/office/officeart/2005/8/layout/chevron2"/>
+    <dgm:cxn modelId="{1BF41F3C-C9DE-4688-BB2D-62E64B3297DD}" type="presParOf" srcId="{9A9AB5FB-D55D-4DCC-87B4-87653FAAE728}" destId="{4B17D4C9-4F1B-407D-8E0D-00D37DE42A0C}" srcOrd="0" destOrd="0" presId="urn:microsoft.com/office/officeart/2005/8/layout/chevron2"/>
+    <dgm:cxn modelId="{357E0CF8-9BB9-4B60-9E67-30BEF807152C}" type="presParOf" srcId="{9A9AB5FB-D55D-4DCC-87B4-87653FAAE728}" destId="{D0E00011-FA70-4FBB-9146-AD04318BD5DA}" srcOrd="1" destOrd="0" presId="urn:microsoft.com/office/officeart/2005/8/layout/chevron2"/>
+    <dgm:cxn modelId="{F8D24427-767A-44B9-885C-1351D638FF53}" type="presParOf" srcId="{3F33E216-90DD-40D0-AF92-45A2BE8EAE1A}" destId="{75F6E3B6-E514-47E6-BED7-236B77CB45D4}" srcOrd="5" destOrd="0" presId="urn:microsoft.com/office/officeart/2005/8/layout/chevron2"/>
+    <dgm:cxn modelId="{2FCECD3C-315B-4E5C-AE0A-46F6CA80A1D0}" type="presParOf" srcId="{3F33E216-90DD-40D0-AF92-45A2BE8EAE1A}" destId="{5C840B8F-0FA1-477F-961A-444F16FF4BA7}" srcOrd="6" destOrd="0" presId="urn:microsoft.com/office/officeart/2005/8/layout/chevron2"/>
+    <dgm:cxn modelId="{E58F5189-2DDA-4F40-A926-D2F2BC525074}" type="presParOf" srcId="{5C840B8F-0FA1-477F-961A-444F16FF4BA7}" destId="{93432DA5-C4BB-4E0D-A925-4053920073DA}" srcOrd="0" destOrd="0" presId="urn:microsoft.com/office/officeart/2005/8/layout/chevron2"/>
+    <dgm:cxn modelId="{B5173A3B-8E16-4A49-9967-5C4072091DD9}" type="presParOf" srcId="{5C840B8F-0FA1-477F-961A-444F16FF4BA7}" destId="{D7CF852B-8E7A-4965-BF56-4F15593C1C8A}" srcOrd="1" destOrd="0" presId="urn:microsoft.com/office/officeart/2005/8/layout/chevron2"/>
+    <dgm:cxn modelId="{C9EE9963-5E14-4CF4-9B59-270C5E027B93}" type="presParOf" srcId="{3F33E216-90DD-40D0-AF92-45A2BE8EAE1A}" destId="{A187A16F-2A77-43BB-9881-30EF6EC02091}" srcOrd="7" destOrd="0" presId="urn:microsoft.com/office/officeart/2005/8/layout/chevron2"/>
+    <dgm:cxn modelId="{173699F9-2F68-4D76-8B04-D0BF056615D3}" type="presParOf" srcId="{3F33E216-90DD-40D0-AF92-45A2BE8EAE1A}" destId="{18A0F09F-848A-428C-83F8-BC8BF7D1641E}" srcOrd="8" destOrd="0" presId="urn:microsoft.com/office/officeart/2005/8/layout/chevron2"/>
+    <dgm:cxn modelId="{8694B03B-FCFF-457E-9B10-0AD8280A20B3}" type="presParOf" srcId="{18A0F09F-848A-428C-83F8-BC8BF7D1641E}" destId="{537375AC-3E85-4320-91D1-954E099E0ED6}" srcOrd="0" destOrd="0" presId="urn:microsoft.com/office/officeart/2005/8/layout/chevron2"/>
+    <dgm:cxn modelId="{544F1838-0A15-4BE2-B9B9-B6B17DF4E1F9}" type="presParOf" srcId="{18A0F09F-848A-428C-83F8-BC8BF7D1641E}" destId="{202FA6AE-2DDF-45F4-913E-F7845EBFB6A6}" srcOrd="1" destOrd="0" presId="urn:microsoft.com/office/officeart/2005/8/layout/chevron2"/>
+    <dgm:cxn modelId="{C5478CC4-75DD-49EA-A960-9CD7DD76F201}" type="presParOf" srcId="{3F33E216-90DD-40D0-AF92-45A2BE8EAE1A}" destId="{A4B0B0E2-58F1-48E2-A0C3-886950A2B1F0}" srcOrd="9" destOrd="0" presId="urn:microsoft.com/office/officeart/2005/8/layout/chevron2"/>
+    <dgm:cxn modelId="{FE6875E4-32E6-4FBB-865A-C062E4791DE3}" type="presParOf" srcId="{3F33E216-90DD-40D0-AF92-45A2BE8EAE1A}" destId="{9151EA62-BF1B-475D-8CC0-DD2D014EFDEF}" srcOrd="10" destOrd="0" presId="urn:microsoft.com/office/officeart/2005/8/layout/chevron2"/>
+    <dgm:cxn modelId="{7E6DD464-16FE-4673-BD1A-DDAD216B81C5}" type="presParOf" srcId="{9151EA62-BF1B-475D-8CC0-DD2D014EFDEF}" destId="{95F1E751-A099-4D9D-88C4-E602AD448B8C}" srcOrd="0" destOrd="0" presId="urn:microsoft.com/office/officeart/2005/8/layout/chevron2"/>
+    <dgm:cxn modelId="{5621C6AD-D9E5-4CA0-9CE5-93BA73964929}" type="presParOf" srcId="{9151EA62-BF1B-475D-8CC0-DD2D014EFDEF}" destId="{858E6D29-F598-4C6A-9026-D912C022C231}" srcOrd="1" destOrd="0" presId="urn:microsoft.com/office/officeart/2005/8/layout/chevron2"/>
+    <dgm:cxn modelId="{CD76F342-C8D8-492C-ABE8-A2BB19965A03}" type="presParOf" srcId="{3F33E216-90DD-40D0-AF92-45A2BE8EAE1A}" destId="{C1CA6282-E2B5-4402-AB99-9AF587A6444A}" srcOrd="11" destOrd="0" presId="urn:microsoft.com/office/officeart/2005/8/layout/chevron2"/>
+    <dgm:cxn modelId="{71E6DA60-7C59-4C0F-A390-4011FEA0459C}" type="presParOf" srcId="{3F33E216-90DD-40D0-AF92-45A2BE8EAE1A}" destId="{12BB2D59-0EAB-45F8-BCE7-F7C55A5A2387}" srcOrd="12" destOrd="0" presId="urn:microsoft.com/office/officeart/2005/8/layout/chevron2"/>
+    <dgm:cxn modelId="{71108626-5D39-405D-B91F-719B69A9A7EB}" type="presParOf" srcId="{12BB2D59-0EAB-45F8-BCE7-F7C55A5A2387}" destId="{B7F01B2B-FAF6-42FD-9911-1DA7AE44FE30}" srcOrd="0" destOrd="0" presId="urn:microsoft.com/office/officeart/2005/8/layout/chevron2"/>
+    <dgm:cxn modelId="{E3BD2DED-1E2F-4563-BCA8-8DA7F635E555}" type="presParOf" srcId="{12BB2D59-0EAB-45F8-BCE7-F7C55A5A2387}" destId="{6BF9DE3A-8408-47E6-95C4-9D68C0B59118}" srcOrd="1" destOrd="0" presId="urn:microsoft.com/office/officeart/2005/8/layout/chevron2"/>
   </dgm:cxnLst>
   <dgm:bg/>
   <dgm:whole/>
@@ -1377,7 +3652,7 @@
         </a:bodyPr>
         <a:lstStyle/>
         <a:p>
-          <a:pPr marL="0" lvl="0" indent="0" algn="ctr" defTabSz="533400">
+          <a:pPr lvl="0" algn="ctr" defTabSz="533400">
             <a:lnSpc>
               <a:spcPct val="90000"/>
             </a:lnSpc>
@@ -1387,7 +3662,6 @@
             <a:spcAft>
               <a:spcPct val="35000"/>
             </a:spcAft>
-            <a:buNone/>
           </a:pPr>
           <a:r>
             <a:rPr lang="fr-FR" sz="1200" kern="1200" dirty="0"/>
@@ -1450,7 +3724,7 @@
         </a:bodyPr>
         <a:lstStyle/>
         <a:p>
-          <a:pPr marL="0" lvl="0" indent="0" algn="ctr" defTabSz="533400">
+          <a:pPr lvl="0" algn="ctr" defTabSz="533400">
             <a:lnSpc>
               <a:spcPct val="90000"/>
             </a:lnSpc>
@@ -1460,7 +3734,6 @@
             <a:spcAft>
               <a:spcPct val="35000"/>
             </a:spcAft>
-            <a:buNone/>
           </a:pPr>
           <a:endParaRPr lang="fr-FR" sz="1200" kern="1200"/>
         </a:p>
@@ -1524,7 +3797,7 @@
         </a:bodyPr>
         <a:lstStyle/>
         <a:p>
-          <a:pPr marL="0" lvl="0" indent="0" algn="ctr" defTabSz="533400">
+          <a:pPr lvl="0" algn="ctr" defTabSz="533400">
             <a:lnSpc>
               <a:spcPct val="90000"/>
             </a:lnSpc>
@@ -1534,7 +3807,6 @@
             <a:spcAft>
               <a:spcPct val="35000"/>
             </a:spcAft>
-            <a:buNone/>
           </a:pPr>
           <a:r>
             <a:rPr lang="fr-FR" sz="1200" kern="1200" dirty="0"/>
@@ -1597,7 +3869,7 @@
         </a:bodyPr>
         <a:lstStyle/>
         <a:p>
-          <a:pPr marL="0" lvl="0" indent="0" algn="ctr" defTabSz="533400">
+          <a:pPr lvl="0" algn="ctr" defTabSz="533400">
             <a:lnSpc>
               <a:spcPct val="90000"/>
             </a:lnSpc>
@@ -1607,7 +3879,6 @@
             <a:spcAft>
               <a:spcPct val="35000"/>
             </a:spcAft>
-            <a:buNone/>
           </a:pPr>
           <a:endParaRPr lang="fr-FR" sz="1200" kern="1200"/>
         </a:p>
@@ -1671,7 +3942,7 @@
         </a:bodyPr>
         <a:lstStyle/>
         <a:p>
-          <a:pPr marL="0" lvl="0" indent="0" algn="ctr" defTabSz="533400">
+          <a:pPr lvl="0" algn="ctr" defTabSz="533400">
             <a:lnSpc>
               <a:spcPct val="90000"/>
             </a:lnSpc>
@@ -1681,7 +3952,6 @@
             <a:spcAft>
               <a:spcPct val="35000"/>
             </a:spcAft>
-            <a:buNone/>
           </a:pPr>
           <a:r>
             <a:rPr lang="fr-FR" sz="1200" kern="1200" dirty="0"/>
@@ -1744,7 +4014,7 @@
         </a:bodyPr>
         <a:lstStyle/>
         <a:p>
-          <a:pPr marL="0" lvl="0" indent="0" algn="ctr" defTabSz="533400">
+          <a:pPr lvl="0" algn="ctr" defTabSz="533400">
             <a:lnSpc>
               <a:spcPct val="90000"/>
             </a:lnSpc>
@@ -1754,7 +4024,6 @@
             <a:spcAft>
               <a:spcPct val="35000"/>
             </a:spcAft>
-            <a:buNone/>
           </a:pPr>
           <a:endParaRPr lang="fr-FR" sz="1200" kern="1200"/>
         </a:p>
@@ -1818,7 +4087,7 @@
         </a:bodyPr>
         <a:lstStyle/>
         <a:p>
-          <a:pPr marL="0" lvl="0" indent="0" algn="ctr" defTabSz="533400">
+          <a:pPr lvl="0" algn="ctr" defTabSz="533400">
             <a:lnSpc>
               <a:spcPct val="90000"/>
             </a:lnSpc>
@@ -1828,7 +4097,6 @@
             <a:spcAft>
               <a:spcPct val="35000"/>
             </a:spcAft>
-            <a:buNone/>
           </a:pPr>
           <a:r>
             <a:rPr lang="fr-FR" sz="1200" kern="1200" dirty="0"/>
@@ -1891,7 +4159,7 @@
         </a:bodyPr>
         <a:lstStyle/>
         <a:p>
-          <a:pPr marL="0" lvl="0" indent="0" algn="ctr" defTabSz="533400">
+          <a:pPr lvl="0" algn="ctr" defTabSz="533400">
             <a:lnSpc>
               <a:spcPct val="90000"/>
             </a:lnSpc>
@@ -1901,7 +4169,6 @@
             <a:spcAft>
               <a:spcPct val="35000"/>
             </a:spcAft>
-            <a:buNone/>
           </a:pPr>
           <a:endParaRPr lang="fr-FR" sz="1200" kern="1200"/>
         </a:p>
@@ -1965,7 +4232,7 @@
         </a:bodyPr>
         <a:lstStyle/>
         <a:p>
-          <a:pPr marL="0" lvl="0" indent="0" algn="ctr" defTabSz="533400">
+          <a:pPr lvl="0" algn="ctr" defTabSz="533400">
             <a:lnSpc>
               <a:spcPct val="90000"/>
             </a:lnSpc>
@@ -1975,7 +4242,6 @@
             <a:spcAft>
               <a:spcPct val="35000"/>
             </a:spcAft>
-            <a:buNone/>
           </a:pPr>
           <a:r>
             <a:rPr lang="fr-FR" sz="1200" kern="1200" dirty="0"/>
@@ -2038,7 +4304,7 @@
         </a:bodyPr>
         <a:lstStyle/>
         <a:p>
-          <a:pPr marL="0" lvl="0" indent="0" algn="ctr" defTabSz="533400">
+          <a:pPr lvl="0" algn="ctr" defTabSz="533400">
             <a:lnSpc>
               <a:spcPct val="90000"/>
             </a:lnSpc>
@@ -2048,7 +4314,6 @@
             <a:spcAft>
               <a:spcPct val="35000"/>
             </a:spcAft>
-            <a:buNone/>
           </a:pPr>
           <a:endParaRPr lang="fr-FR" sz="1200" kern="1200"/>
         </a:p>
@@ -2112,7 +4377,7 @@
         </a:bodyPr>
         <a:lstStyle/>
         <a:p>
-          <a:pPr marL="0" lvl="0" indent="0" algn="ctr" defTabSz="533400">
+          <a:pPr lvl="0" algn="ctr" defTabSz="533400">
             <a:lnSpc>
               <a:spcPct val="90000"/>
             </a:lnSpc>
@@ -2122,7 +4387,6 @@
             <a:spcAft>
               <a:spcPct val="35000"/>
             </a:spcAft>
-            <a:buNone/>
           </a:pPr>
           <a:r>
             <a:rPr lang="fr-FR" sz="1200" kern="1200" dirty="0"/>
@@ -2185,7 +4449,7 @@
         </a:bodyPr>
         <a:lstStyle/>
         <a:p>
-          <a:pPr marL="0" lvl="0" indent="0" algn="ctr" defTabSz="533400">
+          <a:pPr lvl="0" algn="ctr" defTabSz="533400">
             <a:lnSpc>
               <a:spcPct val="90000"/>
             </a:lnSpc>
@@ -2195,7 +4459,6 @@
             <a:spcAft>
               <a:spcPct val="35000"/>
             </a:spcAft>
-            <a:buNone/>
           </a:pPr>
           <a:endParaRPr lang="fr-FR" sz="1200" kern="1200"/>
         </a:p>
@@ -2259,7 +4522,7 @@
         </a:bodyPr>
         <a:lstStyle/>
         <a:p>
-          <a:pPr marL="0" lvl="0" indent="0" algn="ctr" defTabSz="533400">
+          <a:pPr lvl="0" algn="ctr" defTabSz="533400">
             <a:lnSpc>
               <a:spcPct val="90000"/>
             </a:lnSpc>
@@ -2269,7 +4532,6 @@
             <a:spcAft>
               <a:spcPct val="35000"/>
             </a:spcAft>
-            <a:buNone/>
           </a:pPr>
           <a:r>
             <a:rPr lang="fr-FR" sz="1200" kern="1200" dirty="0"/>
@@ -2280,6 +4542,1273 @@
       <dsp:txXfrm>
         <a:off x="1074977" y="1092460"/>
         <a:ext cx="1018237" cy="407293"/>
+      </dsp:txXfrm>
+    </dsp:sp>
+  </dsp:spTree>
+</dsp:drawing>
+</file>
+
+<file path=ppt/diagrams/drawing2.xml><?xml version="1.0" encoding="utf-8"?>
+<dsp:drawing xmlns:dgm="http://schemas.openxmlformats.org/drawingml/2006/diagram" xmlns:dsp="http://schemas.microsoft.com/office/drawing/2008/diagram" xmlns:a="http://schemas.openxmlformats.org/drawingml/2006/main">
+  <dsp:spTree>
+    <dsp:nvGrpSpPr>
+      <dsp:cNvPr id="0" name=""/>
+      <dsp:cNvGrpSpPr/>
+    </dsp:nvGrpSpPr>
+    <dsp:grpSpPr/>
+    <dsp:sp modelId="{E011FCA7-DB8E-4BAA-8092-DC2BC4862BA4}">
+      <dsp:nvSpPr>
+        <dsp:cNvPr id="0" name=""/>
+        <dsp:cNvSpPr/>
+      </dsp:nvSpPr>
+      <dsp:spPr>
+        <a:xfrm rot="5400000">
+          <a:off x="-121473" y="124617"/>
+          <a:ext cx="809822" cy="566875"/>
+        </a:xfrm>
+        <a:prstGeom prst="chevron">
+          <a:avLst/>
+        </a:prstGeom>
+        <a:solidFill>
+          <a:schemeClr val="accent2">
+            <a:hueOff val="0"/>
+            <a:satOff val="0"/>
+            <a:lumOff val="0"/>
+            <a:alphaOff val="0"/>
+          </a:schemeClr>
+        </a:solidFill>
+        <a:ln w="19050" cap="flat" cmpd="sng" algn="ctr">
+          <a:solidFill>
+            <a:schemeClr val="accent2">
+              <a:hueOff val="0"/>
+              <a:satOff val="0"/>
+              <a:lumOff val="0"/>
+              <a:alphaOff val="0"/>
+            </a:schemeClr>
+          </a:solidFill>
+          <a:prstDash val="solid"/>
+        </a:ln>
+        <a:effectLst/>
+      </dsp:spPr>
+      <dsp:style>
+        <a:lnRef idx="2">
+          <a:scrgbClr r="0" g="0" b="0"/>
+        </a:lnRef>
+        <a:fillRef idx="1">
+          <a:scrgbClr r="0" g="0" b="0"/>
+        </a:fillRef>
+        <a:effectRef idx="0">
+          <a:scrgbClr r="0" g="0" b="0"/>
+        </a:effectRef>
+        <a:fontRef idx="minor">
+          <a:schemeClr val="lt1"/>
+        </a:fontRef>
+      </dsp:style>
+      <dsp:txBody>
+        <a:bodyPr spcFirstLastPara="0" vert="horz" wrap="square" lIns="10160" tIns="10160" rIns="10160" bIns="10160" numCol="1" spcCol="1270" anchor="ctr" anchorCtr="0">
+          <a:noAutofit/>
+        </a:bodyPr>
+        <a:lstStyle/>
+        <a:p>
+          <a:pPr lvl="0" algn="ctr" defTabSz="711200">
+            <a:lnSpc>
+              <a:spcPct val="90000"/>
+            </a:lnSpc>
+            <a:spcBef>
+              <a:spcPct val="0"/>
+            </a:spcBef>
+            <a:spcAft>
+              <a:spcPct val="35000"/>
+            </a:spcAft>
+          </a:pPr>
+          <a:r>
+            <a:rPr lang="fr-FR" sz="1600" kern="1200" dirty="0" smtClean="0"/>
+            <a:t>Lundi</a:t>
+          </a:r>
+          <a:endParaRPr lang="fr-FR" sz="1600" kern="1200" dirty="0"/>
+        </a:p>
+      </dsp:txBody>
+      <dsp:txXfrm rot="-5400000">
+        <a:off x="1" y="286582"/>
+        <a:ext cx="566875" cy="242947"/>
+      </dsp:txXfrm>
+    </dsp:sp>
+    <dsp:sp modelId="{28DC3CE0-3193-466C-894D-80050B24E5DA}">
+      <dsp:nvSpPr>
+        <dsp:cNvPr id="0" name=""/>
+        <dsp:cNvSpPr/>
+      </dsp:nvSpPr>
+      <dsp:spPr>
+        <a:xfrm rot="5400000">
+          <a:off x="4124157" y="-3554137"/>
+          <a:ext cx="526384" cy="7640948"/>
+        </a:xfrm>
+        <a:prstGeom prst="round2SameRect">
+          <a:avLst/>
+        </a:prstGeom>
+        <a:solidFill>
+          <a:schemeClr val="lt1">
+            <a:alpha val="90000"/>
+            <a:hueOff val="0"/>
+            <a:satOff val="0"/>
+            <a:lumOff val="0"/>
+            <a:alphaOff val="0"/>
+          </a:schemeClr>
+        </a:solidFill>
+        <a:ln w="19050" cap="flat" cmpd="sng" algn="ctr">
+          <a:solidFill>
+            <a:schemeClr val="accent2">
+              <a:hueOff val="0"/>
+              <a:satOff val="0"/>
+              <a:lumOff val="0"/>
+              <a:alphaOff val="0"/>
+            </a:schemeClr>
+          </a:solidFill>
+          <a:prstDash val="solid"/>
+        </a:ln>
+        <a:effectLst/>
+      </dsp:spPr>
+      <dsp:style>
+        <a:lnRef idx="2">
+          <a:scrgbClr r="0" g="0" b="0"/>
+        </a:lnRef>
+        <a:fillRef idx="1">
+          <a:scrgbClr r="0" g="0" b="0"/>
+        </a:fillRef>
+        <a:effectRef idx="0">
+          <a:scrgbClr r="0" g="0" b="0"/>
+        </a:effectRef>
+        <a:fontRef idx="minor"/>
+      </dsp:style>
+      <dsp:txBody>
+        <a:bodyPr spcFirstLastPara="0" vert="horz" wrap="square" lIns="78232" tIns="6985" rIns="6985" bIns="6985" numCol="1" spcCol="1270" anchor="ctr" anchorCtr="0">
+          <a:noAutofit/>
+        </a:bodyPr>
+        <a:lstStyle/>
+        <a:p>
+          <a:pPr marL="57150" lvl="1" indent="-57150" algn="l" defTabSz="466725">
+            <a:lnSpc>
+              <a:spcPct val="90000"/>
+            </a:lnSpc>
+            <a:spcBef>
+              <a:spcPct val="0"/>
+            </a:spcBef>
+            <a:spcAft>
+              <a:spcPct val="15000"/>
+            </a:spcAft>
+            <a:buChar char="••"/>
+          </a:pPr>
+          <a:r>
+            <a:rPr lang="fr-FR" sz="1050" kern="1200" dirty="0" smtClean="0"/>
+            <a:t>DS</a:t>
+          </a:r>
+          <a:endParaRPr lang="fr-FR" sz="1050" kern="1200" dirty="0"/>
+        </a:p>
+        <a:p>
+          <a:pPr marL="57150" lvl="1" indent="-57150" algn="l" defTabSz="466725">
+            <a:lnSpc>
+              <a:spcPct val="90000"/>
+            </a:lnSpc>
+            <a:spcBef>
+              <a:spcPct val="0"/>
+            </a:spcBef>
+            <a:spcAft>
+              <a:spcPct val="15000"/>
+            </a:spcAft>
+            <a:buChar char="••"/>
+          </a:pPr>
+          <a:r>
+            <a:rPr lang="fr-FR" sz="1050" kern="1200" dirty="0" smtClean="0"/>
+            <a:t>Devoir du soir (en lien avec le cour du mardi)</a:t>
+          </a:r>
+          <a:endParaRPr lang="fr-FR" sz="1050" kern="1200" dirty="0"/>
+        </a:p>
+      </dsp:txBody>
+      <dsp:txXfrm rot="-5400000">
+        <a:off x="566875" y="28841"/>
+        <a:ext cx="7615252" cy="474992"/>
+      </dsp:txXfrm>
+    </dsp:sp>
+    <dsp:sp modelId="{266A5E94-14C9-415A-8105-BDE6727986AB}">
+      <dsp:nvSpPr>
+        <dsp:cNvPr id="0" name=""/>
+        <dsp:cNvSpPr/>
+      </dsp:nvSpPr>
+      <dsp:spPr>
+        <a:xfrm rot="5400000">
+          <a:off x="-121473" y="850560"/>
+          <a:ext cx="809822" cy="566875"/>
+        </a:xfrm>
+        <a:prstGeom prst="chevron">
+          <a:avLst/>
+        </a:prstGeom>
+        <a:solidFill>
+          <a:schemeClr val="accent3">
+            <a:hueOff val="0"/>
+            <a:satOff val="0"/>
+            <a:lumOff val="0"/>
+            <a:alphaOff val="0"/>
+          </a:schemeClr>
+        </a:solidFill>
+        <a:ln w="19050" cap="flat" cmpd="sng" algn="ctr">
+          <a:solidFill>
+            <a:schemeClr val="accent3">
+              <a:hueOff val="0"/>
+              <a:satOff val="0"/>
+              <a:lumOff val="0"/>
+              <a:alphaOff val="0"/>
+            </a:schemeClr>
+          </a:solidFill>
+          <a:prstDash val="solid"/>
+        </a:ln>
+        <a:effectLst/>
+      </dsp:spPr>
+      <dsp:style>
+        <a:lnRef idx="2">
+          <a:scrgbClr r="0" g="0" b="0"/>
+        </a:lnRef>
+        <a:fillRef idx="1">
+          <a:scrgbClr r="0" g="0" b="0"/>
+        </a:fillRef>
+        <a:effectRef idx="0">
+          <a:scrgbClr r="0" g="0" b="0"/>
+        </a:effectRef>
+        <a:fontRef idx="minor">
+          <a:schemeClr val="lt1"/>
+        </a:fontRef>
+      </dsp:style>
+      <dsp:txBody>
+        <a:bodyPr spcFirstLastPara="0" vert="horz" wrap="square" lIns="10160" tIns="10160" rIns="10160" bIns="10160" numCol="1" spcCol="1270" anchor="ctr" anchorCtr="0">
+          <a:noAutofit/>
+        </a:bodyPr>
+        <a:lstStyle/>
+        <a:p>
+          <a:pPr lvl="0" algn="ctr" defTabSz="711200">
+            <a:lnSpc>
+              <a:spcPct val="90000"/>
+            </a:lnSpc>
+            <a:spcBef>
+              <a:spcPct val="0"/>
+            </a:spcBef>
+            <a:spcAft>
+              <a:spcPct val="35000"/>
+            </a:spcAft>
+          </a:pPr>
+          <a:r>
+            <a:rPr lang="fr-FR" sz="1600" kern="1200" dirty="0" smtClean="0"/>
+            <a:t>Mardi</a:t>
+          </a:r>
+          <a:endParaRPr lang="fr-FR" sz="1600" kern="1200" dirty="0"/>
+        </a:p>
+      </dsp:txBody>
+      <dsp:txXfrm rot="-5400000">
+        <a:off x="1" y="1012525"/>
+        <a:ext cx="566875" cy="242947"/>
+      </dsp:txXfrm>
+    </dsp:sp>
+    <dsp:sp modelId="{06D5105E-114A-40BA-ACE5-A6DCE207A378}">
+      <dsp:nvSpPr>
+        <dsp:cNvPr id="0" name=""/>
+        <dsp:cNvSpPr/>
+      </dsp:nvSpPr>
+      <dsp:spPr>
+        <a:xfrm rot="5400000">
+          <a:off x="4124157" y="-2828194"/>
+          <a:ext cx="526384" cy="7640948"/>
+        </a:xfrm>
+        <a:prstGeom prst="round2SameRect">
+          <a:avLst/>
+        </a:prstGeom>
+        <a:solidFill>
+          <a:schemeClr val="lt1">
+            <a:alpha val="90000"/>
+            <a:hueOff val="0"/>
+            <a:satOff val="0"/>
+            <a:lumOff val="0"/>
+            <a:alphaOff val="0"/>
+          </a:schemeClr>
+        </a:solidFill>
+        <a:ln w="19050" cap="flat" cmpd="sng" algn="ctr">
+          <a:solidFill>
+            <a:schemeClr val="accent3">
+              <a:hueOff val="0"/>
+              <a:satOff val="0"/>
+              <a:lumOff val="0"/>
+              <a:alphaOff val="0"/>
+            </a:schemeClr>
+          </a:solidFill>
+          <a:prstDash val="solid"/>
+        </a:ln>
+        <a:effectLst/>
+      </dsp:spPr>
+      <dsp:style>
+        <a:lnRef idx="2">
+          <a:scrgbClr r="0" g="0" b="0"/>
+        </a:lnRef>
+        <a:fillRef idx="1">
+          <a:scrgbClr r="0" g="0" b="0"/>
+        </a:fillRef>
+        <a:effectRef idx="0">
+          <a:scrgbClr r="0" g="0" b="0"/>
+        </a:effectRef>
+        <a:fontRef idx="minor"/>
+      </dsp:style>
+      <dsp:txBody>
+        <a:bodyPr spcFirstLastPara="0" vert="horz" wrap="square" lIns="78232" tIns="6985" rIns="6985" bIns="6985" numCol="1" spcCol="1270" anchor="ctr" anchorCtr="0">
+          <a:noAutofit/>
+        </a:bodyPr>
+        <a:lstStyle/>
+        <a:p>
+          <a:pPr marL="57150" lvl="1" indent="-57150" algn="l" defTabSz="466725">
+            <a:lnSpc>
+              <a:spcPct val="90000"/>
+            </a:lnSpc>
+            <a:spcBef>
+              <a:spcPct val="0"/>
+            </a:spcBef>
+            <a:spcAft>
+              <a:spcPct val="15000"/>
+            </a:spcAft>
+            <a:buChar char="••"/>
+          </a:pPr>
+          <a:r>
+            <a:rPr lang="fr-FR" sz="1050" kern="1200" dirty="0" smtClean="0"/>
+            <a:t>Cours (1h)</a:t>
+          </a:r>
+          <a:endParaRPr lang="fr-FR" sz="1050" kern="1200" dirty="0"/>
+        </a:p>
+        <a:p>
+          <a:pPr marL="114300" lvl="2" indent="-57150" algn="l" defTabSz="466725">
+            <a:lnSpc>
+              <a:spcPct val="90000"/>
+            </a:lnSpc>
+            <a:spcBef>
+              <a:spcPct val="0"/>
+            </a:spcBef>
+            <a:spcAft>
+              <a:spcPct val="15000"/>
+            </a:spcAft>
+            <a:buChar char="••"/>
+          </a:pPr>
+          <a:r>
+            <a:rPr lang="fr-FR" sz="1050" kern="1200" dirty="0" smtClean="0"/>
+            <a:t>Réponses aux questions</a:t>
+          </a:r>
+          <a:endParaRPr lang="fr-FR" sz="1050" kern="1200" dirty="0"/>
+        </a:p>
+        <a:p>
+          <a:pPr marL="114300" lvl="2" indent="-57150" algn="l" defTabSz="466725">
+            <a:lnSpc>
+              <a:spcPct val="90000"/>
+            </a:lnSpc>
+            <a:spcBef>
+              <a:spcPct val="0"/>
+            </a:spcBef>
+            <a:spcAft>
+              <a:spcPct val="15000"/>
+            </a:spcAft>
+            <a:buChar char="••"/>
+          </a:pPr>
+          <a:r>
+            <a:rPr lang="fr-FR" sz="1050" kern="1200" dirty="0" smtClean="0"/>
+            <a:t>Exercices d’application</a:t>
+          </a:r>
+          <a:endParaRPr lang="fr-FR" sz="1050" kern="1200" dirty="0"/>
+        </a:p>
+        <a:p>
+          <a:pPr marL="57150" lvl="1" indent="-57150" algn="l" defTabSz="466725">
+            <a:lnSpc>
+              <a:spcPct val="90000"/>
+            </a:lnSpc>
+            <a:spcBef>
+              <a:spcPct val="0"/>
+            </a:spcBef>
+            <a:spcAft>
+              <a:spcPct val="15000"/>
+            </a:spcAft>
+            <a:buChar char="••"/>
+          </a:pPr>
+          <a:r>
+            <a:rPr lang="fr-FR" sz="1050" kern="1200" dirty="0" smtClean="0"/>
+            <a:t>TD (1h)</a:t>
+          </a:r>
+          <a:endParaRPr lang="fr-FR" sz="1050" kern="1200" dirty="0"/>
+        </a:p>
+        <a:p>
+          <a:pPr marL="114300" lvl="2" indent="-57150" algn="l" defTabSz="466725">
+            <a:lnSpc>
+              <a:spcPct val="90000"/>
+            </a:lnSpc>
+            <a:spcBef>
+              <a:spcPct val="0"/>
+            </a:spcBef>
+            <a:spcAft>
+              <a:spcPct val="15000"/>
+            </a:spcAft>
+            <a:buChar char="••"/>
+          </a:pPr>
+          <a:r>
+            <a:rPr lang="fr-FR" sz="1050" kern="1200" dirty="0" smtClean="0"/>
+            <a:t>Travail en groupe, pas de correction au tableau</a:t>
+          </a:r>
+          <a:endParaRPr lang="fr-FR" sz="1050" kern="1200" dirty="0"/>
+        </a:p>
+        <a:p>
+          <a:pPr marL="57150" lvl="1" indent="-57150" algn="l" defTabSz="466725">
+            <a:lnSpc>
+              <a:spcPct val="90000"/>
+            </a:lnSpc>
+            <a:spcBef>
+              <a:spcPct val="0"/>
+            </a:spcBef>
+            <a:spcAft>
+              <a:spcPct val="15000"/>
+            </a:spcAft>
+            <a:buChar char="••"/>
+          </a:pPr>
+          <a:r>
+            <a:rPr lang="fr-FR" sz="1050" kern="1200" dirty="0" smtClean="0"/>
+            <a:t>Devoir du soir (sur le cours de la semaine)</a:t>
+          </a:r>
+          <a:endParaRPr lang="fr-FR" sz="1050" kern="1200" dirty="0"/>
+        </a:p>
+      </dsp:txBody>
+      <dsp:txXfrm rot="-5400000">
+        <a:off x="566875" y="754784"/>
+        <a:ext cx="7615252" cy="474992"/>
+      </dsp:txXfrm>
+    </dsp:sp>
+    <dsp:sp modelId="{4B17D4C9-4F1B-407D-8E0D-00D37DE42A0C}">
+      <dsp:nvSpPr>
+        <dsp:cNvPr id="0" name=""/>
+        <dsp:cNvSpPr/>
+      </dsp:nvSpPr>
+      <dsp:spPr>
+        <a:xfrm rot="5400000">
+          <a:off x="-121473" y="1576503"/>
+          <a:ext cx="809822" cy="566875"/>
+        </a:xfrm>
+        <a:prstGeom prst="chevron">
+          <a:avLst/>
+        </a:prstGeom>
+        <a:solidFill>
+          <a:schemeClr val="accent4">
+            <a:hueOff val="0"/>
+            <a:satOff val="0"/>
+            <a:lumOff val="0"/>
+            <a:alphaOff val="0"/>
+          </a:schemeClr>
+        </a:solidFill>
+        <a:ln w="19050" cap="flat" cmpd="sng" algn="ctr">
+          <a:solidFill>
+            <a:schemeClr val="accent4">
+              <a:hueOff val="0"/>
+              <a:satOff val="0"/>
+              <a:lumOff val="0"/>
+              <a:alphaOff val="0"/>
+            </a:schemeClr>
+          </a:solidFill>
+          <a:prstDash val="solid"/>
+        </a:ln>
+        <a:effectLst/>
+      </dsp:spPr>
+      <dsp:style>
+        <a:lnRef idx="2">
+          <a:scrgbClr r="0" g="0" b="0"/>
+        </a:lnRef>
+        <a:fillRef idx="1">
+          <a:scrgbClr r="0" g="0" b="0"/>
+        </a:fillRef>
+        <a:effectRef idx="0">
+          <a:scrgbClr r="0" g="0" b="0"/>
+        </a:effectRef>
+        <a:fontRef idx="minor">
+          <a:schemeClr val="lt1"/>
+        </a:fontRef>
+      </dsp:style>
+      <dsp:txBody>
+        <a:bodyPr spcFirstLastPara="0" vert="horz" wrap="square" lIns="10160" tIns="10160" rIns="10160" bIns="10160" numCol="1" spcCol="1270" anchor="ctr" anchorCtr="0">
+          <a:noAutofit/>
+        </a:bodyPr>
+        <a:lstStyle/>
+        <a:p>
+          <a:pPr lvl="0" algn="ctr" defTabSz="711200">
+            <a:lnSpc>
+              <a:spcPct val="90000"/>
+            </a:lnSpc>
+            <a:spcBef>
+              <a:spcPct val="0"/>
+            </a:spcBef>
+            <a:spcAft>
+              <a:spcPct val="35000"/>
+            </a:spcAft>
+          </a:pPr>
+          <a:r>
+            <a:rPr lang="fr-FR" sz="1600" kern="1200" dirty="0" smtClean="0"/>
+            <a:t>Mercredi</a:t>
+          </a:r>
+          <a:endParaRPr lang="fr-FR" sz="1600" kern="1200" dirty="0"/>
+        </a:p>
+      </dsp:txBody>
+      <dsp:txXfrm rot="-5400000">
+        <a:off x="1" y="1738468"/>
+        <a:ext cx="566875" cy="242947"/>
+      </dsp:txXfrm>
+    </dsp:sp>
+    <dsp:sp modelId="{D0E00011-FA70-4FBB-9146-AD04318BD5DA}">
+      <dsp:nvSpPr>
+        <dsp:cNvPr id="0" name=""/>
+        <dsp:cNvSpPr/>
+      </dsp:nvSpPr>
+      <dsp:spPr>
+        <a:xfrm rot="5400000">
+          <a:off x="4124019" y="-2064325"/>
+          <a:ext cx="526661" cy="7640948"/>
+        </a:xfrm>
+        <a:prstGeom prst="round2SameRect">
+          <a:avLst/>
+        </a:prstGeom>
+        <a:solidFill>
+          <a:schemeClr val="lt1">
+            <a:alpha val="90000"/>
+            <a:hueOff val="0"/>
+            <a:satOff val="0"/>
+            <a:lumOff val="0"/>
+            <a:alphaOff val="0"/>
+          </a:schemeClr>
+        </a:solidFill>
+        <a:ln w="19050" cap="flat" cmpd="sng" algn="ctr">
+          <a:solidFill>
+            <a:schemeClr val="accent4">
+              <a:hueOff val="0"/>
+              <a:satOff val="0"/>
+              <a:lumOff val="0"/>
+              <a:alphaOff val="0"/>
+            </a:schemeClr>
+          </a:solidFill>
+          <a:prstDash val="solid"/>
+        </a:ln>
+        <a:effectLst/>
+      </dsp:spPr>
+      <dsp:style>
+        <a:lnRef idx="2">
+          <a:scrgbClr r="0" g="0" b="0"/>
+        </a:lnRef>
+        <a:fillRef idx="1">
+          <a:scrgbClr r="0" g="0" b="0"/>
+        </a:fillRef>
+        <a:effectRef idx="0">
+          <a:scrgbClr r="0" g="0" b="0"/>
+        </a:effectRef>
+        <a:fontRef idx="minor"/>
+      </dsp:style>
+      <dsp:txBody>
+        <a:bodyPr spcFirstLastPara="0" vert="horz" wrap="square" lIns="78232" tIns="6985" rIns="6985" bIns="6985" numCol="1" spcCol="1270" anchor="ctr" anchorCtr="0">
+          <a:noAutofit/>
+        </a:bodyPr>
+        <a:lstStyle/>
+        <a:p>
+          <a:pPr marL="57150" lvl="1" indent="-57150" algn="l" defTabSz="466725">
+            <a:lnSpc>
+              <a:spcPct val="90000"/>
+            </a:lnSpc>
+            <a:spcBef>
+              <a:spcPct val="0"/>
+            </a:spcBef>
+            <a:spcAft>
+              <a:spcPct val="15000"/>
+            </a:spcAft>
+            <a:buChar char="••"/>
+          </a:pPr>
+          <a:r>
+            <a:rPr lang="fr-FR" sz="1050" kern="1200" dirty="0" smtClean="0"/>
+            <a:t>Colle</a:t>
+          </a:r>
+          <a:endParaRPr lang="fr-FR" sz="1050" kern="1200" dirty="0"/>
+        </a:p>
+        <a:p>
+          <a:pPr marL="57150" lvl="1" indent="-57150" algn="l" defTabSz="466725">
+            <a:lnSpc>
+              <a:spcPct val="90000"/>
+            </a:lnSpc>
+            <a:spcBef>
+              <a:spcPct val="0"/>
+            </a:spcBef>
+            <a:spcAft>
+              <a:spcPct val="15000"/>
+            </a:spcAft>
+            <a:buChar char="••"/>
+          </a:pPr>
+          <a:r>
+            <a:rPr lang="fr-FR" sz="1050" kern="1200" dirty="0" smtClean="0"/>
+            <a:t>Devoir du soir (sur le cours de la semaine)</a:t>
+          </a:r>
+          <a:endParaRPr lang="fr-FR" sz="1050" kern="1200" dirty="0"/>
+        </a:p>
+      </dsp:txBody>
+      <dsp:txXfrm rot="-5400000">
+        <a:off x="566876" y="1518527"/>
+        <a:ext cx="7615239" cy="475243"/>
+      </dsp:txXfrm>
+    </dsp:sp>
+    <dsp:sp modelId="{93432DA5-C4BB-4E0D-A925-4053920073DA}">
+      <dsp:nvSpPr>
+        <dsp:cNvPr id="0" name=""/>
+        <dsp:cNvSpPr/>
+      </dsp:nvSpPr>
+      <dsp:spPr>
+        <a:xfrm rot="5400000">
+          <a:off x="-121473" y="2302446"/>
+          <a:ext cx="809822" cy="566875"/>
+        </a:xfrm>
+        <a:prstGeom prst="chevron">
+          <a:avLst/>
+        </a:prstGeom>
+        <a:solidFill>
+          <a:schemeClr val="accent5">
+            <a:hueOff val="0"/>
+            <a:satOff val="0"/>
+            <a:lumOff val="0"/>
+            <a:alphaOff val="0"/>
+          </a:schemeClr>
+        </a:solidFill>
+        <a:ln w="19050" cap="flat" cmpd="sng" algn="ctr">
+          <a:solidFill>
+            <a:schemeClr val="accent5">
+              <a:hueOff val="0"/>
+              <a:satOff val="0"/>
+              <a:lumOff val="0"/>
+              <a:alphaOff val="0"/>
+            </a:schemeClr>
+          </a:solidFill>
+          <a:prstDash val="solid"/>
+        </a:ln>
+        <a:effectLst/>
+      </dsp:spPr>
+      <dsp:style>
+        <a:lnRef idx="2">
+          <a:scrgbClr r="0" g="0" b="0"/>
+        </a:lnRef>
+        <a:fillRef idx="1">
+          <a:scrgbClr r="0" g="0" b="0"/>
+        </a:fillRef>
+        <a:effectRef idx="0">
+          <a:scrgbClr r="0" g="0" b="0"/>
+        </a:effectRef>
+        <a:fontRef idx="minor">
+          <a:schemeClr val="lt1"/>
+        </a:fontRef>
+      </dsp:style>
+      <dsp:txBody>
+        <a:bodyPr spcFirstLastPara="0" vert="horz" wrap="square" lIns="10160" tIns="10160" rIns="10160" bIns="10160" numCol="1" spcCol="1270" anchor="ctr" anchorCtr="0">
+          <a:noAutofit/>
+        </a:bodyPr>
+        <a:lstStyle/>
+        <a:p>
+          <a:pPr lvl="0" algn="ctr" defTabSz="711200">
+            <a:lnSpc>
+              <a:spcPct val="90000"/>
+            </a:lnSpc>
+            <a:spcBef>
+              <a:spcPct val="0"/>
+            </a:spcBef>
+            <a:spcAft>
+              <a:spcPct val="35000"/>
+            </a:spcAft>
+          </a:pPr>
+          <a:r>
+            <a:rPr lang="fr-FR" sz="1600" kern="1200" dirty="0" smtClean="0"/>
+            <a:t>Jeudi</a:t>
+          </a:r>
+          <a:endParaRPr lang="fr-FR" sz="1600" kern="1200" dirty="0"/>
+        </a:p>
+      </dsp:txBody>
+      <dsp:txXfrm rot="-5400000">
+        <a:off x="1" y="2464411"/>
+        <a:ext cx="566875" cy="242947"/>
+      </dsp:txXfrm>
+    </dsp:sp>
+    <dsp:sp modelId="{D7CF852B-8E7A-4965-BF56-4F15593C1C8A}">
+      <dsp:nvSpPr>
+        <dsp:cNvPr id="0" name=""/>
+        <dsp:cNvSpPr/>
+      </dsp:nvSpPr>
+      <dsp:spPr>
+        <a:xfrm rot="5400000">
+          <a:off x="4124157" y="-1376309"/>
+          <a:ext cx="526384" cy="7640948"/>
+        </a:xfrm>
+        <a:prstGeom prst="round2SameRect">
+          <a:avLst/>
+        </a:prstGeom>
+        <a:solidFill>
+          <a:schemeClr val="lt1">
+            <a:alpha val="90000"/>
+            <a:hueOff val="0"/>
+            <a:satOff val="0"/>
+            <a:lumOff val="0"/>
+            <a:alphaOff val="0"/>
+          </a:schemeClr>
+        </a:solidFill>
+        <a:ln w="19050" cap="flat" cmpd="sng" algn="ctr">
+          <a:solidFill>
+            <a:schemeClr val="accent5">
+              <a:hueOff val="0"/>
+              <a:satOff val="0"/>
+              <a:lumOff val="0"/>
+              <a:alphaOff val="0"/>
+            </a:schemeClr>
+          </a:solidFill>
+          <a:prstDash val="solid"/>
+        </a:ln>
+        <a:effectLst/>
+      </dsp:spPr>
+      <dsp:style>
+        <a:lnRef idx="2">
+          <a:scrgbClr r="0" g="0" b="0"/>
+        </a:lnRef>
+        <a:fillRef idx="1">
+          <a:scrgbClr r="0" g="0" b="0"/>
+        </a:fillRef>
+        <a:effectRef idx="0">
+          <a:scrgbClr r="0" g="0" b="0"/>
+        </a:effectRef>
+        <a:fontRef idx="minor"/>
+      </dsp:style>
+      <dsp:txBody>
+        <a:bodyPr spcFirstLastPara="0" vert="horz" wrap="square" lIns="78232" tIns="6985" rIns="6985" bIns="6985" numCol="1" spcCol="1270" anchor="ctr" anchorCtr="0">
+          <a:noAutofit/>
+        </a:bodyPr>
+        <a:lstStyle/>
+        <a:p>
+          <a:pPr marL="57150" lvl="1" indent="-57150" algn="l" defTabSz="466725">
+            <a:lnSpc>
+              <a:spcPct val="90000"/>
+            </a:lnSpc>
+            <a:spcBef>
+              <a:spcPct val="0"/>
+            </a:spcBef>
+            <a:spcAft>
+              <a:spcPct val="15000"/>
+            </a:spcAft>
+            <a:buChar char="••"/>
+          </a:pPr>
+          <a:r>
+            <a:rPr lang="fr-FR" sz="1050" kern="1200" dirty="0" smtClean="0"/>
+            <a:t>Devoir du soir (Révision Sup)</a:t>
+          </a:r>
+          <a:endParaRPr lang="fr-FR" sz="1050" kern="1200" dirty="0"/>
+        </a:p>
+      </dsp:txBody>
+      <dsp:txXfrm rot="-5400000">
+        <a:off x="566875" y="2206669"/>
+        <a:ext cx="7615252" cy="474992"/>
+      </dsp:txXfrm>
+    </dsp:sp>
+    <dsp:sp modelId="{537375AC-3E85-4320-91D1-954E099E0ED6}">
+      <dsp:nvSpPr>
+        <dsp:cNvPr id="0" name=""/>
+        <dsp:cNvSpPr/>
+      </dsp:nvSpPr>
+      <dsp:spPr>
+        <a:xfrm rot="5400000">
+          <a:off x="-121473" y="3028388"/>
+          <a:ext cx="809822" cy="566875"/>
+        </a:xfrm>
+        <a:prstGeom prst="chevron">
+          <a:avLst/>
+        </a:prstGeom>
+        <a:solidFill>
+          <a:schemeClr val="accent6">
+            <a:hueOff val="0"/>
+            <a:satOff val="0"/>
+            <a:lumOff val="0"/>
+            <a:alphaOff val="0"/>
+          </a:schemeClr>
+        </a:solidFill>
+        <a:ln w="19050" cap="flat" cmpd="sng" algn="ctr">
+          <a:solidFill>
+            <a:schemeClr val="accent6">
+              <a:hueOff val="0"/>
+              <a:satOff val="0"/>
+              <a:lumOff val="0"/>
+              <a:alphaOff val="0"/>
+            </a:schemeClr>
+          </a:solidFill>
+          <a:prstDash val="solid"/>
+        </a:ln>
+        <a:effectLst/>
+      </dsp:spPr>
+      <dsp:style>
+        <a:lnRef idx="2">
+          <a:scrgbClr r="0" g="0" b="0"/>
+        </a:lnRef>
+        <a:fillRef idx="1">
+          <a:scrgbClr r="0" g="0" b="0"/>
+        </a:fillRef>
+        <a:effectRef idx="0">
+          <a:scrgbClr r="0" g="0" b="0"/>
+        </a:effectRef>
+        <a:fontRef idx="minor">
+          <a:schemeClr val="lt1"/>
+        </a:fontRef>
+      </dsp:style>
+      <dsp:txBody>
+        <a:bodyPr spcFirstLastPara="0" vert="horz" wrap="square" lIns="10160" tIns="10160" rIns="10160" bIns="10160" numCol="1" spcCol="1270" anchor="ctr" anchorCtr="0">
+          <a:noAutofit/>
+        </a:bodyPr>
+        <a:lstStyle/>
+        <a:p>
+          <a:pPr lvl="0" algn="ctr" defTabSz="711200">
+            <a:lnSpc>
+              <a:spcPct val="90000"/>
+            </a:lnSpc>
+            <a:spcBef>
+              <a:spcPct val="0"/>
+            </a:spcBef>
+            <a:spcAft>
+              <a:spcPct val="35000"/>
+            </a:spcAft>
+          </a:pPr>
+          <a:r>
+            <a:rPr lang="fr-FR" sz="1600" kern="1200" dirty="0" smtClean="0"/>
+            <a:t>Vendredi</a:t>
+          </a:r>
+          <a:endParaRPr lang="fr-FR" sz="1600" kern="1200" dirty="0"/>
+        </a:p>
+      </dsp:txBody>
+      <dsp:txXfrm rot="-5400000">
+        <a:off x="1" y="3190353"/>
+        <a:ext cx="566875" cy="242947"/>
+      </dsp:txXfrm>
+    </dsp:sp>
+    <dsp:sp modelId="{202FA6AE-2DDF-45F4-913E-F7845EBFB6A6}">
+      <dsp:nvSpPr>
+        <dsp:cNvPr id="0" name=""/>
+        <dsp:cNvSpPr/>
+      </dsp:nvSpPr>
+      <dsp:spPr>
+        <a:xfrm rot="5400000">
+          <a:off x="4124157" y="-650366"/>
+          <a:ext cx="526384" cy="7640948"/>
+        </a:xfrm>
+        <a:prstGeom prst="round2SameRect">
+          <a:avLst/>
+        </a:prstGeom>
+        <a:solidFill>
+          <a:schemeClr val="lt1">
+            <a:alpha val="90000"/>
+            <a:hueOff val="0"/>
+            <a:satOff val="0"/>
+            <a:lumOff val="0"/>
+            <a:alphaOff val="0"/>
+          </a:schemeClr>
+        </a:solidFill>
+        <a:ln w="19050" cap="flat" cmpd="sng" algn="ctr">
+          <a:solidFill>
+            <a:schemeClr val="accent6">
+              <a:hueOff val="0"/>
+              <a:satOff val="0"/>
+              <a:lumOff val="0"/>
+              <a:alphaOff val="0"/>
+            </a:schemeClr>
+          </a:solidFill>
+          <a:prstDash val="solid"/>
+        </a:ln>
+        <a:effectLst/>
+      </dsp:spPr>
+      <dsp:style>
+        <a:lnRef idx="2">
+          <a:scrgbClr r="0" g="0" b="0"/>
+        </a:lnRef>
+        <a:fillRef idx="1">
+          <a:scrgbClr r="0" g="0" b="0"/>
+        </a:fillRef>
+        <a:effectRef idx="0">
+          <a:scrgbClr r="0" g="0" b="0"/>
+        </a:effectRef>
+        <a:fontRef idx="minor"/>
+      </dsp:style>
+      <dsp:txBody>
+        <a:bodyPr spcFirstLastPara="0" vert="horz" wrap="square" lIns="78232" tIns="6985" rIns="6985" bIns="6985" numCol="1" spcCol="1270" anchor="ctr" anchorCtr="0">
+          <a:noAutofit/>
+        </a:bodyPr>
+        <a:lstStyle/>
+        <a:p>
+          <a:pPr marL="57150" lvl="1" indent="-57150" algn="l" defTabSz="466725">
+            <a:lnSpc>
+              <a:spcPct val="90000"/>
+            </a:lnSpc>
+            <a:spcBef>
+              <a:spcPct val="0"/>
+            </a:spcBef>
+            <a:spcAft>
+              <a:spcPct val="15000"/>
+            </a:spcAft>
+            <a:buChar char="••"/>
+          </a:pPr>
+          <a:r>
+            <a:rPr lang="fr-FR" sz="1050" kern="1200" dirty="0" smtClean="0"/>
+            <a:t>TP organisation à géométrie variable </a:t>
+          </a:r>
+          <a:r>
+            <a:rPr lang="fr-FR" sz="1050" kern="1200" dirty="0" smtClean="0">
+              <a:sym typeface="Wingdings" panose="05000000000000000000" pitchFamily="2" charset="2"/>
+            </a:rPr>
+            <a:t></a:t>
+          </a:r>
+          <a:endParaRPr lang="fr-FR" sz="1050" kern="1200" dirty="0"/>
+        </a:p>
+        <a:p>
+          <a:pPr marL="57150" lvl="1" indent="-57150" algn="l" defTabSz="466725">
+            <a:lnSpc>
+              <a:spcPct val="90000"/>
+            </a:lnSpc>
+            <a:spcBef>
+              <a:spcPct val="0"/>
+            </a:spcBef>
+            <a:spcAft>
+              <a:spcPct val="15000"/>
+            </a:spcAft>
+            <a:buChar char="••"/>
+          </a:pPr>
+          <a:r>
+            <a:rPr lang="fr-FR" sz="1050" kern="1200" dirty="0" smtClean="0"/>
+            <a:t>Colle</a:t>
+          </a:r>
+          <a:endParaRPr lang="fr-FR" sz="1050" kern="1200" dirty="0"/>
+        </a:p>
+        <a:p>
+          <a:pPr marL="57150" lvl="1" indent="-57150" algn="l" defTabSz="466725">
+            <a:lnSpc>
+              <a:spcPct val="90000"/>
+            </a:lnSpc>
+            <a:spcBef>
+              <a:spcPct val="0"/>
+            </a:spcBef>
+            <a:spcAft>
+              <a:spcPct val="15000"/>
+            </a:spcAft>
+            <a:buChar char="••"/>
+          </a:pPr>
+          <a:r>
+            <a:rPr lang="fr-FR" sz="1050" kern="1200" dirty="0" smtClean="0"/>
+            <a:t>(Révision Sup)</a:t>
+          </a:r>
+          <a:endParaRPr lang="fr-FR" sz="1050" kern="1200" dirty="0"/>
+        </a:p>
+      </dsp:txBody>
+      <dsp:txXfrm rot="-5400000">
+        <a:off x="566875" y="2932612"/>
+        <a:ext cx="7615252" cy="474992"/>
+      </dsp:txXfrm>
+    </dsp:sp>
+    <dsp:sp modelId="{95F1E751-A099-4D9D-88C4-E602AD448B8C}">
+      <dsp:nvSpPr>
+        <dsp:cNvPr id="0" name=""/>
+        <dsp:cNvSpPr/>
+      </dsp:nvSpPr>
+      <dsp:spPr>
+        <a:xfrm rot="5400000">
+          <a:off x="-121473" y="3754331"/>
+          <a:ext cx="809822" cy="566875"/>
+        </a:xfrm>
+        <a:prstGeom prst="chevron">
+          <a:avLst/>
+        </a:prstGeom>
+        <a:solidFill>
+          <a:schemeClr val="accent2">
+            <a:hueOff val="0"/>
+            <a:satOff val="0"/>
+            <a:lumOff val="0"/>
+            <a:alphaOff val="0"/>
+          </a:schemeClr>
+        </a:solidFill>
+        <a:ln w="19050" cap="flat" cmpd="sng" algn="ctr">
+          <a:solidFill>
+            <a:schemeClr val="accent2">
+              <a:hueOff val="0"/>
+              <a:satOff val="0"/>
+              <a:lumOff val="0"/>
+              <a:alphaOff val="0"/>
+            </a:schemeClr>
+          </a:solidFill>
+          <a:prstDash val="solid"/>
+        </a:ln>
+        <a:effectLst/>
+      </dsp:spPr>
+      <dsp:style>
+        <a:lnRef idx="2">
+          <a:scrgbClr r="0" g="0" b="0"/>
+        </a:lnRef>
+        <a:fillRef idx="1">
+          <a:scrgbClr r="0" g="0" b="0"/>
+        </a:fillRef>
+        <a:effectRef idx="0">
+          <a:scrgbClr r="0" g="0" b="0"/>
+        </a:effectRef>
+        <a:fontRef idx="minor">
+          <a:schemeClr val="lt1"/>
+        </a:fontRef>
+      </dsp:style>
+      <dsp:txBody>
+        <a:bodyPr spcFirstLastPara="0" vert="horz" wrap="square" lIns="10160" tIns="10160" rIns="10160" bIns="10160" numCol="1" spcCol="1270" anchor="ctr" anchorCtr="0">
+          <a:noAutofit/>
+        </a:bodyPr>
+        <a:lstStyle/>
+        <a:p>
+          <a:pPr lvl="0" algn="ctr" defTabSz="711200">
+            <a:lnSpc>
+              <a:spcPct val="90000"/>
+            </a:lnSpc>
+            <a:spcBef>
+              <a:spcPct val="0"/>
+            </a:spcBef>
+            <a:spcAft>
+              <a:spcPct val="35000"/>
+            </a:spcAft>
+          </a:pPr>
+          <a:r>
+            <a:rPr lang="fr-FR" sz="1600" kern="1200" dirty="0" smtClean="0"/>
+            <a:t>Samedi</a:t>
+          </a:r>
+          <a:endParaRPr lang="fr-FR" sz="1600" kern="1200" dirty="0"/>
+        </a:p>
+      </dsp:txBody>
+      <dsp:txXfrm rot="-5400000">
+        <a:off x="1" y="3916296"/>
+        <a:ext cx="566875" cy="242947"/>
+      </dsp:txXfrm>
+    </dsp:sp>
+    <dsp:sp modelId="{858E6D29-F598-4C6A-9026-D912C022C231}">
+      <dsp:nvSpPr>
+        <dsp:cNvPr id="0" name=""/>
+        <dsp:cNvSpPr/>
+      </dsp:nvSpPr>
+      <dsp:spPr>
+        <a:xfrm rot="5400000">
+          <a:off x="4124157" y="75576"/>
+          <a:ext cx="526384" cy="7640948"/>
+        </a:xfrm>
+        <a:prstGeom prst="round2SameRect">
+          <a:avLst/>
+        </a:prstGeom>
+        <a:solidFill>
+          <a:schemeClr val="lt1">
+            <a:alpha val="90000"/>
+            <a:hueOff val="0"/>
+            <a:satOff val="0"/>
+            <a:lumOff val="0"/>
+            <a:alphaOff val="0"/>
+          </a:schemeClr>
+        </a:solidFill>
+        <a:ln w="19050" cap="flat" cmpd="sng" algn="ctr">
+          <a:solidFill>
+            <a:schemeClr val="accent2">
+              <a:hueOff val="0"/>
+              <a:satOff val="0"/>
+              <a:lumOff val="0"/>
+              <a:alphaOff val="0"/>
+            </a:schemeClr>
+          </a:solidFill>
+          <a:prstDash val="solid"/>
+        </a:ln>
+        <a:effectLst/>
+      </dsp:spPr>
+      <dsp:style>
+        <a:lnRef idx="2">
+          <a:scrgbClr r="0" g="0" b="0"/>
+        </a:lnRef>
+        <a:fillRef idx="1">
+          <a:scrgbClr r="0" g="0" b="0"/>
+        </a:fillRef>
+        <a:effectRef idx="0">
+          <a:scrgbClr r="0" g="0" b="0"/>
+        </a:effectRef>
+        <a:fontRef idx="minor"/>
+      </dsp:style>
+      <dsp:txBody>
+        <a:bodyPr spcFirstLastPara="0" vert="horz" wrap="square" lIns="78232" tIns="6985" rIns="6985" bIns="6985" numCol="1" spcCol="1270" anchor="ctr" anchorCtr="0">
+          <a:noAutofit/>
+        </a:bodyPr>
+        <a:lstStyle/>
+        <a:p>
+          <a:pPr marL="57150" lvl="1" indent="-57150" algn="l" defTabSz="466725">
+            <a:lnSpc>
+              <a:spcPct val="90000"/>
+            </a:lnSpc>
+            <a:spcBef>
+              <a:spcPct val="0"/>
+            </a:spcBef>
+            <a:spcAft>
+              <a:spcPct val="15000"/>
+            </a:spcAft>
+            <a:buChar char="••"/>
+          </a:pPr>
+          <a:r>
+            <a:rPr lang="fr-FR" sz="1050" kern="1200" dirty="0" smtClean="0"/>
+            <a:t>Devoir du soir</a:t>
+          </a:r>
+          <a:endParaRPr lang="fr-FR" sz="1050" kern="1200" dirty="0"/>
+        </a:p>
+      </dsp:txBody>
+      <dsp:txXfrm rot="-5400000">
+        <a:off x="566875" y="3658554"/>
+        <a:ext cx="7615252" cy="474992"/>
+      </dsp:txXfrm>
+    </dsp:sp>
+    <dsp:sp modelId="{B7F01B2B-FAF6-42FD-9911-1DA7AE44FE30}">
+      <dsp:nvSpPr>
+        <dsp:cNvPr id="0" name=""/>
+        <dsp:cNvSpPr/>
+      </dsp:nvSpPr>
+      <dsp:spPr>
+        <a:xfrm rot="5400000">
+          <a:off x="-121473" y="4480274"/>
+          <a:ext cx="809822" cy="566875"/>
+        </a:xfrm>
+        <a:prstGeom prst="chevron">
+          <a:avLst/>
+        </a:prstGeom>
+        <a:solidFill>
+          <a:schemeClr val="accent3">
+            <a:hueOff val="0"/>
+            <a:satOff val="0"/>
+            <a:lumOff val="0"/>
+            <a:alphaOff val="0"/>
+          </a:schemeClr>
+        </a:solidFill>
+        <a:ln w="19050" cap="flat" cmpd="sng" algn="ctr">
+          <a:solidFill>
+            <a:schemeClr val="accent3">
+              <a:hueOff val="0"/>
+              <a:satOff val="0"/>
+              <a:lumOff val="0"/>
+              <a:alphaOff val="0"/>
+            </a:schemeClr>
+          </a:solidFill>
+          <a:prstDash val="solid"/>
+        </a:ln>
+        <a:effectLst/>
+      </dsp:spPr>
+      <dsp:style>
+        <a:lnRef idx="2">
+          <a:scrgbClr r="0" g="0" b="0"/>
+        </a:lnRef>
+        <a:fillRef idx="1">
+          <a:scrgbClr r="0" g="0" b="0"/>
+        </a:fillRef>
+        <a:effectRef idx="0">
+          <a:scrgbClr r="0" g="0" b="0"/>
+        </a:effectRef>
+        <a:fontRef idx="minor">
+          <a:schemeClr val="lt1"/>
+        </a:fontRef>
+      </dsp:style>
+      <dsp:txBody>
+        <a:bodyPr spcFirstLastPara="0" vert="horz" wrap="square" lIns="10160" tIns="10160" rIns="10160" bIns="10160" numCol="1" spcCol="1270" anchor="ctr" anchorCtr="0">
+          <a:noAutofit/>
+        </a:bodyPr>
+        <a:lstStyle/>
+        <a:p>
+          <a:pPr lvl="0" algn="ctr" defTabSz="711200">
+            <a:lnSpc>
+              <a:spcPct val="90000"/>
+            </a:lnSpc>
+            <a:spcBef>
+              <a:spcPct val="0"/>
+            </a:spcBef>
+            <a:spcAft>
+              <a:spcPct val="35000"/>
+            </a:spcAft>
+          </a:pPr>
+          <a:r>
+            <a:rPr lang="fr-FR" sz="1600" kern="1200" dirty="0" smtClean="0"/>
+            <a:t>Dimanche</a:t>
+          </a:r>
+          <a:endParaRPr lang="fr-FR" sz="1600" kern="1200" dirty="0"/>
+        </a:p>
+      </dsp:txBody>
+      <dsp:txXfrm rot="-5400000">
+        <a:off x="1" y="4642239"/>
+        <a:ext cx="566875" cy="242947"/>
+      </dsp:txXfrm>
+    </dsp:sp>
+    <dsp:sp modelId="{6BF9DE3A-8408-47E6-95C4-9D68C0B59118}">
+      <dsp:nvSpPr>
+        <dsp:cNvPr id="0" name=""/>
+        <dsp:cNvSpPr/>
+      </dsp:nvSpPr>
+      <dsp:spPr>
+        <a:xfrm rot="5400000">
+          <a:off x="4124157" y="801519"/>
+          <a:ext cx="526384" cy="7640948"/>
+        </a:xfrm>
+        <a:prstGeom prst="round2SameRect">
+          <a:avLst/>
+        </a:prstGeom>
+        <a:solidFill>
+          <a:schemeClr val="lt1">
+            <a:alpha val="90000"/>
+            <a:hueOff val="0"/>
+            <a:satOff val="0"/>
+            <a:lumOff val="0"/>
+            <a:alphaOff val="0"/>
+          </a:schemeClr>
+        </a:solidFill>
+        <a:ln w="19050" cap="flat" cmpd="sng" algn="ctr">
+          <a:solidFill>
+            <a:schemeClr val="accent3">
+              <a:hueOff val="0"/>
+              <a:satOff val="0"/>
+              <a:lumOff val="0"/>
+              <a:alphaOff val="0"/>
+            </a:schemeClr>
+          </a:solidFill>
+          <a:prstDash val="solid"/>
+        </a:ln>
+        <a:effectLst/>
+      </dsp:spPr>
+      <dsp:style>
+        <a:lnRef idx="2">
+          <a:scrgbClr r="0" g="0" b="0"/>
+        </a:lnRef>
+        <a:fillRef idx="1">
+          <a:scrgbClr r="0" g="0" b="0"/>
+        </a:fillRef>
+        <a:effectRef idx="0">
+          <a:scrgbClr r="0" g="0" b="0"/>
+        </a:effectRef>
+        <a:fontRef idx="minor"/>
+      </dsp:style>
+      <dsp:txBody>
+        <a:bodyPr spcFirstLastPara="0" vert="horz" wrap="square" lIns="78232" tIns="6985" rIns="6985" bIns="6985" numCol="1" spcCol="1270" anchor="ctr" anchorCtr="0">
+          <a:noAutofit/>
+        </a:bodyPr>
+        <a:lstStyle/>
+        <a:p>
+          <a:pPr marL="57150" lvl="1" indent="-57150" algn="l" defTabSz="466725">
+            <a:lnSpc>
+              <a:spcPct val="90000"/>
+            </a:lnSpc>
+            <a:spcBef>
+              <a:spcPct val="0"/>
+            </a:spcBef>
+            <a:spcAft>
+              <a:spcPct val="15000"/>
+            </a:spcAft>
+            <a:buChar char="••"/>
+          </a:pPr>
+          <a:r>
+            <a:rPr lang="fr-FR" sz="1050" kern="1200" dirty="0" smtClean="0"/>
+            <a:t>Lecture du cours (du mardi)</a:t>
+          </a:r>
+          <a:endParaRPr lang="fr-FR" sz="1050" kern="1200" dirty="0"/>
+        </a:p>
+      </dsp:txBody>
+      <dsp:txXfrm rot="-5400000">
+        <a:off x="566875" y="4384497"/>
+        <a:ext cx="7615252" cy="474992"/>
       </dsp:txXfrm>
     </dsp:sp>
   </dsp:spTree>
@@ -2525,7 +6054,1297 @@
 </dgm:layoutDef>
 </file>
 
+<file path=ppt/diagrams/layout2.xml><?xml version="1.0" encoding="utf-8"?>
+<dgm:layoutDef xmlns:dgm="http://schemas.openxmlformats.org/drawingml/2006/diagram" xmlns:a="http://schemas.openxmlformats.org/drawingml/2006/main" uniqueId="urn:microsoft.com/office/officeart/2005/8/layout/chevron2">
+  <dgm:title val=""/>
+  <dgm:desc val=""/>
+  <dgm:catLst>
+    <dgm:cat type="process" pri="12000"/>
+    <dgm:cat type="list" pri="16000"/>
+    <dgm:cat type="convert" pri="11000"/>
+  </dgm:catLst>
+  <dgm:sampData>
+    <dgm:dataModel>
+      <dgm:ptLst>
+        <dgm:pt modelId="0" type="doc"/>
+        <dgm:pt modelId="1">
+          <dgm:prSet phldr="1"/>
+        </dgm:pt>
+        <dgm:pt modelId="11">
+          <dgm:prSet phldr="1"/>
+        </dgm:pt>
+        <dgm:pt modelId="12">
+          <dgm:prSet phldr="1"/>
+        </dgm:pt>
+        <dgm:pt modelId="2">
+          <dgm:prSet phldr="1"/>
+        </dgm:pt>
+        <dgm:pt modelId="21">
+          <dgm:prSet phldr="1"/>
+        </dgm:pt>
+        <dgm:pt modelId="22">
+          <dgm:prSet phldr="1"/>
+        </dgm:pt>
+        <dgm:pt modelId="3">
+          <dgm:prSet phldr="1"/>
+        </dgm:pt>
+        <dgm:pt modelId="31">
+          <dgm:prSet phldr="1"/>
+        </dgm:pt>
+        <dgm:pt modelId="32">
+          <dgm:prSet phldr="1"/>
+        </dgm:pt>
+      </dgm:ptLst>
+      <dgm:cxnLst>
+        <dgm:cxn modelId="4" srcId="0" destId="1" srcOrd="0" destOrd="0"/>
+        <dgm:cxn modelId="5" srcId="0" destId="2" srcOrd="1" destOrd="0"/>
+        <dgm:cxn modelId="6" srcId="0" destId="3" srcOrd="2" destOrd="0"/>
+        <dgm:cxn modelId="13" srcId="1" destId="11" srcOrd="0" destOrd="0"/>
+        <dgm:cxn modelId="14" srcId="1" destId="12" srcOrd="1" destOrd="0"/>
+        <dgm:cxn modelId="23" srcId="2" destId="21" srcOrd="0" destOrd="0"/>
+        <dgm:cxn modelId="24" srcId="2" destId="22" srcOrd="1" destOrd="0"/>
+        <dgm:cxn modelId="33" srcId="3" destId="31" srcOrd="0" destOrd="0"/>
+        <dgm:cxn modelId="34" srcId="3" destId="32" srcOrd="1" destOrd="0"/>
+      </dgm:cxnLst>
+      <dgm:bg/>
+      <dgm:whole/>
+    </dgm:dataModel>
+  </dgm:sampData>
+  <dgm:styleData>
+    <dgm:dataModel>
+      <dgm:ptLst>
+        <dgm:pt modelId="0" type="doc"/>
+        <dgm:pt modelId="1"/>
+      </dgm:ptLst>
+      <dgm:cxnLst>
+        <dgm:cxn modelId="4" srcId="0" destId="1" srcOrd="0" destOrd="0"/>
+      </dgm:cxnLst>
+      <dgm:bg/>
+      <dgm:whole/>
+    </dgm:dataModel>
+  </dgm:styleData>
+  <dgm:clrData>
+    <dgm:dataModel>
+      <dgm:ptLst>
+        <dgm:pt modelId="0" type="doc"/>
+        <dgm:pt modelId="1"/>
+        <dgm:pt modelId="11"/>
+        <dgm:pt modelId="2"/>
+        <dgm:pt modelId="21"/>
+        <dgm:pt modelId="3"/>
+        <dgm:pt modelId="31"/>
+        <dgm:pt modelId="4"/>
+        <dgm:pt modelId="41"/>
+      </dgm:ptLst>
+      <dgm:cxnLst>
+        <dgm:cxn modelId="5" srcId="0" destId="1" srcOrd="0" destOrd="0"/>
+        <dgm:cxn modelId="6" srcId="0" destId="2" srcOrd="1" destOrd="0"/>
+        <dgm:cxn modelId="7" srcId="0" destId="3" srcOrd="2" destOrd="0"/>
+        <dgm:cxn modelId="8" srcId="0" destId="4" srcOrd="3" destOrd="0"/>
+        <dgm:cxn modelId="13" srcId="1" destId="11" srcOrd="0" destOrd="0"/>
+        <dgm:cxn modelId="23" srcId="2" destId="21" srcOrd="0" destOrd="0"/>
+        <dgm:cxn modelId="33" srcId="3" destId="31" srcOrd="0" destOrd="0"/>
+        <dgm:cxn modelId="43" srcId="4" destId="41" srcOrd="0" destOrd="0"/>
+      </dgm:cxnLst>
+      <dgm:bg/>
+      <dgm:whole/>
+    </dgm:dataModel>
+  </dgm:clrData>
+  <dgm:layoutNode name="linearFlow">
+    <dgm:varLst>
+      <dgm:dir/>
+      <dgm:animLvl val="lvl"/>
+      <dgm:resizeHandles val="exact"/>
+    </dgm:varLst>
+    <dgm:alg type="lin">
+      <dgm:param type="linDir" val="fromT"/>
+      <dgm:param type="nodeHorzAlign" val="l"/>
+    </dgm:alg>
+    <dgm:shape xmlns:r="http://schemas.openxmlformats.org/officeDocument/2006/relationships" r:blip="">
+      <dgm:adjLst/>
+    </dgm:shape>
+    <dgm:presOf/>
+    <dgm:constrLst>
+      <dgm:constr type="h" for="ch" forName="composite" refType="h"/>
+      <dgm:constr type="w" for="ch" forName="composite" refType="w"/>
+      <dgm:constr type="h" for="des" forName="parentText" op="equ"/>
+      <dgm:constr type="h" for="ch" forName="sp" val="-14.88"/>
+      <dgm:constr type="h" for="ch" forName="sp" refType="w" refFor="des" refForName="parentText" op="gte" fact="-0.3"/>
+      <dgm:constr type="primFontSz" for="des" forName="parentText" op="equ" val="65"/>
+      <dgm:constr type="primFontSz" for="des" forName="descendantText" op="equ" val="65"/>
+    </dgm:constrLst>
+    <dgm:ruleLst/>
+    <dgm:forEach name="Name0" axis="ch" ptType="node">
+      <dgm:layoutNode name="composite">
+        <dgm:alg type="composite"/>
+        <dgm:shape xmlns:r="http://schemas.openxmlformats.org/officeDocument/2006/relationships" r:blip="">
+          <dgm:adjLst/>
+        </dgm:shape>
+        <dgm:presOf/>
+        <dgm:choose name="Name1">
+          <dgm:if name="Name2" func="var" arg="dir" op="equ" val="norm">
+            <dgm:constrLst>
+              <dgm:constr type="t" for="ch" forName="parentText"/>
+              <dgm:constr type="l" for="ch" forName="parentText"/>
+              <dgm:constr type="w" for="ch" forName="parentText" refType="w" fact="0.4"/>
+              <dgm:constr type="h" for="ch" forName="parentText" refType="h"/>
+              <dgm:constr type="w" for="ch" forName="parentText" refType="w" op="lte" fact="0.5"/>
+              <dgm:constr type="w" for="ch" forName="parentText" refType="h" refFor="ch" refForName="parentText" op="lte" fact="0.7"/>
+              <dgm:constr type="h" for="ch" forName="parentText" refType="w" refFor="ch" refForName="parentText" op="lte" fact="3"/>
+              <dgm:constr type="l" for="ch" forName="descendantText" refType="w" refFor="ch" refForName="parentText"/>
+              <dgm:constr type="w" for="ch" forName="descendantText" refType="w"/>
+              <dgm:constr type="wOff" for="ch" forName="descendantText" refType="w" refFor="ch" refForName="parentText" fact="-1"/>
+              <dgm:constr type="t" for="ch" forName="descendantText"/>
+              <dgm:constr type="b" for="ch" forName="descendantText" refType="h" refFor="ch" refForName="parentText"/>
+              <dgm:constr type="bOff" for="ch" forName="descendantText" refType="w" refFor="ch" refForName="parentText" fact="-0.5"/>
+            </dgm:constrLst>
+          </dgm:if>
+          <dgm:else name="Name3">
+            <dgm:constrLst>
+              <dgm:constr type="t" for="ch" forName="parentText"/>
+              <dgm:constr type="r" for="ch" forName="parentText" refType="w"/>
+              <dgm:constr type="w" for="ch" forName="parentText" refType="w" fact="0.4"/>
+              <dgm:constr type="h" for="ch" forName="parentText" refType="h"/>
+              <dgm:constr type="w" for="ch" forName="parentText" refType="w" op="lte" fact="0.5"/>
+              <dgm:constr type="w" for="ch" forName="parentText" refType="h" refFor="ch" refForName="parentText" op="lte" fact="0.7"/>
+              <dgm:constr type="h" for="ch" forName="parentText" refType="w" refFor="ch" refForName="parentText" op="lte" fact="3"/>
+              <dgm:constr type="l" for="ch" forName="descendantText"/>
+              <dgm:constr type="w" for="ch" forName="descendantText" refType="w"/>
+              <dgm:constr type="wOff" for="ch" forName="descendantText" refType="w" refFor="ch" refForName="parentText" fact="-1"/>
+              <dgm:constr type="t" for="ch" forName="descendantText"/>
+              <dgm:constr type="b" for="ch" forName="descendantText" refType="h" refFor="ch" refForName="parentText"/>
+              <dgm:constr type="bOff" for="ch" forName="descendantText" refType="w" refFor="ch" refForName="parentText" fact="-0.5"/>
+            </dgm:constrLst>
+          </dgm:else>
+        </dgm:choose>
+        <dgm:ruleLst/>
+        <dgm:layoutNode name="parentText" styleLbl="alignNode1">
+          <dgm:varLst>
+            <dgm:chMax val="1"/>
+            <dgm:bulletEnabled val="1"/>
+          </dgm:varLst>
+          <dgm:alg type="tx"/>
+          <dgm:shape xmlns:r="http://schemas.openxmlformats.org/officeDocument/2006/relationships" rot="90" type="chevron" r:blip="">
+            <dgm:adjLst/>
+          </dgm:shape>
+          <dgm:presOf axis="self" ptType="node"/>
+          <dgm:constrLst>
+            <dgm:constr type="lMarg" refType="primFontSz" fact="0.05"/>
+            <dgm:constr type="rMarg" refType="primFontSz" fact="0.05"/>
+            <dgm:constr type="tMarg" refType="primFontSz" fact="0.05"/>
+            <dgm:constr type="bMarg" refType="primFontSz" fact="0.05"/>
+          </dgm:constrLst>
+          <dgm:ruleLst>
+            <dgm:rule type="h" val="100" fact="NaN" max="NaN"/>
+            <dgm:rule type="primFontSz" val="24" fact="NaN" max="NaN"/>
+            <dgm:rule type="h" val="110" fact="NaN" max="NaN"/>
+            <dgm:rule type="primFontSz" val="18" fact="NaN" max="NaN"/>
+            <dgm:rule type="h" val="INF" fact="NaN" max="NaN"/>
+            <dgm:rule type="primFontSz" val="5" fact="NaN" max="NaN"/>
+          </dgm:ruleLst>
+        </dgm:layoutNode>
+        <dgm:layoutNode name="descendantText" styleLbl="alignAcc1">
+          <dgm:varLst>
+            <dgm:bulletEnabled val="1"/>
+          </dgm:varLst>
+          <dgm:choose name="Name4">
+            <dgm:if name="Name5" func="var" arg="dir" op="equ" val="norm">
+              <dgm:alg type="tx">
+                <dgm:param type="stBulletLvl" val="1"/>
+                <dgm:param type="txAnchorVertCh" val="mid"/>
+              </dgm:alg>
+              <dgm:shape xmlns:r="http://schemas.openxmlformats.org/officeDocument/2006/relationships" rot="90" type="round2SameRect" r:blip="">
+                <dgm:adjLst/>
+              </dgm:shape>
+            </dgm:if>
+            <dgm:else name="Name6">
+              <dgm:alg type="tx">
+                <dgm:param type="stBulletLvl" val="1"/>
+                <dgm:param type="txAnchorVertCh" val="mid"/>
+              </dgm:alg>
+              <dgm:shape xmlns:r="http://schemas.openxmlformats.org/officeDocument/2006/relationships" rot="-90" type="round2SameRect" r:blip="">
+                <dgm:adjLst/>
+              </dgm:shape>
+            </dgm:else>
+          </dgm:choose>
+          <dgm:presOf axis="des" ptType="node"/>
+          <dgm:choose name="Name7">
+            <dgm:if name="Name8" func="var" arg="dir" op="equ" val="norm">
+              <dgm:constrLst>
+                <dgm:constr type="secFontSz" refType="primFontSz"/>
+                <dgm:constr type="tMarg" refType="primFontSz" fact="0.05"/>
+                <dgm:constr type="bMarg" refType="primFontSz" fact="0.05"/>
+                <dgm:constr type="rMarg" refType="primFontSz" fact="0.05"/>
+              </dgm:constrLst>
+            </dgm:if>
+            <dgm:else name="Name9">
+              <dgm:constrLst>
+                <dgm:constr type="secFontSz" refType="primFontSz"/>
+                <dgm:constr type="tMarg" refType="primFontSz" fact="0.05"/>
+                <dgm:constr type="bMarg" refType="primFontSz" fact="0.05"/>
+                <dgm:constr type="lMarg" refType="primFontSz" fact="0.05"/>
+              </dgm:constrLst>
+            </dgm:else>
+          </dgm:choose>
+          <dgm:ruleLst>
+            <dgm:rule type="primFontSz" val="5" fact="NaN" max="NaN"/>
+          </dgm:ruleLst>
+        </dgm:layoutNode>
+      </dgm:layoutNode>
+      <dgm:forEach name="Name10" axis="followSib" ptType="sibTrans" cnt="1">
+        <dgm:layoutNode name="sp">
+          <dgm:alg type="sp"/>
+          <dgm:shape xmlns:r="http://schemas.openxmlformats.org/officeDocument/2006/relationships" r:blip="">
+            <dgm:adjLst/>
+          </dgm:shape>
+          <dgm:presOf axis="self"/>
+          <dgm:constrLst>
+            <dgm:constr type="w" val="1"/>
+            <dgm:constr type="h" val="37.5"/>
+          </dgm:constrLst>
+          <dgm:ruleLst/>
+        </dgm:layoutNode>
+      </dgm:forEach>
+    </dgm:forEach>
+  </dgm:layoutNode>
+</dgm:layoutDef>
+</file>
+
 <file path=ppt/diagrams/quickStyle1.xml><?xml version="1.0" encoding="utf-8"?>
+<dgm:styleDef xmlns:dgm="http://schemas.openxmlformats.org/drawingml/2006/diagram" xmlns:a="http://schemas.openxmlformats.org/drawingml/2006/main" uniqueId="urn:microsoft.com/office/officeart/2005/8/quickstyle/simple1">
+  <dgm:title val=""/>
+  <dgm:desc val=""/>
+  <dgm:catLst>
+    <dgm:cat type="simple" pri="10100"/>
+  </dgm:catLst>
+  <dgm:scene3d>
+    <a:camera prst="orthographicFront"/>
+    <a:lightRig rig="threePt" dir="t"/>
+  </dgm:scene3d>
+  <dgm:styleLbl name="node0">
+    <dgm:scene3d>
+      <a:camera prst="orthographicFront"/>
+      <a:lightRig rig="threePt" dir="t"/>
+    </dgm:scene3d>
+    <dgm:sp3d/>
+    <dgm:txPr/>
+    <dgm:style>
+      <a:lnRef idx="2">
+        <a:scrgbClr r="0" g="0" b="0"/>
+      </a:lnRef>
+      <a:fillRef idx="1">
+        <a:scrgbClr r="0" g="0" b="0"/>
+      </a:fillRef>
+      <a:effectRef idx="0">
+        <a:scrgbClr r="0" g="0" b="0"/>
+      </a:effectRef>
+      <a:fontRef idx="minor">
+        <a:schemeClr val="lt1"/>
+      </a:fontRef>
+    </dgm:style>
+  </dgm:styleLbl>
+  <dgm:styleLbl name="lnNode1">
+    <dgm:scene3d>
+      <a:camera prst="orthographicFront"/>
+      <a:lightRig rig="threePt" dir="t"/>
+    </dgm:scene3d>
+    <dgm:sp3d/>
+    <dgm:txPr/>
+    <dgm:style>
+      <a:lnRef idx="2">
+        <a:scrgbClr r="0" g="0" b="0"/>
+      </a:lnRef>
+      <a:fillRef idx="1">
+        <a:scrgbClr r="0" g="0" b="0"/>
+      </a:fillRef>
+      <a:effectRef idx="0">
+        <a:scrgbClr r="0" g="0" b="0"/>
+      </a:effectRef>
+      <a:fontRef idx="minor">
+        <a:schemeClr val="lt1"/>
+      </a:fontRef>
+    </dgm:style>
+  </dgm:styleLbl>
+  <dgm:styleLbl name="vennNode1">
+    <dgm:scene3d>
+      <a:camera prst="orthographicFront"/>
+      <a:lightRig rig="threePt" dir="t"/>
+    </dgm:scene3d>
+    <dgm:sp3d/>
+    <dgm:txPr/>
+    <dgm:style>
+      <a:lnRef idx="2">
+        <a:scrgbClr r="0" g="0" b="0"/>
+      </a:lnRef>
+      <a:fillRef idx="1">
+        <a:scrgbClr r="0" g="0" b="0"/>
+      </a:fillRef>
+      <a:effectRef idx="0">
+        <a:scrgbClr r="0" g="0" b="0"/>
+      </a:effectRef>
+      <a:fontRef idx="minor">
+        <a:schemeClr val="tx1"/>
+      </a:fontRef>
+    </dgm:style>
+  </dgm:styleLbl>
+  <dgm:styleLbl name="alignNode1">
+    <dgm:scene3d>
+      <a:camera prst="orthographicFront"/>
+      <a:lightRig rig="threePt" dir="t"/>
+    </dgm:scene3d>
+    <dgm:sp3d/>
+    <dgm:txPr/>
+    <dgm:style>
+      <a:lnRef idx="2">
+        <a:scrgbClr r="0" g="0" b="0"/>
+      </a:lnRef>
+      <a:fillRef idx="1">
+        <a:scrgbClr r="0" g="0" b="0"/>
+      </a:fillRef>
+      <a:effectRef idx="0">
+        <a:scrgbClr r="0" g="0" b="0"/>
+      </a:effectRef>
+      <a:fontRef idx="minor">
+        <a:schemeClr val="lt1"/>
+      </a:fontRef>
+    </dgm:style>
+  </dgm:styleLbl>
+  <dgm:styleLbl name="node1">
+    <dgm:scene3d>
+      <a:camera prst="orthographicFront"/>
+      <a:lightRig rig="threePt" dir="t"/>
+    </dgm:scene3d>
+    <dgm:sp3d/>
+    <dgm:txPr/>
+    <dgm:style>
+      <a:lnRef idx="2">
+        <a:scrgbClr r="0" g="0" b="0"/>
+      </a:lnRef>
+      <a:fillRef idx="1">
+        <a:scrgbClr r="0" g="0" b="0"/>
+      </a:fillRef>
+      <a:effectRef idx="0">
+        <a:scrgbClr r="0" g="0" b="0"/>
+      </a:effectRef>
+      <a:fontRef idx="minor">
+        <a:schemeClr val="lt1"/>
+      </a:fontRef>
+    </dgm:style>
+  </dgm:styleLbl>
+  <dgm:styleLbl name="node2">
+    <dgm:scene3d>
+      <a:camera prst="orthographicFront"/>
+      <a:lightRig rig="threePt" dir="t"/>
+    </dgm:scene3d>
+    <dgm:sp3d/>
+    <dgm:txPr/>
+    <dgm:style>
+      <a:lnRef idx="2">
+        <a:scrgbClr r="0" g="0" b="0"/>
+      </a:lnRef>
+      <a:fillRef idx="1">
+        <a:scrgbClr r="0" g="0" b="0"/>
+      </a:fillRef>
+      <a:effectRef idx="0">
+        <a:scrgbClr r="0" g="0" b="0"/>
+      </a:effectRef>
+      <a:fontRef idx="minor">
+        <a:schemeClr val="lt1"/>
+      </a:fontRef>
+    </dgm:style>
+  </dgm:styleLbl>
+  <dgm:styleLbl name="node3">
+    <dgm:scene3d>
+      <a:camera prst="orthographicFront"/>
+      <a:lightRig rig="threePt" dir="t"/>
+    </dgm:scene3d>
+    <dgm:sp3d/>
+    <dgm:txPr/>
+    <dgm:style>
+      <a:lnRef idx="2">
+        <a:scrgbClr r="0" g="0" b="0"/>
+      </a:lnRef>
+      <a:fillRef idx="1">
+        <a:scrgbClr r="0" g="0" b="0"/>
+      </a:fillRef>
+      <a:effectRef idx="0">
+        <a:scrgbClr r="0" g="0" b="0"/>
+      </a:effectRef>
+      <a:fontRef idx="minor">
+        <a:schemeClr val="lt1"/>
+      </a:fontRef>
+    </dgm:style>
+  </dgm:styleLbl>
+  <dgm:styleLbl name="node4">
+    <dgm:scene3d>
+      <a:camera prst="orthographicFront"/>
+      <a:lightRig rig="threePt" dir="t"/>
+    </dgm:scene3d>
+    <dgm:sp3d/>
+    <dgm:txPr/>
+    <dgm:style>
+      <a:lnRef idx="2">
+        <a:scrgbClr r="0" g="0" b="0"/>
+      </a:lnRef>
+      <a:fillRef idx="1">
+        <a:scrgbClr r="0" g="0" b="0"/>
+      </a:fillRef>
+      <a:effectRef idx="0">
+        <a:scrgbClr r="0" g="0" b="0"/>
+      </a:effectRef>
+      <a:fontRef idx="minor">
+        <a:schemeClr val="lt1"/>
+      </a:fontRef>
+    </dgm:style>
+  </dgm:styleLbl>
+  <dgm:styleLbl name="fgImgPlace1">
+    <dgm:scene3d>
+      <a:camera prst="orthographicFront"/>
+      <a:lightRig rig="threePt" dir="t"/>
+    </dgm:scene3d>
+    <dgm:sp3d/>
+    <dgm:txPr/>
+    <dgm:style>
+      <a:lnRef idx="2">
+        <a:scrgbClr r="0" g="0" b="0"/>
+      </a:lnRef>
+      <a:fillRef idx="1">
+        <a:scrgbClr r="0" g="0" b="0"/>
+      </a:fillRef>
+      <a:effectRef idx="0">
+        <a:scrgbClr r="0" g="0" b="0"/>
+      </a:effectRef>
+      <a:fontRef idx="minor"/>
+    </dgm:style>
+  </dgm:styleLbl>
+  <dgm:styleLbl name="alignImgPlace1">
+    <dgm:scene3d>
+      <a:camera prst="orthographicFront"/>
+      <a:lightRig rig="threePt" dir="t"/>
+    </dgm:scene3d>
+    <dgm:sp3d/>
+    <dgm:txPr/>
+    <dgm:style>
+      <a:lnRef idx="2">
+        <a:scrgbClr r="0" g="0" b="0"/>
+      </a:lnRef>
+      <a:fillRef idx="1">
+        <a:scrgbClr r="0" g="0" b="0"/>
+      </a:fillRef>
+      <a:effectRef idx="0">
+        <a:scrgbClr r="0" g="0" b="0"/>
+      </a:effectRef>
+      <a:fontRef idx="minor"/>
+    </dgm:style>
+  </dgm:styleLbl>
+  <dgm:styleLbl name="bgImgPlace1">
+    <dgm:scene3d>
+      <a:camera prst="orthographicFront"/>
+      <a:lightRig rig="threePt" dir="t"/>
+    </dgm:scene3d>
+    <dgm:sp3d/>
+    <dgm:txPr/>
+    <dgm:style>
+      <a:lnRef idx="2">
+        <a:scrgbClr r="0" g="0" b="0"/>
+      </a:lnRef>
+      <a:fillRef idx="1">
+        <a:scrgbClr r="0" g="0" b="0"/>
+      </a:fillRef>
+      <a:effectRef idx="0">
+        <a:scrgbClr r="0" g="0" b="0"/>
+      </a:effectRef>
+      <a:fontRef idx="minor"/>
+    </dgm:style>
+  </dgm:styleLbl>
+  <dgm:styleLbl name="sibTrans2D1">
+    <dgm:scene3d>
+      <a:camera prst="orthographicFront"/>
+      <a:lightRig rig="threePt" dir="t"/>
+    </dgm:scene3d>
+    <dgm:sp3d/>
+    <dgm:txPr/>
+    <dgm:style>
+      <a:lnRef idx="0">
+        <a:scrgbClr r="0" g="0" b="0"/>
+      </a:lnRef>
+      <a:fillRef idx="1">
+        <a:scrgbClr r="0" g="0" b="0"/>
+      </a:fillRef>
+      <a:effectRef idx="0">
+        <a:scrgbClr r="0" g="0" b="0"/>
+      </a:effectRef>
+      <a:fontRef idx="minor">
+        <a:schemeClr val="lt1"/>
+      </a:fontRef>
+    </dgm:style>
+  </dgm:styleLbl>
+  <dgm:styleLbl name="fgSibTrans2D1">
+    <dgm:scene3d>
+      <a:camera prst="orthographicFront"/>
+      <a:lightRig rig="threePt" dir="t"/>
+    </dgm:scene3d>
+    <dgm:sp3d/>
+    <dgm:txPr/>
+    <dgm:style>
+      <a:lnRef idx="0">
+        <a:scrgbClr r="0" g="0" b="0"/>
+      </a:lnRef>
+      <a:fillRef idx="1">
+        <a:scrgbClr r="0" g="0" b="0"/>
+      </a:fillRef>
+      <a:effectRef idx="0">
+        <a:scrgbClr r="0" g="0" b="0"/>
+      </a:effectRef>
+      <a:fontRef idx="minor">
+        <a:schemeClr val="lt1"/>
+      </a:fontRef>
+    </dgm:style>
+  </dgm:styleLbl>
+  <dgm:styleLbl name="bgSibTrans2D1">
+    <dgm:scene3d>
+      <a:camera prst="orthographicFront"/>
+      <a:lightRig rig="threePt" dir="t"/>
+    </dgm:scene3d>
+    <dgm:sp3d/>
+    <dgm:txPr/>
+    <dgm:style>
+      <a:lnRef idx="0">
+        <a:scrgbClr r="0" g="0" b="0"/>
+      </a:lnRef>
+      <a:fillRef idx="1">
+        <a:scrgbClr r="0" g="0" b="0"/>
+      </a:fillRef>
+      <a:effectRef idx="0">
+        <a:scrgbClr r="0" g="0" b="0"/>
+      </a:effectRef>
+      <a:fontRef idx="minor">
+        <a:schemeClr val="lt1"/>
+      </a:fontRef>
+    </dgm:style>
+  </dgm:styleLbl>
+  <dgm:styleLbl name="sibTrans1D1">
+    <dgm:scene3d>
+      <a:camera prst="orthographicFront"/>
+      <a:lightRig rig="threePt" dir="t"/>
+    </dgm:scene3d>
+    <dgm:sp3d/>
+    <dgm:txPr/>
+    <dgm:style>
+      <a:lnRef idx="1">
+        <a:scrgbClr r="0" g="0" b="0"/>
+      </a:lnRef>
+      <a:fillRef idx="0">
+        <a:scrgbClr r="0" g="0" b="0"/>
+      </a:fillRef>
+      <a:effectRef idx="0">
+        <a:scrgbClr r="0" g="0" b="0"/>
+      </a:effectRef>
+      <a:fontRef idx="minor"/>
+    </dgm:style>
+  </dgm:styleLbl>
+  <dgm:styleLbl name="callout">
+    <dgm:scene3d>
+      <a:camera prst="orthographicFront"/>
+      <a:lightRig rig="threePt" dir="t"/>
+    </dgm:scene3d>
+    <dgm:sp3d/>
+    <dgm:txPr/>
+    <dgm:style>
+      <a:lnRef idx="2">
+        <a:scrgbClr r="0" g="0" b="0"/>
+      </a:lnRef>
+      <a:fillRef idx="1">
+        <a:scrgbClr r="0" g="0" b="0"/>
+      </a:fillRef>
+      <a:effectRef idx="0">
+        <a:scrgbClr r="0" g="0" b="0"/>
+      </a:effectRef>
+      <a:fontRef idx="minor"/>
+    </dgm:style>
+  </dgm:styleLbl>
+  <dgm:styleLbl name="asst0">
+    <dgm:scene3d>
+      <a:camera prst="orthographicFront"/>
+      <a:lightRig rig="threePt" dir="t"/>
+    </dgm:scene3d>
+    <dgm:sp3d/>
+    <dgm:txPr/>
+    <dgm:style>
+      <a:lnRef idx="2">
+        <a:scrgbClr r="0" g="0" b="0"/>
+      </a:lnRef>
+      <a:fillRef idx="1">
+        <a:scrgbClr r="0" g="0" b="0"/>
+      </a:fillRef>
+      <a:effectRef idx="0">
+        <a:scrgbClr r="0" g="0" b="0"/>
+      </a:effectRef>
+      <a:fontRef idx="minor">
+        <a:schemeClr val="lt1"/>
+      </a:fontRef>
+    </dgm:style>
+  </dgm:styleLbl>
+  <dgm:styleLbl name="asst1">
+    <dgm:scene3d>
+      <a:camera prst="orthographicFront"/>
+      <a:lightRig rig="threePt" dir="t"/>
+    </dgm:scene3d>
+    <dgm:sp3d/>
+    <dgm:txPr/>
+    <dgm:style>
+      <a:lnRef idx="2">
+        <a:scrgbClr r="0" g="0" b="0"/>
+      </a:lnRef>
+      <a:fillRef idx="1">
+        <a:scrgbClr r="0" g="0" b="0"/>
+      </a:fillRef>
+      <a:effectRef idx="0">
+        <a:scrgbClr r="0" g="0" b="0"/>
+      </a:effectRef>
+      <a:fontRef idx="minor">
+        <a:schemeClr val="lt1"/>
+      </a:fontRef>
+    </dgm:style>
+  </dgm:styleLbl>
+  <dgm:styleLbl name="asst2">
+    <dgm:scene3d>
+      <a:camera prst="orthographicFront"/>
+      <a:lightRig rig="threePt" dir="t"/>
+    </dgm:scene3d>
+    <dgm:sp3d/>
+    <dgm:txPr/>
+    <dgm:style>
+      <a:lnRef idx="2">
+        <a:scrgbClr r="0" g="0" b="0"/>
+      </a:lnRef>
+      <a:fillRef idx="1">
+        <a:scrgbClr r="0" g="0" b="0"/>
+      </a:fillRef>
+      <a:effectRef idx="0">
+        <a:scrgbClr r="0" g="0" b="0"/>
+      </a:effectRef>
+      <a:fontRef idx="minor">
+        <a:schemeClr val="lt1"/>
+      </a:fontRef>
+    </dgm:style>
+  </dgm:styleLbl>
+  <dgm:styleLbl name="asst3">
+    <dgm:scene3d>
+      <a:camera prst="orthographicFront"/>
+      <a:lightRig rig="threePt" dir="t"/>
+    </dgm:scene3d>
+    <dgm:sp3d/>
+    <dgm:txPr/>
+    <dgm:style>
+      <a:lnRef idx="2">
+        <a:scrgbClr r="0" g="0" b="0"/>
+      </a:lnRef>
+      <a:fillRef idx="1">
+        <a:scrgbClr r="0" g="0" b="0"/>
+      </a:fillRef>
+      <a:effectRef idx="0">
+        <a:scrgbClr r="0" g="0" b="0"/>
+      </a:effectRef>
+      <a:fontRef idx="minor">
+        <a:schemeClr val="lt1"/>
+      </a:fontRef>
+    </dgm:style>
+  </dgm:styleLbl>
+  <dgm:styleLbl name="asst4">
+    <dgm:scene3d>
+      <a:camera prst="orthographicFront"/>
+      <a:lightRig rig="threePt" dir="t"/>
+    </dgm:scene3d>
+    <dgm:sp3d/>
+    <dgm:txPr/>
+    <dgm:style>
+      <a:lnRef idx="2">
+        <a:scrgbClr r="0" g="0" b="0"/>
+      </a:lnRef>
+      <a:fillRef idx="1">
+        <a:scrgbClr r="0" g="0" b="0"/>
+      </a:fillRef>
+      <a:effectRef idx="0">
+        <a:scrgbClr r="0" g="0" b="0"/>
+      </a:effectRef>
+      <a:fontRef idx="minor">
+        <a:schemeClr val="lt1"/>
+      </a:fontRef>
+    </dgm:style>
+  </dgm:styleLbl>
+  <dgm:styleLbl name="parChTrans2D1">
+    <dgm:scene3d>
+      <a:camera prst="orthographicFront"/>
+      <a:lightRig rig="threePt" dir="t"/>
+    </dgm:scene3d>
+    <dgm:sp3d/>
+    <dgm:txPr/>
+    <dgm:style>
+      <a:lnRef idx="2">
+        <a:scrgbClr r="0" g="0" b="0"/>
+      </a:lnRef>
+      <a:fillRef idx="1">
+        <a:scrgbClr r="0" g="0" b="0"/>
+      </a:fillRef>
+      <a:effectRef idx="0">
+        <a:scrgbClr r="0" g="0" b="0"/>
+      </a:effectRef>
+      <a:fontRef idx="minor">
+        <a:schemeClr val="lt1"/>
+      </a:fontRef>
+    </dgm:style>
+  </dgm:styleLbl>
+  <dgm:styleLbl name="parChTrans2D2">
+    <dgm:scene3d>
+      <a:camera prst="orthographicFront"/>
+      <a:lightRig rig="threePt" dir="t"/>
+    </dgm:scene3d>
+    <dgm:sp3d/>
+    <dgm:txPr/>
+    <dgm:style>
+      <a:lnRef idx="2">
+        <a:scrgbClr r="0" g="0" b="0"/>
+      </a:lnRef>
+      <a:fillRef idx="1">
+        <a:scrgbClr r="0" g="0" b="0"/>
+      </a:fillRef>
+      <a:effectRef idx="0">
+        <a:scrgbClr r="0" g="0" b="0"/>
+      </a:effectRef>
+      <a:fontRef idx="minor">
+        <a:schemeClr val="lt1"/>
+      </a:fontRef>
+    </dgm:style>
+  </dgm:styleLbl>
+  <dgm:styleLbl name="parChTrans2D3">
+    <dgm:scene3d>
+      <a:camera prst="orthographicFront"/>
+      <a:lightRig rig="threePt" dir="t"/>
+    </dgm:scene3d>
+    <dgm:sp3d/>
+    <dgm:txPr/>
+    <dgm:style>
+      <a:lnRef idx="2">
+        <a:scrgbClr r="0" g="0" b="0"/>
+      </a:lnRef>
+      <a:fillRef idx="1">
+        <a:scrgbClr r="0" g="0" b="0"/>
+      </a:fillRef>
+      <a:effectRef idx="0">
+        <a:scrgbClr r="0" g="0" b="0"/>
+      </a:effectRef>
+      <a:fontRef idx="minor">
+        <a:schemeClr val="lt1"/>
+      </a:fontRef>
+    </dgm:style>
+  </dgm:styleLbl>
+  <dgm:styleLbl name="parChTrans2D4">
+    <dgm:scene3d>
+      <a:camera prst="orthographicFront"/>
+      <a:lightRig rig="threePt" dir="t"/>
+    </dgm:scene3d>
+    <dgm:sp3d/>
+    <dgm:txPr/>
+    <dgm:style>
+      <a:lnRef idx="2">
+        <a:scrgbClr r="0" g="0" b="0"/>
+      </a:lnRef>
+      <a:fillRef idx="1">
+        <a:scrgbClr r="0" g="0" b="0"/>
+      </a:fillRef>
+      <a:effectRef idx="0">
+        <a:scrgbClr r="0" g="0" b="0"/>
+      </a:effectRef>
+      <a:fontRef idx="minor">
+        <a:schemeClr val="lt1"/>
+      </a:fontRef>
+    </dgm:style>
+  </dgm:styleLbl>
+  <dgm:styleLbl name="parChTrans1D1">
+    <dgm:scene3d>
+      <a:camera prst="orthographicFront"/>
+      <a:lightRig rig="threePt" dir="t"/>
+    </dgm:scene3d>
+    <dgm:sp3d/>
+    <dgm:txPr/>
+    <dgm:style>
+      <a:lnRef idx="2">
+        <a:scrgbClr r="0" g="0" b="0"/>
+      </a:lnRef>
+      <a:fillRef idx="0">
+        <a:scrgbClr r="0" g="0" b="0"/>
+      </a:fillRef>
+      <a:effectRef idx="0">
+        <a:scrgbClr r="0" g="0" b="0"/>
+      </a:effectRef>
+      <a:fontRef idx="minor"/>
+    </dgm:style>
+  </dgm:styleLbl>
+  <dgm:styleLbl name="parChTrans1D2">
+    <dgm:scene3d>
+      <a:camera prst="orthographicFront"/>
+      <a:lightRig rig="threePt" dir="t"/>
+    </dgm:scene3d>
+    <dgm:sp3d/>
+    <dgm:txPr/>
+    <dgm:style>
+      <a:lnRef idx="2">
+        <a:scrgbClr r="0" g="0" b="0"/>
+      </a:lnRef>
+      <a:fillRef idx="0">
+        <a:scrgbClr r="0" g="0" b="0"/>
+      </a:fillRef>
+      <a:effectRef idx="0">
+        <a:scrgbClr r="0" g="0" b="0"/>
+      </a:effectRef>
+      <a:fontRef idx="minor"/>
+    </dgm:style>
+  </dgm:styleLbl>
+  <dgm:styleLbl name="parChTrans1D3">
+    <dgm:scene3d>
+      <a:camera prst="orthographicFront"/>
+      <a:lightRig rig="threePt" dir="t"/>
+    </dgm:scene3d>
+    <dgm:sp3d/>
+    <dgm:txPr/>
+    <dgm:style>
+      <a:lnRef idx="2">
+        <a:scrgbClr r="0" g="0" b="0"/>
+      </a:lnRef>
+      <a:fillRef idx="0">
+        <a:scrgbClr r="0" g="0" b="0"/>
+      </a:fillRef>
+      <a:effectRef idx="0">
+        <a:scrgbClr r="0" g="0" b="0"/>
+      </a:effectRef>
+      <a:fontRef idx="minor"/>
+    </dgm:style>
+  </dgm:styleLbl>
+  <dgm:styleLbl name="parChTrans1D4">
+    <dgm:scene3d>
+      <a:camera prst="orthographicFront"/>
+      <a:lightRig rig="threePt" dir="t"/>
+    </dgm:scene3d>
+    <dgm:sp3d/>
+    <dgm:txPr/>
+    <dgm:style>
+      <a:lnRef idx="2">
+        <a:scrgbClr r="0" g="0" b="0"/>
+      </a:lnRef>
+      <a:fillRef idx="0">
+        <a:scrgbClr r="0" g="0" b="0"/>
+      </a:fillRef>
+      <a:effectRef idx="0">
+        <a:scrgbClr r="0" g="0" b="0"/>
+      </a:effectRef>
+      <a:fontRef idx="minor"/>
+    </dgm:style>
+  </dgm:styleLbl>
+  <dgm:styleLbl name="fgAcc1">
+    <dgm:scene3d>
+      <a:camera prst="orthographicFront"/>
+      <a:lightRig rig="threePt" dir="t"/>
+    </dgm:scene3d>
+    <dgm:sp3d/>
+    <dgm:txPr/>
+    <dgm:style>
+      <a:lnRef idx="2">
+        <a:scrgbClr r="0" g="0" b="0"/>
+      </a:lnRef>
+      <a:fillRef idx="1">
+        <a:scrgbClr r="0" g="0" b="0"/>
+      </a:fillRef>
+      <a:effectRef idx="0">
+        <a:scrgbClr r="0" g="0" b="0"/>
+      </a:effectRef>
+      <a:fontRef idx="minor"/>
+    </dgm:style>
+  </dgm:styleLbl>
+  <dgm:styleLbl name="conFgAcc1">
+    <dgm:scene3d>
+      <a:camera prst="orthographicFront"/>
+      <a:lightRig rig="threePt" dir="t"/>
+    </dgm:scene3d>
+    <dgm:sp3d/>
+    <dgm:txPr/>
+    <dgm:style>
+      <a:lnRef idx="2">
+        <a:scrgbClr r="0" g="0" b="0"/>
+      </a:lnRef>
+      <a:fillRef idx="1">
+        <a:scrgbClr r="0" g="0" b="0"/>
+      </a:fillRef>
+      <a:effectRef idx="0">
+        <a:scrgbClr r="0" g="0" b="0"/>
+      </a:effectRef>
+      <a:fontRef idx="minor"/>
+    </dgm:style>
+  </dgm:styleLbl>
+  <dgm:styleLbl name="alignAcc1">
+    <dgm:scene3d>
+      <a:camera prst="orthographicFront"/>
+      <a:lightRig rig="threePt" dir="t"/>
+    </dgm:scene3d>
+    <dgm:sp3d/>
+    <dgm:txPr/>
+    <dgm:style>
+      <a:lnRef idx="2">
+        <a:scrgbClr r="0" g="0" b="0"/>
+      </a:lnRef>
+      <a:fillRef idx="1">
+        <a:scrgbClr r="0" g="0" b="0"/>
+      </a:fillRef>
+      <a:effectRef idx="0">
+        <a:scrgbClr r="0" g="0" b="0"/>
+      </a:effectRef>
+      <a:fontRef idx="minor"/>
+    </dgm:style>
+  </dgm:styleLbl>
+  <dgm:styleLbl name="trAlignAcc1">
+    <dgm:scene3d>
+      <a:camera prst="orthographicFront"/>
+      <a:lightRig rig="threePt" dir="t"/>
+    </dgm:scene3d>
+    <dgm:sp3d/>
+    <dgm:txPr/>
+    <dgm:style>
+      <a:lnRef idx="1">
+        <a:scrgbClr r="0" g="0" b="0"/>
+      </a:lnRef>
+      <a:fillRef idx="1">
+        <a:scrgbClr r="0" g="0" b="0"/>
+      </a:fillRef>
+      <a:effectRef idx="0">
+        <a:scrgbClr r="0" g="0" b="0"/>
+      </a:effectRef>
+      <a:fontRef idx="minor"/>
+    </dgm:style>
+  </dgm:styleLbl>
+  <dgm:styleLbl name="bgAcc1">
+    <dgm:scene3d>
+      <a:camera prst="orthographicFront"/>
+      <a:lightRig rig="threePt" dir="t"/>
+    </dgm:scene3d>
+    <dgm:sp3d/>
+    <dgm:txPr/>
+    <dgm:style>
+      <a:lnRef idx="2">
+        <a:scrgbClr r="0" g="0" b="0"/>
+      </a:lnRef>
+      <a:fillRef idx="1">
+        <a:scrgbClr r="0" g="0" b="0"/>
+      </a:fillRef>
+      <a:effectRef idx="0">
+        <a:scrgbClr r="0" g="0" b="0"/>
+      </a:effectRef>
+      <a:fontRef idx="minor"/>
+    </dgm:style>
+  </dgm:styleLbl>
+  <dgm:styleLbl name="solidFgAcc1">
+    <dgm:scene3d>
+      <a:camera prst="orthographicFront"/>
+      <a:lightRig rig="threePt" dir="t"/>
+    </dgm:scene3d>
+    <dgm:sp3d/>
+    <dgm:txPr/>
+    <dgm:style>
+      <a:lnRef idx="2">
+        <a:scrgbClr r="0" g="0" b="0"/>
+      </a:lnRef>
+      <a:fillRef idx="1">
+        <a:scrgbClr r="0" g="0" b="0"/>
+      </a:fillRef>
+      <a:effectRef idx="0">
+        <a:scrgbClr r="0" g="0" b="0"/>
+      </a:effectRef>
+      <a:fontRef idx="minor"/>
+    </dgm:style>
+  </dgm:styleLbl>
+  <dgm:styleLbl name="solidAlignAcc1">
+    <dgm:scene3d>
+      <a:camera prst="orthographicFront"/>
+      <a:lightRig rig="threePt" dir="t"/>
+    </dgm:scene3d>
+    <dgm:sp3d/>
+    <dgm:txPr/>
+    <dgm:style>
+      <a:lnRef idx="2">
+        <a:scrgbClr r="0" g="0" b="0"/>
+      </a:lnRef>
+      <a:fillRef idx="1">
+        <a:scrgbClr r="0" g="0" b="0"/>
+      </a:fillRef>
+      <a:effectRef idx="0">
+        <a:scrgbClr r="0" g="0" b="0"/>
+      </a:effectRef>
+      <a:fontRef idx="minor"/>
+    </dgm:style>
+  </dgm:styleLbl>
+  <dgm:styleLbl name="solidBgAcc1">
+    <dgm:scene3d>
+      <a:camera prst="orthographicFront"/>
+      <a:lightRig rig="threePt" dir="t"/>
+    </dgm:scene3d>
+    <dgm:sp3d/>
+    <dgm:txPr/>
+    <dgm:style>
+      <a:lnRef idx="2">
+        <a:scrgbClr r="0" g="0" b="0"/>
+      </a:lnRef>
+      <a:fillRef idx="1">
+        <a:scrgbClr r="0" g="0" b="0"/>
+      </a:fillRef>
+      <a:effectRef idx="0">
+        <a:scrgbClr r="0" g="0" b="0"/>
+      </a:effectRef>
+      <a:fontRef idx="minor"/>
+    </dgm:style>
+  </dgm:styleLbl>
+  <dgm:styleLbl name="fgAccFollowNode1">
+    <dgm:scene3d>
+      <a:camera prst="orthographicFront"/>
+      <a:lightRig rig="threePt" dir="t"/>
+    </dgm:scene3d>
+    <dgm:sp3d/>
+    <dgm:txPr/>
+    <dgm:style>
+      <a:lnRef idx="2">
+        <a:scrgbClr r="0" g="0" b="0"/>
+      </a:lnRef>
+      <a:fillRef idx="1">
+        <a:scrgbClr r="0" g="0" b="0"/>
+      </a:fillRef>
+      <a:effectRef idx="0">
+        <a:scrgbClr r="0" g="0" b="0"/>
+      </a:effectRef>
+      <a:fontRef idx="minor"/>
+    </dgm:style>
+  </dgm:styleLbl>
+  <dgm:styleLbl name="alignAccFollowNode1">
+    <dgm:scene3d>
+      <a:camera prst="orthographicFront"/>
+      <a:lightRig rig="threePt" dir="t"/>
+    </dgm:scene3d>
+    <dgm:sp3d/>
+    <dgm:txPr/>
+    <dgm:style>
+      <a:lnRef idx="2">
+        <a:scrgbClr r="0" g="0" b="0"/>
+      </a:lnRef>
+      <a:fillRef idx="1">
+        <a:scrgbClr r="0" g="0" b="0"/>
+      </a:fillRef>
+      <a:effectRef idx="0">
+        <a:scrgbClr r="0" g="0" b="0"/>
+      </a:effectRef>
+      <a:fontRef idx="minor"/>
+    </dgm:style>
+  </dgm:styleLbl>
+  <dgm:styleLbl name="bgAccFollowNode1">
+    <dgm:scene3d>
+      <a:camera prst="orthographicFront"/>
+      <a:lightRig rig="threePt" dir="t"/>
+    </dgm:scene3d>
+    <dgm:sp3d/>
+    <dgm:txPr/>
+    <dgm:style>
+      <a:lnRef idx="2">
+        <a:scrgbClr r="0" g="0" b="0"/>
+      </a:lnRef>
+      <a:fillRef idx="1">
+        <a:scrgbClr r="0" g="0" b="0"/>
+      </a:fillRef>
+      <a:effectRef idx="0">
+        <a:scrgbClr r="0" g="0" b="0"/>
+      </a:effectRef>
+      <a:fontRef idx="minor"/>
+    </dgm:style>
+  </dgm:styleLbl>
+  <dgm:styleLbl name="fgAcc0">
+    <dgm:scene3d>
+      <a:camera prst="orthographicFront"/>
+      <a:lightRig rig="threePt" dir="t"/>
+    </dgm:scene3d>
+    <dgm:sp3d/>
+    <dgm:txPr/>
+    <dgm:style>
+      <a:lnRef idx="2">
+        <a:scrgbClr r="0" g="0" b="0"/>
+      </a:lnRef>
+      <a:fillRef idx="1">
+        <a:scrgbClr r="0" g="0" b="0"/>
+      </a:fillRef>
+      <a:effectRef idx="0">
+        <a:scrgbClr r="0" g="0" b="0"/>
+      </a:effectRef>
+      <a:fontRef idx="minor"/>
+    </dgm:style>
+  </dgm:styleLbl>
+  <dgm:styleLbl name="fgAcc2">
+    <dgm:scene3d>
+      <a:camera prst="orthographicFront"/>
+      <a:lightRig rig="threePt" dir="t"/>
+    </dgm:scene3d>
+    <dgm:sp3d/>
+    <dgm:txPr/>
+    <dgm:style>
+      <a:lnRef idx="2">
+        <a:scrgbClr r="0" g="0" b="0"/>
+      </a:lnRef>
+      <a:fillRef idx="1">
+        <a:scrgbClr r="0" g="0" b="0"/>
+      </a:fillRef>
+      <a:effectRef idx="0">
+        <a:scrgbClr r="0" g="0" b="0"/>
+      </a:effectRef>
+      <a:fontRef idx="minor"/>
+    </dgm:style>
+  </dgm:styleLbl>
+  <dgm:styleLbl name="fgAcc3">
+    <dgm:scene3d>
+      <a:camera prst="orthographicFront"/>
+      <a:lightRig rig="threePt" dir="t"/>
+    </dgm:scene3d>
+    <dgm:sp3d/>
+    <dgm:txPr/>
+    <dgm:style>
+      <a:lnRef idx="2">
+        <a:scrgbClr r="0" g="0" b="0"/>
+      </a:lnRef>
+      <a:fillRef idx="1">
+        <a:scrgbClr r="0" g="0" b="0"/>
+      </a:fillRef>
+      <a:effectRef idx="0">
+        <a:scrgbClr r="0" g="0" b="0"/>
+      </a:effectRef>
+      <a:fontRef idx="minor"/>
+    </dgm:style>
+  </dgm:styleLbl>
+  <dgm:styleLbl name="fgAcc4">
+    <dgm:scene3d>
+      <a:camera prst="orthographicFront"/>
+      <a:lightRig rig="threePt" dir="t"/>
+    </dgm:scene3d>
+    <dgm:sp3d/>
+    <dgm:txPr/>
+    <dgm:style>
+      <a:lnRef idx="2">
+        <a:scrgbClr r="0" g="0" b="0"/>
+      </a:lnRef>
+      <a:fillRef idx="1">
+        <a:scrgbClr r="0" g="0" b="0"/>
+      </a:fillRef>
+      <a:effectRef idx="0">
+        <a:scrgbClr r="0" g="0" b="0"/>
+      </a:effectRef>
+      <a:fontRef idx="minor"/>
+    </dgm:style>
+  </dgm:styleLbl>
+  <dgm:styleLbl name="bgShp">
+    <dgm:scene3d>
+      <a:camera prst="orthographicFront"/>
+      <a:lightRig rig="threePt" dir="t"/>
+    </dgm:scene3d>
+    <dgm:sp3d/>
+    <dgm:txPr/>
+    <dgm:style>
+      <a:lnRef idx="0">
+        <a:scrgbClr r="0" g="0" b="0"/>
+      </a:lnRef>
+      <a:fillRef idx="1">
+        <a:scrgbClr r="0" g="0" b="0"/>
+      </a:fillRef>
+      <a:effectRef idx="0">
+        <a:scrgbClr r="0" g="0" b="0"/>
+      </a:effectRef>
+      <a:fontRef idx="minor"/>
+    </dgm:style>
+  </dgm:styleLbl>
+  <dgm:styleLbl name="dkBgShp">
+    <dgm:scene3d>
+      <a:camera prst="orthographicFront"/>
+      <a:lightRig rig="threePt" dir="t"/>
+    </dgm:scene3d>
+    <dgm:sp3d/>
+    <dgm:txPr/>
+    <dgm:style>
+      <a:lnRef idx="0">
+        <a:scrgbClr r="0" g="0" b="0"/>
+      </a:lnRef>
+      <a:fillRef idx="1">
+        <a:scrgbClr r="0" g="0" b="0"/>
+      </a:fillRef>
+      <a:effectRef idx="0">
+        <a:scrgbClr r="0" g="0" b="0"/>
+      </a:effectRef>
+      <a:fontRef idx="minor"/>
+    </dgm:style>
+  </dgm:styleLbl>
+  <dgm:styleLbl name="trBgShp">
+    <dgm:scene3d>
+      <a:camera prst="orthographicFront"/>
+      <a:lightRig rig="threePt" dir="t"/>
+    </dgm:scene3d>
+    <dgm:sp3d/>
+    <dgm:txPr/>
+    <dgm:style>
+      <a:lnRef idx="0">
+        <a:scrgbClr r="0" g="0" b="0"/>
+      </a:lnRef>
+      <a:fillRef idx="1">
+        <a:scrgbClr r="0" g="0" b="0"/>
+      </a:fillRef>
+      <a:effectRef idx="0">
+        <a:scrgbClr r="0" g="0" b="0"/>
+      </a:effectRef>
+      <a:fontRef idx="minor"/>
+    </dgm:style>
+  </dgm:styleLbl>
+  <dgm:styleLbl name="fgShp">
+    <dgm:scene3d>
+      <a:camera prst="orthographicFront"/>
+      <a:lightRig rig="threePt" dir="t"/>
+    </dgm:scene3d>
+    <dgm:sp3d/>
+    <dgm:txPr/>
+    <dgm:style>
+      <a:lnRef idx="2">
+        <a:scrgbClr r="0" g="0" b="0"/>
+      </a:lnRef>
+      <a:fillRef idx="1">
+        <a:scrgbClr r="0" g="0" b="0"/>
+      </a:fillRef>
+      <a:effectRef idx="0">
+        <a:scrgbClr r="0" g="0" b="0"/>
+      </a:effectRef>
+      <a:fontRef idx="minor"/>
+    </dgm:style>
+  </dgm:styleLbl>
+  <dgm:styleLbl name="revTx">
+    <dgm:scene3d>
+      <a:camera prst="orthographicFront"/>
+      <a:lightRig rig="threePt" dir="t"/>
+    </dgm:scene3d>
+    <dgm:sp3d/>
+    <dgm:txPr/>
+    <dgm:style>
+      <a:lnRef idx="0">
+        <a:scrgbClr r="0" g="0" b="0"/>
+      </a:lnRef>
+      <a:fillRef idx="0">
+        <a:scrgbClr r="0" g="0" b="0"/>
+      </a:fillRef>
+      <a:effectRef idx="0">
+        <a:scrgbClr r="0" g="0" b="0"/>
+      </a:effectRef>
+      <a:fontRef idx="minor"/>
+    </dgm:style>
+  </dgm:styleLbl>
+</dgm:styleDef>
+</file>
+
+<file path=ppt/diagrams/quickStyle2.xml><?xml version="1.0" encoding="utf-8"?>
 <dgm:styleDef xmlns:dgm="http://schemas.openxmlformats.org/drawingml/2006/diagram" xmlns:a="http://schemas.openxmlformats.org/drawingml/2006/main" uniqueId="urn:microsoft.com/office/officeart/2005/8/quickstyle/simple1">
   <dgm:title val=""/>
   <dgm:desc val=""/>
@@ -3642,7 +8461,7 @@
             <a:fld id="{E494A05E-DEA9-4CEA-A63B-3593EEF3AC45}" type="datetimeFigureOut">
               <a:rPr lang="fr-FR" smtClean="0"/>
               <a:pPr/>
-              <a:t>29/06/2020</a:t>
+              <a:t>25/08/2020</a:t>
             </a:fld>
             <a:endParaRPr lang="fr-FR"/>
           </a:p>
@@ -4313,7 +9132,7 @@
             <a:fld id="{3A961F90-11F6-4966-B0E5-2BB20F714B78}" type="datetime1">
               <a:rPr lang="fr-FR" smtClean="0"/>
               <a:pPr/>
-              <a:t>29/06/2020</a:t>
+              <a:t>25/08/2020</a:t>
             </a:fld>
             <a:endParaRPr lang="fr-FR"/>
           </a:p>
@@ -4674,7 +9493,7 @@
             <a:fld id="{59700BD1-A4B5-444B-B773-B4FDD97DF200}" type="datetime1">
               <a:rPr lang="fr-FR" smtClean="0"/>
               <a:pPr/>
-              <a:t>29/06/2020</a:t>
+              <a:t>25/08/2020</a:t>
             </a:fld>
             <a:endParaRPr lang="fr-FR"/>
           </a:p>
@@ -4851,7 +9670,7 @@
             <a:fld id="{A354AF49-C35E-40F6-8345-CA866716EE79}" type="datetime1">
               <a:rPr lang="fr-FR" smtClean="0"/>
               <a:pPr/>
-              <a:t>29/06/2020</a:t>
+              <a:t>25/08/2020</a:t>
             </a:fld>
             <a:endParaRPr lang="fr-FR"/>
           </a:p>
@@ -5088,7 +9907,7 @@
             <a:fld id="{EAFEF7E1-4A71-4560-AA4D-33BBAAF32357}" type="datetime1">
               <a:rPr lang="fr-FR" smtClean="0"/>
               <a:pPr/>
-              <a:t>29/06/2020</a:t>
+              <a:t>25/08/2020</a:t>
             </a:fld>
             <a:endParaRPr lang="fr-FR"/>
           </a:p>
@@ -5359,7 +10178,7 @@
             <a:fld id="{9BE6CECE-C4BA-493A-9F45-8F69D8200EC9}" type="datetime1">
               <a:rPr lang="fr-FR" smtClean="0"/>
               <a:pPr/>
-              <a:t>29/06/2020</a:t>
+              <a:t>25/08/2020</a:t>
             </a:fld>
             <a:endParaRPr lang="fr-FR"/>
           </a:p>
@@ -5581,7 +10400,7 @@
             <a:fld id="{6B400324-51BB-4021-B482-6C084AB66459}" type="datetime1">
               <a:rPr lang="fr-FR" smtClean="0"/>
               <a:pPr/>
-              <a:t>29/06/2020</a:t>
+              <a:t>25/08/2020</a:t>
             </a:fld>
             <a:endParaRPr lang="fr-FR"/>
           </a:p>
@@ -5935,7 +10754,7 @@
             <a:fld id="{87C4A39B-E1E0-4B19-A965-1E1097FB3AF3}" type="datetime1">
               <a:rPr lang="fr-FR" smtClean="0"/>
               <a:pPr/>
-              <a:t>29/06/2020</a:t>
+              <a:t>25/08/2020</a:t>
             </a:fld>
             <a:endParaRPr lang="fr-FR"/>
           </a:p>
@@ -6169,7 +10988,7 @@
             <a:fld id="{CEF5A761-699F-4B94-BA43-1E8C0C9C554B}" type="datetime1">
               <a:rPr lang="fr-FR" smtClean="0"/>
               <a:pPr/>
-              <a:t>29/06/2020</a:t>
+              <a:t>25/08/2020</a:t>
             </a:fld>
             <a:endParaRPr lang="fr-FR"/>
           </a:p>
@@ -6311,7 +11130,7 @@
             <a:fld id="{E407DE65-0759-4C9C-9804-8C4C0AC5F8D7}" type="datetime1">
               <a:rPr lang="fr-FR" smtClean="0"/>
               <a:pPr/>
-              <a:t>29/06/2020</a:t>
+              <a:t>25/08/2020</a:t>
             </a:fld>
             <a:endParaRPr lang="fr-FR"/>
           </a:p>
@@ -6590,7 +11409,7 @@
             <a:fld id="{6DCAF433-E5EB-4B74-B8BB-3F6D9EEAE800}" type="datetime1">
               <a:rPr lang="fr-FR" smtClean="0"/>
               <a:pPr/>
-              <a:t>29/06/2020</a:t>
+              <a:t>25/08/2020</a:t>
             </a:fld>
             <a:endParaRPr lang="fr-FR"/>
           </a:p>
@@ -6999,7 +11818,7 @@
             <a:fld id="{E5AEAC06-18E9-471A-B77A-CDA5C363BF1F}" type="datetime1">
               <a:rPr lang="fr-FR" smtClean="0"/>
               <a:pPr/>
-              <a:t>29/06/2020</a:t>
+              <a:t>25/08/2020</a:t>
             </a:fld>
             <a:endParaRPr lang="fr-FR"/>
           </a:p>
@@ -7339,7 +12158,7 @@
             <a:fld id="{B9178431-C703-4FD6-9F6F-E8F5512852E2}" type="datetime1">
               <a:rPr lang="fr-FR" smtClean="0"/>
               <a:pPr/>
-              <a:t>29/06/2020</a:t>
+              <a:t>25/08/2020</a:t>
             </a:fld>
             <a:endParaRPr lang="fr-FR"/>
           </a:p>
@@ -7891,15 +12710,13 @@
           <a:p>
             <a:r>
               <a:rPr lang="fr-FR" b="1" dirty="0"/>
-              <a:t>Sciences Industrielles de l’Ingénieur</a:t>
+              <a:t>Sciences Industrielles de </a:t>
             </a:r>
-            <a:br>
-              <a:rPr lang="fr-FR" b="1" dirty="0"/>
-            </a:br>
             <a:r>
-              <a:rPr lang="fr-FR" b="1" dirty="0"/>
-              <a:t>&amp; Informatique</a:t>
+              <a:rPr lang="fr-FR" b="1" dirty="0" smtClean="0"/>
+              <a:t>l’Ingénieur</a:t>
             </a:r>
+            <a:endParaRPr lang="fr-FR" b="1" dirty="0"/>
           </a:p>
         </p:txBody>
       </p:sp>
@@ -9997,14 +14814,14 @@
           <p:nvPr>
             <p:extLst>
               <p:ext uri="{D42A27DB-BD31-4B8C-83A1-F6EECF244321}">
-                <p14:modId xmlns:p14="http://schemas.microsoft.com/office/powerpoint/2010/main" val="3134406198"/>
+                <p14:modId xmlns:p14="http://schemas.microsoft.com/office/powerpoint/2010/main" val="2574159649"/>
               </p:ext>
             </p:extLst>
           </p:nvPr>
         </p:nvGraphicFramePr>
         <p:xfrm>
           <a:off x="251520" y="1340768"/>
-          <a:ext cx="8640000" cy="4835190"/>
+          <a:ext cx="8640000" cy="4674114"/>
         </p:xfrm>
         <a:graphic>
           <a:graphicData uri="http://schemas.openxmlformats.org/drawingml/2006/table">
@@ -10106,9 +14923,14 @@
                     <a:p>
                       <a:pPr algn="ctr"/>
                       <a:r>
-                        <a:rPr lang="fr-FR" sz="1100" dirty="0"/>
-                        <a:t>Coef écrit</a:t>
+                        <a:rPr lang="fr-FR" sz="1100" dirty="0" err="1" smtClean="0"/>
+                        <a:t>Coef</a:t>
                       </a:r>
+                      <a:r>
+                        <a:rPr lang="fr-FR" sz="1100" dirty="0" smtClean="0"/>
+                        <a:t>. écrit</a:t>
+                      </a:r>
+                      <a:endParaRPr lang="fr-FR" sz="1100" dirty="0"/>
                     </a:p>
                   </a:txBody>
                   <a:tcPr/>
@@ -10148,7 +14970,7 @@
                 </a:extLst>
               </a:tr>
               <a:tr h="293898">
-                <a:tc rowSpan="3">
+                <a:tc rowSpan="4">
                   <a:txBody>
                     <a:bodyPr/>
                     <a:lstStyle/>
@@ -10194,9 +15016,10 @@
                     <a:lstStyle/>
                     <a:p>
                       <a:r>
-                        <a:rPr lang="fr-FR" sz="1100" dirty="0"/>
-                        <a:t>6/33</a:t>
+                        <a:rPr lang="fr-FR" sz="1100" dirty="0" smtClean="0"/>
+                        <a:t>6+6/111</a:t>
                       </a:r>
+                      <a:endParaRPr lang="fr-FR" sz="1100" dirty="0"/>
                     </a:p>
                   </a:txBody>
                   <a:tcPr/>
@@ -10206,10 +15029,7 @@
                     <a:bodyPr/>
                     <a:lstStyle/>
                     <a:p>
-                      <a:r>
-                        <a:rPr lang="fr-FR" sz="1100" dirty="0"/>
-                        <a:t>6/72 (TP)</a:t>
-                      </a:r>
+                      <a:endParaRPr lang="fr-FR" sz="1100" dirty="0"/>
                     </a:p>
                   </a:txBody>
                   <a:tcPr/>
@@ -10237,15 +15057,12 @@
                         <a:defRPr/>
                       </a:pPr>
                       <a:r>
-                        <a:rPr lang="fr-FR" sz="1100" dirty="0">
+                        <a:rPr lang="fr-FR" sz="1100" dirty="0" smtClean="0">
                           <a:hlinkClick r:id="rId2"/>
                         </a:rPr>
                         <a:t>https://www.polytechnique.edu/admission-cycle-ingenieur/fr/epreuves-et-coefficients-psi</a:t>
                       </a:r>
-                      <a:r>
-                        <a:rPr lang="fr-FR" sz="1100" dirty="0"/>
-                        <a:t> </a:t>
-                      </a:r>
+                      <a:endParaRPr lang="fr-FR" sz="1100" dirty="0"/>
                     </a:p>
                   </a:txBody>
                   <a:tcPr anchor="ctr"/>
@@ -10299,9 +15116,10 @@
                     <a:lstStyle/>
                     <a:p>
                       <a:r>
-                        <a:rPr lang="fr-FR" sz="1100" dirty="0"/>
-                        <a:t>5/33</a:t>
+                        <a:rPr lang="fr-FR" sz="1100" dirty="0" smtClean="0"/>
+                        <a:t>5/111</a:t>
                       </a:r>
+                      <a:endParaRPr lang="fr-FR" sz="1100" dirty="0"/>
                     </a:p>
                   </a:txBody>
                   <a:tcPr/>
@@ -10374,7 +15192,11 @@
                     <a:bodyPr/>
                     <a:lstStyle/>
                     <a:p>
-                      <a:endParaRPr lang="fr-FR" sz="1100"/>
+                      <a:r>
+                        <a:rPr lang="fr-FR" sz="1100" dirty="0" smtClean="0"/>
+                        <a:t>4/111</a:t>
+                      </a:r>
+                      <a:endParaRPr lang="fr-FR" sz="1100" dirty="0"/>
                     </a:p>
                   </a:txBody>
                   <a:tcPr/>
@@ -10384,10 +15206,7 @@
                     <a:bodyPr/>
                     <a:lstStyle/>
                     <a:p>
-                      <a:r>
-                        <a:rPr lang="fr-FR" sz="1100" dirty="0"/>
-                        <a:t>4/72</a:t>
-                      </a:r>
+                      <a:endParaRPr lang="fr-FR" sz="1100" dirty="0"/>
                     </a:p>
                   </a:txBody>
                   <a:tcPr/>
@@ -10405,6 +15224,123 @@
                 <a:extLst>
                   <a:ext uri="{0D108BD9-81ED-4DB2-BD59-A6C34878D82A}">
                     <a16:rowId xmlns:a16="http://schemas.microsoft.com/office/drawing/2014/main" val="3834440432"/>
+                  </a:ext>
+                </a:extLst>
+              </a:tr>
+              <a:tr h="293898">
+                <a:tc vMerge="1">
+                  <a:txBody>
+                    <a:bodyPr/>
+                    <a:lstStyle/>
+                    <a:p>
+                      <a:pPr algn="ctr"/>
+                      <a:endParaRPr lang="fr-FR" sz="1100" b="1" dirty="0"/>
+                    </a:p>
+                  </a:txBody>
+                  <a:tcPr anchor="ctr"/>
+                </a:tc>
+                <a:tc>
+                  <a:txBody>
+                    <a:bodyPr/>
+                    <a:lstStyle/>
+                    <a:p>
+                      <a:r>
+                        <a:rPr lang="fr-FR" sz="1100" dirty="0" smtClean="0"/>
+                        <a:t>TIPE</a:t>
+                      </a:r>
+                      <a:endParaRPr lang="fr-FR" sz="1100" dirty="0"/>
+                    </a:p>
+                  </a:txBody>
+                  <a:tcPr/>
+                </a:tc>
+                <a:tc>
+                  <a:txBody>
+                    <a:bodyPr/>
+                    <a:lstStyle/>
+                    <a:p>
+                      <a:r>
+                        <a:rPr lang="fr-FR" sz="1100" dirty="0" smtClean="0"/>
+                        <a:t>40</a:t>
+                      </a:r>
+                      <a:r>
+                        <a:rPr lang="fr-FR" sz="1100" baseline="0" dirty="0" smtClean="0"/>
+                        <a:t> min</a:t>
+                      </a:r>
+                      <a:endParaRPr lang="fr-FR" sz="1100" dirty="0"/>
+                    </a:p>
+                  </a:txBody>
+                  <a:tcPr/>
+                </a:tc>
+                <a:tc>
+                  <a:txBody>
+                    <a:bodyPr/>
+                    <a:lstStyle/>
+                    <a:p>
+                      <a:pPr marL="0" marR="0" lvl="0" indent="0" algn="l" defTabSz="914400" rtl="0" eaLnBrk="1" fontAlgn="auto" latinLnBrk="0" hangingPunct="1">
+                        <a:lnSpc>
+                          <a:spcPct val="100000"/>
+                        </a:lnSpc>
+                        <a:spcBef>
+                          <a:spcPts val="0"/>
+                        </a:spcBef>
+                        <a:spcAft>
+                          <a:spcPts val="0"/>
+                        </a:spcAft>
+                        <a:buClrTx/>
+                        <a:buSzTx/>
+                        <a:buFontTx/>
+                        <a:buNone/>
+                        <a:tabLst/>
+                        <a:defRPr/>
+                      </a:pPr>
+                      <a:r>
+                        <a:rPr lang="fr-FR" sz="1100" dirty="0" smtClean="0"/>
+                        <a:t>10/111</a:t>
+                      </a:r>
+                    </a:p>
+                  </a:txBody>
+                  <a:tcPr/>
+                </a:tc>
+                <a:tc>
+                  <a:txBody>
+                    <a:bodyPr/>
+                    <a:lstStyle/>
+                    <a:p>
+                      <a:endParaRPr lang="fr-FR" sz="1100" dirty="0"/>
+                    </a:p>
+                  </a:txBody>
+                  <a:tcPr/>
+                </a:tc>
+                <a:tc>
+                  <a:txBody>
+                    <a:bodyPr/>
+                    <a:lstStyle/>
+                    <a:p>
+                      <a:pPr marL="0" marR="0" lvl="0" indent="0" algn="l" defTabSz="914400" rtl="0" eaLnBrk="1" fontAlgn="auto" latinLnBrk="0" hangingPunct="1">
+                        <a:lnSpc>
+                          <a:spcPct val="100000"/>
+                        </a:lnSpc>
+                        <a:spcBef>
+                          <a:spcPts val="0"/>
+                        </a:spcBef>
+                        <a:spcAft>
+                          <a:spcPts val="0"/>
+                        </a:spcAft>
+                        <a:buClrTx/>
+                        <a:buSzTx/>
+                        <a:buFontTx/>
+                        <a:buNone/>
+                        <a:tabLst/>
+                        <a:defRPr/>
+                      </a:pPr>
+                      <a:endParaRPr lang="fr-FR" sz="1100" dirty="0"/>
+                    </a:p>
+                  </a:txBody>
+                  <a:tcPr anchor="ctr"/>
+                </a:tc>
+                <a:extLst>
+                  <a:ext uri="{0D108BD9-81ED-4DB2-BD59-A6C34878D82A}">
+                    <a16:rowId xmlns:a16="http://schemas.microsoft.com/office/drawing/2014/main" val="2711167956"/>
                   </a:ext>
                 </a:extLst>
               </a:tr>
@@ -10677,9 +15613,17 @@
                     <a:p>
                       <a:pPr algn="ctr"/>
                       <a:r>
-                        <a:rPr lang="fr-FR" sz="1100" b="1" dirty="0"/>
+                        <a:rPr lang="fr-FR" sz="1100" b="1" dirty="0" smtClean="0"/>
                         <a:t>Mines</a:t>
                       </a:r>
+                    </a:p>
+                    <a:p>
+                      <a:pPr algn="ctr"/>
+                      <a:r>
+                        <a:rPr lang="fr-FR" sz="1100" b="1" dirty="0" smtClean="0"/>
+                        <a:t>(MP et MT)</a:t>
+                      </a:r>
+                      <a:endParaRPr lang="fr-FR" sz="1100" b="1" dirty="0"/>
                     </a:p>
                   </a:txBody>
                   <a:tcPr anchor="ctr"/>
@@ -10730,8 +15674,23 @@
                     <a:p>
                       <a:r>
                         <a:rPr lang="fr-FR" sz="1100" dirty="0"/>
-                        <a:t>6/41 (TP*)</a:t>
+                        <a:t>6/41 (</a:t>
                       </a:r>
+                      <a:r>
+                        <a:rPr lang="fr-FR" sz="1100" dirty="0" smtClean="0"/>
+                        <a:t>TP)</a:t>
+                      </a:r>
+                    </a:p>
+                    <a:p>
+                      <a:r>
+                        <a:rPr lang="fr-FR" sz="1100" dirty="0" smtClean="0"/>
+                        <a:t>(8/30</a:t>
+                      </a:r>
+                      <a:r>
+                        <a:rPr lang="fr-FR" sz="1100" baseline="0" dirty="0" smtClean="0"/>
+                        <a:t> – colle)</a:t>
+                      </a:r>
+                      <a:endParaRPr lang="fr-FR" sz="1100" dirty="0"/>
                     </a:p>
                   </a:txBody>
                   <a:tcPr/>
@@ -11001,10 +15960,8 @@
                     <a:p>
                       <a:pPr algn="l"/>
                       <a:r>
-                        <a:rPr lang="fr-FR" sz="1100" dirty="0">
-                          <a:hlinkClick r:id="rId5"/>
-                        </a:rPr>
-                        <a:t>http://ccp.scei-concours.fr/cpge/notice/pdf/notice_ccp_2017.pdf</a:t>
+                        <a:rPr lang="fr-FR" sz="1100" dirty="0" smtClean="0"/>
+                        <a:t>http://www.concours-commun-inp.fr/_resources/charte/picto/CCINP-notice-2020_FINAL.pdf?download=true</a:t>
                       </a:r>
                       <a:endParaRPr lang="fr-FR" sz="1100" dirty="0"/>
                     </a:p>
@@ -11060,9 +16017,10 @@
                     <a:lstStyle/>
                     <a:p>
                       <a:r>
-                        <a:rPr lang="fr-FR" sz="1100" dirty="0"/>
+                        <a:rPr lang="fr-FR" sz="1100" dirty="0" smtClean="0"/>
                         <a:t>6/58</a:t>
                       </a:r>
+                      <a:endParaRPr lang="fr-FR" sz="1100" dirty="0"/>
                     </a:p>
                   </a:txBody>
                   <a:tcPr/>
@@ -11242,188 +16200,6 @@
                   </a:ext>
                 </a:extLst>
               </a:tr>
-              <a:tr h="293898">
-                <a:tc rowSpan="2">
-                  <a:txBody>
-                    <a:bodyPr/>
-                    <a:lstStyle/>
-                    <a:p>
-                      <a:pPr algn="ctr"/>
-                      <a:r>
-                        <a:rPr lang="fr-FR" sz="1100" b="1" dirty="0"/>
-                        <a:t>E3A ?</a:t>
-                      </a:r>
-                    </a:p>
-                  </a:txBody>
-                  <a:tcPr anchor="ctr"/>
-                </a:tc>
-                <a:tc>
-                  <a:txBody>
-                    <a:bodyPr/>
-                    <a:lstStyle/>
-                    <a:p>
-                      <a:r>
-                        <a:rPr lang="fr-FR" sz="1100" dirty="0"/>
-                        <a:t>SII</a:t>
-                      </a:r>
-                    </a:p>
-                  </a:txBody>
-                  <a:tcPr/>
-                </a:tc>
-                <a:tc>
-                  <a:txBody>
-                    <a:bodyPr/>
-                    <a:lstStyle/>
-                    <a:p>
-                      <a:r>
-                        <a:rPr lang="fr-FR" sz="1100" dirty="0"/>
-                        <a:t>5h</a:t>
-                      </a:r>
-                    </a:p>
-                  </a:txBody>
-                  <a:tcPr/>
-                </a:tc>
-                <a:tc>
-                  <a:txBody>
-                    <a:bodyPr/>
-                    <a:lstStyle/>
-                    <a:p>
-                      <a:r>
-                        <a:rPr lang="fr-FR" sz="1100" dirty="0"/>
-                        <a:t>6/38</a:t>
-                      </a:r>
-                    </a:p>
-                  </a:txBody>
-                  <a:tcPr/>
-                </a:tc>
-                <a:tc>
-                  <a:txBody>
-                    <a:bodyPr/>
-                    <a:lstStyle/>
-                    <a:p>
-                      <a:r>
-                        <a:rPr lang="fr-FR" sz="1100" dirty="0"/>
-                        <a:t>5/20</a:t>
-                      </a:r>
-                    </a:p>
-                  </a:txBody>
-                  <a:tcPr/>
-                </a:tc>
-                <a:tc rowSpan="2">
-                  <a:txBody>
-                    <a:bodyPr/>
-                    <a:lstStyle/>
-                    <a:p>
-                      <a:pPr marL="0" marR="0" lvl="0" indent="0" algn="l" defTabSz="914400" rtl="0" eaLnBrk="1" fontAlgn="auto" latinLnBrk="0" hangingPunct="1">
-                        <a:lnSpc>
-                          <a:spcPct val="100000"/>
-                        </a:lnSpc>
-                        <a:spcBef>
-                          <a:spcPts val="0"/>
-                        </a:spcBef>
-                        <a:spcAft>
-                          <a:spcPts val="0"/>
-                        </a:spcAft>
-                        <a:buClrTx/>
-                        <a:buSzTx/>
-                        <a:buFontTx/>
-                        <a:buNone/>
-                        <a:tabLst/>
-                        <a:defRPr/>
-                      </a:pPr>
-                      <a:r>
-                        <a:rPr lang="fr-FR" sz="1100" dirty="0">
-                          <a:hlinkClick r:id="rId6"/>
-                        </a:rPr>
-                        <a:t>https://www.e3a.fr/notice_e3a.pdf</a:t>
-                      </a:r>
-                      <a:r>
-                        <a:rPr lang="fr-FR" sz="1100" dirty="0"/>
-                        <a:t> </a:t>
-                      </a:r>
-                    </a:p>
-                  </a:txBody>
-                  <a:tcPr anchor="ctr"/>
-                </a:tc>
-                <a:extLst>
-                  <a:ext uri="{0D108BD9-81ED-4DB2-BD59-A6C34878D82A}">
-                    <a16:rowId xmlns:a16="http://schemas.microsoft.com/office/drawing/2014/main" val="1292205642"/>
-                  </a:ext>
-                </a:extLst>
-              </a:tr>
-              <a:tr h="293898">
-                <a:tc vMerge="1">
-                  <a:txBody>
-                    <a:bodyPr/>
-                    <a:lstStyle/>
-                    <a:p>
-                      <a:endParaRPr lang="fr-FR" sz="1100" dirty="0"/>
-                    </a:p>
-                  </a:txBody>
-                  <a:tcPr/>
-                </a:tc>
-                <a:tc>
-                  <a:txBody>
-                    <a:bodyPr/>
-                    <a:lstStyle/>
-                    <a:p>
-                      <a:r>
-                        <a:rPr lang="fr-FR" sz="1100" dirty="0"/>
-                        <a:t>TIPE</a:t>
-                      </a:r>
-                    </a:p>
-                  </a:txBody>
-                  <a:tcPr/>
-                </a:tc>
-                <a:tc>
-                  <a:txBody>
-                    <a:bodyPr/>
-                    <a:lstStyle/>
-                    <a:p>
-                      <a:endParaRPr lang="fr-FR" sz="1100" dirty="0"/>
-                    </a:p>
-                  </a:txBody>
-                  <a:tcPr/>
-                </a:tc>
-                <a:tc>
-                  <a:txBody>
-                    <a:bodyPr/>
-                    <a:lstStyle/>
-                    <a:p>
-                      <a:endParaRPr lang="fr-FR" sz="1100" dirty="0"/>
-                    </a:p>
-                  </a:txBody>
-                  <a:tcPr/>
-                </a:tc>
-                <a:tc>
-                  <a:txBody>
-                    <a:bodyPr/>
-                    <a:lstStyle/>
-                    <a:p>
-                      <a:r>
-                        <a:rPr lang="fr-FR" sz="1100" dirty="0"/>
-                        <a:t>5/20</a:t>
-                      </a:r>
-                    </a:p>
-                  </a:txBody>
-                  <a:tcPr/>
-                </a:tc>
-                <a:tc vMerge="1">
-                  <a:txBody>
-                    <a:bodyPr/>
-                    <a:lstStyle/>
-                    <a:p>
-                      <a:endParaRPr lang="fr-FR" sz="1100" dirty="0"/>
-                    </a:p>
-                  </a:txBody>
-                  <a:tcPr/>
-                </a:tc>
-                <a:extLst>
-                  <a:ext uri="{0D108BD9-81ED-4DB2-BD59-A6C34878D82A}">
-                    <a16:rowId xmlns:a16="http://schemas.microsoft.com/office/drawing/2014/main" val="2209020146"/>
-                  </a:ext>
-                </a:extLst>
-              </a:tr>
             </a:tbl>
           </a:graphicData>
         </a:graphic>
@@ -11541,13 +16317,13 @@
         </p:nvSpPr>
         <p:spPr>
           <a:xfrm>
-            <a:off x="457200" y="1219200"/>
-            <a:ext cx="8229600" cy="4937760"/>
+            <a:off x="-3420888" y="404664"/>
+            <a:ext cx="3754760" cy="4937760"/>
           </a:xfrm>
         </p:spPr>
         <p:txBody>
           <a:bodyPr>
-            <a:normAutofit lnSpcReduction="10000"/>
+            <a:normAutofit fontScale="77500" lnSpcReduction="20000"/>
           </a:bodyPr>
           <a:lstStyle/>
           <a:p>
@@ -11620,6 +16396,28 @@
           </a:p>
         </p:txBody>
       </p:sp>
+      <p:graphicFrame>
+        <p:nvGraphicFramePr>
+          <p:cNvPr id="6" name="Diagramme 5"/>
+          <p:cNvGraphicFramePr/>
+          <p:nvPr>
+            <p:extLst>
+              <p:ext uri="{D42A27DB-BD31-4B8C-83A1-F6EECF244321}">
+                <p14:modId xmlns:p14="http://schemas.microsoft.com/office/powerpoint/2010/main" val="3935591063"/>
+              </p:ext>
+            </p:extLst>
+          </p:nvPr>
+        </p:nvGraphicFramePr>
+        <p:xfrm>
+          <a:off x="612648" y="1143000"/>
+          <a:ext cx="8207824" cy="5171768"/>
+        </p:xfrm>
+        <a:graphic>
+          <a:graphicData uri="http://schemas.openxmlformats.org/drawingml/2006/diagram">
+            <dgm:relIds xmlns:dgm="http://schemas.openxmlformats.org/drawingml/2006/diagram" xmlns:r="http://schemas.openxmlformats.org/officeDocument/2006/relationships" r:dm="rId2" r:lo="rId3" r:qs="rId4" r:cs="rId5"/>
+          </a:graphicData>
+        </a:graphic>
+      </p:graphicFrame>
     </p:spTree>
     <p:extLst>
       <p:ext uri="{BB962C8B-B14F-4D97-AF65-F5344CB8AC3E}">
@@ -11739,7 +16537,7 @@
         </p:spPr>
         <p:txBody>
           <a:bodyPr>
-            <a:normAutofit fontScale="92500" lnSpcReduction="20000"/>
+            <a:normAutofit fontScale="85000" lnSpcReduction="20000"/>
           </a:bodyPr>
           <a:lstStyle/>
           <a:p>
@@ -11783,8 +16581,20 @@
             <a:pPr lvl="1"/>
             <a:r>
               <a:rPr lang="fr-FR" dirty="0"/>
-              <a:t>Mails ? Autre ?</a:t>
+              <a:t>Mails ? Autre </a:t>
             </a:r>
+            <a:r>
+              <a:rPr lang="fr-FR" dirty="0" smtClean="0"/>
+              <a:t>?</a:t>
+            </a:r>
+          </a:p>
+          <a:p>
+            <a:pPr lvl="2"/>
+            <a:r>
+              <a:rPr lang="fr-FR" dirty="0" smtClean="0"/>
+              <a:t>Créer un groupe de discussion serait nécessaire</a:t>
+            </a:r>
+            <a:endParaRPr lang="fr-FR" dirty="0"/>
           </a:p>
           <a:p>
             <a:r>

--- a/Introduction_SII_PSI.pptx
+++ b/Introduction_SII_PSI.pptx
@@ -879,925 +879,6 @@
 </dgm:colorsDef>
 </file>
 
-<file path=ppt/diagrams/colors2.xml><?xml version="1.0" encoding="utf-8"?>
-<dgm:colorsDef xmlns:dgm="http://schemas.openxmlformats.org/drawingml/2006/diagram" xmlns:a="http://schemas.openxmlformats.org/drawingml/2006/main" uniqueId="urn:microsoft.com/office/officeart/2005/8/colors/colorful1">
-  <dgm:title val=""/>
-  <dgm:desc val=""/>
-  <dgm:catLst>
-    <dgm:cat type="colorful" pri="10100"/>
-  </dgm:catLst>
-  <dgm:styleLbl name="node0">
-    <dgm:fillClrLst meth="repeat">
-      <a:schemeClr val="accent1"/>
-    </dgm:fillClrLst>
-    <dgm:linClrLst meth="repeat">
-      <a:schemeClr val="lt1"/>
-    </dgm:linClrLst>
-    <dgm:effectClrLst/>
-    <dgm:txLinClrLst/>
-    <dgm:txFillClrLst/>
-    <dgm:txEffectClrLst/>
-  </dgm:styleLbl>
-  <dgm:styleLbl name="node1">
-    <dgm:fillClrLst meth="repeat">
-      <a:schemeClr val="accent2"/>
-      <a:schemeClr val="accent3"/>
-      <a:schemeClr val="accent4"/>
-      <a:schemeClr val="accent5"/>
-      <a:schemeClr val="accent6"/>
-    </dgm:fillClrLst>
-    <dgm:linClrLst meth="repeat">
-      <a:schemeClr val="lt1"/>
-    </dgm:linClrLst>
-    <dgm:effectClrLst/>
-    <dgm:txLinClrLst/>
-    <dgm:txFillClrLst/>
-    <dgm:txEffectClrLst/>
-  </dgm:styleLbl>
-  <dgm:styleLbl name="alignNode1">
-    <dgm:fillClrLst meth="repeat">
-      <a:schemeClr val="accent2"/>
-      <a:schemeClr val="accent3"/>
-      <a:schemeClr val="accent4"/>
-      <a:schemeClr val="accent5"/>
-      <a:schemeClr val="accent6"/>
-    </dgm:fillClrLst>
-    <dgm:linClrLst meth="repeat">
-      <a:schemeClr val="accent2"/>
-      <a:schemeClr val="accent3"/>
-      <a:schemeClr val="accent4"/>
-      <a:schemeClr val="accent5"/>
-      <a:schemeClr val="accent6"/>
-    </dgm:linClrLst>
-    <dgm:effectClrLst/>
-    <dgm:txLinClrLst/>
-    <dgm:txFillClrLst/>
-    <dgm:txEffectClrLst/>
-  </dgm:styleLbl>
-  <dgm:styleLbl name="lnNode1">
-    <dgm:fillClrLst meth="repeat">
-      <a:schemeClr val="accent2"/>
-      <a:schemeClr val="accent3"/>
-      <a:schemeClr val="accent4"/>
-      <a:schemeClr val="accent5"/>
-      <a:schemeClr val="accent6"/>
-    </dgm:fillClrLst>
-    <dgm:linClrLst meth="repeat">
-      <a:schemeClr val="lt1"/>
-    </dgm:linClrLst>
-    <dgm:effectClrLst/>
-    <dgm:txLinClrLst/>
-    <dgm:txFillClrLst/>
-    <dgm:txEffectClrLst/>
-  </dgm:styleLbl>
-  <dgm:styleLbl name="vennNode1">
-    <dgm:fillClrLst meth="repeat">
-      <a:schemeClr val="accent2">
-        <a:alpha val="50000"/>
-      </a:schemeClr>
-      <a:schemeClr val="accent3">
-        <a:alpha val="50000"/>
-      </a:schemeClr>
-      <a:schemeClr val="accent4">
-        <a:alpha val="50000"/>
-      </a:schemeClr>
-      <a:schemeClr val="accent5">
-        <a:alpha val="50000"/>
-      </a:schemeClr>
-      <a:schemeClr val="accent6">
-        <a:alpha val="50000"/>
-      </a:schemeClr>
-    </dgm:fillClrLst>
-    <dgm:linClrLst meth="repeat">
-      <a:schemeClr val="lt1"/>
-    </dgm:linClrLst>
-    <dgm:effectClrLst/>
-    <dgm:txLinClrLst/>
-    <dgm:txFillClrLst/>
-    <dgm:txEffectClrLst/>
-  </dgm:styleLbl>
-  <dgm:styleLbl name="node2">
-    <dgm:fillClrLst>
-      <a:schemeClr val="accent2"/>
-    </dgm:fillClrLst>
-    <dgm:linClrLst meth="repeat">
-      <a:schemeClr val="lt1"/>
-    </dgm:linClrLst>
-    <dgm:effectClrLst/>
-    <dgm:txLinClrLst/>
-    <dgm:txFillClrLst/>
-    <dgm:txEffectClrLst/>
-  </dgm:styleLbl>
-  <dgm:styleLbl name="node3">
-    <dgm:fillClrLst>
-      <a:schemeClr val="accent3"/>
-    </dgm:fillClrLst>
-    <dgm:linClrLst meth="repeat">
-      <a:schemeClr val="lt1"/>
-    </dgm:linClrLst>
-    <dgm:effectClrLst/>
-    <dgm:txLinClrLst/>
-    <dgm:txFillClrLst/>
-    <dgm:txEffectClrLst/>
-  </dgm:styleLbl>
-  <dgm:styleLbl name="node4">
-    <dgm:fillClrLst>
-      <a:schemeClr val="accent4"/>
-    </dgm:fillClrLst>
-    <dgm:linClrLst meth="repeat">
-      <a:schemeClr val="lt1"/>
-    </dgm:linClrLst>
-    <dgm:effectClrLst/>
-    <dgm:txLinClrLst/>
-    <dgm:txFillClrLst/>
-    <dgm:txEffectClrLst/>
-  </dgm:styleLbl>
-  <dgm:styleLbl name="fgImgPlace1">
-    <dgm:fillClrLst meth="repeat">
-      <a:schemeClr val="accent2">
-        <a:tint val="50000"/>
-      </a:schemeClr>
-      <a:schemeClr val="accent3">
-        <a:tint val="50000"/>
-      </a:schemeClr>
-      <a:schemeClr val="accent4">
-        <a:tint val="50000"/>
-      </a:schemeClr>
-      <a:schemeClr val="accent5">
-        <a:tint val="50000"/>
-      </a:schemeClr>
-      <a:schemeClr val="accent6">
-        <a:tint val="50000"/>
-      </a:schemeClr>
-    </dgm:fillClrLst>
-    <dgm:linClrLst meth="repeat">
-      <a:schemeClr val="lt1"/>
-    </dgm:linClrLst>
-    <dgm:effectClrLst/>
-    <dgm:txLinClrLst/>
-    <dgm:txFillClrLst meth="repeat">
-      <a:schemeClr val="lt1"/>
-    </dgm:txFillClrLst>
-    <dgm:txEffectClrLst/>
-  </dgm:styleLbl>
-  <dgm:styleLbl name="alignImgPlace1">
-    <dgm:fillClrLst>
-      <a:schemeClr val="accent1">
-        <a:tint val="50000"/>
-      </a:schemeClr>
-      <a:schemeClr val="accent2">
-        <a:tint val="20000"/>
-      </a:schemeClr>
-    </dgm:fillClrLst>
-    <dgm:linClrLst meth="repeat">
-      <a:schemeClr val="lt1"/>
-    </dgm:linClrLst>
-    <dgm:effectClrLst/>
-    <dgm:txLinClrLst/>
-    <dgm:txFillClrLst meth="repeat">
-      <a:schemeClr val="lt1"/>
-    </dgm:txFillClrLst>
-    <dgm:txEffectClrLst/>
-  </dgm:styleLbl>
-  <dgm:styleLbl name="bgImgPlace1">
-    <dgm:fillClrLst>
-      <a:schemeClr val="accent1">
-        <a:tint val="50000"/>
-      </a:schemeClr>
-      <a:schemeClr val="accent2">
-        <a:tint val="20000"/>
-      </a:schemeClr>
-    </dgm:fillClrLst>
-    <dgm:linClrLst meth="repeat">
-      <a:schemeClr val="lt1"/>
-    </dgm:linClrLst>
-    <dgm:effectClrLst/>
-    <dgm:txLinClrLst/>
-    <dgm:txFillClrLst meth="repeat">
-      <a:schemeClr val="lt1"/>
-    </dgm:txFillClrLst>
-    <dgm:txEffectClrLst/>
-  </dgm:styleLbl>
-  <dgm:styleLbl name="sibTrans2D1">
-    <dgm:fillClrLst meth="repeat">
-      <a:schemeClr val="accent2"/>
-      <a:schemeClr val="accent3"/>
-      <a:schemeClr val="accent4"/>
-      <a:schemeClr val="accent5"/>
-      <a:schemeClr val="accent6"/>
-    </dgm:fillClrLst>
-    <dgm:linClrLst meth="cycle">
-      <a:schemeClr val="lt1"/>
-    </dgm:linClrLst>
-    <dgm:effectClrLst/>
-    <dgm:txLinClrLst/>
-    <dgm:txFillClrLst/>
-    <dgm:txEffectClrLst/>
-  </dgm:styleLbl>
-  <dgm:styleLbl name="fgSibTrans2D1">
-    <dgm:fillClrLst meth="repeat">
-      <a:schemeClr val="accent2"/>
-      <a:schemeClr val="accent3"/>
-      <a:schemeClr val="accent4"/>
-      <a:schemeClr val="accent5"/>
-      <a:schemeClr val="accent6"/>
-    </dgm:fillClrLst>
-    <dgm:linClrLst meth="cycle">
-      <a:schemeClr val="lt1"/>
-    </dgm:linClrLst>
-    <dgm:effectClrLst/>
-    <dgm:txLinClrLst/>
-    <dgm:txFillClrLst meth="repeat">
-      <a:schemeClr val="lt1"/>
-    </dgm:txFillClrLst>
-    <dgm:txEffectClrLst/>
-  </dgm:styleLbl>
-  <dgm:styleLbl name="bgSibTrans2D1">
-    <dgm:fillClrLst meth="repeat">
-      <a:schemeClr val="accent2"/>
-      <a:schemeClr val="accent3"/>
-      <a:schemeClr val="accent4"/>
-      <a:schemeClr val="accent5"/>
-      <a:schemeClr val="accent6"/>
-    </dgm:fillClrLst>
-    <dgm:linClrLst meth="cycle">
-      <a:schemeClr val="lt1"/>
-    </dgm:linClrLst>
-    <dgm:effectClrLst/>
-    <dgm:txLinClrLst/>
-    <dgm:txFillClrLst meth="repeat">
-      <a:schemeClr val="lt1"/>
-    </dgm:txFillClrLst>
-    <dgm:txEffectClrLst/>
-  </dgm:styleLbl>
-  <dgm:styleLbl name="sibTrans1D1">
-    <dgm:fillClrLst meth="repeat">
-      <a:schemeClr val="accent2"/>
-      <a:schemeClr val="accent3"/>
-      <a:schemeClr val="accent4"/>
-      <a:schemeClr val="accent5"/>
-      <a:schemeClr val="accent6"/>
-    </dgm:fillClrLst>
-    <dgm:linClrLst meth="repeat">
-      <a:schemeClr val="accent2"/>
-      <a:schemeClr val="accent3"/>
-      <a:schemeClr val="accent4"/>
-      <a:schemeClr val="accent5"/>
-      <a:schemeClr val="accent6"/>
-    </dgm:linClrLst>
-    <dgm:effectClrLst/>
-    <dgm:txLinClrLst/>
-    <dgm:txFillClrLst meth="repeat">
-      <a:schemeClr val="tx1"/>
-    </dgm:txFillClrLst>
-    <dgm:txEffectClrLst/>
-  </dgm:styleLbl>
-  <dgm:styleLbl name="callout">
-    <dgm:fillClrLst meth="repeat">
-      <a:schemeClr val="accent2"/>
-    </dgm:fillClrLst>
-    <dgm:linClrLst meth="repeat">
-      <a:schemeClr val="accent2">
-        <a:tint val="50000"/>
-      </a:schemeClr>
-    </dgm:linClrLst>
-    <dgm:effectClrLst/>
-    <dgm:txLinClrLst/>
-    <dgm:txFillClrLst meth="repeat">
-      <a:schemeClr val="tx1"/>
-    </dgm:txFillClrLst>
-    <dgm:txEffectClrLst/>
-  </dgm:styleLbl>
-  <dgm:styleLbl name="asst0">
-    <dgm:fillClrLst meth="repeat">
-      <a:schemeClr val="accent1"/>
-    </dgm:fillClrLst>
-    <dgm:linClrLst meth="repeat">
-      <a:schemeClr val="lt1"/>
-    </dgm:linClrLst>
-    <dgm:effectClrLst/>
-    <dgm:txLinClrLst/>
-    <dgm:txFillClrLst/>
-    <dgm:txEffectClrLst/>
-  </dgm:styleLbl>
-  <dgm:styleLbl name="asst1">
-    <dgm:fillClrLst meth="repeat">
-      <a:schemeClr val="accent2"/>
-    </dgm:fillClrLst>
-    <dgm:linClrLst meth="repeat">
-      <a:schemeClr val="lt1"/>
-    </dgm:linClrLst>
-    <dgm:effectClrLst/>
-    <dgm:txLinClrLst/>
-    <dgm:txFillClrLst/>
-    <dgm:txEffectClrLst/>
-  </dgm:styleLbl>
-  <dgm:styleLbl name="asst2">
-    <dgm:fillClrLst>
-      <a:schemeClr val="accent3"/>
-    </dgm:fillClrLst>
-    <dgm:linClrLst meth="repeat">
-      <a:schemeClr val="lt1"/>
-    </dgm:linClrLst>
-    <dgm:effectClrLst/>
-    <dgm:txLinClrLst/>
-    <dgm:txFillClrLst/>
-    <dgm:txEffectClrLst/>
-  </dgm:styleLbl>
-  <dgm:styleLbl name="asst3">
-    <dgm:fillClrLst>
-      <a:schemeClr val="accent4"/>
-    </dgm:fillClrLst>
-    <dgm:linClrLst meth="repeat">
-      <a:schemeClr val="lt1"/>
-    </dgm:linClrLst>
-    <dgm:effectClrLst/>
-    <dgm:txLinClrLst/>
-    <dgm:txFillClrLst/>
-    <dgm:txEffectClrLst/>
-  </dgm:styleLbl>
-  <dgm:styleLbl name="asst4">
-    <dgm:fillClrLst>
-      <a:schemeClr val="accent5"/>
-    </dgm:fillClrLst>
-    <dgm:linClrLst meth="repeat">
-      <a:schemeClr val="lt1"/>
-    </dgm:linClrLst>
-    <dgm:effectClrLst/>
-    <dgm:txLinClrLst/>
-    <dgm:txFillClrLst/>
-    <dgm:txEffectClrLst/>
-  </dgm:styleLbl>
-  <dgm:styleLbl name="parChTrans2D1">
-    <dgm:fillClrLst meth="repeat">
-      <a:schemeClr val="accent2"/>
-    </dgm:fillClrLst>
-    <dgm:linClrLst meth="repeat">
-      <a:schemeClr val="lt1"/>
-    </dgm:linClrLst>
-    <dgm:effectClrLst/>
-    <dgm:txLinClrLst/>
-    <dgm:txFillClrLst meth="repeat">
-      <a:schemeClr val="lt1"/>
-    </dgm:txFillClrLst>
-    <dgm:txEffectClrLst/>
-  </dgm:styleLbl>
-  <dgm:styleLbl name="parChTrans2D2">
-    <dgm:fillClrLst meth="repeat">
-      <a:schemeClr val="accent3"/>
-    </dgm:fillClrLst>
-    <dgm:linClrLst meth="repeat">
-      <a:schemeClr val="lt1"/>
-    </dgm:linClrLst>
-    <dgm:effectClrLst/>
-    <dgm:txLinClrLst/>
-    <dgm:txFillClrLst/>
-    <dgm:txEffectClrLst/>
-  </dgm:styleLbl>
-  <dgm:styleLbl name="parChTrans2D3">
-    <dgm:fillClrLst meth="repeat">
-      <a:schemeClr val="accent4"/>
-    </dgm:fillClrLst>
-    <dgm:linClrLst meth="repeat">
-      <a:schemeClr val="lt1"/>
-    </dgm:linClrLst>
-    <dgm:effectClrLst/>
-    <dgm:txLinClrLst/>
-    <dgm:txFillClrLst/>
-    <dgm:txEffectClrLst/>
-  </dgm:styleLbl>
-  <dgm:styleLbl name="parChTrans2D4">
-    <dgm:fillClrLst meth="repeat">
-      <a:schemeClr val="accent5"/>
-    </dgm:fillClrLst>
-    <dgm:linClrLst meth="repeat">
-      <a:schemeClr val="lt1"/>
-    </dgm:linClrLst>
-    <dgm:effectClrLst/>
-    <dgm:txLinClrLst/>
-    <dgm:txFillClrLst meth="repeat">
-      <a:schemeClr val="lt1"/>
-    </dgm:txFillClrLst>
-    <dgm:txEffectClrLst/>
-  </dgm:styleLbl>
-  <dgm:styleLbl name="parChTrans1D1">
-    <dgm:fillClrLst meth="repeat">
-      <a:schemeClr val="accent2"/>
-    </dgm:fillClrLst>
-    <dgm:linClrLst meth="repeat">
-      <a:schemeClr val="accent1"/>
-    </dgm:linClrLst>
-    <dgm:effectClrLst/>
-    <dgm:txLinClrLst/>
-    <dgm:txFillClrLst meth="repeat">
-      <a:schemeClr val="tx1"/>
-    </dgm:txFillClrLst>
-    <dgm:txEffectClrLst/>
-  </dgm:styleLbl>
-  <dgm:styleLbl name="parChTrans1D2">
-    <dgm:fillClrLst meth="repeat">
-      <a:schemeClr val="accent3">
-        <a:tint val="90000"/>
-      </a:schemeClr>
-    </dgm:fillClrLst>
-    <dgm:linClrLst meth="repeat">
-      <a:schemeClr val="accent2"/>
-    </dgm:linClrLst>
-    <dgm:effectClrLst/>
-    <dgm:txLinClrLst/>
-    <dgm:txFillClrLst meth="repeat">
-      <a:schemeClr val="tx1"/>
-    </dgm:txFillClrLst>
-    <dgm:txEffectClrLst/>
-  </dgm:styleLbl>
-  <dgm:styleLbl name="parChTrans1D3">
-    <dgm:fillClrLst meth="repeat">
-      <a:schemeClr val="accent4">
-        <a:tint val="70000"/>
-      </a:schemeClr>
-    </dgm:fillClrLst>
-    <dgm:linClrLst meth="repeat">
-      <a:schemeClr val="accent3"/>
-    </dgm:linClrLst>
-    <dgm:effectClrLst/>
-    <dgm:txLinClrLst/>
-    <dgm:txFillClrLst meth="repeat">
-      <a:schemeClr val="tx1"/>
-    </dgm:txFillClrLst>
-    <dgm:txEffectClrLst/>
-  </dgm:styleLbl>
-  <dgm:styleLbl name="parChTrans1D4">
-    <dgm:fillClrLst meth="repeat">
-      <a:schemeClr val="accent5">
-        <a:tint val="50000"/>
-      </a:schemeClr>
-    </dgm:fillClrLst>
-    <dgm:linClrLst meth="repeat">
-      <a:schemeClr val="accent4"/>
-    </dgm:linClrLst>
-    <dgm:effectClrLst/>
-    <dgm:txLinClrLst/>
-    <dgm:txFillClrLst meth="repeat">
-      <a:schemeClr val="tx1"/>
-    </dgm:txFillClrLst>
-    <dgm:txEffectClrLst/>
-  </dgm:styleLbl>
-  <dgm:styleLbl name="fgAcc1">
-    <dgm:fillClrLst meth="repeat">
-      <a:schemeClr val="lt1">
-        <a:alpha val="90000"/>
-      </a:schemeClr>
-    </dgm:fillClrLst>
-    <dgm:linClrLst meth="repeat">
-      <a:schemeClr val="accent2"/>
-      <a:schemeClr val="accent3"/>
-      <a:schemeClr val="accent4"/>
-      <a:schemeClr val="accent5"/>
-      <a:schemeClr val="accent6"/>
-    </dgm:linClrLst>
-    <dgm:effectClrLst/>
-    <dgm:txLinClrLst/>
-    <dgm:txFillClrLst meth="repeat">
-      <a:schemeClr val="dk1"/>
-    </dgm:txFillClrLst>
-    <dgm:txEffectClrLst/>
-  </dgm:styleLbl>
-  <dgm:styleLbl name="conFgAcc1">
-    <dgm:fillClrLst meth="repeat">
-      <a:schemeClr val="lt1">
-        <a:alpha val="90000"/>
-      </a:schemeClr>
-    </dgm:fillClrLst>
-    <dgm:linClrLst meth="repeat">
-      <a:schemeClr val="accent2"/>
-      <a:schemeClr val="accent3"/>
-      <a:schemeClr val="accent4"/>
-      <a:schemeClr val="accent5"/>
-      <a:schemeClr val="accent6"/>
-    </dgm:linClrLst>
-    <dgm:effectClrLst/>
-    <dgm:txLinClrLst/>
-    <dgm:txFillClrLst meth="repeat">
-      <a:schemeClr val="dk1"/>
-    </dgm:txFillClrLst>
-    <dgm:txEffectClrLst/>
-  </dgm:styleLbl>
-  <dgm:styleLbl name="alignAcc1">
-    <dgm:fillClrLst meth="repeat">
-      <a:schemeClr val="lt1">
-        <a:alpha val="90000"/>
-      </a:schemeClr>
-    </dgm:fillClrLst>
-    <dgm:linClrLst meth="repeat">
-      <a:schemeClr val="accent2"/>
-      <a:schemeClr val="accent3"/>
-      <a:schemeClr val="accent4"/>
-      <a:schemeClr val="accent5"/>
-      <a:schemeClr val="accent6"/>
-    </dgm:linClrLst>
-    <dgm:effectClrLst/>
-    <dgm:txLinClrLst/>
-    <dgm:txFillClrLst meth="repeat">
-      <a:schemeClr val="dk1"/>
-    </dgm:txFillClrLst>
-    <dgm:txEffectClrLst/>
-  </dgm:styleLbl>
-  <dgm:styleLbl name="trAlignAcc1">
-    <dgm:fillClrLst meth="repeat">
-      <a:schemeClr val="lt1">
-        <a:alpha val="40000"/>
-      </a:schemeClr>
-    </dgm:fillClrLst>
-    <dgm:linClrLst meth="repeat">
-      <a:schemeClr val="accent1"/>
-    </dgm:linClrLst>
-    <dgm:effectClrLst/>
-    <dgm:txLinClrLst/>
-    <dgm:txFillClrLst meth="repeat">
-      <a:schemeClr val="dk1"/>
-    </dgm:txFillClrLst>
-    <dgm:txEffectClrLst/>
-  </dgm:styleLbl>
-  <dgm:styleLbl name="bgAcc1">
-    <dgm:fillClrLst meth="repeat">
-      <a:schemeClr val="lt1">
-        <a:alpha val="90000"/>
-      </a:schemeClr>
-    </dgm:fillClrLst>
-    <dgm:linClrLst meth="repeat">
-      <a:schemeClr val="accent2"/>
-      <a:schemeClr val="accent3"/>
-      <a:schemeClr val="accent4"/>
-      <a:schemeClr val="accent5"/>
-      <a:schemeClr val="accent6"/>
-    </dgm:linClrLst>
-    <dgm:effectClrLst/>
-    <dgm:txLinClrLst/>
-    <dgm:txFillClrLst meth="repeat">
-      <a:schemeClr val="dk1"/>
-    </dgm:txFillClrLst>
-    <dgm:txEffectClrLst/>
-  </dgm:styleLbl>
-  <dgm:styleLbl name="solidFgAcc1">
-    <dgm:fillClrLst meth="repeat">
-      <a:schemeClr val="lt1"/>
-    </dgm:fillClrLst>
-    <dgm:linClrLst meth="repeat">
-      <a:schemeClr val="accent2"/>
-      <a:schemeClr val="accent3"/>
-      <a:schemeClr val="accent4"/>
-      <a:schemeClr val="accent5"/>
-      <a:schemeClr val="accent6"/>
-    </dgm:linClrLst>
-    <dgm:effectClrLst/>
-    <dgm:txLinClrLst/>
-    <dgm:txFillClrLst meth="repeat">
-      <a:schemeClr val="dk1"/>
-    </dgm:txFillClrLst>
-    <dgm:txEffectClrLst/>
-  </dgm:styleLbl>
-  <dgm:styleLbl name="solidAlignAcc1">
-    <dgm:fillClrLst meth="repeat">
-      <a:schemeClr val="lt1"/>
-    </dgm:fillClrLst>
-    <dgm:linClrLst meth="repeat">
-      <a:schemeClr val="accent2"/>
-      <a:schemeClr val="accent3"/>
-      <a:schemeClr val="accent4"/>
-      <a:schemeClr val="accent5"/>
-      <a:schemeClr val="accent6"/>
-    </dgm:linClrLst>
-    <dgm:effectClrLst/>
-    <dgm:txLinClrLst/>
-    <dgm:txFillClrLst meth="repeat">
-      <a:schemeClr val="dk1"/>
-    </dgm:txFillClrLst>
-    <dgm:txEffectClrLst/>
-  </dgm:styleLbl>
-  <dgm:styleLbl name="solidBgAcc1">
-    <dgm:fillClrLst meth="repeat">
-      <a:schemeClr val="lt1"/>
-    </dgm:fillClrLst>
-    <dgm:linClrLst meth="repeat">
-      <a:schemeClr val="accent2"/>
-      <a:schemeClr val="accent3"/>
-      <a:schemeClr val="accent4"/>
-      <a:schemeClr val="accent5"/>
-      <a:schemeClr val="accent6"/>
-    </dgm:linClrLst>
-    <dgm:effectClrLst/>
-    <dgm:txLinClrLst/>
-    <dgm:txFillClrLst meth="repeat">
-      <a:schemeClr val="dk1"/>
-    </dgm:txFillClrLst>
-    <dgm:txEffectClrLst/>
-  </dgm:styleLbl>
-  <dgm:styleLbl name="fgAccFollowNode1">
-    <dgm:fillClrLst meth="repeat">
-      <a:schemeClr val="accent2">
-        <a:tint val="40000"/>
-        <a:alpha val="90000"/>
-      </a:schemeClr>
-      <a:schemeClr val="accent3">
-        <a:tint val="40000"/>
-        <a:alpha val="90000"/>
-      </a:schemeClr>
-      <a:schemeClr val="accent4">
-        <a:tint val="40000"/>
-        <a:alpha val="90000"/>
-      </a:schemeClr>
-      <a:schemeClr val="accent5">
-        <a:tint val="40000"/>
-        <a:alpha val="90000"/>
-      </a:schemeClr>
-      <a:schemeClr val="accent6">
-        <a:tint val="40000"/>
-        <a:alpha val="90000"/>
-      </a:schemeClr>
-    </dgm:fillClrLst>
-    <dgm:linClrLst meth="repeat">
-      <a:schemeClr val="accent2">
-        <a:tint val="40000"/>
-        <a:alpha val="90000"/>
-      </a:schemeClr>
-      <a:schemeClr val="accent3">
-        <a:tint val="40000"/>
-        <a:alpha val="90000"/>
-      </a:schemeClr>
-      <a:schemeClr val="accent4">
-        <a:tint val="40000"/>
-        <a:alpha val="90000"/>
-      </a:schemeClr>
-      <a:schemeClr val="accent5">
-        <a:tint val="40000"/>
-        <a:alpha val="90000"/>
-      </a:schemeClr>
-      <a:schemeClr val="accent6">
-        <a:tint val="40000"/>
-        <a:alpha val="90000"/>
-      </a:schemeClr>
-    </dgm:linClrLst>
-    <dgm:effectClrLst/>
-    <dgm:txLinClrLst/>
-    <dgm:txFillClrLst meth="repeat">
-      <a:schemeClr val="dk1"/>
-    </dgm:txFillClrLst>
-    <dgm:txEffectClrLst/>
-  </dgm:styleLbl>
-  <dgm:styleLbl name="alignAccFollowNode1">
-    <dgm:fillClrLst meth="repeat">
-      <a:schemeClr val="accent2">
-        <a:tint val="40000"/>
-        <a:alpha val="90000"/>
-      </a:schemeClr>
-      <a:schemeClr val="accent3">
-        <a:tint val="40000"/>
-        <a:alpha val="90000"/>
-      </a:schemeClr>
-      <a:schemeClr val="accent4">
-        <a:tint val="40000"/>
-        <a:alpha val="90000"/>
-      </a:schemeClr>
-      <a:schemeClr val="accent5">
-        <a:tint val="40000"/>
-        <a:alpha val="90000"/>
-      </a:schemeClr>
-      <a:schemeClr val="accent6">
-        <a:tint val="40000"/>
-        <a:alpha val="90000"/>
-      </a:schemeClr>
-    </dgm:fillClrLst>
-    <dgm:linClrLst meth="repeat">
-      <a:schemeClr val="accent2">
-        <a:tint val="40000"/>
-        <a:alpha val="90000"/>
-      </a:schemeClr>
-      <a:schemeClr val="accent3">
-        <a:tint val="40000"/>
-        <a:alpha val="90000"/>
-      </a:schemeClr>
-      <a:schemeClr val="accent4">
-        <a:tint val="40000"/>
-        <a:alpha val="90000"/>
-      </a:schemeClr>
-      <a:schemeClr val="accent5">
-        <a:tint val="40000"/>
-        <a:alpha val="90000"/>
-      </a:schemeClr>
-      <a:schemeClr val="accent6">
-        <a:tint val="40000"/>
-        <a:alpha val="90000"/>
-      </a:schemeClr>
-    </dgm:linClrLst>
-    <dgm:effectClrLst/>
-    <dgm:txLinClrLst/>
-    <dgm:txFillClrLst meth="repeat">
-      <a:schemeClr val="dk1"/>
-    </dgm:txFillClrLst>
-    <dgm:txEffectClrLst/>
-  </dgm:styleLbl>
-  <dgm:styleLbl name="bgAccFollowNode1">
-    <dgm:fillClrLst meth="repeat">
-      <a:schemeClr val="accent2">
-        <a:tint val="40000"/>
-        <a:alpha val="90000"/>
-      </a:schemeClr>
-      <a:schemeClr val="accent3">
-        <a:tint val="40000"/>
-        <a:alpha val="90000"/>
-      </a:schemeClr>
-      <a:schemeClr val="accent4">
-        <a:tint val="40000"/>
-        <a:alpha val="90000"/>
-      </a:schemeClr>
-      <a:schemeClr val="accent5">
-        <a:tint val="40000"/>
-        <a:alpha val="90000"/>
-      </a:schemeClr>
-      <a:schemeClr val="accent6">
-        <a:tint val="40000"/>
-        <a:alpha val="90000"/>
-      </a:schemeClr>
-    </dgm:fillClrLst>
-    <dgm:linClrLst meth="repeat">
-      <a:schemeClr val="accent2">
-        <a:tint val="40000"/>
-        <a:alpha val="90000"/>
-      </a:schemeClr>
-      <a:schemeClr val="accent3">
-        <a:tint val="40000"/>
-        <a:alpha val="90000"/>
-      </a:schemeClr>
-      <a:schemeClr val="accent4">
-        <a:tint val="40000"/>
-        <a:alpha val="90000"/>
-      </a:schemeClr>
-      <a:schemeClr val="accent5">
-        <a:tint val="40000"/>
-        <a:alpha val="90000"/>
-      </a:schemeClr>
-      <a:schemeClr val="accent6">
-        <a:tint val="40000"/>
-        <a:alpha val="90000"/>
-      </a:schemeClr>
-    </dgm:linClrLst>
-    <dgm:effectClrLst/>
-    <dgm:txLinClrLst/>
-    <dgm:txFillClrLst meth="repeat">
-      <a:schemeClr val="dk1"/>
-    </dgm:txFillClrLst>
-    <dgm:txEffectClrLst/>
-  </dgm:styleLbl>
-  <dgm:styleLbl name="fgAcc0">
-    <dgm:fillClrLst meth="repeat">
-      <a:schemeClr val="lt1">
-        <a:alpha val="90000"/>
-      </a:schemeClr>
-    </dgm:fillClrLst>
-    <dgm:linClrLst>
-      <a:schemeClr val="accent1"/>
-    </dgm:linClrLst>
-    <dgm:effectClrLst/>
-    <dgm:txLinClrLst/>
-    <dgm:txFillClrLst meth="repeat">
-      <a:schemeClr val="dk1"/>
-    </dgm:txFillClrLst>
-    <dgm:txEffectClrLst/>
-  </dgm:styleLbl>
-  <dgm:styleLbl name="fgAcc2">
-    <dgm:fillClrLst meth="repeat">
-      <a:schemeClr val="lt1">
-        <a:alpha val="90000"/>
-      </a:schemeClr>
-    </dgm:fillClrLst>
-    <dgm:linClrLst>
-      <a:schemeClr val="accent2"/>
-    </dgm:linClrLst>
-    <dgm:effectClrLst/>
-    <dgm:txLinClrLst/>
-    <dgm:txFillClrLst meth="repeat">
-      <a:schemeClr val="dk1"/>
-    </dgm:txFillClrLst>
-    <dgm:txEffectClrLst/>
-  </dgm:styleLbl>
-  <dgm:styleLbl name="fgAcc3">
-    <dgm:fillClrLst meth="repeat">
-      <a:schemeClr val="lt1">
-        <a:alpha val="90000"/>
-      </a:schemeClr>
-    </dgm:fillClrLst>
-    <dgm:linClrLst>
-      <a:schemeClr val="accent3"/>
-    </dgm:linClrLst>
-    <dgm:effectClrLst/>
-    <dgm:txLinClrLst/>
-    <dgm:txFillClrLst meth="repeat">
-      <a:schemeClr val="dk1"/>
-    </dgm:txFillClrLst>
-    <dgm:txEffectClrLst/>
-  </dgm:styleLbl>
-  <dgm:styleLbl name="fgAcc4">
-    <dgm:fillClrLst meth="repeat">
-      <a:schemeClr val="lt1">
-        <a:alpha val="90000"/>
-      </a:schemeClr>
-    </dgm:fillClrLst>
-    <dgm:linClrLst>
-      <a:schemeClr val="accent4"/>
-    </dgm:linClrLst>
-    <dgm:effectClrLst/>
-    <dgm:txLinClrLst/>
-    <dgm:txFillClrLst meth="repeat">
-      <a:schemeClr val="dk1"/>
-    </dgm:txFillClrLst>
-    <dgm:txEffectClrLst/>
-  </dgm:styleLbl>
-  <dgm:styleLbl name="bgShp">
-    <dgm:fillClrLst meth="repeat">
-      <a:schemeClr val="accent2">
-        <a:tint val="40000"/>
-      </a:schemeClr>
-    </dgm:fillClrLst>
-    <dgm:linClrLst meth="repeat">
-      <a:schemeClr val="dk1"/>
-    </dgm:linClrLst>
-    <dgm:effectClrLst/>
-    <dgm:txLinClrLst/>
-    <dgm:txFillClrLst meth="repeat">
-      <a:schemeClr val="dk1"/>
-    </dgm:txFillClrLst>
-    <dgm:txEffectClrLst/>
-  </dgm:styleLbl>
-  <dgm:styleLbl name="dkBgShp">
-    <dgm:fillClrLst meth="repeat">
-      <a:schemeClr val="accent2">
-        <a:shade val="90000"/>
-      </a:schemeClr>
-    </dgm:fillClrLst>
-    <dgm:linClrLst meth="repeat">
-      <a:schemeClr val="dk1"/>
-    </dgm:linClrLst>
-    <dgm:effectClrLst/>
-    <dgm:txLinClrLst/>
-    <dgm:txFillClrLst meth="repeat">
-      <a:schemeClr val="lt1"/>
-    </dgm:txFillClrLst>
-    <dgm:txEffectClrLst/>
-  </dgm:styleLbl>
-  <dgm:styleLbl name="trBgShp">
-    <dgm:fillClrLst meth="repeat">
-      <a:schemeClr val="accent1">
-        <a:tint val="50000"/>
-        <a:alpha val="40000"/>
-      </a:schemeClr>
-    </dgm:fillClrLst>
-    <dgm:linClrLst meth="repeat">
-      <a:schemeClr val="accent2"/>
-    </dgm:linClrLst>
-    <dgm:effectClrLst/>
-    <dgm:txLinClrLst/>
-    <dgm:txFillClrLst meth="repeat">
-      <a:schemeClr val="lt1"/>
-    </dgm:txFillClrLst>
-    <dgm:txEffectClrLst/>
-  </dgm:styleLbl>
-  <dgm:styleLbl name="fgShp">
-    <dgm:fillClrLst meth="repeat">
-      <a:schemeClr val="accent2">
-        <a:tint val="40000"/>
-      </a:schemeClr>
-    </dgm:fillClrLst>
-    <dgm:linClrLst meth="repeat">
-      <a:schemeClr val="lt1"/>
-    </dgm:linClrLst>
-    <dgm:effectClrLst/>
-    <dgm:txLinClrLst/>
-    <dgm:txFillClrLst meth="repeat">
-      <a:schemeClr val="dk1"/>
-    </dgm:txFillClrLst>
-    <dgm:txEffectClrLst/>
-  </dgm:styleLbl>
-  <dgm:styleLbl name="revTx">
-    <dgm:fillClrLst meth="repeat">
-      <a:schemeClr val="lt1">
-        <a:alpha val="0"/>
-      </a:schemeClr>
-    </dgm:fillClrLst>
-    <dgm:linClrLst meth="repeat">
-      <a:schemeClr val="dk1">
-        <a:alpha val="0"/>
-      </a:schemeClr>
-    </dgm:linClrLst>
-    <dgm:effectClrLst/>
-    <dgm:txLinClrLst/>
-    <dgm:txFillClrLst meth="repeat">
-      <a:schemeClr val="tx1"/>
-    </dgm:txFillClrLst>
-    <dgm:txEffectClrLst/>
-  </dgm:styleLbl>
-</dgm:colorsDef>
-</file>
-
 <file path=ppt/diagrams/data1.xml><?xml version="1.0" encoding="utf-8"?>
 <dgm:dataModel xmlns:dgm="http://schemas.openxmlformats.org/drawingml/2006/diagram" xmlns:a="http://schemas.openxmlformats.org/drawingml/2006/main">
   <dgm:ptLst>
@@ -2074,46 +1155,18 @@
         </dgm:presLayoutVars>
       </dgm:prSet>
       <dgm:spPr/>
-      <dgm:t>
-        <a:bodyPr/>
-        <a:lstStyle/>
-        <a:p>
-          <a:endParaRPr lang="fr-FR"/>
-        </a:p>
-      </dgm:t>
     </dgm:pt>
     <dgm:pt modelId="{795B084A-6AF2-4FE3-B8E7-6E77B4B1B4FE}" type="pres">
       <dgm:prSet presAssocID="{6C7F26EE-DC41-4FCE-9A2B-BCB785BD3D40}" presName="centerShape" presStyleLbl="node0" presStyleIdx="0" presStyleCnt="1" custScaleX="134623" custScaleY="61213"/>
       <dgm:spPr/>
-      <dgm:t>
-        <a:bodyPr/>
-        <a:lstStyle/>
-        <a:p>
-          <a:endParaRPr lang="fr-FR"/>
-        </a:p>
-      </dgm:t>
     </dgm:pt>
     <dgm:pt modelId="{855A38A7-EDEB-431E-A167-42643272BBEE}" type="pres">
       <dgm:prSet presAssocID="{BF08AF18-252A-4A5D-9A63-82B61EF94DB5}" presName="parTrans" presStyleLbl="sibTrans2D1" presStyleIdx="0" presStyleCnt="6"/>
       <dgm:spPr/>
-      <dgm:t>
-        <a:bodyPr/>
-        <a:lstStyle/>
-        <a:p>
-          <a:endParaRPr lang="fr-FR"/>
-        </a:p>
-      </dgm:t>
     </dgm:pt>
     <dgm:pt modelId="{C5CB236E-81F3-4E87-9694-5BDFFCCF0DCD}" type="pres">
       <dgm:prSet presAssocID="{BF08AF18-252A-4A5D-9A63-82B61EF94DB5}" presName="connectorText" presStyleLbl="sibTrans2D1" presStyleIdx="0" presStyleCnt="6"/>
       <dgm:spPr/>
-      <dgm:t>
-        <a:bodyPr/>
-        <a:lstStyle/>
-        <a:p>
-          <a:endParaRPr lang="fr-FR"/>
-        </a:p>
-      </dgm:t>
     </dgm:pt>
     <dgm:pt modelId="{A4EEF9AC-C79A-4CC0-AE94-3847C4155BC9}" type="pres">
       <dgm:prSet presAssocID="{ABD21938-04B1-41CA-83C8-2ABDF967D126}" presName="node" presStyleLbl="node1" presStyleIdx="0" presStyleCnt="6" custScaleX="134758" custScaleY="53903" custRadScaleRad="87743" custRadScaleInc="-3456">
@@ -2122,35 +1175,14 @@
         </dgm:presLayoutVars>
       </dgm:prSet>
       <dgm:spPr/>
-      <dgm:t>
-        <a:bodyPr/>
-        <a:lstStyle/>
-        <a:p>
-          <a:endParaRPr lang="fr-FR"/>
-        </a:p>
-      </dgm:t>
     </dgm:pt>
     <dgm:pt modelId="{67BD1836-BBD8-49E6-8A1D-0B6AD1A49804}" type="pres">
       <dgm:prSet presAssocID="{AF093D10-7012-425E-8E21-3F88DE2923C4}" presName="parTrans" presStyleLbl="sibTrans2D1" presStyleIdx="1" presStyleCnt="6"/>
       <dgm:spPr/>
-      <dgm:t>
-        <a:bodyPr/>
-        <a:lstStyle/>
-        <a:p>
-          <a:endParaRPr lang="fr-FR"/>
-        </a:p>
-      </dgm:t>
     </dgm:pt>
     <dgm:pt modelId="{44173EF8-C060-456B-A7FF-51FF3C3F3728}" type="pres">
       <dgm:prSet presAssocID="{AF093D10-7012-425E-8E21-3F88DE2923C4}" presName="connectorText" presStyleLbl="sibTrans2D1" presStyleIdx="1" presStyleCnt="6"/>
       <dgm:spPr/>
-      <dgm:t>
-        <a:bodyPr/>
-        <a:lstStyle/>
-        <a:p>
-          <a:endParaRPr lang="fr-FR"/>
-        </a:p>
-      </dgm:t>
     </dgm:pt>
     <dgm:pt modelId="{3CA7F5B3-1CF7-48CD-9446-5EAAC42314B2}" type="pres">
       <dgm:prSet presAssocID="{F0C6DB36-3872-4B58-8E34-E788738E6D2E}" presName="node" presStyleLbl="node1" presStyleIdx="1" presStyleCnt="6" custScaleX="134758" custScaleY="53903" custRadScaleRad="106734" custRadScaleInc="8488">
@@ -2159,35 +1191,14 @@
         </dgm:presLayoutVars>
       </dgm:prSet>
       <dgm:spPr/>
-      <dgm:t>
-        <a:bodyPr/>
-        <a:lstStyle/>
-        <a:p>
-          <a:endParaRPr lang="fr-FR"/>
-        </a:p>
-      </dgm:t>
     </dgm:pt>
     <dgm:pt modelId="{79CA3347-9782-411C-88F7-42E0FDE4A993}" type="pres">
       <dgm:prSet presAssocID="{D505439A-4959-4459-A573-2343A93FF006}" presName="parTrans" presStyleLbl="sibTrans2D1" presStyleIdx="2" presStyleCnt="6"/>
       <dgm:spPr/>
-      <dgm:t>
-        <a:bodyPr/>
-        <a:lstStyle/>
-        <a:p>
-          <a:endParaRPr lang="fr-FR"/>
-        </a:p>
-      </dgm:t>
     </dgm:pt>
     <dgm:pt modelId="{FAC6D00E-7DBC-4269-B96D-AD34341426B3}" type="pres">
       <dgm:prSet presAssocID="{D505439A-4959-4459-A573-2343A93FF006}" presName="connectorText" presStyleLbl="sibTrans2D1" presStyleIdx="2" presStyleCnt="6"/>
       <dgm:spPr/>
-      <dgm:t>
-        <a:bodyPr/>
-        <a:lstStyle/>
-        <a:p>
-          <a:endParaRPr lang="fr-FR"/>
-        </a:p>
-      </dgm:t>
     </dgm:pt>
     <dgm:pt modelId="{4BBFCE1B-2519-4F4B-A2D6-A629CFD6B43E}" type="pres">
       <dgm:prSet presAssocID="{E03C1B12-9674-4158-82E6-380D58725FD2}" presName="node" presStyleLbl="node1" presStyleIdx="2" presStyleCnt="6" custScaleX="134758" custScaleY="53903" custRadScaleRad="112253" custRadScaleInc="-8187">
@@ -2196,35 +1207,14 @@
         </dgm:presLayoutVars>
       </dgm:prSet>
       <dgm:spPr/>
-      <dgm:t>
-        <a:bodyPr/>
-        <a:lstStyle/>
-        <a:p>
-          <a:endParaRPr lang="fr-FR"/>
-        </a:p>
-      </dgm:t>
     </dgm:pt>
     <dgm:pt modelId="{2908CCF2-B3E0-4425-A3A4-741C48F697CC}" type="pres">
       <dgm:prSet presAssocID="{7C67E25A-687E-43EF-A30E-1BE6BB1C96BB}" presName="parTrans" presStyleLbl="sibTrans2D1" presStyleIdx="3" presStyleCnt="6"/>
       <dgm:spPr/>
-      <dgm:t>
-        <a:bodyPr/>
-        <a:lstStyle/>
-        <a:p>
-          <a:endParaRPr lang="fr-FR"/>
-        </a:p>
-      </dgm:t>
     </dgm:pt>
     <dgm:pt modelId="{02EDF0E0-C93D-496C-9C44-8B52081CF42F}" type="pres">
       <dgm:prSet presAssocID="{7C67E25A-687E-43EF-A30E-1BE6BB1C96BB}" presName="connectorText" presStyleLbl="sibTrans2D1" presStyleIdx="3" presStyleCnt="6"/>
       <dgm:spPr/>
-      <dgm:t>
-        <a:bodyPr/>
-        <a:lstStyle/>
-        <a:p>
-          <a:endParaRPr lang="fr-FR"/>
-        </a:p>
-      </dgm:t>
     </dgm:pt>
     <dgm:pt modelId="{E47AF97F-3A35-4678-BBFB-CEBE864CC32F}" type="pres">
       <dgm:prSet presAssocID="{3BB986C5-39B4-419F-BC66-29AA94C2C8B4}" presName="node" presStyleLbl="node1" presStyleIdx="3" presStyleCnt="6" custScaleX="134758" custScaleY="53903" custRadScaleRad="90444" custRadScaleInc="3352">
@@ -2233,35 +1223,14 @@
         </dgm:presLayoutVars>
       </dgm:prSet>
       <dgm:spPr/>
-      <dgm:t>
-        <a:bodyPr/>
-        <a:lstStyle/>
-        <a:p>
-          <a:endParaRPr lang="fr-FR"/>
-        </a:p>
-      </dgm:t>
     </dgm:pt>
     <dgm:pt modelId="{6EA9DD4F-02C6-49FE-9FCF-19492F4C119B}" type="pres">
       <dgm:prSet presAssocID="{97E1711E-874A-4867-847A-9FB0D49421F4}" presName="parTrans" presStyleLbl="sibTrans2D1" presStyleIdx="4" presStyleCnt="6"/>
       <dgm:spPr/>
-      <dgm:t>
-        <a:bodyPr/>
-        <a:lstStyle/>
-        <a:p>
-          <a:endParaRPr lang="fr-FR"/>
-        </a:p>
-      </dgm:t>
     </dgm:pt>
     <dgm:pt modelId="{76B889AC-5DC7-49E9-9470-1726B0E1E77F}" type="pres">
       <dgm:prSet presAssocID="{97E1711E-874A-4867-847A-9FB0D49421F4}" presName="connectorText" presStyleLbl="sibTrans2D1" presStyleIdx="4" presStyleCnt="6"/>
       <dgm:spPr/>
-      <dgm:t>
-        <a:bodyPr/>
-        <a:lstStyle/>
-        <a:p>
-          <a:endParaRPr lang="fr-FR"/>
-        </a:p>
-      </dgm:t>
     </dgm:pt>
     <dgm:pt modelId="{F649323C-9A23-4780-ABBF-44EB22816205}" type="pres">
       <dgm:prSet presAssocID="{8E868AD2-930E-400E-AAA6-8A5A38622904}" presName="node" presStyleLbl="node1" presStyleIdx="4" presStyleCnt="6" custScaleX="134758" custScaleY="53903" custRadScaleRad="115077" custRadScaleInc="10623">
@@ -2270,35 +1239,14 @@
         </dgm:presLayoutVars>
       </dgm:prSet>
       <dgm:spPr/>
-      <dgm:t>
-        <a:bodyPr/>
-        <a:lstStyle/>
-        <a:p>
-          <a:endParaRPr lang="fr-FR"/>
-        </a:p>
-      </dgm:t>
     </dgm:pt>
     <dgm:pt modelId="{D8543BC6-C2A3-44A0-AD66-B070AE3B70F1}" type="pres">
       <dgm:prSet presAssocID="{CDC0C329-BEB2-408B-BDAB-EAAE090BC465}" presName="parTrans" presStyleLbl="sibTrans2D1" presStyleIdx="5" presStyleCnt="6"/>
       <dgm:spPr/>
-      <dgm:t>
-        <a:bodyPr/>
-        <a:lstStyle/>
-        <a:p>
-          <a:endParaRPr lang="fr-FR"/>
-        </a:p>
-      </dgm:t>
     </dgm:pt>
     <dgm:pt modelId="{4B41BC24-608A-47A8-894A-F5C3286201C3}" type="pres">
       <dgm:prSet presAssocID="{CDC0C329-BEB2-408B-BDAB-EAAE090BC465}" presName="connectorText" presStyleLbl="sibTrans2D1" presStyleIdx="5" presStyleCnt="6"/>
       <dgm:spPr/>
-      <dgm:t>
-        <a:bodyPr/>
-        <a:lstStyle/>
-        <a:p>
-          <a:endParaRPr lang="fr-FR"/>
-        </a:p>
-      </dgm:t>
     </dgm:pt>
     <dgm:pt modelId="{649B0251-076A-43A0-A9F0-20A26A16F648}" type="pres">
       <dgm:prSet presAssocID="{B62E7B2B-FA3A-426A-B7EB-F310A4C8F75C}" presName="node" presStyleLbl="node1" presStyleIdx="5" presStyleCnt="6" custScaleX="134758" custScaleY="53903" custRadScaleRad="109562" custRadScaleInc="-11039">
@@ -2307,43 +1255,36 @@
         </dgm:presLayoutVars>
       </dgm:prSet>
       <dgm:spPr/>
-      <dgm:t>
-        <a:bodyPr/>
-        <a:lstStyle/>
-        <a:p>
-          <a:endParaRPr lang="fr-FR"/>
-        </a:p>
-      </dgm:t>
     </dgm:pt>
   </dgm:ptLst>
   <dgm:cxnLst>
+    <dgm:cxn modelId="{82D56A07-0F2D-4B39-8112-28903D5E7914}" srcId="{6C7F26EE-DC41-4FCE-9A2B-BCB785BD3D40}" destId="{3BB986C5-39B4-419F-BC66-29AA94C2C8B4}" srcOrd="3" destOrd="0" parTransId="{7C67E25A-687E-43EF-A30E-1BE6BB1C96BB}" sibTransId="{6D74F808-3D7F-4FA4-AAE3-8BE6FCE9A644}"/>
+    <dgm:cxn modelId="{EFE7E207-FE94-4657-8EF6-9DB24939E01D}" srcId="{6C7F26EE-DC41-4FCE-9A2B-BCB785BD3D40}" destId="{B62E7B2B-FA3A-426A-B7EB-F310A4C8F75C}" srcOrd="5" destOrd="0" parTransId="{CDC0C329-BEB2-408B-BDAB-EAAE090BC465}" sibTransId="{6F80404E-2C54-4D9F-9ECA-7172053D77E5}"/>
+    <dgm:cxn modelId="{DB4DCA15-3A21-49E2-8DE1-AE14995A8429}" type="presOf" srcId="{7C67E25A-687E-43EF-A30E-1BE6BB1C96BB}" destId="{02EDF0E0-C93D-496C-9C44-8B52081CF42F}" srcOrd="1" destOrd="0" presId="urn:microsoft.com/office/officeart/2005/8/layout/radial5"/>
+    <dgm:cxn modelId="{E231FA1D-34BE-490D-93A5-27BDDF493FD6}" type="presOf" srcId="{F0C6DB36-3872-4B58-8E34-E788738E6D2E}" destId="{3CA7F5B3-1CF7-48CD-9446-5EAAC42314B2}" srcOrd="0" destOrd="0" presId="urn:microsoft.com/office/officeart/2005/8/layout/radial5"/>
+    <dgm:cxn modelId="{0ED3562F-3DCF-42AB-82A3-B3E0DD0F2256}" type="presOf" srcId="{E03C1B12-9674-4158-82E6-380D58725FD2}" destId="{4BBFCE1B-2519-4F4B-A2D6-A629CFD6B43E}" srcOrd="0" destOrd="0" presId="urn:microsoft.com/office/officeart/2005/8/layout/radial5"/>
+    <dgm:cxn modelId="{06F65436-5D60-422F-8FA6-E3C1921BED54}" type="presOf" srcId="{B62E7B2B-FA3A-426A-B7EB-F310A4C8F75C}" destId="{649B0251-076A-43A0-A9F0-20A26A16F648}" srcOrd="0" destOrd="0" presId="urn:microsoft.com/office/officeart/2005/8/layout/radial5"/>
+    <dgm:cxn modelId="{ACB3CE3A-9A82-4288-848C-FF1454AC4B14}" type="presOf" srcId="{6C7F26EE-DC41-4FCE-9A2B-BCB785BD3D40}" destId="{795B084A-6AF2-4FE3-B8E7-6E77B4B1B4FE}" srcOrd="0" destOrd="0" presId="urn:microsoft.com/office/officeart/2005/8/layout/radial5"/>
+    <dgm:cxn modelId="{DDE09341-A8D5-48FF-80C0-A0DD3008222C}" type="presOf" srcId="{F9998325-7ADE-4311-A231-52FDC1B8CDA9}" destId="{C587B4A8-743B-42E8-A685-647273CB9C3E}" srcOrd="0" destOrd="0" presId="urn:microsoft.com/office/officeart/2005/8/layout/radial5"/>
+    <dgm:cxn modelId="{96AD066A-C83F-45F3-8784-C0EA75EEC60C}" type="presOf" srcId="{AF093D10-7012-425E-8E21-3F88DE2923C4}" destId="{44173EF8-C060-456B-A7FF-51FF3C3F3728}" srcOrd="1" destOrd="0" presId="urn:microsoft.com/office/officeart/2005/8/layout/radial5"/>
+    <dgm:cxn modelId="{B9B8684B-2680-48F1-9A77-B950DD172C77}" type="presOf" srcId="{AF093D10-7012-425E-8E21-3F88DE2923C4}" destId="{67BD1836-BBD8-49E6-8A1D-0B6AD1A49804}" srcOrd="0" destOrd="0" presId="urn:microsoft.com/office/officeart/2005/8/layout/radial5"/>
+    <dgm:cxn modelId="{5702097A-4CE3-41F2-81F9-FDD9F1A422E4}" type="presOf" srcId="{97E1711E-874A-4867-847A-9FB0D49421F4}" destId="{6EA9DD4F-02C6-49FE-9FCF-19492F4C119B}" srcOrd="0" destOrd="0" presId="urn:microsoft.com/office/officeart/2005/8/layout/radial5"/>
+    <dgm:cxn modelId="{F7BF687E-CDC4-402E-AA1A-21EEA45381D3}" srcId="{6C7F26EE-DC41-4FCE-9A2B-BCB785BD3D40}" destId="{F0C6DB36-3872-4B58-8E34-E788738E6D2E}" srcOrd="1" destOrd="0" parTransId="{AF093D10-7012-425E-8E21-3F88DE2923C4}" sibTransId="{A8813212-DCE7-4664-97BA-CD68F83C165B}"/>
+    <dgm:cxn modelId="{74EEB082-FF03-4B2C-A079-A3F2D3709F1E}" type="presOf" srcId="{CDC0C329-BEB2-408B-BDAB-EAAE090BC465}" destId="{D8543BC6-C2A3-44A0-AD66-B070AE3B70F1}" srcOrd="0" destOrd="0" presId="urn:microsoft.com/office/officeart/2005/8/layout/radial5"/>
+    <dgm:cxn modelId="{CCA1D185-E200-464F-9472-1CE2C5A7E784}" type="presOf" srcId="{BF08AF18-252A-4A5D-9A63-82B61EF94DB5}" destId="{855A38A7-EDEB-431E-A167-42643272BBEE}" srcOrd="0" destOrd="0" presId="urn:microsoft.com/office/officeart/2005/8/layout/radial5"/>
+    <dgm:cxn modelId="{A2A26490-63E0-4244-8E5E-DA191B3871F9}" srcId="{6C7F26EE-DC41-4FCE-9A2B-BCB785BD3D40}" destId="{ABD21938-04B1-41CA-83C8-2ABDF967D126}" srcOrd="0" destOrd="0" parTransId="{BF08AF18-252A-4A5D-9A63-82B61EF94DB5}" sibTransId="{E2D2F5AC-45C6-47DE-8D32-46362313B352}"/>
+    <dgm:cxn modelId="{E0E29099-C7D9-46F1-9955-FB30872C1168}" type="presOf" srcId="{8E868AD2-930E-400E-AAA6-8A5A38622904}" destId="{F649323C-9A23-4780-ABBF-44EB22816205}" srcOrd="0" destOrd="0" presId="urn:microsoft.com/office/officeart/2005/8/layout/radial5"/>
+    <dgm:cxn modelId="{796749A4-54A5-4F96-8DF6-936CD2B5D858}" type="presOf" srcId="{D505439A-4959-4459-A573-2343A93FF006}" destId="{FAC6D00E-7DBC-4269-B96D-AD34341426B3}" srcOrd="1" destOrd="0" presId="urn:microsoft.com/office/officeart/2005/8/layout/radial5"/>
+    <dgm:cxn modelId="{8D6FC9A5-7FEF-406E-8FAF-7341EF098230}" srcId="{6C7F26EE-DC41-4FCE-9A2B-BCB785BD3D40}" destId="{8E868AD2-930E-400E-AAA6-8A5A38622904}" srcOrd="4" destOrd="0" parTransId="{97E1711E-874A-4867-847A-9FB0D49421F4}" sibTransId="{42EA9274-B982-4F92-AB98-104C73C78B23}"/>
+    <dgm:cxn modelId="{7EFFB9AC-B92F-4FE0-AD61-CD9D563F93D8}" type="presOf" srcId="{D505439A-4959-4459-A573-2343A93FF006}" destId="{79CA3347-9782-411C-88F7-42E0FDE4A993}" srcOrd="0" destOrd="0" presId="urn:microsoft.com/office/officeart/2005/8/layout/radial5"/>
+    <dgm:cxn modelId="{A27BD5C5-98E9-4318-AF6E-79EC1869D510}" srcId="{F9998325-7ADE-4311-A231-52FDC1B8CDA9}" destId="{6C7F26EE-DC41-4FCE-9A2B-BCB785BD3D40}" srcOrd="0" destOrd="0" parTransId="{E67DDFC5-6407-44C9-88BA-B29F651CA55F}" sibTransId="{32DAA5E5-A336-4688-A8E9-E9E67FCEA09C}"/>
+    <dgm:cxn modelId="{6A7F93C6-E7A5-40CF-BCA9-62CFB38140A6}" type="presOf" srcId="{7C67E25A-687E-43EF-A30E-1BE6BB1C96BB}" destId="{2908CCF2-B3E0-4425-A3A4-741C48F697CC}" srcOrd="0" destOrd="0" presId="urn:microsoft.com/office/officeart/2005/8/layout/radial5"/>
+    <dgm:cxn modelId="{DA00FFCE-8051-4BEE-B2CB-D038378B4F4A}" type="presOf" srcId="{97E1711E-874A-4867-847A-9FB0D49421F4}" destId="{76B889AC-5DC7-49E9-9470-1726B0E1E77F}" srcOrd="1" destOrd="0" presId="urn:microsoft.com/office/officeart/2005/8/layout/radial5"/>
+    <dgm:cxn modelId="{4D9799D1-7C58-4CFA-B446-10A6EAE9D19E}" type="presOf" srcId="{CDC0C329-BEB2-408B-BDAB-EAAE090BC465}" destId="{4B41BC24-608A-47A8-894A-F5C3286201C3}" srcOrd="1" destOrd="0" presId="urn:microsoft.com/office/officeart/2005/8/layout/radial5"/>
+    <dgm:cxn modelId="{D6147ED2-98C9-440A-8128-A2C7C8E7F921}" type="presOf" srcId="{BF08AF18-252A-4A5D-9A63-82B61EF94DB5}" destId="{C5CB236E-81F3-4E87-9694-5BDFFCCF0DCD}" srcOrd="1" destOrd="0" presId="urn:microsoft.com/office/officeart/2005/8/layout/radial5"/>
     <dgm:cxn modelId="{9165EBD3-B066-4A24-9446-F2A6D64CD860}" type="presOf" srcId="{ABD21938-04B1-41CA-83C8-2ABDF967D126}" destId="{A4EEF9AC-C79A-4CC0-AE94-3847C4155BC9}" srcOrd="0" destOrd="0" presId="urn:microsoft.com/office/officeart/2005/8/layout/radial5"/>
-    <dgm:cxn modelId="{A27BD5C5-98E9-4318-AF6E-79EC1869D510}" srcId="{F9998325-7ADE-4311-A231-52FDC1B8CDA9}" destId="{6C7F26EE-DC41-4FCE-9A2B-BCB785BD3D40}" srcOrd="0" destOrd="0" parTransId="{E67DDFC5-6407-44C9-88BA-B29F651CA55F}" sibTransId="{32DAA5E5-A336-4688-A8E9-E9E67FCEA09C}"/>
     <dgm:cxn modelId="{48B183D5-9229-49B8-B8BF-7CCC95286584}" type="presOf" srcId="{3BB986C5-39B4-419F-BC66-29AA94C2C8B4}" destId="{E47AF97F-3A35-4678-BBFB-CEBE864CC32F}" srcOrd="0" destOrd="0" presId="urn:microsoft.com/office/officeart/2005/8/layout/radial5"/>
-    <dgm:cxn modelId="{DA00FFCE-8051-4BEE-B2CB-D038378B4F4A}" type="presOf" srcId="{97E1711E-874A-4867-847A-9FB0D49421F4}" destId="{76B889AC-5DC7-49E9-9470-1726B0E1E77F}" srcOrd="1" destOrd="0" presId="urn:microsoft.com/office/officeart/2005/8/layout/radial5"/>
-    <dgm:cxn modelId="{E231FA1D-34BE-490D-93A5-27BDDF493FD6}" type="presOf" srcId="{F0C6DB36-3872-4B58-8E34-E788738E6D2E}" destId="{3CA7F5B3-1CF7-48CD-9446-5EAAC42314B2}" srcOrd="0" destOrd="0" presId="urn:microsoft.com/office/officeart/2005/8/layout/radial5"/>
-    <dgm:cxn modelId="{6A7F93C6-E7A5-40CF-BCA9-62CFB38140A6}" type="presOf" srcId="{7C67E25A-687E-43EF-A30E-1BE6BB1C96BB}" destId="{2908CCF2-B3E0-4425-A3A4-741C48F697CC}" srcOrd="0" destOrd="0" presId="urn:microsoft.com/office/officeart/2005/8/layout/radial5"/>
-    <dgm:cxn modelId="{5702097A-4CE3-41F2-81F9-FDD9F1A422E4}" type="presOf" srcId="{97E1711E-874A-4867-847A-9FB0D49421F4}" destId="{6EA9DD4F-02C6-49FE-9FCF-19492F4C119B}" srcOrd="0" destOrd="0" presId="urn:microsoft.com/office/officeart/2005/8/layout/radial5"/>
-    <dgm:cxn modelId="{D6147ED2-98C9-440A-8128-A2C7C8E7F921}" type="presOf" srcId="{BF08AF18-252A-4A5D-9A63-82B61EF94DB5}" destId="{C5CB236E-81F3-4E87-9694-5BDFFCCF0DCD}" srcOrd="1" destOrd="0" presId="urn:microsoft.com/office/officeart/2005/8/layout/radial5"/>
-    <dgm:cxn modelId="{A2A26490-63E0-4244-8E5E-DA191B3871F9}" srcId="{6C7F26EE-DC41-4FCE-9A2B-BCB785BD3D40}" destId="{ABD21938-04B1-41CA-83C8-2ABDF967D126}" srcOrd="0" destOrd="0" parTransId="{BF08AF18-252A-4A5D-9A63-82B61EF94DB5}" sibTransId="{E2D2F5AC-45C6-47DE-8D32-46362313B352}"/>
-    <dgm:cxn modelId="{CCA1D185-E200-464F-9472-1CE2C5A7E784}" type="presOf" srcId="{BF08AF18-252A-4A5D-9A63-82B61EF94DB5}" destId="{855A38A7-EDEB-431E-A167-42643272BBEE}" srcOrd="0" destOrd="0" presId="urn:microsoft.com/office/officeart/2005/8/layout/radial5"/>
-    <dgm:cxn modelId="{7EFFB9AC-B92F-4FE0-AD61-CD9D563F93D8}" type="presOf" srcId="{D505439A-4959-4459-A573-2343A93FF006}" destId="{79CA3347-9782-411C-88F7-42E0FDE4A993}" srcOrd="0" destOrd="0" presId="urn:microsoft.com/office/officeart/2005/8/layout/radial5"/>
-    <dgm:cxn modelId="{E0E29099-C7D9-46F1-9955-FB30872C1168}" type="presOf" srcId="{8E868AD2-930E-400E-AAA6-8A5A38622904}" destId="{F649323C-9A23-4780-ABBF-44EB22816205}" srcOrd="0" destOrd="0" presId="urn:microsoft.com/office/officeart/2005/8/layout/radial5"/>
-    <dgm:cxn modelId="{DDE09341-A8D5-48FF-80C0-A0DD3008222C}" type="presOf" srcId="{F9998325-7ADE-4311-A231-52FDC1B8CDA9}" destId="{C587B4A8-743B-42E8-A685-647273CB9C3E}" srcOrd="0" destOrd="0" presId="urn:microsoft.com/office/officeart/2005/8/layout/radial5"/>
-    <dgm:cxn modelId="{F7BF687E-CDC4-402E-AA1A-21EEA45381D3}" srcId="{6C7F26EE-DC41-4FCE-9A2B-BCB785BD3D40}" destId="{F0C6DB36-3872-4B58-8E34-E788738E6D2E}" srcOrd="1" destOrd="0" parTransId="{AF093D10-7012-425E-8E21-3F88DE2923C4}" sibTransId="{A8813212-DCE7-4664-97BA-CD68F83C165B}"/>
-    <dgm:cxn modelId="{8D6FC9A5-7FEF-406E-8FAF-7341EF098230}" srcId="{6C7F26EE-DC41-4FCE-9A2B-BCB785BD3D40}" destId="{8E868AD2-930E-400E-AAA6-8A5A38622904}" srcOrd="4" destOrd="0" parTransId="{97E1711E-874A-4867-847A-9FB0D49421F4}" sibTransId="{42EA9274-B982-4F92-AB98-104C73C78B23}"/>
-    <dgm:cxn modelId="{EFE7E207-FE94-4657-8EF6-9DB24939E01D}" srcId="{6C7F26EE-DC41-4FCE-9A2B-BCB785BD3D40}" destId="{B62E7B2B-FA3A-426A-B7EB-F310A4C8F75C}" srcOrd="5" destOrd="0" parTransId="{CDC0C329-BEB2-408B-BDAB-EAAE090BC465}" sibTransId="{6F80404E-2C54-4D9F-9ECA-7172053D77E5}"/>
-    <dgm:cxn modelId="{96AD066A-C83F-45F3-8784-C0EA75EEC60C}" type="presOf" srcId="{AF093D10-7012-425E-8E21-3F88DE2923C4}" destId="{44173EF8-C060-456B-A7FF-51FF3C3F3728}" srcOrd="1" destOrd="0" presId="urn:microsoft.com/office/officeart/2005/8/layout/radial5"/>
-    <dgm:cxn modelId="{ACB3CE3A-9A82-4288-848C-FF1454AC4B14}" type="presOf" srcId="{6C7F26EE-DC41-4FCE-9A2B-BCB785BD3D40}" destId="{795B084A-6AF2-4FE3-B8E7-6E77B4B1B4FE}" srcOrd="0" destOrd="0" presId="urn:microsoft.com/office/officeart/2005/8/layout/radial5"/>
     <dgm:cxn modelId="{115F94F3-B364-44B5-B59A-022972CB01FC}" srcId="{6C7F26EE-DC41-4FCE-9A2B-BCB785BD3D40}" destId="{E03C1B12-9674-4158-82E6-380D58725FD2}" srcOrd="2" destOrd="0" parTransId="{D505439A-4959-4459-A573-2343A93FF006}" sibTransId="{79082AFD-ADB4-4A07-AD6D-3FAB394DA409}"/>
-    <dgm:cxn modelId="{4D9799D1-7C58-4CFA-B446-10A6EAE9D19E}" type="presOf" srcId="{CDC0C329-BEB2-408B-BDAB-EAAE090BC465}" destId="{4B41BC24-608A-47A8-894A-F5C3286201C3}" srcOrd="1" destOrd="0" presId="urn:microsoft.com/office/officeart/2005/8/layout/radial5"/>
-    <dgm:cxn modelId="{796749A4-54A5-4F96-8DF6-936CD2B5D858}" type="presOf" srcId="{D505439A-4959-4459-A573-2343A93FF006}" destId="{FAC6D00E-7DBC-4269-B96D-AD34341426B3}" srcOrd="1" destOrd="0" presId="urn:microsoft.com/office/officeart/2005/8/layout/radial5"/>
-    <dgm:cxn modelId="{82D56A07-0F2D-4B39-8112-28903D5E7914}" srcId="{6C7F26EE-DC41-4FCE-9A2B-BCB785BD3D40}" destId="{3BB986C5-39B4-419F-BC66-29AA94C2C8B4}" srcOrd="3" destOrd="0" parTransId="{7C67E25A-687E-43EF-A30E-1BE6BB1C96BB}" sibTransId="{6D74F808-3D7F-4FA4-AAE3-8BE6FCE9A644}"/>
-    <dgm:cxn modelId="{DB4DCA15-3A21-49E2-8DE1-AE14995A8429}" type="presOf" srcId="{7C67E25A-687E-43EF-A30E-1BE6BB1C96BB}" destId="{02EDF0E0-C93D-496C-9C44-8B52081CF42F}" srcOrd="1" destOrd="0" presId="urn:microsoft.com/office/officeart/2005/8/layout/radial5"/>
-    <dgm:cxn modelId="{06F65436-5D60-422F-8FA6-E3C1921BED54}" type="presOf" srcId="{B62E7B2B-FA3A-426A-B7EB-F310A4C8F75C}" destId="{649B0251-076A-43A0-A9F0-20A26A16F648}" srcOrd="0" destOrd="0" presId="urn:microsoft.com/office/officeart/2005/8/layout/radial5"/>
-    <dgm:cxn modelId="{0ED3562F-3DCF-42AB-82A3-B3E0DD0F2256}" type="presOf" srcId="{E03C1B12-9674-4158-82E6-380D58725FD2}" destId="{4BBFCE1B-2519-4F4B-A2D6-A629CFD6B43E}" srcOrd="0" destOrd="0" presId="urn:microsoft.com/office/officeart/2005/8/layout/radial5"/>
-    <dgm:cxn modelId="{74EEB082-FF03-4B2C-A079-A3F2D3709F1E}" type="presOf" srcId="{CDC0C329-BEB2-408B-BDAB-EAAE090BC465}" destId="{D8543BC6-C2A3-44A0-AD66-B070AE3B70F1}" srcOrd="0" destOrd="0" presId="urn:microsoft.com/office/officeart/2005/8/layout/radial5"/>
-    <dgm:cxn modelId="{B9B8684B-2680-48F1-9A77-B950DD172C77}" type="presOf" srcId="{AF093D10-7012-425E-8E21-3F88DE2923C4}" destId="{67BD1836-BBD8-49E6-8A1D-0B6AD1A49804}" srcOrd="0" destOrd="0" presId="urn:microsoft.com/office/officeart/2005/8/layout/radial5"/>
     <dgm:cxn modelId="{8B9BC0E2-457C-4F1B-9FAC-A97A73469517}" type="presParOf" srcId="{C587B4A8-743B-42E8-A685-647273CB9C3E}" destId="{795B084A-6AF2-4FE3-B8E7-6E77B4B1B4FE}" srcOrd="0" destOrd="0" presId="urn:microsoft.com/office/officeart/2005/8/layout/radial5"/>
     <dgm:cxn modelId="{0A006FF0-C2EC-4E22-BEEA-F922A33F3E8D}" type="presParOf" srcId="{C587B4A8-743B-42E8-A685-647273CB9C3E}" destId="{855A38A7-EDEB-431E-A167-42643272BBEE}" srcOrd="1" destOrd="0" presId="urn:microsoft.com/office/officeart/2005/8/layout/radial5"/>
     <dgm:cxn modelId="{A5230BF6-DE15-4DCC-857B-819590E791F4}" type="presParOf" srcId="{855A38A7-EDEB-431E-A167-42643272BBEE}" destId="{C5CB236E-81F3-4E87-9694-5BDFFCCF0DCD}" srcOrd="0" destOrd="0" presId="urn:microsoft.com/office/officeart/2005/8/layout/radial5"/>
@@ -2363,1222 +1304,6 @@
     <dgm:cxn modelId="{647F40A5-F55D-4E7C-993F-52318AB64AC4}" type="presParOf" srcId="{C587B4A8-743B-42E8-A685-647273CB9C3E}" destId="{D8543BC6-C2A3-44A0-AD66-B070AE3B70F1}" srcOrd="11" destOrd="0" presId="urn:microsoft.com/office/officeart/2005/8/layout/radial5"/>
     <dgm:cxn modelId="{5FB40B3E-D5DF-4A58-AD34-6C280623A4F1}" type="presParOf" srcId="{D8543BC6-C2A3-44A0-AD66-B070AE3B70F1}" destId="{4B41BC24-608A-47A8-894A-F5C3286201C3}" srcOrd="0" destOrd="0" presId="urn:microsoft.com/office/officeart/2005/8/layout/radial5"/>
     <dgm:cxn modelId="{EC87134B-34C3-4BD9-A5F0-159C87FC185B}" type="presParOf" srcId="{C587B4A8-743B-42E8-A685-647273CB9C3E}" destId="{649B0251-076A-43A0-A9F0-20A26A16F648}" srcOrd="12" destOrd="0" presId="urn:microsoft.com/office/officeart/2005/8/layout/radial5"/>
-  </dgm:cxnLst>
-  <dgm:bg/>
-  <dgm:whole/>
-  <dgm:extLst>
-    <a:ext uri="http://schemas.microsoft.com/office/drawing/2008/diagram">
-      <dsp:dataModelExt xmlns:dsp="http://schemas.microsoft.com/office/drawing/2008/diagram" relId="rId6" minVer="http://schemas.openxmlformats.org/drawingml/2006/diagram"/>
-    </a:ext>
-  </dgm:extLst>
-</dgm:dataModel>
-</file>
-
-<file path=ppt/diagrams/data2.xml><?xml version="1.0" encoding="utf-8"?>
-<dgm:dataModel xmlns:dgm="http://schemas.openxmlformats.org/drawingml/2006/diagram" xmlns:a="http://schemas.openxmlformats.org/drawingml/2006/main">
-  <dgm:ptLst>
-    <dgm:pt modelId="{7E20A5FC-0273-40CD-89F2-053CAB6583FE}" type="doc">
-      <dgm:prSet loTypeId="urn:microsoft.com/office/officeart/2005/8/layout/chevron2" loCatId="process" qsTypeId="urn:microsoft.com/office/officeart/2005/8/quickstyle/simple1" qsCatId="simple" csTypeId="urn:microsoft.com/office/officeart/2005/8/colors/colorful1" csCatId="colorful" phldr="1"/>
-      <dgm:spPr/>
-      <dgm:t>
-        <a:bodyPr/>
-        <a:lstStyle/>
-        <a:p>
-          <a:endParaRPr lang="fr-FR"/>
-        </a:p>
-      </dgm:t>
-    </dgm:pt>
-    <dgm:pt modelId="{C07A4D4E-1F57-4DAC-9444-D904B093352B}">
-      <dgm:prSet phldrT="[Texte]" custT="1"/>
-      <dgm:spPr/>
-      <dgm:t>
-        <a:bodyPr/>
-        <a:lstStyle/>
-        <a:p>
-          <a:r>
-            <a:rPr lang="fr-FR" sz="1600" dirty="0" smtClean="0"/>
-            <a:t>Lundi</a:t>
-          </a:r>
-          <a:endParaRPr lang="fr-FR" sz="1600" dirty="0"/>
-        </a:p>
-      </dgm:t>
-    </dgm:pt>
-    <dgm:pt modelId="{C7C34C89-FBDE-4D74-9987-9F49BA3208DB}" type="parTrans" cxnId="{559E4041-AA70-420B-BEF7-94D328EA1409}">
-      <dgm:prSet/>
-      <dgm:spPr/>
-      <dgm:t>
-        <a:bodyPr/>
-        <a:lstStyle/>
-        <a:p>
-          <a:endParaRPr lang="fr-FR" sz="3600"/>
-        </a:p>
-      </dgm:t>
-    </dgm:pt>
-    <dgm:pt modelId="{011D8FF6-3C95-469C-9B31-5369C4E2E1B8}" type="sibTrans" cxnId="{559E4041-AA70-420B-BEF7-94D328EA1409}">
-      <dgm:prSet/>
-      <dgm:spPr/>
-      <dgm:t>
-        <a:bodyPr/>
-        <a:lstStyle/>
-        <a:p>
-          <a:endParaRPr lang="fr-FR" sz="3600"/>
-        </a:p>
-      </dgm:t>
-    </dgm:pt>
-    <dgm:pt modelId="{0314623C-C841-43FB-80DA-8D2A3985605B}">
-      <dgm:prSet phldrT="[Texte]" custT="1"/>
-      <dgm:spPr/>
-      <dgm:t>
-        <a:bodyPr/>
-        <a:lstStyle/>
-        <a:p>
-          <a:r>
-            <a:rPr lang="fr-FR" sz="1050" dirty="0" smtClean="0"/>
-            <a:t>DS</a:t>
-          </a:r>
-          <a:endParaRPr lang="fr-FR" sz="1050" dirty="0"/>
-        </a:p>
-      </dgm:t>
-    </dgm:pt>
-    <dgm:pt modelId="{374F48A8-C9B9-4DE1-A695-EE4AE5E69D9C}" type="parTrans" cxnId="{ADED19CC-1C78-4ADB-9145-67DF1B93B17B}">
-      <dgm:prSet/>
-      <dgm:spPr/>
-      <dgm:t>
-        <a:bodyPr/>
-        <a:lstStyle/>
-        <a:p>
-          <a:endParaRPr lang="fr-FR" sz="3600"/>
-        </a:p>
-      </dgm:t>
-    </dgm:pt>
-    <dgm:pt modelId="{5BE30A2B-D9DA-4B95-AF37-99EC60D806BB}" type="sibTrans" cxnId="{ADED19CC-1C78-4ADB-9145-67DF1B93B17B}">
-      <dgm:prSet/>
-      <dgm:spPr/>
-      <dgm:t>
-        <a:bodyPr/>
-        <a:lstStyle/>
-        <a:p>
-          <a:endParaRPr lang="fr-FR" sz="3600"/>
-        </a:p>
-      </dgm:t>
-    </dgm:pt>
-    <dgm:pt modelId="{29986421-EAF9-4B01-97C1-4B8FCF0CBE89}">
-      <dgm:prSet phldrT="[Texte]" custT="1"/>
-      <dgm:spPr/>
-      <dgm:t>
-        <a:bodyPr/>
-        <a:lstStyle/>
-        <a:p>
-          <a:r>
-            <a:rPr lang="fr-FR" sz="1050" dirty="0" smtClean="0"/>
-            <a:t>Devoir du soir (en lien avec le cour du mardi)</a:t>
-          </a:r>
-          <a:endParaRPr lang="fr-FR" sz="1050" dirty="0"/>
-        </a:p>
-      </dgm:t>
-    </dgm:pt>
-    <dgm:pt modelId="{84F1F3AA-3D7E-418A-A916-66F655C69EEF}" type="parTrans" cxnId="{D3964954-F2E2-4428-887D-FA323B4C988F}">
-      <dgm:prSet/>
-      <dgm:spPr/>
-      <dgm:t>
-        <a:bodyPr/>
-        <a:lstStyle/>
-        <a:p>
-          <a:endParaRPr lang="fr-FR" sz="3600"/>
-        </a:p>
-      </dgm:t>
-    </dgm:pt>
-    <dgm:pt modelId="{005C9155-6AF6-406A-8094-4C141D497761}" type="sibTrans" cxnId="{D3964954-F2E2-4428-887D-FA323B4C988F}">
-      <dgm:prSet/>
-      <dgm:spPr/>
-      <dgm:t>
-        <a:bodyPr/>
-        <a:lstStyle/>
-        <a:p>
-          <a:endParaRPr lang="fr-FR" sz="3600"/>
-        </a:p>
-      </dgm:t>
-    </dgm:pt>
-    <dgm:pt modelId="{AD9D62D7-1F99-4D89-89C6-0A38338357A0}">
-      <dgm:prSet phldrT="[Texte]" custT="1"/>
-      <dgm:spPr/>
-      <dgm:t>
-        <a:bodyPr/>
-        <a:lstStyle/>
-        <a:p>
-          <a:r>
-            <a:rPr lang="fr-FR" sz="1600" dirty="0" smtClean="0"/>
-            <a:t>Mardi</a:t>
-          </a:r>
-          <a:endParaRPr lang="fr-FR" sz="1600" dirty="0"/>
-        </a:p>
-      </dgm:t>
-    </dgm:pt>
-    <dgm:pt modelId="{32FCA36B-323D-4798-86D6-DCA97C85C26F}" type="parTrans" cxnId="{A644C78A-884A-47D3-A1E6-8E6E60421329}">
-      <dgm:prSet/>
-      <dgm:spPr/>
-      <dgm:t>
-        <a:bodyPr/>
-        <a:lstStyle/>
-        <a:p>
-          <a:endParaRPr lang="fr-FR" sz="3600"/>
-        </a:p>
-      </dgm:t>
-    </dgm:pt>
-    <dgm:pt modelId="{F8A4A5CA-3159-49AB-90FD-CD1980E80B50}" type="sibTrans" cxnId="{A644C78A-884A-47D3-A1E6-8E6E60421329}">
-      <dgm:prSet/>
-      <dgm:spPr/>
-      <dgm:t>
-        <a:bodyPr/>
-        <a:lstStyle/>
-        <a:p>
-          <a:endParaRPr lang="fr-FR" sz="3600"/>
-        </a:p>
-      </dgm:t>
-    </dgm:pt>
-    <dgm:pt modelId="{4A031B29-F710-4D37-9F06-A1DF78714540}">
-      <dgm:prSet phldrT="[Texte]" custT="1"/>
-      <dgm:spPr/>
-      <dgm:t>
-        <a:bodyPr/>
-        <a:lstStyle/>
-        <a:p>
-          <a:r>
-            <a:rPr lang="fr-FR" sz="1050" dirty="0" smtClean="0"/>
-            <a:t>Cours (1h)</a:t>
-          </a:r>
-          <a:endParaRPr lang="fr-FR" sz="1050" dirty="0"/>
-        </a:p>
-      </dgm:t>
-    </dgm:pt>
-    <dgm:pt modelId="{A299B8BF-8805-4A60-BF92-393D78006AF6}" type="parTrans" cxnId="{9B25F1BD-03C2-45E9-AA96-67EB13544757}">
-      <dgm:prSet/>
-      <dgm:spPr/>
-      <dgm:t>
-        <a:bodyPr/>
-        <a:lstStyle/>
-        <a:p>
-          <a:endParaRPr lang="fr-FR" sz="3600"/>
-        </a:p>
-      </dgm:t>
-    </dgm:pt>
-    <dgm:pt modelId="{AFEEF681-A582-4C0D-BF18-F9146FA61BEB}" type="sibTrans" cxnId="{9B25F1BD-03C2-45E9-AA96-67EB13544757}">
-      <dgm:prSet/>
-      <dgm:spPr/>
-      <dgm:t>
-        <a:bodyPr/>
-        <a:lstStyle/>
-        <a:p>
-          <a:endParaRPr lang="fr-FR" sz="3600"/>
-        </a:p>
-      </dgm:t>
-    </dgm:pt>
-    <dgm:pt modelId="{3EBC4A83-B75A-4F14-AECF-538D384C11DF}">
-      <dgm:prSet phldrT="[Texte]" custT="1"/>
-      <dgm:spPr/>
-      <dgm:t>
-        <a:bodyPr/>
-        <a:lstStyle/>
-        <a:p>
-          <a:r>
-            <a:rPr lang="fr-FR" sz="1050" dirty="0" smtClean="0"/>
-            <a:t>TD (1h)</a:t>
-          </a:r>
-          <a:endParaRPr lang="fr-FR" sz="1050" dirty="0"/>
-        </a:p>
-      </dgm:t>
-    </dgm:pt>
-    <dgm:pt modelId="{F46D7DAC-5B99-42C4-BD28-6AE792DC4878}" type="parTrans" cxnId="{50A4749E-BC07-4943-AE97-C9690A4FBCDC}">
-      <dgm:prSet/>
-      <dgm:spPr/>
-      <dgm:t>
-        <a:bodyPr/>
-        <a:lstStyle/>
-        <a:p>
-          <a:endParaRPr lang="fr-FR" sz="3600"/>
-        </a:p>
-      </dgm:t>
-    </dgm:pt>
-    <dgm:pt modelId="{19BD95F7-08B9-414D-B188-BE5DCE54EAD5}" type="sibTrans" cxnId="{50A4749E-BC07-4943-AE97-C9690A4FBCDC}">
-      <dgm:prSet/>
-      <dgm:spPr/>
-      <dgm:t>
-        <a:bodyPr/>
-        <a:lstStyle/>
-        <a:p>
-          <a:endParaRPr lang="fr-FR" sz="3600"/>
-        </a:p>
-      </dgm:t>
-    </dgm:pt>
-    <dgm:pt modelId="{3C74B643-80FE-4007-9FB0-D46F166D1975}">
-      <dgm:prSet phldrT="[Texte]" custT="1"/>
-      <dgm:spPr/>
-      <dgm:t>
-        <a:bodyPr/>
-        <a:lstStyle/>
-        <a:p>
-          <a:r>
-            <a:rPr lang="fr-FR" sz="1600" dirty="0" smtClean="0"/>
-            <a:t>Mercredi</a:t>
-          </a:r>
-          <a:endParaRPr lang="fr-FR" sz="1600" dirty="0"/>
-        </a:p>
-      </dgm:t>
-    </dgm:pt>
-    <dgm:pt modelId="{B7FA8628-7661-4231-B966-FC621EE69D37}" type="parTrans" cxnId="{9C473685-6AF5-4C80-A4E1-7BEAD5CAE4BD}">
-      <dgm:prSet/>
-      <dgm:spPr/>
-      <dgm:t>
-        <a:bodyPr/>
-        <a:lstStyle/>
-        <a:p>
-          <a:endParaRPr lang="fr-FR" sz="3600"/>
-        </a:p>
-      </dgm:t>
-    </dgm:pt>
-    <dgm:pt modelId="{6F952D6C-7C51-4229-8B4F-D8AFBC4A08FF}" type="sibTrans" cxnId="{9C473685-6AF5-4C80-A4E1-7BEAD5CAE4BD}">
-      <dgm:prSet/>
-      <dgm:spPr/>
-      <dgm:t>
-        <a:bodyPr/>
-        <a:lstStyle/>
-        <a:p>
-          <a:endParaRPr lang="fr-FR" sz="3600"/>
-        </a:p>
-      </dgm:t>
-    </dgm:pt>
-    <dgm:pt modelId="{B8EDA89E-7F8E-44AE-A699-0A203067934C}">
-      <dgm:prSet phldrT="[Texte]" custT="1"/>
-      <dgm:spPr/>
-      <dgm:t>
-        <a:bodyPr/>
-        <a:lstStyle/>
-        <a:p>
-          <a:r>
-            <a:rPr lang="fr-FR" sz="1050" dirty="0" smtClean="0"/>
-            <a:t>Colle</a:t>
-          </a:r>
-          <a:endParaRPr lang="fr-FR" sz="1050" dirty="0"/>
-        </a:p>
-      </dgm:t>
-    </dgm:pt>
-    <dgm:pt modelId="{CED3B03B-00AF-4263-82FD-DA2A38D9D691}" type="parTrans" cxnId="{547DDF64-8481-4345-8F97-67BBF1F1E81E}">
-      <dgm:prSet/>
-      <dgm:spPr/>
-      <dgm:t>
-        <a:bodyPr/>
-        <a:lstStyle/>
-        <a:p>
-          <a:endParaRPr lang="fr-FR" sz="3600"/>
-        </a:p>
-      </dgm:t>
-    </dgm:pt>
-    <dgm:pt modelId="{F8A86FD8-34B0-442D-ABD1-F8E2A9C39419}" type="sibTrans" cxnId="{547DDF64-8481-4345-8F97-67BBF1F1E81E}">
-      <dgm:prSet/>
-      <dgm:spPr/>
-      <dgm:t>
-        <a:bodyPr/>
-        <a:lstStyle/>
-        <a:p>
-          <a:endParaRPr lang="fr-FR" sz="3600"/>
-        </a:p>
-      </dgm:t>
-    </dgm:pt>
-    <dgm:pt modelId="{732A70D7-57AA-462F-B424-95C1672DBA58}">
-      <dgm:prSet phldrT="[Texte]" custT="1"/>
-      <dgm:spPr/>
-      <dgm:t>
-        <a:bodyPr/>
-        <a:lstStyle/>
-        <a:p>
-          <a:r>
-            <a:rPr lang="fr-FR" sz="1050" dirty="0" smtClean="0"/>
-            <a:t>Devoir du soir (sur le cours de la semaine)</a:t>
-          </a:r>
-          <a:endParaRPr lang="fr-FR" sz="1050" dirty="0"/>
-        </a:p>
-      </dgm:t>
-    </dgm:pt>
-    <dgm:pt modelId="{A35DD438-C6F1-44C3-B997-0621D7519DFD}" type="parTrans" cxnId="{349E1131-DD1D-4A75-B2B2-5BD82C50FD64}">
-      <dgm:prSet/>
-      <dgm:spPr/>
-      <dgm:t>
-        <a:bodyPr/>
-        <a:lstStyle/>
-        <a:p>
-          <a:endParaRPr lang="fr-FR" sz="3600"/>
-        </a:p>
-      </dgm:t>
-    </dgm:pt>
-    <dgm:pt modelId="{9096FDF1-382B-4AD3-92B2-9B11A1A6FA50}" type="sibTrans" cxnId="{349E1131-DD1D-4A75-B2B2-5BD82C50FD64}">
-      <dgm:prSet/>
-      <dgm:spPr/>
-      <dgm:t>
-        <a:bodyPr/>
-        <a:lstStyle/>
-        <a:p>
-          <a:endParaRPr lang="fr-FR" sz="3600"/>
-        </a:p>
-      </dgm:t>
-    </dgm:pt>
-    <dgm:pt modelId="{77339EB7-3D97-42B2-BB41-F1DA7E77D2F9}">
-      <dgm:prSet phldrT="[Texte]" custT="1"/>
-      <dgm:spPr/>
-      <dgm:t>
-        <a:bodyPr/>
-        <a:lstStyle/>
-        <a:p>
-          <a:r>
-            <a:rPr lang="fr-FR" sz="1600" dirty="0" smtClean="0"/>
-            <a:t>Jeudi</a:t>
-          </a:r>
-          <a:endParaRPr lang="fr-FR" sz="1600" dirty="0"/>
-        </a:p>
-      </dgm:t>
-    </dgm:pt>
-    <dgm:pt modelId="{1E69D24B-706B-4353-A2B2-FB65387E0569}" type="parTrans" cxnId="{0DA65F52-3E2B-44E7-9BBF-1291DD392748}">
-      <dgm:prSet/>
-      <dgm:spPr/>
-      <dgm:t>
-        <a:bodyPr/>
-        <a:lstStyle/>
-        <a:p>
-          <a:endParaRPr lang="fr-FR" sz="3600"/>
-        </a:p>
-      </dgm:t>
-    </dgm:pt>
-    <dgm:pt modelId="{11BF7650-7EA2-45DA-A3F4-1219449A4709}" type="sibTrans" cxnId="{0DA65F52-3E2B-44E7-9BBF-1291DD392748}">
-      <dgm:prSet/>
-      <dgm:spPr/>
-      <dgm:t>
-        <a:bodyPr/>
-        <a:lstStyle/>
-        <a:p>
-          <a:endParaRPr lang="fr-FR" sz="3600"/>
-        </a:p>
-      </dgm:t>
-    </dgm:pt>
-    <dgm:pt modelId="{9FB89A36-0EEE-4147-B38E-6AA0BE15EBDA}">
-      <dgm:prSet phldrT="[Texte]" custT="1"/>
-      <dgm:spPr/>
-      <dgm:t>
-        <a:bodyPr/>
-        <a:lstStyle/>
-        <a:p>
-          <a:r>
-            <a:rPr lang="fr-FR" sz="1600" dirty="0" smtClean="0"/>
-            <a:t>Vendredi</a:t>
-          </a:r>
-          <a:endParaRPr lang="fr-FR" sz="1600" dirty="0"/>
-        </a:p>
-      </dgm:t>
-    </dgm:pt>
-    <dgm:pt modelId="{449EADF4-4A97-4ADE-98EF-98CD3ABB364E}" type="parTrans" cxnId="{A4EA0A04-D72F-445C-AFE9-412E558308CF}">
-      <dgm:prSet/>
-      <dgm:spPr/>
-      <dgm:t>
-        <a:bodyPr/>
-        <a:lstStyle/>
-        <a:p>
-          <a:endParaRPr lang="fr-FR" sz="3600"/>
-        </a:p>
-      </dgm:t>
-    </dgm:pt>
-    <dgm:pt modelId="{185239E5-C8AF-42E5-B008-D5C65D8C47A5}" type="sibTrans" cxnId="{A4EA0A04-D72F-445C-AFE9-412E558308CF}">
-      <dgm:prSet/>
-      <dgm:spPr/>
-      <dgm:t>
-        <a:bodyPr/>
-        <a:lstStyle/>
-        <a:p>
-          <a:endParaRPr lang="fr-FR" sz="3600"/>
-        </a:p>
-      </dgm:t>
-    </dgm:pt>
-    <dgm:pt modelId="{4A3CC92A-0A13-4A1B-A50E-A66EBFF25D7D}">
-      <dgm:prSet phldrT="[Texte]" custT="1"/>
-      <dgm:spPr/>
-      <dgm:t>
-        <a:bodyPr/>
-        <a:lstStyle/>
-        <a:p>
-          <a:r>
-            <a:rPr lang="fr-FR" sz="1600" dirty="0" smtClean="0"/>
-            <a:t>Samedi</a:t>
-          </a:r>
-          <a:endParaRPr lang="fr-FR" sz="1600" dirty="0"/>
-        </a:p>
-      </dgm:t>
-    </dgm:pt>
-    <dgm:pt modelId="{3DEA74AD-B84A-4A87-B596-29EDB2BE35A6}" type="parTrans" cxnId="{5AF1953A-F0AD-46AA-92F1-B1CB82164EB1}">
-      <dgm:prSet/>
-      <dgm:spPr/>
-      <dgm:t>
-        <a:bodyPr/>
-        <a:lstStyle/>
-        <a:p>
-          <a:endParaRPr lang="fr-FR" sz="3600"/>
-        </a:p>
-      </dgm:t>
-    </dgm:pt>
-    <dgm:pt modelId="{400C1C92-1F19-4809-92E5-16A2B90D6901}" type="sibTrans" cxnId="{5AF1953A-F0AD-46AA-92F1-B1CB82164EB1}">
-      <dgm:prSet/>
-      <dgm:spPr/>
-      <dgm:t>
-        <a:bodyPr/>
-        <a:lstStyle/>
-        <a:p>
-          <a:endParaRPr lang="fr-FR" sz="3600"/>
-        </a:p>
-      </dgm:t>
-    </dgm:pt>
-    <dgm:pt modelId="{6B1ED8E1-BC78-4A78-81DD-93138B8B2263}">
-      <dgm:prSet phldrT="[Texte]" custT="1"/>
-      <dgm:spPr/>
-      <dgm:t>
-        <a:bodyPr/>
-        <a:lstStyle/>
-        <a:p>
-          <a:r>
-            <a:rPr lang="fr-FR" sz="1600" dirty="0" smtClean="0"/>
-            <a:t>Dimanche</a:t>
-          </a:r>
-          <a:endParaRPr lang="fr-FR" sz="1600" dirty="0"/>
-        </a:p>
-      </dgm:t>
-    </dgm:pt>
-    <dgm:pt modelId="{A2482158-1E8C-4D98-A286-3A43912CCDC4}" type="parTrans" cxnId="{AC13EBC1-D050-4471-A804-AA9D0A0C01F0}">
-      <dgm:prSet/>
-      <dgm:spPr/>
-      <dgm:t>
-        <a:bodyPr/>
-        <a:lstStyle/>
-        <a:p>
-          <a:endParaRPr lang="fr-FR" sz="3600"/>
-        </a:p>
-      </dgm:t>
-    </dgm:pt>
-    <dgm:pt modelId="{AAA6C421-F9EC-4DCC-9E22-A4B2D61459DB}" type="sibTrans" cxnId="{AC13EBC1-D050-4471-A804-AA9D0A0C01F0}">
-      <dgm:prSet/>
-      <dgm:spPr/>
-      <dgm:t>
-        <a:bodyPr/>
-        <a:lstStyle/>
-        <a:p>
-          <a:endParaRPr lang="fr-FR" sz="3600"/>
-        </a:p>
-      </dgm:t>
-    </dgm:pt>
-    <dgm:pt modelId="{A40BEFD5-BC45-4048-8B24-2F7479051BD6}">
-      <dgm:prSet custT="1"/>
-      <dgm:spPr/>
-      <dgm:t>
-        <a:bodyPr/>
-        <a:lstStyle/>
-        <a:p>
-          <a:r>
-            <a:rPr lang="fr-FR" sz="1050" dirty="0" smtClean="0"/>
-            <a:t>TP organisation à géométrie variable </a:t>
-          </a:r>
-          <a:r>
-            <a:rPr lang="fr-FR" sz="1050" dirty="0" smtClean="0">
-              <a:sym typeface="Wingdings" panose="05000000000000000000" pitchFamily="2" charset="2"/>
-            </a:rPr>
-            <a:t></a:t>
-          </a:r>
-          <a:endParaRPr lang="fr-FR" sz="1050" dirty="0"/>
-        </a:p>
-      </dgm:t>
-    </dgm:pt>
-    <dgm:pt modelId="{7400E96A-5A90-4E7F-A45E-CE34FB0094FB}" type="parTrans" cxnId="{EAF3F87F-E7B0-4F9A-8B18-1F7B5D949992}">
-      <dgm:prSet/>
-      <dgm:spPr/>
-      <dgm:t>
-        <a:bodyPr/>
-        <a:lstStyle/>
-        <a:p>
-          <a:endParaRPr lang="fr-FR" sz="3600"/>
-        </a:p>
-      </dgm:t>
-    </dgm:pt>
-    <dgm:pt modelId="{285060AE-308D-4846-98A5-8B2E94880E0B}" type="sibTrans" cxnId="{EAF3F87F-E7B0-4F9A-8B18-1F7B5D949992}">
-      <dgm:prSet/>
-      <dgm:spPr/>
-      <dgm:t>
-        <a:bodyPr/>
-        <a:lstStyle/>
-        <a:p>
-          <a:endParaRPr lang="fr-FR" sz="3600"/>
-        </a:p>
-      </dgm:t>
-    </dgm:pt>
-    <dgm:pt modelId="{D9DEF419-D138-41FE-851E-CDC74510A105}">
-      <dgm:prSet custT="1"/>
-      <dgm:spPr/>
-      <dgm:t>
-        <a:bodyPr/>
-        <a:lstStyle/>
-        <a:p>
-          <a:r>
-            <a:rPr lang="fr-FR" sz="1050" dirty="0" smtClean="0"/>
-            <a:t>Colle</a:t>
-          </a:r>
-          <a:endParaRPr lang="fr-FR" sz="1050" dirty="0"/>
-        </a:p>
-      </dgm:t>
-    </dgm:pt>
-    <dgm:pt modelId="{83FA2C37-01EB-4985-9737-6EE3E81C9849}" type="parTrans" cxnId="{6DB29905-7417-476F-BCCC-C52E67C05D03}">
-      <dgm:prSet/>
-      <dgm:spPr/>
-      <dgm:t>
-        <a:bodyPr/>
-        <a:lstStyle/>
-        <a:p>
-          <a:endParaRPr lang="fr-FR" sz="3600"/>
-        </a:p>
-      </dgm:t>
-    </dgm:pt>
-    <dgm:pt modelId="{D4CF7BED-6015-474A-BC41-2D6F79161D22}" type="sibTrans" cxnId="{6DB29905-7417-476F-BCCC-C52E67C05D03}">
-      <dgm:prSet/>
-      <dgm:spPr/>
-      <dgm:t>
-        <a:bodyPr/>
-        <a:lstStyle/>
-        <a:p>
-          <a:endParaRPr lang="fr-FR" sz="3600"/>
-        </a:p>
-      </dgm:t>
-    </dgm:pt>
-    <dgm:pt modelId="{DA8565ED-B2CF-404B-9B88-B2EF6BDD6BF9}">
-      <dgm:prSet phldrT="[Texte]" custT="1"/>
-      <dgm:spPr/>
-      <dgm:t>
-        <a:bodyPr/>
-        <a:lstStyle/>
-        <a:p>
-          <a:r>
-            <a:rPr lang="fr-FR" sz="1050" dirty="0" smtClean="0"/>
-            <a:t>Devoir du soir (sur le cours de la semaine)</a:t>
-          </a:r>
-          <a:endParaRPr lang="fr-FR" sz="1050" dirty="0"/>
-        </a:p>
-      </dgm:t>
-    </dgm:pt>
-    <dgm:pt modelId="{8C899E2D-3787-4781-8F41-D8D05958684E}" type="parTrans" cxnId="{342277B8-5C62-4541-A2D1-98E6E96391A2}">
-      <dgm:prSet/>
-      <dgm:spPr/>
-      <dgm:t>
-        <a:bodyPr/>
-        <a:lstStyle/>
-        <a:p>
-          <a:endParaRPr lang="fr-FR" sz="3600"/>
-        </a:p>
-      </dgm:t>
-    </dgm:pt>
-    <dgm:pt modelId="{3F62C1EB-316E-4621-8388-00C6CAB82DD1}" type="sibTrans" cxnId="{342277B8-5C62-4541-A2D1-98E6E96391A2}">
-      <dgm:prSet/>
-      <dgm:spPr/>
-      <dgm:t>
-        <a:bodyPr/>
-        <a:lstStyle/>
-        <a:p>
-          <a:endParaRPr lang="fr-FR" sz="3600"/>
-        </a:p>
-      </dgm:t>
-    </dgm:pt>
-    <dgm:pt modelId="{CB19EA66-1FC5-4EDD-9580-E3332C45FEB6}">
-      <dgm:prSet custT="1"/>
-      <dgm:spPr/>
-      <dgm:t>
-        <a:bodyPr/>
-        <a:lstStyle/>
-        <a:p>
-          <a:r>
-            <a:rPr lang="fr-FR" sz="1050" dirty="0" smtClean="0"/>
-            <a:t>Devoir du soir (Révision Sup)</a:t>
-          </a:r>
-          <a:endParaRPr lang="fr-FR" sz="1050" dirty="0"/>
-        </a:p>
-      </dgm:t>
-    </dgm:pt>
-    <dgm:pt modelId="{2DDEC189-843E-4B26-9C65-CFC244F38A46}" type="parTrans" cxnId="{F537C272-05E2-458E-8FE5-139A2E2A2EB8}">
-      <dgm:prSet/>
-      <dgm:spPr/>
-      <dgm:t>
-        <a:bodyPr/>
-        <a:lstStyle/>
-        <a:p>
-          <a:endParaRPr lang="fr-FR" sz="3600"/>
-        </a:p>
-      </dgm:t>
-    </dgm:pt>
-    <dgm:pt modelId="{79934201-009A-4DA0-BFDA-EECEF07DBC56}" type="sibTrans" cxnId="{F537C272-05E2-458E-8FE5-139A2E2A2EB8}">
-      <dgm:prSet/>
-      <dgm:spPr/>
-      <dgm:t>
-        <a:bodyPr/>
-        <a:lstStyle/>
-        <a:p>
-          <a:endParaRPr lang="fr-FR" sz="3600"/>
-        </a:p>
-      </dgm:t>
-    </dgm:pt>
-    <dgm:pt modelId="{EC58611F-E584-4173-AF30-D2FE585ED2F7}">
-      <dgm:prSet custT="1"/>
-      <dgm:spPr/>
-      <dgm:t>
-        <a:bodyPr/>
-        <a:lstStyle/>
-        <a:p>
-          <a:r>
-            <a:rPr lang="fr-FR" sz="1050" dirty="0" smtClean="0"/>
-            <a:t>Lecture du cours (du mardi)</a:t>
-          </a:r>
-          <a:endParaRPr lang="fr-FR" sz="1050" dirty="0"/>
-        </a:p>
-      </dgm:t>
-    </dgm:pt>
-    <dgm:pt modelId="{0CA42739-8AC8-46B0-92E5-5E3C58ED184C}" type="parTrans" cxnId="{9D0D746D-632F-4DB6-85D2-98458FE6B157}">
-      <dgm:prSet/>
-      <dgm:spPr/>
-      <dgm:t>
-        <a:bodyPr/>
-        <a:lstStyle/>
-        <a:p>
-          <a:endParaRPr lang="fr-FR" sz="3600"/>
-        </a:p>
-      </dgm:t>
-    </dgm:pt>
-    <dgm:pt modelId="{EBD5F202-37A3-4D29-B73E-878E5C8616AE}" type="sibTrans" cxnId="{9D0D746D-632F-4DB6-85D2-98458FE6B157}">
-      <dgm:prSet/>
-      <dgm:spPr/>
-      <dgm:t>
-        <a:bodyPr/>
-        <a:lstStyle/>
-        <a:p>
-          <a:endParaRPr lang="fr-FR" sz="3600"/>
-        </a:p>
-      </dgm:t>
-    </dgm:pt>
-    <dgm:pt modelId="{AB7DCAC9-011C-4FEB-806D-18BDE3D6A956}">
-      <dgm:prSet custT="1"/>
-      <dgm:spPr/>
-      <dgm:t>
-        <a:bodyPr/>
-        <a:lstStyle/>
-        <a:p>
-          <a:r>
-            <a:rPr lang="fr-FR" sz="1050" dirty="0" smtClean="0"/>
-            <a:t>Devoir du soir</a:t>
-          </a:r>
-          <a:endParaRPr lang="fr-FR" sz="1050" dirty="0"/>
-        </a:p>
-      </dgm:t>
-    </dgm:pt>
-    <dgm:pt modelId="{82AF1EA9-6A0A-4559-A550-6BDF0DF897B3}" type="parTrans" cxnId="{72CC33C2-1A72-4A91-B2F1-93BD599E958D}">
-      <dgm:prSet/>
-      <dgm:spPr/>
-      <dgm:t>
-        <a:bodyPr/>
-        <a:lstStyle/>
-        <a:p>
-          <a:endParaRPr lang="fr-FR" sz="3600"/>
-        </a:p>
-      </dgm:t>
-    </dgm:pt>
-    <dgm:pt modelId="{9485809D-E4EE-45DA-BD88-0AB4B739123F}" type="sibTrans" cxnId="{72CC33C2-1A72-4A91-B2F1-93BD599E958D}">
-      <dgm:prSet/>
-      <dgm:spPr/>
-      <dgm:t>
-        <a:bodyPr/>
-        <a:lstStyle/>
-        <a:p>
-          <a:endParaRPr lang="fr-FR" sz="3600"/>
-        </a:p>
-      </dgm:t>
-    </dgm:pt>
-    <dgm:pt modelId="{B40F9859-46C7-43D9-856A-E681CE783A5C}">
-      <dgm:prSet phldrT="[Texte]" custT="1"/>
-      <dgm:spPr/>
-      <dgm:t>
-        <a:bodyPr/>
-        <a:lstStyle/>
-        <a:p>
-          <a:r>
-            <a:rPr lang="fr-FR" sz="1050" dirty="0" smtClean="0"/>
-            <a:t>Réponses aux questions</a:t>
-          </a:r>
-          <a:endParaRPr lang="fr-FR" sz="1050" dirty="0"/>
-        </a:p>
-      </dgm:t>
-    </dgm:pt>
-    <dgm:pt modelId="{AA01302C-68D0-44CB-8C8A-4F5248B26303}" type="parTrans" cxnId="{82F1F98B-AA1C-4265-BB52-17968C0B4ACB}">
-      <dgm:prSet/>
-      <dgm:spPr/>
-      <dgm:t>
-        <a:bodyPr/>
-        <a:lstStyle/>
-        <a:p>
-          <a:endParaRPr lang="fr-FR" sz="3600"/>
-        </a:p>
-      </dgm:t>
-    </dgm:pt>
-    <dgm:pt modelId="{F350DC72-D52B-48E3-AAFC-D6B62C60EA1B}" type="sibTrans" cxnId="{82F1F98B-AA1C-4265-BB52-17968C0B4ACB}">
-      <dgm:prSet/>
-      <dgm:spPr/>
-      <dgm:t>
-        <a:bodyPr/>
-        <a:lstStyle/>
-        <a:p>
-          <a:endParaRPr lang="fr-FR" sz="3600"/>
-        </a:p>
-      </dgm:t>
-    </dgm:pt>
-    <dgm:pt modelId="{870A194F-E8BA-487A-9CFA-36C61E802BDE}">
-      <dgm:prSet phldrT="[Texte]" custT="1"/>
-      <dgm:spPr/>
-      <dgm:t>
-        <a:bodyPr/>
-        <a:lstStyle/>
-        <a:p>
-          <a:r>
-            <a:rPr lang="fr-FR" sz="1050" dirty="0" smtClean="0"/>
-            <a:t>Exercices d’application</a:t>
-          </a:r>
-          <a:endParaRPr lang="fr-FR" sz="1050" dirty="0"/>
-        </a:p>
-      </dgm:t>
-    </dgm:pt>
-    <dgm:pt modelId="{B5D4BA33-1D24-409B-A966-136960610FD4}" type="parTrans" cxnId="{334F2A8A-8CEB-48CA-ADAC-98629BD2B163}">
-      <dgm:prSet/>
-      <dgm:spPr/>
-      <dgm:t>
-        <a:bodyPr/>
-        <a:lstStyle/>
-        <a:p>
-          <a:endParaRPr lang="fr-FR" sz="3600"/>
-        </a:p>
-      </dgm:t>
-    </dgm:pt>
-    <dgm:pt modelId="{CA037BE7-687F-47A5-BE2E-46D2E8C515CD}" type="sibTrans" cxnId="{334F2A8A-8CEB-48CA-ADAC-98629BD2B163}">
-      <dgm:prSet/>
-      <dgm:spPr/>
-      <dgm:t>
-        <a:bodyPr/>
-        <a:lstStyle/>
-        <a:p>
-          <a:endParaRPr lang="fr-FR" sz="3600"/>
-        </a:p>
-      </dgm:t>
-    </dgm:pt>
-    <dgm:pt modelId="{DB94D76E-767C-41FD-A202-81DBF3EFC15B}">
-      <dgm:prSet phldrT="[Texte]" custT="1"/>
-      <dgm:spPr/>
-      <dgm:t>
-        <a:bodyPr/>
-        <a:lstStyle/>
-        <a:p>
-          <a:r>
-            <a:rPr lang="fr-FR" sz="1050" dirty="0" smtClean="0"/>
-            <a:t>Travail en groupe, pas de correction au tableau</a:t>
-          </a:r>
-          <a:endParaRPr lang="fr-FR" sz="1050" dirty="0"/>
-        </a:p>
-      </dgm:t>
-    </dgm:pt>
-    <dgm:pt modelId="{4BFCE2FD-8EFF-4915-BD3B-3778F8C9D2A2}" type="parTrans" cxnId="{E9655302-B59B-415E-847C-E9783786FD24}">
-      <dgm:prSet/>
-      <dgm:spPr/>
-      <dgm:t>
-        <a:bodyPr/>
-        <a:lstStyle/>
-        <a:p>
-          <a:endParaRPr lang="fr-FR"/>
-        </a:p>
-      </dgm:t>
-    </dgm:pt>
-    <dgm:pt modelId="{C718EAC8-CFF7-4C9D-9EF8-8EDCE548DB53}" type="sibTrans" cxnId="{E9655302-B59B-415E-847C-E9783786FD24}">
-      <dgm:prSet/>
-      <dgm:spPr/>
-      <dgm:t>
-        <a:bodyPr/>
-        <a:lstStyle/>
-        <a:p>
-          <a:endParaRPr lang="fr-FR"/>
-        </a:p>
-      </dgm:t>
-    </dgm:pt>
-    <dgm:pt modelId="{9922386E-ACED-4C10-BA88-511A4AD1F234}">
-      <dgm:prSet custT="1"/>
-      <dgm:spPr/>
-      <dgm:t>
-        <a:bodyPr/>
-        <a:lstStyle/>
-        <a:p>
-          <a:r>
-            <a:rPr lang="fr-FR" sz="1050" dirty="0" smtClean="0"/>
-            <a:t>(Révision Sup)</a:t>
-          </a:r>
-          <a:endParaRPr lang="fr-FR" sz="1050" dirty="0"/>
-        </a:p>
-      </dgm:t>
-    </dgm:pt>
-    <dgm:pt modelId="{E9C1C605-EA98-494E-82D5-58FEC7EDEF9D}" type="parTrans" cxnId="{966DA5D7-01C7-43A8-9B58-E11CDB6998F9}">
-      <dgm:prSet/>
-      <dgm:spPr/>
-      <dgm:t>
-        <a:bodyPr/>
-        <a:lstStyle/>
-        <a:p>
-          <a:endParaRPr lang="fr-FR"/>
-        </a:p>
-      </dgm:t>
-    </dgm:pt>
-    <dgm:pt modelId="{64F33CB9-A6F9-4197-99EB-1E074B308FFC}" type="sibTrans" cxnId="{966DA5D7-01C7-43A8-9B58-E11CDB6998F9}">
-      <dgm:prSet/>
-      <dgm:spPr/>
-      <dgm:t>
-        <a:bodyPr/>
-        <a:lstStyle/>
-        <a:p>
-          <a:endParaRPr lang="fr-FR"/>
-        </a:p>
-      </dgm:t>
-    </dgm:pt>
-    <dgm:pt modelId="{3F33E216-90DD-40D0-AF92-45A2BE8EAE1A}" type="pres">
-      <dgm:prSet presAssocID="{7E20A5FC-0273-40CD-89F2-053CAB6583FE}" presName="linearFlow" presStyleCnt="0">
-        <dgm:presLayoutVars>
-          <dgm:dir/>
-          <dgm:animLvl val="lvl"/>
-          <dgm:resizeHandles val="exact"/>
-        </dgm:presLayoutVars>
-      </dgm:prSet>
-      <dgm:spPr/>
-    </dgm:pt>
-    <dgm:pt modelId="{E26D7BC0-2D46-4D9A-BDE3-27607C397756}" type="pres">
-      <dgm:prSet presAssocID="{C07A4D4E-1F57-4DAC-9444-D904B093352B}" presName="composite" presStyleCnt="0"/>
-      <dgm:spPr/>
-    </dgm:pt>
-    <dgm:pt modelId="{E011FCA7-DB8E-4BAA-8092-DC2BC4862BA4}" type="pres">
-      <dgm:prSet presAssocID="{C07A4D4E-1F57-4DAC-9444-D904B093352B}" presName="parentText" presStyleLbl="alignNode1" presStyleIdx="0" presStyleCnt="7">
-        <dgm:presLayoutVars>
-          <dgm:chMax val="1"/>
-          <dgm:bulletEnabled val="1"/>
-        </dgm:presLayoutVars>
-      </dgm:prSet>
-      <dgm:spPr/>
-      <dgm:t>
-        <a:bodyPr/>
-        <a:lstStyle/>
-        <a:p>
-          <a:endParaRPr lang="fr-FR"/>
-        </a:p>
-      </dgm:t>
-    </dgm:pt>
-    <dgm:pt modelId="{28DC3CE0-3193-466C-894D-80050B24E5DA}" type="pres">
-      <dgm:prSet presAssocID="{C07A4D4E-1F57-4DAC-9444-D904B093352B}" presName="descendantText" presStyleLbl="alignAcc1" presStyleIdx="0" presStyleCnt="7">
-        <dgm:presLayoutVars>
-          <dgm:bulletEnabled val="1"/>
-        </dgm:presLayoutVars>
-      </dgm:prSet>
-      <dgm:spPr/>
-      <dgm:t>
-        <a:bodyPr/>
-        <a:lstStyle/>
-        <a:p>
-          <a:endParaRPr lang="fr-FR"/>
-        </a:p>
-      </dgm:t>
-    </dgm:pt>
-    <dgm:pt modelId="{5BC16E71-8F1A-477A-A6BA-F204F3A6EA14}" type="pres">
-      <dgm:prSet presAssocID="{011D8FF6-3C95-469C-9B31-5369C4E2E1B8}" presName="sp" presStyleCnt="0"/>
-      <dgm:spPr/>
-    </dgm:pt>
-    <dgm:pt modelId="{8172ED90-5200-4FCD-9525-5B712E417105}" type="pres">
-      <dgm:prSet presAssocID="{AD9D62D7-1F99-4D89-89C6-0A38338357A0}" presName="composite" presStyleCnt="0"/>
-      <dgm:spPr/>
-    </dgm:pt>
-    <dgm:pt modelId="{266A5E94-14C9-415A-8105-BDE6727986AB}" type="pres">
-      <dgm:prSet presAssocID="{AD9D62D7-1F99-4D89-89C6-0A38338357A0}" presName="parentText" presStyleLbl="alignNode1" presStyleIdx="1" presStyleCnt="7">
-        <dgm:presLayoutVars>
-          <dgm:chMax val="1"/>
-          <dgm:bulletEnabled val="1"/>
-        </dgm:presLayoutVars>
-      </dgm:prSet>
-      <dgm:spPr/>
-    </dgm:pt>
-    <dgm:pt modelId="{06D5105E-114A-40BA-ACE5-A6DCE207A378}" type="pres">
-      <dgm:prSet presAssocID="{AD9D62D7-1F99-4D89-89C6-0A38338357A0}" presName="descendantText" presStyleLbl="alignAcc1" presStyleIdx="1" presStyleCnt="7">
-        <dgm:presLayoutVars>
-          <dgm:bulletEnabled val="1"/>
-        </dgm:presLayoutVars>
-      </dgm:prSet>
-      <dgm:spPr/>
-      <dgm:t>
-        <a:bodyPr/>
-        <a:lstStyle/>
-        <a:p>
-          <a:endParaRPr lang="fr-FR"/>
-        </a:p>
-      </dgm:t>
-    </dgm:pt>
-    <dgm:pt modelId="{04B3CCCD-497B-48CB-A93F-7122882EF4D2}" type="pres">
-      <dgm:prSet presAssocID="{F8A4A5CA-3159-49AB-90FD-CD1980E80B50}" presName="sp" presStyleCnt="0"/>
-      <dgm:spPr/>
-    </dgm:pt>
-    <dgm:pt modelId="{9A9AB5FB-D55D-4DCC-87B4-87653FAAE728}" type="pres">
-      <dgm:prSet presAssocID="{3C74B643-80FE-4007-9FB0-D46F166D1975}" presName="composite" presStyleCnt="0"/>
-      <dgm:spPr/>
-    </dgm:pt>
-    <dgm:pt modelId="{4B17D4C9-4F1B-407D-8E0D-00D37DE42A0C}" type="pres">
-      <dgm:prSet presAssocID="{3C74B643-80FE-4007-9FB0-D46F166D1975}" presName="parentText" presStyleLbl="alignNode1" presStyleIdx="2" presStyleCnt="7">
-        <dgm:presLayoutVars>
-          <dgm:chMax val="1"/>
-          <dgm:bulletEnabled val="1"/>
-        </dgm:presLayoutVars>
-      </dgm:prSet>
-      <dgm:spPr/>
-      <dgm:t>
-        <a:bodyPr/>
-        <a:lstStyle/>
-        <a:p>
-          <a:endParaRPr lang="fr-FR"/>
-        </a:p>
-      </dgm:t>
-    </dgm:pt>
-    <dgm:pt modelId="{D0E00011-FA70-4FBB-9146-AD04318BD5DA}" type="pres">
-      <dgm:prSet presAssocID="{3C74B643-80FE-4007-9FB0-D46F166D1975}" presName="descendantText" presStyleLbl="alignAcc1" presStyleIdx="2" presStyleCnt="7" custLinFactNeighborX="33170" custLinFactNeighborY="7175">
-        <dgm:presLayoutVars>
-          <dgm:bulletEnabled val="1"/>
-        </dgm:presLayoutVars>
-      </dgm:prSet>
-      <dgm:spPr/>
-      <dgm:t>
-        <a:bodyPr/>
-        <a:lstStyle/>
-        <a:p>
-          <a:endParaRPr lang="fr-FR"/>
-        </a:p>
-      </dgm:t>
-    </dgm:pt>
-    <dgm:pt modelId="{75F6E3B6-E514-47E6-BED7-236B77CB45D4}" type="pres">
-      <dgm:prSet presAssocID="{6F952D6C-7C51-4229-8B4F-D8AFBC4A08FF}" presName="sp" presStyleCnt="0"/>
-      <dgm:spPr/>
-    </dgm:pt>
-    <dgm:pt modelId="{5C840B8F-0FA1-477F-961A-444F16FF4BA7}" type="pres">
-      <dgm:prSet presAssocID="{77339EB7-3D97-42B2-BB41-F1DA7E77D2F9}" presName="composite" presStyleCnt="0"/>
-      <dgm:spPr/>
-    </dgm:pt>
-    <dgm:pt modelId="{93432DA5-C4BB-4E0D-A925-4053920073DA}" type="pres">
-      <dgm:prSet presAssocID="{77339EB7-3D97-42B2-BB41-F1DA7E77D2F9}" presName="parentText" presStyleLbl="alignNode1" presStyleIdx="3" presStyleCnt="7">
-        <dgm:presLayoutVars>
-          <dgm:chMax val="1"/>
-          <dgm:bulletEnabled val="1"/>
-        </dgm:presLayoutVars>
-      </dgm:prSet>
-      <dgm:spPr/>
-      <dgm:t>
-        <a:bodyPr/>
-        <a:lstStyle/>
-        <a:p>
-          <a:endParaRPr lang="fr-FR"/>
-        </a:p>
-      </dgm:t>
-    </dgm:pt>
-    <dgm:pt modelId="{D7CF852B-8E7A-4965-BF56-4F15593C1C8A}" type="pres">
-      <dgm:prSet presAssocID="{77339EB7-3D97-42B2-BB41-F1DA7E77D2F9}" presName="descendantText" presStyleLbl="alignAcc1" presStyleIdx="3" presStyleCnt="7">
-        <dgm:presLayoutVars>
-          <dgm:bulletEnabled val="1"/>
-        </dgm:presLayoutVars>
-      </dgm:prSet>
-      <dgm:spPr/>
-      <dgm:t>
-        <a:bodyPr/>
-        <a:lstStyle/>
-        <a:p>
-          <a:endParaRPr lang="fr-FR"/>
-        </a:p>
-      </dgm:t>
-    </dgm:pt>
-    <dgm:pt modelId="{A187A16F-2A77-43BB-9881-30EF6EC02091}" type="pres">
-      <dgm:prSet presAssocID="{11BF7650-7EA2-45DA-A3F4-1219449A4709}" presName="sp" presStyleCnt="0"/>
-      <dgm:spPr/>
-    </dgm:pt>
-    <dgm:pt modelId="{18A0F09F-848A-428C-83F8-BC8BF7D1641E}" type="pres">
-      <dgm:prSet presAssocID="{9FB89A36-0EEE-4147-B38E-6AA0BE15EBDA}" presName="composite" presStyleCnt="0"/>
-      <dgm:spPr/>
-    </dgm:pt>
-    <dgm:pt modelId="{537375AC-3E85-4320-91D1-954E099E0ED6}" type="pres">
-      <dgm:prSet presAssocID="{9FB89A36-0EEE-4147-B38E-6AA0BE15EBDA}" presName="parentText" presStyleLbl="alignNode1" presStyleIdx="4" presStyleCnt="7">
-        <dgm:presLayoutVars>
-          <dgm:chMax val="1"/>
-          <dgm:bulletEnabled val="1"/>
-        </dgm:presLayoutVars>
-      </dgm:prSet>
-      <dgm:spPr/>
-      <dgm:t>
-        <a:bodyPr/>
-        <a:lstStyle/>
-        <a:p>
-          <a:endParaRPr lang="fr-FR"/>
-        </a:p>
-      </dgm:t>
-    </dgm:pt>
-    <dgm:pt modelId="{202FA6AE-2DDF-45F4-913E-F7845EBFB6A6}" type="pres">
-      <dgm:prSet presAssocID="{9FB89A36-0EEE-4147-B38E-6AA0BE15EBDA}" presName="descendantText" presStyleLbl="alignAcc1" presStyleIdx="4" presStyleCnt="7">
-        <dgm:presLayoutVars>
-          <dgm:bulletEnabled val="1"/>
-        </dgm:presLayoutVars>
-      </dgm:prSet>
-      <dgm:spPr/>
-      <dgm:t>
-        <a:bodyPr/>
-        <a:lstStyle/>
-        <a:p>
-          <a:endParaRPr lang="fr-FR"/>
-        </a:p>
-      </dgm:t>
-    </dgm:pt>
-    <dgm:pt modelId="{A4B0B0E2-58F1-48E2-A0C3-886950A2B1F0}" type="pres">
-      <dgm:prSet presAssocID="{185239E5-C8AF-42E5-B008-D5C65D8C47A5}" presName="sp" presStyleCnt="0"/>
-      <dgm:spPr/>
-    </dgm:pt>
-    <dgm:pt modelId="{9151EA62-BF1B-475D-8CC0-DD2D014EFDEF}" type="pres">
-      <dgm:prSet presAssocID="{4A3CC92A-0A13-4A1B-A50E-A66EBFF25D7D}" presName="composite" presStyleCnt="0"/>
-      <dgm:spPr/>
-    </dgm:pt>
-    <dgm:pt modelId="{95F1E751-A099-4D9D-88C4-E602AD448B8C}" type="pres">
-      <dgm:prSet presAssocID="{4A3CC92A-0A13-4A1B-A50E-A66EBFF25D7D}" presName="parentText" presStyleLbl="alignNode1" presStyleIdx="5" presStyleCnt="7">
-        <dgm:presLayoutVars>
-          <dgm:chMax val="1"/>
-          <dgm:bulletEnabled val="1"/>
-        </dgm:presLayoutVars>
-      </dgm:prSet>
-      <dgm:spPr/>
-      <dgm:t>
-        <a:bodyPr/>
-        <a:lstStyle/>
-        <a:p>
-          <a:endParaRPr lang="fr-FR"/>
-        </a:p>
-      </dgm:t>
-    </dgm:pt>
-    <dgm:pt modelId="{858E6D29-F598-4C6A-9026-D912C022C231}" type="pres">
-      <dgm:prSet presAssocID="{4A3CC92A-0A13-4A1B-A50E-A66EBFF25D7D}" presName="descendantText" presStyleLbl="alignAcc1" presStyleIdx="5" presStyleCnt="7">
-        <dgm:presLayoutVars>
-          <dgm:bulletEnabled val="1"/>
-        </dgm:presLayoutVars>
-      </dgm:prSet>
-      <dgm:spPr/>
-    </dgm:pt>
-    <dgm:pt modelId="{C1CA6282-E2B5-4402-AB99-9AF587A6444A}" type="pres">
-      <dgm:prSet presAssocID="{400C1C92-1F19-4809-92E5-16A2B90D6901}" presName="sp" presStyleCnt="0"/>
-      <dgm:spPr/>
-    </dgm:pt>
-    <dgm:pt modelId="{12BB2D59-0EAB-45F8-BCE7-F7C55A5A2387}" type="pres">
-      <dgm:prSet presAssocID="{6B1ED8E1-BC78-4A78-81DD-93138B8B2263}" presName="composite" presStyleCnt="0"/>
-      <dgm:spPr/>
-    </dgm:pt>
-    <dgm:pt modelId="{B7F01B2B-FAF6-42FD-9911-1DA7AE44FE30}" type="pres">
-      <dgm:prSet presAssocID="{6B1ED8E1-BC78-4A78-81DD-93138B8B2263}" presName="parentText" presStyleLbl="alignNode1" presStyleIdx="6" presStyleCnt="7">
-        <dgm:presLayoutVars>
-          <dgm:chMax val="1"/>
-          <dgm:bulletEnabled val="1"/>
-        </dgm:presLayoutVars>
-      </dgm:prSet>
-      <dgm:spPr/>
-      <dgm:t>
-        <a:bodyPr/>
-        <a:lstStyle/>
-        <a:p>
-          <a:endParaRPr lang="fr-FR"/>
-        </a:p>
-      </dgm:t>
-    </dgm:pt>
-    <dgm:pt modelId="{6BF9DE3A-8408-47E6-95C4-9D68C0B59118}" type="pres">
-      <dgm:prSet presAssocID="{6B1ED8E1-BC78-4A78-81DD-93138B8B2263}" presName="descendantText" presStyleLbl="alignAcc1" presStyleIdx="6" presStyleCnt="7">
-        <dgm:presLayoutVars>
-          <dgm:bulletEnabled val="1"/>
-        </dgm:presLayoutVars>
-      </dgm:prSet>
-      <dgm:spPr/>
-    </dgm:pt>
-  </dgm:ptLst>
-  <dgm:cxnLst>
-    <dgm:cxn modelId="{AC13EBC1-D050-4471-A804-AA9D0A0C01F0}" srcId="{7E20A5FC-0273-40CD-89F2-053CAB6583FE}" destId="{6B1ED8E1-BC78-4A78-81DD-93138B8B2263}" srcOrd="6" destOrd="0" parTransId="{A2482158-1E8C-4D98-A286-3A43912CCDC4}" sibTransId="{AAA6C421-F9EC-4DCC-9E22-A4B2D61459DB}"/>
-    <dgm:cxn modelId="{88BE21C1-B726-41BC-8E7B-D1A3657AAC5F}" type="presOf" srcId="{0314623C-C841-43FB-80DA-8D2A3985605B}" destId="{28DC3CE0-3193-466C-894D-80050B24E5DA}" srcOrd="0" destOrd="0" presId="urn:microsoft.com/office/officeart/2005/8/layout/chevron2"/>
-    <dgm:cxn modelId="{ADED19CC-1C78-4ADB-9145-67DF1B93B17B}" srcId="{C07A4D4E-1F57-4DAC-9444-D904B093352B}" destId="{0314623C-C841-43FB-80DA-8D2A3985605B}" srcOrd="0" destOrd="0" parTransId="{374F48A8-C9B9-4DE1-A695-EE4AE5E69D9C}" sibTransId="{5BE30A2B-D9DA-4B95-AF37-99EC60D806BB}"/>
-    <dgm:cxn modelId="{C68F6B10-1A5C-488C-8945-4D2B29E6D751}" type="presOf" srcId="{AD9D62D7-1F99-4D89-89C6-0A38338357A0}" destId="{266A5E94-14C9-415A-8105-BDE6727986AB}" srcOrd="0" destOrd="0" presId="urn:microsoft.com/office/officeart/2005/8/layout/chevron2"/>
-    <dgm:cxn modelId="{0DA65F52-3E2B-44E7-9BBF-1291DD392748}" srcId="{7E20A5FC-0273-40CD-89F2-053CAB6583FE}" destId="{77339EB7-3D97-42B2-BB41-F1DA7E77D2F9}" srcOrd="3" destOrd="0" parTransId="{1E69D24B-706B-4353-A2B2-FB65387E0569}" sibTransId="{11BF7650-7EA2-45DA-A3F4-1219449A4709}"/>
-    <dgm:cxn modelId="{675ADC43-3724-45C5-81CA-A8F5740AEDC4}" type="presOf" srcId="{CB19EA66-1FC5-4EDD-9580-E3332C45FEB6}" destId="{D7CF852B-8E7A-4965-BF56-4F15593C1C8A}" srcOrd="0" destOrd="0" presId="urn:microsoft.com/office/officeart/2005/8/layout/chevron2"/>
-    <dgm:cxn modelId="{9B25F1BD-03C2-45E9-AA96-67EB13544757}" srcId="{AD9D62D7-1F99-4D89-89C6-0A38338357A0}" destId="{4A031B29-F710-4D37-9F06-A1DF78714540}" srcOrd="0" destOrd="0" parTransId="{A299B8BF-8805-4A60-BF92-393D78006AF6}" sibTransId="{AFEEF681-A582-4C0D-BF18-F9146FA61BEB}"/>
-    <dgm:cxn modelId="{9C473685-6AF5-4C80-A4E1-7BEAD5CAE4BD}" srcId="{7E20A5FC-0273-40CD-89F2-053CAB6583FE}" destId="{3C74B643-80FE-4007-9FB0-D46F166D1975}" srcOrd="2" destOrd="0" parTransId="{B7FA8628-7661-4231-B966-FC621EE69D37}" sibTransId="{6F952D6C-7C51-4229-8B4F-D8AFBC4A08FF}"/>
-    <dgm:cxn modelId="{D3964954-F2E2-4428-887D-FA323B4C988F}" srcId="{C07A4D4E-1F57-4DAC-9444-D904B093352B}" destId="{29986421-EAF9-4B01-97C1-4B8FCF0CBE89}" srcOrd="1" destOrd="0" parTransId="{84F1F3AA-3D7E-418A-A916-66F655C69EEF}" sibTransId="{005C9155-6AF6-406A-8094-4C141D497761}"/>
-    <dgm:cxn modelId="{A4EA0A04-D72F-445C-AFE9-412E558308CF}" srcId="{7E20A5FC-0273-40CD-89F2-053CAB6583FE}" destId="{9FB89A36-0EEE-4147-B38E-6AA0BE15EBDA}" srcOrd="4" destOrd="0" parTransId="{449EADF4-4A97-4ADE-98EF-98CD3ABB364E}" sibTransId="{185239E5-C8AF-42E5-B008-D5C65D8C47A5}"/>
-    <dgm:cxn modelId="{334F2A8A-8CEB-48CA-ADAC-98629BD2B163}" srcId="{4A031B29-F710-4D37-9F06-A1DF78714540}" destId="{870A194F-E8BA-487A-9CFA-36C61E802BDE}" srcOrd="1" destOrd="0" parTransId="{B5D4BA33-1D24-409B-A966-136960610FD4}" sibTransId="{CA037BE7-687F-47A5-BE2E-46D2E8C515CD}"/>
-    <dgm:cxn modelId="{5AF1953A-F0AD-46AA-92F1-B1CB82164EB1}" srcId="{7E20A5FC-0273-40CD-89F2-053CAB6583FE}" destId="{4A3CC92A-0A13-4A1B-A50E-A66EBFF25D7D}" srcOrd="5" destOrd="0" parTransId="{3DEA74AD-B84A-4A87-B596-29EDB2BE35A6}" sibTransId="{400C1C92-1F19-4809-92E5-16A2B90D6901}"/>
-    <dgm:cxn modelId="{074CD0B7-BC77-4E42-BD21-6FE693EDC3FC}" type="presOf" srcId="{C07A4D4E-1F57-4DAC-9444-D904B093352B}" destId="{E011FCA7-DB8E-4BAA-8092-DC2BC4862BA4}" srcOrd="0" destOrd="0" presId="urn:microsoft.com/office/officeart/2005/8/layout/chevron2"/>
-    <dgm:cxn modelId="{A398B666-DB7C-4743-9E7C-8114A4063720}" type="presOf" srcId="{A40BEFD5-BC45-4048-8B24-2F7479051BD6}" destId="{202FA6AE-2DDF-45F4-913E-F7845EBFB6A6}" srcOrd="0" destOrd="0" presId="urn:microsoft.com/office/officeart/2005/8/layout/chevron2"/>
-    <dgm:cxn modelId="{349E1131-DD1D-4A75-B2B2-5BD82C50FD64}" srcId="{3C74B643-80FE-4007-9FB0-D46F166D1975}" destId="{732A70D7-57AA-462F-B424-95C1672DBA58}" srcOrd="1" destOrd="0" parTransId="{A35DD438-C6F1-44C3-B997-0621D7519DFD}" sibTransId="{9096FDF1-382B-4AD3-92B2-9B11A1A6FA50}"/>
-    <dgm:cxn modelId="{342277B8-5C62-4541-A2D1-98E6E96391A2}" srcId="{AD9D62D7-1F99-4D89-89C6-0A38338357A0}" destId="{DA8565ED-B2CF-404B-9B88-B2EF6BDD6BF9}" srcOrd="2" destOrd="0" parTransId="{8C899E2D-3787-4781-8F41-D8D05958684E}" sibTransId="{3F62C1EB-316E-4621-8388-00C6CAB82DD1}"/>
-    <dgm:cxn modelId="{9F2022DD-806C-4BE2-91FE-40B7BA6C0632}" type="presOf" srcId="{B8EDA89E-7F8E-44AE-A699-0A203067934C}" destId="{D0E00011-FA70-4FBB-9146-AD04318BD5DA}" srcOrd="0" destOrd="0" presId="urn:microsoft.com/office/officeart/2005/8/layout/chevron2"/>
-    <dgm:cxn modelId="{B143CB23-D906-4EE6-A051-3502337598BD}" type="presOf" srcId="{77339EB7-3D97-42B2-BB41-F1DA7E77D2F9}" destId="{93432DA5-C4BB-4E0D-A925-4053920073DA}" srcOrd="0" destOrd="0" presId="urn:microsoft.com/office/officeart/2005/8/layout/chevron2"/>
-    <dgm:cxn modelId="{966DA5D7-01C7-43A8-9B58-E11CDB6998F9}" srcId="{9FB89A36-0EEE-4147-B38E-6AA0BE15EBDA}" destId="{9922386E-ACED-4C10-BA88-511A4AD1F234}" srcOrd="2" destOrd="0" parTransId="{E9C1C605-EA98-494E-82D5-58FEC7EDEF9D}" sibTransId="{64F33CB9-A6F9-4197-99EB-1E074B308FFC}"/>
-    <dgm:cxn modelId="{9D0D746D-632F-4DB6-85D2-98458FE6B157}" srcId="{6B1ED8E1-BC78-4A78-81DD-93138B8B2263}" destId="{EC58611F-E584-4173-AF30-D2FE585ED2F7}" srcOrd="0" destOrd="0" parTransId="{0CA42739-8AC8-46B0-92E5-5E3C58ED184C}" sibTransId="{EBD5F202-37A3-4D29-B73E-878E5C8616AE}"/>
-    <dgm:cxn modelId="{6DB29905-7417-476F-BCCC-C52E67C05D03}" srcId="{9FB89A36-0EEE-4147-B38E-6AA0BE15EBDA}" destId="{D9DEF419-D138-41FE-851E-CDC74510A105}" srcOrd="1" destOrd="0" parTransId="{83FA2C37-01EB-4985-9737-6EE3E81C9849}" sibTransId="{D4CF7BED-6015-474A-BC41-2D6F79161D22}"/>
-    <dgm:cxn modelId="{E69A63E9-0A9B-41A6-9A3B-72B57C0BCC97}" type="presOf" srcId="{4A031B29-F710-4D37-9F06-A1DF78714540}" destId="{06D5105E-114A-40BA-ACE5-A6DCE207A378}" srcOrd="0" destOrd="0" presId="urn:microsoft.com/office/officeart/2005/8/layout/chevron2"/>
-    <dgm:cxn modelId="{559E4041-AA70-420B-BEF7-94D328EA1409}" srcId="{7E20A5FC-0273-40CD-89F2-053CAB6583FE}" destId="{C07A4D4E-1F57-4DAC-9444-D904B093352B}" srcOrd="0" destOrd="0" parTransId="{C7C34C89-FBDE-4D74-9987-9F49BA3208DB}" sibTransId="{011D8FF6-3C95-469C-9B31-5369C4E2E1B8}"/>
-    <dgm:cxn modelId="{E27DCC4E-652B-4741-9D6D-BFE76FABB2DF}" type="presOf" srcId="{B40F9859-46C7-43D9-856A-E681CE783A5C}" destId="{06D5105E-114A-40BA-ACE5-A6DCE207A378}" srcOrd="0" destOrd="1" presId="urn:microsoft.com/office/officeart/2005/8/layout/chevron2"/>
-    <dgm:cxn modelId="{E9655302-B59B-415E-847C-E9783786FD24}" srcId="{3EBC4A83-B75A-4F14-AECF-538D384C11DF}" destId="{DB94D76E-767C-41FD-A202-81DBF3EFC15B}" srcOrd="0" destOrd="0" parTransId="{4BFCE2FD-8EFF-4915-BD3B-3778F8C9D2A2}" sibTransId="{C718EAC8-CFF7-4C9D-9EF8-8EDCE548DB53}"/>
-    <dgm:cxn modelId="{A8667061-D14D-406F-AF24-0AB56E30A470}" type="presOf" srcId="{6B1ED8E1-BC78-4A78-81DD-93138B8B2263}" destId="{B7F01B2B-FAF6-42FD-9911-1DA7AE44FE30}" srcOrd="0" destOrd="0" presId="urn:microsoft.com/office/officeart/2005/8/layout/chevron2"/>
-    <dgm:cxn modelId="{939F7923-9E02-401E-A689-CF295F2094BF}" type="presOf" srcId="{3EBC4A83-B75A-4F14-AECF-538D384C11DF}" destId="{06D5105E-114A-40BA-ACE5-A6DCE207A378}" srcOrd="0" destOrd="3" presId="urn:microsoft.com/office/officeart/2005/8/layout/chevron2"/>
-    <dgm:cxn modelId="{21DACDAA-EEF2-4832-80DD-55CE9820C08D}" type="presOf" srcId="{29986421-EAF9-4B01-97C1-4B8FCF0CBE89}" destId="{28DC3CE0-3193-466C-894D-80050B24E5DA}" srcOrd="0" destOrd="1" presId="urn:microsoft.com/office/officeart/2005/8/layout/chevron2"/>
-    <dgm:cxn modelId="{56EB7D64-3592-497E-92A2-29D8F85B4A52}" type="presOf" srcId="{DB94D76E-767C-41FD-A202-81DBF3EFC15B}" destId="{06D5105E-114A-40BA-ACE5-A6DCE207A378}" srcOrd="0" destOrd="4" presId="urn:microsoft.com/office/officeart/2005/8/layout/chevron2"/>
-    <dgm:cxn modelId="{4F9523D1-2BCE-4BED-9F16-55B9D1C87ECB}" type="presOf" srcId="{3C74B643-80FE-4007-9FB0-D46F166D1975}" destId="{4B17D4C9-4F1B-407D-8E0D-00D37DE42A0C}" srcOrd="0" destOrd="0" presId="urn:microsoft.com/office/officeart/2005/8/layout/chevron2"/>
-    <dgm:cxn modelId="{BB5E575D-88AF-4633-A9DD-B5C758D1A004}" type="presOf" srcId="{EC58611F-E584-4173-AF30-D2FE585ED2F7}" destId="{6BF9DE3A-8408-47E6-95C4-9D68C0B59118}" srcOrd="0" destOrd="0" presId="urn:microsoft.com/office/officeart/2005/8/layout/chevron2"/>
-    <dgm:cxn modelId="{1B1D920A-6EF3-4154-A7DD-8F612790526A}" type="presOf" srcId="{9922386E-ACED-4C10-BA88-511A4AD1F234}" destId="{202FA6AE-2DDF-45F4-913E-F7845EBFB6A6}" srcOrd="0" destOrd="2" presId="urn:microsoft.com/office/officeart/2005/8/layout/chevron2"/>
-    <dgm:cxn modelId="{CACAA253-6811-4B32-9A65-422EBDAB868F}" type="presOf" srcId="{870A194F-E8BA-487A-9CFA-36C61E802BDE}" destId="{06D5105E-114A-40BA-ACE5-A6DCE207A378}" srcOrd="0" destOrd="2" presId="urn:microsoft.com/office/officeart/2005/8/layout/chevron2"/>
-    <dgm:cxn modelId="{10EF5823-828A-446B-83D1-1ECBCB7168C5}" type="presOf" srcId="{4A3CC92A-0A13-4A1B-A50E-A66EBFF25D7D}" destId="{95F1E751-A099-4D9D-88C4-E602AD448B8C}" srcOrd="0" destOrd="0" presId="urn:microsoft.com/office/officeart/2005/8/layout/chevron2"/>
-    <dgm:cxn modelId="{50A4749E-BC07-4943-AE97-C9690A4FBCDC}" srcId="{AD9D62D7-1F99-4D89-89C6-0A38338357A0}" destId="{3EBC4A83-B75A-4F14-AECF-538D384C11DF}" srcOrd="1" destOrd="0" parTransId="{F46D7DAC-5B99-42C4-BD28-6AE792DC4878}" sibTransId="{19BD95F7-08B9-414D-B188-BE5DCE54EAD5}"/>
-    <dgm:cxn modelId="{82F1F98B-AA1C-4265-BB52-17968C0B4ACB}" srcId="{4A031B29-F710-4D37-9F06-A1DF78714540}" destId="{B40F9859-46C7-43D9-856A-E681CE783A5C}" srcOrd="0" destOrd="0" parTransId="{AA01302C-68D0-44CB-8C8A-4F5248B26303}" sibTransId="{F350DC72-D52B-48E3-AAFC-D6B62C60EA1B}"/>
-    <dgm:cxn modelId="{D392EEA0-1E60-479A-B769-6A44B6521C51}" type="presOf" srcId="{732A70D7-57AA-462F-B424-95C1672DBA58}" destId="{D0E00011-FA70-4FBB-9146-AD04318BD5DA}" srcOrd="0" destOrd="1" presId="urn:microsoft.com/office/officeart/2005/8/layout/chevron2"/>
-    <dgm:cxn modelId="{F537C272-05E2-458E-8FE5-139A2E2A2EB8}" srcId="{77339EB7-3D97-42B2-BB41-F1DA7E77D2F9}" destId="{CB19EA66-1FC5-4EDD-9580-E3332C45FEB6}" srcOrd="0" destOrd="0" parTransId="{2DDEC189-843E-4B26-9C65-CFC244F38A46}" sibTransId="{79934201-009A-4DA0-BFDA-EECEF07DBC56}"/>
-    <dgm:cxn modelId="{74EEF5E8-C9AE-414E-8616-BCFE59AEC44F}" type="presOf" srcId="{9FB89A36-0EEE-4147-B38E-6AA0BE15EBDA}" destId="{537375AC-3E85-4320-91D1-954E099E0ED6}" srcOrd="0" destOrd="0" presId="urn:microsoft.com/office/officeart/2005/8/layout/chevron2"/>
-    <dgm:cxn modelId="{A644C78A-884A-47D3-A1E6-8E6E60421329}" srcId="{7E20A5FC-0273-40CD-89F2-053CAB6583FE}" destId="{AD9D62D7-1F99-4D89-89C6-0A38338357A0}" srcOrd="1" destOrd="0" parTransId="{32FCA36B-323D-4798-86D6-DCA97C85C26F}" sibTransId="{F8A4A5CA-3159-49AB-90FD-CD1980E80B50}"/>
-    <dgm:cxn modelId="{315D93B2-44BF-4985-8128-8C8236D3FF2F}" type="presOf" srcId="{DA8565ED-B2CF-404B-9B88-B2EF6BDD6BF9}" destId="{06D5105E-114A-40BA-ACE5-A6DCE207A378}" srcOrd="0" destOrd="5" presId="urn:microsoft.com/office/officeart/2005/8/layout/chevron2"/>
-    <dgm:cxn modelId="{547DDF64-8481-4345-8F97-67BBF1F1E81E}" srcId="{3C74B643-80FE-4007-9FB0-D46F166D1975}" destId="{B8EDA89E-7F8E-44AE-A699-0A203067934C}" srcOrd="0" destOrd="0" parTransId="{CED3B03B-00AF-4263-82FD-DA2A38D9D691}" sibTransId="{F8A86FD8-34B0-442D-ABD1-F8E2A9C39419}"/>
-    <dgm:cxn modelId="{72CC33C2-1A72-4A91-B2F1-93BD599E958D}" srcId="{4A3CC92A-0A13-4A1B-A50E-A66EBFF25D7D}" destId="{AB7DCAC9-011C-4FEB-806D-18BDE3D6A956}" srcOrd="0" destOrd="0" parTransId="{82AF1EA9-6A0A-4559-A550-6BDF0DF897B3}" sibTransId="{9485809D-E4EE-45DA-BD88-0AB4B739123F}"/>
-    <dgm:cxn modelId="{EAF3F87F-E7B0-4F9A-8B18-1F7B5D949992}" srcId="{9FB89A36-0EEE-4147-B38E-6AA0BE15EBDA}" destId="{A40BEFD5-BC45-4048-8B24-2F7479051BD6}" srcOrd="0" destOrd="0" parTransId="{7400E96A-5A90-4E7F-A45E-CE34FB0094FB}" sibTransId="{285060AE-308D-4846-98A5-8B2E94880E0B}"/>
-    <dgm:cxn modelId="{88133DBE-7693-40C5-B970-B1E2C53BF704}" type="presOf" srcId="{7E20A5FC-0273-40CD-89F2-053CAB6583FE}" destId="{3F33E216-90DD-40D0-AF92-45A2BE8EAE1A}" srcOrd="0" destOrd="0" presId="urn:microsoft.com/office/officeart/2005/8/layout/chevron2"/>
-    <dgm:cxn modelId="{03D90BCA-5BB9-4873-A27B-1E63F3CAD2C2}" type="presOf" srcId="{D9DEF419-D138-41FE-851E-CDC74510A105}" destId="{202FA6AE-2DDF-45F4-913E-F7845EBFB6A6}" srcOrd="0" destOrd="1" presId="urn:microsoft.com/office/officeart/2005/8/layout/chevron2"/>
-    <dgm:cxn modelId="{8322F5FE-6AB9-485F-B330-B86630985716}" type="presOf" srcId="{AB7DCAC9-011C-4FEB-806D-18BDE3D6A956}" destId="{858E6D29-F598-4C6A-9026-D912C022C231}" srcOrd="0" destOrd="0" presId="urn:microsoft.com/office/officeart/2005/8/layout/chevron2"/>
-    <dgm:cxn modelId="{F9F2BD1D-1716-4BFD-A548-A1391A307C1B}" type="presParOf" srcId="{3F33E216-90DD-40D0-AF92-45A2BE8EAE1A}" destId="{E26D7BC0-2D46-4D9A-BDE3-27607C397756}" srcOrd="0" destOrd="0" presId="urn:microsoft.com/office/officeart/2005/8/layout/chevron2"/>
-    <dgm:cxn modelId="{64905DC9-C7CB-44D8-9EDD-4BD578270591}" type="presParOf" srcId="{E26D7BC0-2D46-4D9A-BDE3-27607C397756}" destId="{E011FCA7-DB8E-4BAA-8092-DC2BC4862BA4}" srcOrd="0" destOrd="0" presId="urn:microsoft.com/office/officeart/2005/8/layout/chevron2"/>
-    <dgm:cxn modelId="{DBF8425E-425C-4A39-99BA-4A9166EFC548}" type="presParOf" srcId="{E26D7BC0-2D46-4D9A-BDE3-27607C397756}" destId="{28DC3CE0-3193-466C-894D-80050B24E5DA}" srcOrd="1" destOrd="0" presId="urn:microsoft.com/office/officeart/2005/8/layout/chevron2"/>
-    <dgm:cxn modelId="{8593DB4C-4560-4ABE-B462-9E1D8CA4763C}" type="presParOf" srcId="{3F33E216-90DD-40D0-AF92-45A2BE8EAE1A}" destId="{5BC16E71-8F1A-477A-A6BA-F204F3A6EA14}" srcOrd="1" destOrd="0" presId="urn:microsoft.com/office/officeart/2005/8/layout/chevron2"/>
-    <dgm:cxn modelId="{68ABD044-611F-4BFC-889E-02158C079EC5}" type="presParOf" srcId="{3F33E216-90DD-40D0-AF92-45A2BE8EAE1A}" destId="{8172ED90-5200-4FCD-9525-5B712E417105}" srcOrd="2" destOrd="0" presId="urn:microsoft.com/office/officeart/2005/8/layout/chevron2"/>
-    <dgm:cxn modelId="{22CBBCD6-92E4-447C-AC65-4CADCA1A8F0F}" type="presParOf" srcId="{8172ED90-5200-4FCD-9525-5B712E417105}" destId="{266A5E94-14C9-415A-8105-BDE6727986AB}" srcOrd="0" destOrd="0" presId="urn:microsoft.com/office/officeart/2005/8/layout/chevron2"/>
-    <dgm:cxn modelId="{C23BF5F1-0B2A-4616-8E1A-BE070CA2ABA6}" type="presParOf" srcId="{8172ED90-5200-4FCD-9525-5B712E417105}" destId="{06D5105E-114A-40BA-ACE5-A6DCE207A378}" srcOrd="1" destOrd="0" presId="urn:microsoft.com/office/officeart/2005/8/layout/chevron2"/>
-    <dgm:cxn modelId="{7617AF2C-6558-46E6-96B9-EC290F4F6129}" type="presParOf" srcId="{3F33E216-90DD-40D0-AF92-45A2BE8EAE1A}" destId="{04B3CCCD-497B-48CB-A93F-7122882EF4D2}" srcOrd="3" destOrd="0" presId="urn:microsoft.com/office/officeart/2005/8/layout/chevron2"/>
-    <dgm:cxn modelId="{EDAB7325-14D8-49B5-A8F5-A62591411358}" type="presParOf" srcId="{3F33E216-90DD-40D0-AF92-45A2BE8EAE1A}" destId="{9A9AB5FB-D55D-4DCC-87B4-87653FAAE728}" srcOrd="4" destOrd="0" presId="urn:microsoft.com/office/officeart/2005/8/layout/chevron2"/>
-    <dgm:cxn modelId="{1BF41F3C-C9DE-4688-BB2D-62E64B3297DD}" type="presParOf" srcId="{9A9AB5FB-D55D-4DCC-87B4-87653FAAE728}" destId="{4B17D4C9-4F1B-407D-8E0D-00D37DE42A0C}" srcOrd="0" destOrd="0" presId="urn:microsoft.com/office/officeart/2005/8/layout/chevron2"/>
-    <dgm:cxn modelId="{357E0CF8-9BB9-4B60-9E67-30BEF807152C}" type="presParOf" srcId="{9A9AB5FB-D55D-4DCC-87B4-87653FAAE728}" destId="{D0E00011-FA70-4FBB-9146-AD04318BD5DA}" srcOrd="1" destOrd="0" presId="urn:microsoft.com/office/officeart/2005/8/layout/chevron2"/>
-    <dgm:cxn modelId="{F8D24427-767A-44B9-885C-1351D638FF53}" type="presParOf" srcId="{3F33E216-90DD-40D0-AF92-45A2BE8EAE1A}" destId="{75F6E3B6-E514-47E6-BED7-236B77CB45D4}" srcOrd="5" destOrd="0" presId="urn:microsoft.com/office/officeart/2005/8/layout/chevron2"/>
-    <dgm:cxn modelId="{2FCECD3C-315B-4E5C-AE0A-46F6CA80A1D0}" type="presParOf" srcId="{3F33E216-90DD-40D0-AF92-45A2BE8EAE1A}" destId="{5C840B8F-0FA1-477F-961A-444F16FF4BA7}" srcOrd="6" destOrd="0" presId="urn:microsoft.com/office/officeart/2005/8/layout/chevron2"/>
-    <dgm:cxn modelId="{E58F5189-2DDA-4F40-A926-D2F2BC525074}" type="presParOf" srcId="{5C840B8F-0FA1-477F-961A-444F16FF4BA7}" destId="{93432DA5-C4BB-4E0D-A925-4053920073DA}" srcOrd="0" destOrd="0" presId="urn:microsoft.com/office/officeart/2005/8/layout/chevron2"/>
-    <dgm:cxn modelId="{B5173A3B-8E16-4A49-9967-5C4072091DD9}" type="presParOf" srcId="{5C840B8F-0FA1-477F-961A-444F16FF4BA7}" destId="{D7CF852B-8E7A-4965-BF56-4F15593C1C8A}" srcOrd="1" destOrd="0" presId="urn:microsoft.com/office/officeart/2005/8/layout/chevron2"/>
-    <dgm:cxn modelId="{C9EE9963-5E14-4CF4-9B59-270C5E027B93}" type="presParOf" srcId="{3F33E216-90DD-40D0-AF92-45A2BE8EAE1A}" destId="{A187A16F-2A77-43BB-9881-30EF6EC02091}" srcOrd="7" destOrd="0" presId="urn:microsoft.com/office/officeart/2005/8/layout/chevron2"/>
-    <dgm:cxn modelId="{173699F9-2F68-4D76-8B04-D0BF056615D3}" type="presParOf" srcId="{3F33E216-90DD-40D0-AF92-45A2BE8EAE1A}" destId="{18A0F09F-848A-428C-83F8-BC8BF7D1641E}" srcOrd="8" destOrd="0" presId="urn:microsoft.com/office/officeart/2005/8/layout/chevron2"/>
-    <dgm:cxn modelId="{8694B03B-FCFF-457E-9B10-0AD8280A20B3}" type="presParOf" srcId="{18A0F09F-848A-428C-83F8-BC8BF7D1641E}" destId="{537375AC-3E85-4320-91D1-954E099E0ED6}" srcOrd="0" destOrd="0" presId="urn:microsoft.com/office/officeart/2005/8/layout/chevron2"/>
-    <dgm:cxn modelId="{544F1838-0A15-4BE2-B9B9-B6B17DF4E1F9}" type="presParOf" srcId="{18A0F09F-848A-428C-83F8-BC8BF7D1641E}" destId="{202FA6AE-2DDF-45F4-913E-F7845EBFB6A6}" srcOrd="1" destOrd="0" presId="urn:microsoft.com/office/officeart/2005/8/layout/chevron2"/>
-    <dgm:cxn modelId="{C5478CC4-75DD-49EA-A960-9CD7DD76F201}" type="presParOf" srcId="{3F33E216-90DD-40D0-AF92-45A2BE8EAE1A}" destId="{A4B0B0E2-58F1-48E2-A0C3-886950A2B1F0}" srcOrd="9" destOrd="0" presId="urn:microsoft.com/office/officeart/2005/8/layout/chevron2"/>
-    <dgm:cxn modelId="{FE6875E4-32E6-4FBB-865A-C062E4791DE3}" type="presParOf" srcId="{3F33E216-90DD-40D0-AF92-45A2BE8EAE1A}" destId="{9151EA62-BF1B-475D-8CC0-DD2D014EFDEF}" srcOrd="10" destOrd="0" presId="urn:microsoft.com/office/officeart/2005/8/layout/chevron2"/>
-    <dgm:cxn modelId="{7E6DD464-16FE-4673-BD1A-DDAD216B81C5}" type="presParOf" srcId="{9151EA62-BF1B-475D-8CC0-DD2D014EFDEF}" destId="{95F1E751-A099-4D9D-88C4-E602AD448B8C}" srcOrd="0" destOrd="0" presId="urn:microsoft.com/office/officeart/2005/8/layout/chevron2"/>
-    <dgm:cxn modelId="{5621C6AD-D9E5-4CA0-9CE5-93BA73964929}" type="presParOf" srcId="{9151EA62-BF1B-475D-8CC0-DD2D014EFDEF}" destId="{858E6D29-F598-4C6A-9026-D912C022C231}" srcOrd="1" destOrd="0" presId="urn:microsoft.com/office/officeart/2005/8/layout/chevron2"/>
-    <dgm:cxn modelId="{CD76F342-C8D8-492C-ABE8-A2BB19965A03}" type="presParOf" srcId="{3F33E216-90DD-40D0-AF92-45A2BE8EAE1A}" destId="{C1CA6282-E2B5-4402-AB99-9AF587A6444A}" srcOrd="11" destOrd="0" presId="urn:microsoft.com/office/officeart/2005/8/layout/chevron2"/>
-    <dgm:cxn modelId="{71E6DA60-7C59-4C0F-A390-4011FEA0459C}" type="presParOf" srcId="{3F33E216-90DD-40D0-AF92-45A2BE8EAE1A}" destId="{12BB2D59-0EAB-45F8-BCE7-F7C55A5A2387}" srcOrd="12" destOrd="0" presId="urn:microsoft.com/office/officeart/2005/8/layout/chevron2"/>
-    <dgm:cxn modelId="{71108626-5D39-405D-B91F-719B69A9A7EB}" type="presParOf" srcId="{12BB2D59-0EAB-45F8-BCE7-F7C55A5A2387}" destId="{B7F01B2B-FAF6-42FD-9911-1DA7AE44FE30}" srcOrd="0" destOrd="0" presId="urn:microsoft.com/office/officeart/2005/8/layout/chevron2"/>
-    <dgm:cxn modelId="{E3BD2DED-1E2F-4563-BCA8-8DA7F635E555}" type="presParOf" srcId="{12BB2D59-0EAB-45F8-BCE7-F7C55A5A2387}" destId="{6BF9DE3A-8408-47E6-95C4-9D68C0B59118}" srcOrd="1" destOrd="0" presId="urn:microsoft.com/office/officeart/2005/8/layout/chevron2"/>
   </dgm:cxnLst>
   <dgm:bg/>
   <dgm:whole/>
@@ -3652,7 +1377,7 @@
         </a:bodyPr>
         <a:lstStyle/>
         <a:p>
-          <a:pPr lvl="0" algn="ctr" defTabSz="533400">
+          <a:pPr marL="0" lvl="0" indent="0" algn="ctr" defTabSz="533400">
             <a:lnSpc>
               <a:spcPct val="90000"/>
             </a:lnSpc>
@@ -3662,6 +1387,7 @@
             <a:spcAft>
               <a:spcPct val="35000"/>
             </a:spcAft>
+            <a:buNone/>
           </a:pPr>
           <a:r>
             <a:rPr lang="fr-FR" sz="1200" kern="1200" dirty="0"/>
@@ -3724,7 +1450,7 @@
         </a:bodyPr>
         <a:lstStyle/>
         <a:p>
-          <a:pPr lvl="0" algn="ctr" defTabSz="533400">
+          <a:pPr marL="0" lvl="0" indent="0" algn="ctr" defTabSz="533400">
             <a:lnSpc>
               <a:spcPct val="90000"/>
             </a:lnSpc>
@@ -3734,6 +1460,7 @@
             <a:spcAft>
               <a:spcPct val="35000"/>
             </a:spcAft>
+            <a:buNone/>
           </a:pPr>
           <a:endParaRPr lang="fr-FR" sz="1200" kern="1200"/>
         </a:p>
@@ -3797,7 +1524,7 @@
         </a:bodyPr>
         <a:lstStyle/>
         <a:p>
-          <a:pPr lvl="0" algn="ctr" defTabSz="533400">
+          <a:pPr marL="0" lvl="0" indent="0" algn="ctr" defTabSz="533400">
             <a:lnSpc>
               <a:spcPct val="90000"/>
             </a:lnSpc>
@@ -3807,6 +1534,7 @@
             <a:spcAft>
               <a:spcPct val="35000"/>
             </a:spcAft>
+            <a:buNone/>
           </a:pPr>
           <a:r>
             <a:rPr lang="fr-FR" sz="1200" kern="1200" dirty="0"/>
@@ -3869,7 +1597,7 @@
         </a:bodyPr>
         <a:lstStyle/>
         <a:p>
-          <a:pPr lvl="0" algn="ctr" defTabSz="533400">
+          <a:pPr marL="0" lvl="0" indent="0" algn="ctr" defTabSz="533400">
             <a:lnSpc>
               <a:spcPct val="90000"/>
             </a:lnSpc>
@@ -3879,6 +1607,7 @@
             <a:spcAft>
               <a:spcPct val="35000"/>
             </a:spcAft>
+            <a:buNone/>
           </a:pPr>
           <a:endParaRPr lang="fr-FR" sz="1200" kern="1200"/>
         </a:p>
@@ -3942,7 +1671,7 @@
         </a:bodyPr>
         <a:lstStyle/>
         <a:p>
-          <a:pPr lvl="0" algn="ctr" defTabSz="533400">
+          <a:pPr marL="0" lvl="0" indent="0" algn="ctr" defTabSz="533400">
             <a:lnSpc>
               <a:spcPct val="90000"/>
             </a:lnSpc>
@@ -3952,6 +1681,7 @@
             <a:spcAft>
               <a:spcPct val="35000"/>
             </a:spcAft>
+            <a:buNone/>
           </a:pPr>
           <a:r>
             <a:rPr lang="fr-FR" sz="1200" kern="1200" dirty="0"/>
@@ -4014,7 +1744,7 @@
         </a:bodyPr>
         <a:lstStyle/>
         <a:p>
-          <a:pPr lvl="0" algn="ctr" defTabSz="533400">
+          <a:pPr marL="0" lvl="0" indent="0" algn="ctr" defTabSz="533400">
             <a:lnSpc>
               <a:spcPct val="90000"/>
             </a:lnSpc>
@@ -4024,6 +1754,7 @@
             <a:spcAft>
               <a:spcPct val="35000"/>
             </a:spcAft>
+            <a:buNone/>
           </a:pPr>
           <a:endParaRPr lang="fr-FR" sz="1200" kern="1200"/>
         </a:p>
@@ -4087,7 +1818,7 @@
         </a:bodyPr>
         <a:lstStyle/>
         <a:p>
-          <a:pPr lvl="0" algn="ctr" defTabSz="533400">
+          <a:pPr marL="0" lvl="0" indent="0" algn="ctr" defTabSz="533400">
             <a:lnSpc>
               <a:spcPct val="90000"/>
             </a:lnSpc>
@@ -4097,6 +1828,7 @@
             <a:spcAft>
               <a:spcPct val="35000"/>
             </a:spcAft>
+            <a:buNone/>
           </a:pPr>
           <a:r>
             <a:rPr lang="fr-FR" sz="1200" kern="1200" dirty="0"/>
@@ -4159,7 +1891,7 @@
         </a:bodyPr>
         <a:lstStyle/>
         <a:p>
-          <a:pPr lvl="0" algn="ctr" defTabSz="533400">
+          <a:pPr marL="0" lvl="0" indent="0" algn="ctr" defTabSz="533400">
             <a:lnSpc>
               <a:spcPct val="90000"/>
             </a:lnSpc>
@@ -4169,6 +1901,7 @@
             <a:spcAft>
               <a:spcPct val="35000"/>
             </a:spcAft>
+            <a:buNone/>
           </a:pPr>
           <a:endParaRPr lang="fr-FR" sz="1200" kern="1200"/>
         </a:p>
@@ -4232,7 +1965,7 @@
         </a:bodyPr>
         <a:lstStyle/>
         <a:p>
-          <a:pPr lvl="0" algn="ctr" defTabSz="533400">
+          <a:pPr marL="0" lvl="0" indent="0" algn="ctr" defTabSz="533400">
             <a:lnSpc>
               <a:spcPct val="90000"/>
             </a:lnSpc>
@@ -4242,6 +1975,7 @@
             <a:spcAft>
               <a:spcPct val="35000"/>
             </a:spcAft>
+            <a:buNone/>
           </a:pPr>
           <a:r>
             <a:rPr lang="fr-FR" sz="1200" kern="1200" dirty="0"/>
@@ -4304,7 +2038,7 @@
         </a:bodyPr>
         <a:lstStyle/>
         <a:p>
-          <a:pPr lvl="0" algn="ctr" defTabSz="533400">
+          <a:pPr marL="0" lvl="0" indent="0" algn="ctr" defTabSz="533400">
             <a:lnSpc>
               <a:spcPct val="90000"/>
             </a:lnSpc>
@@ -4314,6 +2048,7 @@
             <a:spcAft>
               <a:spcPct val="35000"/>
             </a:spcAft>
+            <a:buNone/>
           </a:pPr>
           <a:endParaRPr lang="fr-FR" sz="1200" kern="1200"/>
         </a:p>
@@ -4377,7 +2112,7 @@
         </a:bodyPr>
         <a:lstStyle/>
         <a:p>
-          <a:pPr lvl="0" algn="ctr" defTabSz="533400">
+          <a:pPr marL="0" lvl="0" indent="0" algn="ctr" defTabSz="533400">
             <a:lnSpc>
               <a:spcPct val="90000"/>
             </a:lnSpc>
@@ -4387,6 +2122,7 @@
             <a:spcAft>
               <a:spcPct val="35000"/>
             </a:spcAft>
+            <a:buNone/>
           </a:pPr>
           <a:r>
             <a:rPr lang="fr-FR" sz="1200" kern="1200" dirty="0"/>
@@ -4449,7 +2185,7 @@
         </a:bodyPr>
         <a:lstStyle/>
         <a:p>
-          <a:pPr lvl="0" algn="ctr" defTabSz="533400">
+          <a:pPr marL="0" lvl="0" indent="0" algn="ctr" defTabSz="533400">
             <a:lnSpc>
               <a:spcPct val="90000"/>
             </a:lnSpc>
@@ -4459,6 +2195,7 @@
             <a:spcAft>
               <a:spcPct val="35000"/>
             </a:spcAft>
+            <a:buNone/>
           </a:pPr>
           <a:endParaRPr lang="fr-FR" sz="1200" kern="1200"/>
         </a:p>
@@ -4522,7 +2259,7 @@
         </a:bodyPr>
         <a:lstStyle/>
         <a:p>
-          <a:pPr lvl="0" algn="ctr" defTabSz="533400">
+          <a:pPr marL="0" lvl="0" indent="0" algn="ctr" defTabSz="533400">
             <a:lnSpc>
               <a:spcPct val="90000"/>
             </a:lnSpc>
@@ -4532,6 +2269,7 @@
             <a:spcAft>
               <a:spcPct val="35000"/>
             </a:spcAft>
+            <a:buNone/>
           </a:pPr>
           <a:r>
             <a:rPr lang="fr-FR" sz="1200" kern="1200" dirty="0"/>
@@ -4542,1273 +2280,6 @@
       <dsp:txXfrm>
         <a:off x="1074977" y="1092460"/>
         <a:ext cx="1018237" cy="407293"/>
-      </dsp:txXfrm>
-    </dsp:sp>
-  </dsp:spTree>
-</dsp:drawing>
-</file>
-
-<file path=ppt/diagrams/drawing2.xml><?xml version="1.0" encoding="utf-8"?>
-<dsp:drawing xmlns:dgm="http://schemas.openxmlformats.org/drawingml/2006/diagram" xmlns:dsp="http://schemas.microsoft.com/office/drawing/2008/diagram" xmlns:a="http://schemas.openxmlformats.org/drawingml/2006/main">
-  <dsp:spTree>
-    <dsp:nvGrpSpPr>
-      <dsp:cNvPr id="0" name=""/>
-      <dsp:cNvGrpSpPr/>
-    </dsp:nvGrpSpPr>
-    <dsp:grpSpPr/>
-    <dsp:sp modelId="{E011FCA7-DB8E-4BAA-8092-DC2BC4862BA4}">
-      <dsp:nvSpPr>
-        <dsp:cNvPr id="0" name=""/>
-        <dsp:cNvSpPr/>
-      </dsp:nvSpPr>
-      <dsp:spPr>
-        <a:xfrm rot="5400000">
-          <a:off x="-121473" y="124617"/>
-          <a:ext cx="809822" cy="566875"/>
-        </a:xfrm>
-        <a:prstGeom prst="chevron">
-          <a:avLst/>
-        </a:prstGeom>
-        <a:solidFill>
-          <a:schemeClr val="accent2">
-            <a:hueOff val="0"/>
-            <a:satOff val="0"/>
-            <a:lumOff val="0"/>
-            <a:alphaOff val="0"/>
-          </a:schemeClr>
-        </a:solidFill>
-        <a:ln w="19050" cap="flat" cmpd="sng" algn="ctr">
-          <a:solidFill>
-            <a:schemeClr val="accent2">
-              <a:hueOff val="0"/>
-              <a:satOff val="0"/>
-              <a:lumOff val="0"/>
-              <a:alphaOff val="0"/>
-            </a:schemeClr>
-          </a:solidFill>
-          <a:prstDash val="solid"/>
-        </a:ln>
-        <a:effectLst/>
-      </dsp:spPr>
-      <dsp:style>
-        <a:lnRef idx="2">
-          <a:scrgbClr r="0" g="0" b="0"/>
-        </a:lnRef>
-        <a:fillRef idx="1">
-          <a:scrgbClr r="0" g="0" b="0"/>
-        </a:fillRef>
-        <a:effectRef idx="0">
-          <a:scrgbClr r="0" g="0" b="0"/>
-        </a:effectRef>
-        <a:fontRef idx="minor">
-          <a:schemeClr val="lt1"/>
-        </a:fontRef>
-      </dsp:style>
-      <dsp:txBody>
-        <a:bodyPr spcFirstLastPara="0" vert="horz" wrap="square" lIns="10160" tIns="10160" rIns="10160" bIns="10160" numCol="1" spcCol="1270" anchor="ctr" anchorCtr="0">
-          <a:noAutofit/>
-        </a:bodyPr>
-        <a:lstStyle/>
-        <a:p>
-          <a:pPr lvl="0" algn="ctr" defTabSz="711200">
-            <a:lnSpc>
-              <a:spcPct val="90000"/>
-            </a:lnSpc>
-            <a:spcBef>
-              <a:spcPct val="0"/>
-            </a:spcBef>
-            <a:spcAft>
-              <a:spcPct val="35000"/>
-            </a:spcAft>
-          </a:pPr>
-          <a:r>
-            <a:rPr lang="fr-FR" sz="1600" kern="1200" dirty="0" smtClean="0"/>
-            <a:t>Lundi</a:t>
-          </a:r>
-          <a:endParaRPr lang="fr-FR" sz="1600" kern="1200" dirty="0"/>
-        </a:p>
-      </dsp:txBody>
-      <dsp:txXfrm rot="-5400000">
-        <a:off x="1" y="286582"/>
-        <a:ext cx="566875" cy="242947"/>
-      </dsp:txXfrm>
-    </dsp:sp>
-    <dsp:sp modelId="{28DC3CE0-3193-466C-894D-80050B24E5DA}">
-      <dsp:nvSpPr>
-        <dsp:cNvPr id="0" name=""/>
-        <dsp:cNvSpPr/>
-      </dsp:nvSpPr>
-      <dsp:spPr>
-        <a:xfrm rot="5400000">
-          <a:off x="4124157" y="-3554137"/>
-          <a:ext cx="526384" cy="7640948"/>
-        </a:xfrm>
-        <a:prstGeom prst="round2SameRect">
-          <a:avLst/>
-        </a:prstGeom>
-        <a:solidFill>
-          <a:schemeClr val="lt1">
-            <a:alpha val="90000"/>
-            <a:hueOff val="0"/>
-            <a:satOff val="0"/>
-            <a:lumOff val="0"/>
-            <a:alphaOff val="0"/>
-          </a:schemeClr>
-        </a:solidFill>
-        <a:ln w="19050" cap="flat" cmpd="sng" algn="ctr">
-          <a:solidFill>
-            <a:schemeClr val="accent2">
-              <a:hueOff val="0"/>
-              <a:satOff val="0"/>
-              <a:lumOff val="0"/>
-              <a:alphaOff val="0"/>
-            </a:schemeClr>
-          </a:solidFill>
-          <a:prstDash val="solid"/>
-        </a:ln>
-        <a:effectLst/>
-      </dsp:spPr>
-      <dsp:style>
-        <a:lnRef idx="2">
-          <a:scrgbClr r="0" g="0" b="0"/>
-        </a:lnRef>
-        <a:fillRef idx="1">
-          <a:scrgbClr r="0" g="0" b="0"/>
-        </a:fillRef>
-        <a:effectRef idx="0">
-          <a:scrgbClr r="0" g="0" b="0"/>
-        </a:effectRef>
-        <a:fontRef idx="minor"/>
-      </dsp:style>
-      <dsp:txBody>
-        <a:bodyPr spcFirstLastPara="0" vert="horz" wrap="square" lIns="78232" tIns="6985" rIns="6985" bIns="6985" numCol="1" spcCol="1270" anchor="ctr" anchorCtr="0">
-          <a:noAutofit/>
-        </a:bodyPr>
-        <a:lstStyle/>
-        <a:p>
-          <a:pPr marL="57150" lvl="1" indent="-57150" algn="l" defTabSz="466725">
-            <a:lnSpc>
-              <a:spcPct val="90000"/>
-            </a:lnSpc>
-            <a:spcBef>
-              <a:spcPct val="0"/>
-            </a:spcBef>
-            <a:spcAft>
-              <a:spcPct val="15000"/>
-            </a:spcAft>
-            <a:buChar char="••"/>
-          </a:pPr>
-          <a:r>
-            <a:rPr lang="fr-FR" sz="1050" kern="1200" dirty="0" smtClean="0"/>
-            <a:t>DS</a:t>
-          </a:r>
-          <a:endParaRPr lang="fr-FR" sz="1050" kern="1200" dirty="0"/>
-        </a:p>
-        <a:p>
-          <a:pPr marL="57150" lvl="1" indent="-57150" algn="l" defTabSz="466725">
-            <a:lnSpc>
-              <a:spcPct val="90000"/>
-            </a:lnSpc>
-            <a:spcBef>
-              <a:spcPct val="0"/>
-            </a:spcBef>
-            <a:spcAft>
-              <a:spcPct val="15000"/>
-            </a:spcAft>
-            <a:buChar char="••"/>
-          </a:pPr>
-          <a:r>
-            <a:rPr lang="fr-FR" sz="1050" kern="1200" dirty="0" smtClean="0"/>
-            <a:t>Devoir du soir (en lien avec le cour du mardi)</a:t>
-          </a:r>
-          <a:endParaRPr lang="fr-FR" sz="1050" kern="1200" dirty="0"/>
-        </a:p>
-      </dsp:txBody>
-      <dsp:txXfrm rot="-5400000">
-        <a:off x="566875" y="28841"/>
-        <a:ext cx="7615252" cy="474992"/>
-      </dsp:txXfrm>
-    </dsp:sp>
-    <dsp:sp modelId="{266A5E94-14C9-415A-8105-BDE6727986AB}">
-      <dsp:nvSpPr>
-        <dsp:cNvPr id="0" name=""/>
-        <dsp:cNvSpPr/>
-      </dsp:nvSpPr>
-      <dsp:spPr>
-        <a:xfrm rot="5400000">
-          <a:off x="-121473" y="850560"/>
-          <a:ext cx="809822" cy="566875"/>
-        </a:xfrm>
-        <a:prstGeom prst="chevron">
-          <a:avLst/>
-        </a:prstGeom>
-        <a:solidFill>
-          <a:schemeClr val="accent3">
-            <a:hueOff val="0"/>
-            <a:satOff val="0"/>
-            <a:lumOff val="0"/>
-            <a:alphaOff val="0"/>
-          </a:schemeClr>
-        </a:solidFill>
-        <a:ln w="19050" cap="flat" cmpd="sng" algn="ctr">
-          <a:solidFill>
-            <a:schemeClr val="accent3">
-              <a:hueOff val="0"/>
-              <a:satOff val="0"/>
-              <a:lumOff val="0"/>
-              <a:alphaOff val="0"/>
-            </a:schemeClr>
-          </a:solidFill>
-          <a:prstDash val="solid"/>
-        </a:ln>
-        <a:effectLst/>
-      </dsp:spPr>
-      <dsp:style>
-        <a:lnRef idx="2">
-          <a:scrgbClr r="0" g="0" b="0"/>
-        </a:lnRef>
-        <a:fillRef idx="1">
-          <a:scrgbClr r="0" g="0" b="0"/>
-        </a:fillRef>
-        <a:effectRef idx="0">
-          <a:scrgbClr r="0" g="0" b="0"/>
-        </a:effectRef>
-        <a:fontRef idx="minor">
-          <a:schemeClr val="lt1"/>
-        </a:fontRef>
-      </dsp:style>
-      <dsp:txBody>
-        <a:bodyPr spcFirstLastPara="0" vert="horz" wrap="square" lIns="10160" tIns="10160" rIns="10160" bIns="10160" numCol="1" spcCol="1270" anchor="ctr" anchorCtr="0">
-          <a:noAutofit/>
-        </a:bodyPr>
-        <a:lstStyle/>
-        <a:p>
-          <a:pPr lvl="0" algn="ctr" defTabSz="711200">
-            <a:lnSpc>
-              <a:spcPct val="90000"/>
-            </a:lnSpc>
-            <a:spcBef>
-              <a:spcPct val="0"/>
-            </a:spcBef>
-            <a:spcAft>
-              <a:spcPct val="35000"/>
-            </a:spcAft>
-          </a:pPr>
-          <a:r>
-            <a:rPr lang="fr-FR" sz="1600" kern="1200" dirty="0" smtClean="0"/>
-            <a:t>Mardi</a:t>
-          </a:r>
-          <a:endParaRPr lang="fr-FR" sz="1600" kern="1200" dirty="0"/>
-        </a:p>
-      </dsp:txBody>
-      <dsp:txXfrm rot="-5400000">
-        <a:off x="1" y="1012525"/>
-        <a:ext cx="566875" cy="242947"/>
-      </dsp:txXfrm>
-    </dsp:sp>
-    <dsp:sp modelId="{06D5105E-114A-40BA-ACE5-A6DCE207A378}">
-      <dsp:nvSpPr>
-        <dsp:cNvPr id="0" name=""/>
-        <dsp:cNvSpPr/>
-      </dsp:nvSpPr>
-      <dsp:spPr>
-        <a:xfrm rot="5400000">
-          <a:off x="4124157" y="-2828194"/>
-          <a:ext cx="526384" cy="7640948"/>
-        </a:xfrm>
-        <a:prstGeom prst="round2SameRect">
-          <a:avLst/>
-        </a:prstGeom>
-        <a:solidFill>
-          <a:schemeClr val="lt1">
-            <a:alpha val="90000"/>
-            <a:hueOff val="0"/>
-            <a:satOff val="0"/>
-            <a:lumOff val="0"/>
-            <a:alphaOff val="0"/>
-          </a:schemeClr>
-        </a:solidFill>
-        <a:ln w="19050" cap="flat" cmpd="sng" algn="ctr">
-          <a:solidFill>
-            <a:schemeClr val="accent3">
-              <a:hueOff val="0"/>
-              <a:satOff val="0"/>
-              <a:lumOff val="0"/>
-              <a:alphaOff val="0"/>
-            </a:schemeClr>
-          </a:solidFill>
-          <a:prstDash val="solid"/>
-        </a:ln>
-        <a:effectLst/>
-      </dsp:spPr>
-      <dsp:style>
-        <a:lnRef idx="2">
-          <a:scrgbClr r="0" g="0" b="0"/>
-        </a:lnRef>
-        <a:fillRef idx="1">
-          <a:scrgbClr r="0" g="0" b="0"/>
-        </a:fillRef>
-        <a:effectRef idx="0">
-          <a:scrgbClr r="0" g="0" b="0"/>
-        </a:effectRef>
-        <a:fontRef idx="minor"/>
-      </dsp:style>
-      <dsp:txBody>
-        <a:bodyPr spcFirstLastPara="0" vert="horz" wrap="square" lIns="78232" tIns="6985" rIns="6985" bIns="6985" numCol="1" spcCol="1270" anchor="ctr" anchorCtr="0">
-          <a:noAutofit/>
-        </a:bodyPr>
-        <a:lstStyle/>
-        <a:p>
-          <a:pPr marL="57150" lvl="1" indent="-57150" algn="l" defTabSz="466725">
-            <a:lnSpc>
-              <a:spcPct val="90000"/>
-            </a:lnSpc>
-            <a:spcBef>
-              <a:spcPct val="0"/>
-            </a:spcBef>
-            <a:spcAft>
-              <a:spcPct val="15000"/>
-            </a:spcAft>
-            <a:buChar char="••"/>
-          </a:pPr>
-          <a:r>
-            <a:rPr lang="fr-FR" sz="1050" kern="1200" dirty="0" smtClean="0"/>
-            <a:t>Cours (1h)</a:t>
-          </a:r>
-          <a:endParaRPr lang="fr-FR" sz="1050" kern="1200" dirty="0"/>
-        </a:p>
-        <a:p>
-          <a:pPr marL="114300" lvl="2" indent="-57150" algn="l" defTabSz="466725">
-            <a:lnSpc>
-              <a:spcPct val="90000"/>
-            </a:lnSpc>
-            <a:spcBef>
-              <a:spcPct val="0"/>
-            </a:spcBef>
-            <a:spcAft>
-              <a:spcPct val="15000"/>
-            </a:spcAft>
-            <a:buChar char="••"/>
-          </a:pPr>
-          <a:r>
-            <a:rPr lang="fr-FR" sz="1050" kern="1200" dirty="0" smtClean="0"/>
-            <a:t>Réponses aux questions</a:t>
-          </a:r>
-          <a:endParaRPr lang="fr-FR" sz="1050" kern="1200" dirty="0"/>
-        </a:p>
-        <a:p>
-          <a:pPr marL="114300" lvl="2" indent="-57150" algn="l" defTabSz="466725">
-            <a:lnSpc>
-              <a:spcPct val="90000"/>
-            </a:lnSpc>
-            <a:spcBef>
-              <a:spcPct val="0"/>
-            </a:spcBef>
-            <a:spcAft>
-              <a:spcPct val="15000"/>
-            </a:spcAft>
-            <a:buChar char="••"/>
-          </a:pPr>
-          <a:r>
-            <a:rPr lang="fr-FR" sz="1050" kern="1200" dirty="0" smtClean="0"/>
-            <a:t>Exercices d’application</a:t>
-          </a:r>
-          <a:endParaRPr lang="fr-FR" sz="1050" kern="1200" dirty="0"/>
-        </a:p>
-        <a:p>
-          <a:pPr marL="57150" lvl="1" indent="-57150" algn="l" defTabSz="466725">
-            <a:lnSpc>
-              <a:spcPct val="90000"/>
-            </a:lnSpc>
-            <a:spcBef>
-              <a:spcPct val="0"/>
-            </a:spcBef>
-            <a:spcAft>
-              <a:spcPct val="15000"/>
-            </a:spcAft>
-            <a:buChar char="••"/>
-          </a:pPr>
-          <a:r>
-            <a:rPr lang="fr-FR" sz="1050" kern="1200" dirty="0" smtClean="0"/>
-            <a:t>TD (1h)</a:t>
-          </a:r>
-          <a:endParaRPr lang="fr-FR" sz="1050" kern="1200" dirty="0"/>
-        </a:p>
-        <a:p>
-          <a:pPr marL="114300" lvl="2" indent="-57150" algn="l" defTabSz="466725">
-            <a:lnSpc>
-              <a:spcPct val="90000"/>
-            </a:lnSpc>
-            <a:spcBef>
-              <a:spcPct val="0"/>
-            </a:spcBef>
-            <a:spcAft>
-              <a:spcPct val="15000"/>
-            </a:spcAft>
-            <a:buChar char="••"/>
-          </a:pPr>
-          <a:r>
-            <a:rPr lang="fr-FR" sz="1050" kern="1200" dirty="0" smtClean="0"/>
-            <a:t>Travail en groupe, pas de correction au tableau</a:t>
-          </a:r>
-          <a:endParaRPr lang="fr-FR" sz="1050" kern="1200" dirty="0"/>
-        </a:p>
-        <a:p>
-          <a:pPr marL="57150" lvl="1" indent="-57150" algn="l" defTabSz="466725">
-            <a:lnSpc>
-              <a:spcPct val="90000"/>
-            </a:lnSpc>
-            <a:spcBef>
-              <a:spcPct val="0"/>
-            </a:spcBef>
-            <a:spcAft>
-              <a:spcPct val="15000"/>
-            </a:spcAft>
-            <a:buChar char="••"/>
-          </a:pPr>
-          <a:r>
-            <a:rPr lang="fr-FR" sz="1050" kern="1200" dirty="0" smtClean="0"/>
-            <a:t>Devoir du soir (sur le cours de la semaine)</a:t>
-          </a:r>
-          <a:endParaRPr lang="fr-FR" sz="1050" kern="1200" dirty="0"/>
-        </a:p>
-      </dsp:txBody>
-      <dsp:txXfrm rot="-5400000">
-        <a:off x="566875" y="754784"/>
-        <a:ext cx="7615252" cy="474992"/>
-      </dsp:txXfrm>
-    </dsp:sp>
-    <dsp:sp modelId="{4B17D4C9-4F1B-407D-8E0D-00D37DE42A0C}">
-      <dsp:nvSpPr>
-        <dsp:cNvPr id="0" name=""/>
-        <dsp:cNvSpPr/>
-      </dsp:nvSpPr>
-      <dsp:spPr>
-        <a:xfrm rot="5400000">
-          <a:off x="-121473" y="1576503"/>
-          <a:ext cx="809822" cy="566875"/>
-        </a:xfrm>
-        <a:prstGeom prst="chevron">
-          <a:avLst/>
-        </a:prstGeom>
-        <a:solidFill>
-          <a:schemeClr val="accent4">
-            <a:hueOff val="0"/>
-            <a:satOff val="0"/>
-            <a:lumOff val="0"/>
-            <a:alphaOff val="0"/>
-          </a:schemeClr>
-        </a:solidFill>
-        <a:ln w="19050" cap="flat" cmpd="sng" algn="ctr">
-          <a:solidFill>
-            <a:schemeClr val="accent4">
-              <a:hueOff val="0"/>
-              <a:satOff val="0"/>
-              <a:lumOff val="0"/>
-              <a:alphaOff val="0"/>
-            </a:schemeClr>
-          </a:solidFill>
-          <a:prstDash val="solid"/>
-        </a:ln>
-        <a:effectLst/>
-      </dsp:spPr>
-      <dsp:style>
-        <a:lnRef idx="2">
-          <a:scrgbClr r="0" g="0" b="0"/>
-        </a:lnRef>
-        <a:fillRef idx="1">
-          <a:scrgbClr r="0" g="0" b="0"/>
-        </a:fillRef>
-        <a:effectRef idx="0">
-          <a:scrgbClr r="0" g="0" b="0"/>
-        </a:effectRef>
-        <a:fontRef idx="minor">
-          <a:schemeClr val="lt1"/>
-        </a:fontRef>
-      </dsp:style>
-      <dsp:txBody>
-        <a:bodyPr spcFirstLastPara="0" vert="horz" wrap="square" lIns="10160" tIns="10160" rIns="10160" bIns="10160" numCol="1" spcCol="1270" anchor="ctr" anchorCtr="0">
-          <a:noAutofit/>
-        </a:bodyPr>
-        <a:lstStyle/>
-        <a:p>
-          <a:pPr lvl="0" algn="ctr" defTabSz="711200">
-            <a:lnSpc>
-              <a:spcPct val="90000"/>
-            </a:lnSpc>
-            <a:spcBef>
-              <a:spcPct val="0"/>
-            </a:spcBef>
-            <a:spcAft>
-              <a:spcPct val="35000"/>
-            </a:spcAft>
-          </a:pPr>
-          <a:r>
-            <a:rPr lang="fr-FR" sz="1600" kern="1200" dirty="0" smtClean="0"/>
-            <a:t>Mercredi</a:t>
-          </a:r>
-          <a:endParaRPr lang="fr-FR" sz="1600" kern="1200" dirty="0"/>
-        </a:p>
-      </dsp:txBody>
-      <dsp:txXfrm rot="-5400000">
-        <a:off x="1" y="1738468"/>
-        <a:ext cx="566875" cy="242947"/>
-      </dsp:txXfrm>
-    </dsp:sp>
-    <dsp:sp modelId="{D0E00011-FA70-4FBB-9146-AD04318BD5DA}">
-      <dsp:nvSpPr>
-        <dsp:cNvPr id="0" name=""/>
-        <dsp:cNvSpPr/>
-      </dsp:nvSpPr>
-      <dsp:spPr>
-        <a:xfrm rot="5400000">
-          <a:off x="4124019" y="-2064325"/>
-          <a:ext cx="526661" cy="7640948"/>
-        </a:xfrm>
-        <a:prstGeom prst="round2SameRect">
-          <a:avLst/>
-        </a:prstGeom>
-        <a:solidFill>
-          <a:schemeClr val="lt1">
-            <a:alpha val="90000"/>
-            <a:hueOff val="0"/>
-            <a:satOff val="0"/>
-            <a:lumOff val="0"/>
-            <a:alphaOff val="0"/>
-          </a:schemeClr>
-        </a:solidFill>
-        <a:ln w="19050" cap="flat" cmpd="sng" algn="ctr">
-          <a:solidFill>
-            <a:schemeClr val="accent4">
-              <a:hueOff val="0"/>
-              <a:satOff val="0"/>
-              <a:lumOff val="0"/>
-              <a:alphaOff val="0"/>
-            </a:schemeClr>
-          </a:solidFill>
-          <a:prstDash val="solid"/>
-        </a:ln>
-        <a:effectLst/>
-      </dsp:spPr>
-      <dsp:style>
-        <a:lnRef idx="2">
-          <a:scrgbClr r="0" g="0" b="0"/>
-        </a:lnRef>
-        <a:fillRef idx="1">
-          <a:scrgbClr r="0" g="0" b="0"/>
-        </a:fillRef>
-        <a:effectRef idx="0">
-          <a:scrgbClr r="0" g="0" b="0"/>
-        </a:effectRef>
-        <a:fontRef idx="minor"/>
-      </dsp:style>
-      <dsp:txBody>
-        <a:bodyPr spcFirstLastPara="0" vert="horz" wrap="square" lIns="78232" tIns="6985" rIns="6985" bIns="6985" numCol="1" spcCol="1270" anchor="ctr" anchorCtr="0">
-          <a:noAutofit/>
-        </a:bodyPr>
-        <a:lstStyle/>
-        <a:p>
-          <a:pPr marL="57150" lvl="1" indent="-57150" algn="l" defTabSz="466725">
-            <a:lnSpc>
-              <a:spcPct val="90000"/>
-            </a:lnSpc>
-            <a:spcBef>
-              <a:spcPct val="0"/>
-            </a:spcBef>
-            <a:spcAft>
-              <a:spcPct val="15000"/>
-            </a:spcAft>
-            <a:buChar char="••"/>
-          </a:pPr>
-          <a:r>
-            <a:rPr lang="fr-FR" sz="1050" kern="1200" dirty="0" smtClean="0"/>
-            <a:t>Colle</a:t>
-          </a:r>
-          <a:endParaRPr lang="fr-FR" sz="1050" kern="1200" dirty="0"/>
-        </a:p>
-        <a:p>
-          <a:pPr marL="57150" lvl="1" indent="-57150" algn="l" defTabSz="466725">
-            <a:lnSpc>
-              <a:spcPct val="90000"/>
-            </a:lnSpc>
-            <a:spcBef>
-              <a:spcPct val="0"/>
-            </a:spcBef>
-            <a:spcAft>
-              <a:spcPct val="15000"/>
-            </a:spcAft>
-            <a:buChar char="••"/>
-          </a:pPr>
-          <a:r>
-            <a:rPr lang="fr-FR" sz="1050" kern="1200" dirty="0" smtClean="0"/>
-            <a:t>Devoir du soir (sur le cours de la semaine)</a:t>
-          </a:r>
-          <a:endParaRPr lang="fr-FR" sz="1050" kern="1200" dirty="0"/>
-        </a:p>
-      </dsp:txBody>
-      <dsp:txXfrm rot="-5400000">
-        <a:off x="566876" y="1518527"/>
-        <a:ext cx="7615239" cy="475243"/>
-      </dsp:txXfrm>
-    </dsp:sp>
-    <dsp:sp modelId="{93432DA5-C4BB-4E0D-A925-4053920073DA}">
-      <dsp:nvSpPr>
-        <dsp:cNvPr id="0" name=""/>
-        <dsp:cNvSpPr/>
-      </dsp:nvSpPr>
-      <dsp:spPr>
-        <a:xfrm rot="5400000">
-          <a:off x="-121473" y="2302446"/>
-          <a:ext cx="809822" cy="566875"/>
-        </a:xfrm>
-        <a:prstGeom prst="chevron">
-          <a:avLst/>
-        </a:prstGeom>
-        <a:solidFill>
-          <a:schemeClr val="accent5">
-            <a:hueOff val="0"/>
-            <a:satOff val="0"/>
-            <a:lumOff val="0"/>
-            <a:alphaOff val="0"/>
-          </a:schemeClr>
-        </a:solidFill>
-        <a:ln w="19050" cap="flat" cmpd="sng" algn="ctr">
-          <a:solidFill>
-            <a:schemeClr val="accent5">
-              <a:hueOff val="0"/>
-              <a:satOff val="0"/>
-              <a:lumOff val="0"/>
-              <a:alphaOff val="0"/>
-            </a:schemeClr>
-          </a:solidFill>
-          <a:prstDash val="solid"/>
-        </a:ln>
-        <a:effectLst/>
-      </dsp:spPr>
-      <dsp:style>
-        <a:lnRef idx="2">
-          <a:scrgbClr r="0" g="0" b="0"/>
-        </a:lnRef>
-        <a:fillRef idx="1">
-          <a:scrgbClr r="0" g="0" b="0"/>
-        </a:fillRef>
-        <a:effectRef idx="0">
-          <a:scrgbClr r="0" g="0" b="0"/>
-        </a:effectRef>
-        <a:fontRef idx="minor">
-          <a:schemeClr val="lt1"/>
-        </a:fontRef>
-      </dsp:style>
-      <dsp:txBody>
-        <a:bodyPr spcFirstLastPara="0" vert="horz" wrap="square" lIns="10160" tIns="10160" rIns="10160" bIns="10160" numCol="1" spcCol="1270" anchor="ctr" anchorCtr="0">
-          <a:noAutofit/>
-        </a:bodyPr>
-        <a:lstStyle/>
-        <a:p>
-          <a:pPr lvl="0" algn="ctr" defTabSz="711200">
-            <a:lnSpc>
-              <a:spcPct val="90000"/>
-            </a:lnSpc>
-            <a:spcBef>
-              <a:spcPct val="0"/>
-            </a:spcBef>
-            <a:spcAft>
-              <a:spcPct val="35000"/>
-            </a:spcAft>
-          </a:pPr>
-          <a:r>
-            <a:rPr lang="fr-FR" sz="1600" kern="1200" dirty="0" smtClean="0"/>
-            <a:t>Jeudi</a:t>
-          </a:r>
-          <a:endParaRPr lang="fr-FR" sz="1600" kern="1200" dirty="0"/>
-        </a:p>
-      </dsp:txBody>
-      <dsp:txXfrm rot="-5400000">
-        <a:off x="1" y="2464411"/>
-        <a:ext cx="566875" cy="242947"/>
-      </dsp:txXfrm>
-    </dsp:sp>
-    <dsp:sp modelId="{D7CF852B-8E7A-4965-BF56-4F15593C1C8A}">
-      <dsp:nvSpPr>
-        <dsp:cNvPr id="0" name=""/>
-        <dsp:cNvSpPr/>
-      </dsp:nvSpPr>
-      <dsp:spPr>
-        <a:xfrm rot="5400000">
-          <a:off x="4124157" y="-1376309"/>
-          <a:ext cx="526384" cy="7640948"/>
-        </a:xfrm>
-        <a:prstGeom prst="round2SameRect">
-          <a:avLst/>
-        </a:prstGeom>
-        <a:solidFill>
-          <a:schemeClr val="lt1">
-            <a:alpha val="90000"/>
-            <a:hueOff val="0"/>
-            <a:satOff val="0"/>
-            <a:lumOff val="0"/>
-            <a:alphaOff val="0"/>
-          </a:schemeClr>
-        </a:solidFill>
-        <a:ln w="19050" cap="flat" cmpd="sng" algn="ctr">
-          <a:solidFill>
-            <a:schemeClr val="accent5">
-              <a:hueOff val="0"/>
-              <a:satOff val="0"/>
-              <a:lumOff val="0"/>
-              <a:alphaOff val="0"/>
-            </a:schemeClr>
-          </a:solidFill>
-          <a:prstDash val="solid"/>
-        </a:ln>
-        <a:effectLst/>
-      </dsp:spPr>
-      <dsp:style>
-        <a:lnRef idx="2">
-          <a:scrgbClr r="0" g="0" b="0"/>
-        </a:lnRef>
-        <a:fillRef idx="1">
-          <a:scrgbClr r="0" g="0" b="0"/>
-        </a:fillRef>
-        <a:effectRef idx="0">
-          <a:scrgbClr r="0" g="0" b="0"/>
-        </a:effectRef>
-        <a:fontRef idx="minor"/>
-      </dsp:style>
-      <dsp:txBody>
-        <a:bodyPr spcFirstLastPara="0" vert="horz" wrap="square" lIns="78232" tIns="6985" rIns="6985" bIns="6985" numCol="1" spcCol="1270" anchor="ctr" anchorCtr="0">
-          <a:noAutofit/>
-        </a:bodyPr>
-        <a:lstStyle/>
-        <a:p>
-          <a:pPr marL="57150" lvl="1" indent="-57150" algn="l" defTabSz="466725">
-            <a:lnSpc>
-              <a:spcPct val="90000"/>
-            </a:lnSpc>
-            <a:spcBef>
-              <a:spcPct val="0"/>
-            </a:spcBef>
-            <a:spcAft>
-              <a:spcPct val="15000"/>
-            </a:spcAft>
-            <a:buChar char="••"/>
-          </a:pPr>
-          <a:r>
-            <a:rPr lang="fr-FR" sz="1050" kern="1200" dirty="0" smtClean="0"/>
-            <a:t>Devoir du soir (Révision Sup)</a:t>
-          </a:r>
-          <a:endParaRPr lang="fr-FR" sz="1050" kern="1200" dirty="0"/>
-        </a:p>
-      </dsp:txBody>
-      <dsp:txXfrm rot="-5400000">
-        <a:off x="566875" y="2206669"/>
-        <a:ext cx="7615252" cy="474992"/>
-      </dsp:txXfrm>
-    </dsp:sp>
-    <dsp:sp modelId="{537375AC-3E85-4320-91D1-954E099E0ED6}">
-      <dsp:nvSpPr>
-        <dsp:cNvPr id="0" name=""/>
-        <dsp:cNvSpPr/>
-      </dsp:nvSpPr>
-      <dsp:spPr>
-        <a:xfrm rot="5400000">
-          <a:off x="-121473" y="3028388"/>
-          <a:ext cx="809822" cy="566875"/>
-        </a:xfrm>
-        <a:prstGeom prst="chevron">
-          <a:avLst/>
-        </a:prstGeom>
-        <a:solidFill>
-          <a:schemeClr val="accent6">
-            <a:hueOff val="0"/>
-            <a:satOff val="0"/>
-            <a:lumOff val="0"/>
-            <a:alphaOff val="0"/>
-          </a:schemeClr>
-        </a:solidFill>
-        <a:ln w="19050" cap="flat" cmpd="sng" algn="ctr">
-          <a:solidFill>
-            <a:schemeClr val="accent6">
-              <a:hueOff val="0"/>
-              <a:satOff val="0"/>
-              <a:lumOff val="0"/>
-              <a:alphaOff val="0"/>
-            </a:schemeClr>
-          </a:solidFill>
-          <a:prstDash val="solid"/>
-        </a:ln>
-        <a:effectLst/>
-      </dsp:spPr>
-      <dsp:style>
-        <a:lnRef idx="2">
-          <a:scrgbClr r="0" g="0" b="0"/>
-        </a:lnRef>
-        <a:fillRef idx="1">
-          <a:scrgbClr r="0" g="0" b="0"/>
-        </a:fillRef>
-        <a:effectRef idx="0">
-          <a:scrgbClr r="0" g="0" b="0"/>
-        </a:effectRef>
-        <a:fontRef idx="minor">
-          <a:schemeClr val="lt1"/>
-        </a:fontRef>
-      </dsp:style>
-      <dsp:txBody>
-        <a:bodyPr spcFirstLastPara="0" vert="horz" wrap="square" lIns="10160" tIns="10160" rIns="10160" bIns="10160" numCol="1" spcCol="1270" anchor="ctr" anchorCtr="0">
-          <a:noAutofit/>
-        </a:bodyPr>
-        <a:lstStyle/>
-        <a:p>
-          <a:pPr lvl="0" algn="ctr" defTabSz="711200">
-            <a:lnSpc>
-              <a:spcPct val="90000"/>
-            </a:lnSpc>
-            <a:spcBef>
-              <a:spcPct val="0"/>
-            </a:spcBef>
-            <a:spcAft>
-              <a:spcPct val="35000"/>
-            </a:spcAft>
-          </a:pPr>
-          <a:r>
-            <a:rPr lang="fr-FR" sz="1600" kern="1200" dirty="0" smtClean="0"/>
-            <a:t>Vendredi</a:t>
-          </a:r>
-          <a:endParaRPr lang="fr-FR" sz="1600" kern="1200" dirty="0"/>
-        </a:p>
-      </dsp:txBody>
-      <dsp:txXfrm rot="-5400000">
-        <a:off x="1" y="3190353"/>
-        <a:ext cx="566875" cy="242947"/>
-      </dsp:txXfrm>
-    </dsp:sp>
-    <dsp:sp modelId="{202FA6AE-2DDF-45F4-913E-F7845EBFB6A6}">
-      <dsp:nvSpPr>
-        <dsp:cNvPr id="0" name=""/>
-        <dsp:cNvSpPr/>
-      </dsp:nvSpPr>
-      <dsp:spPr>
-        <a:xfrm rot="5400000">
-          <a:off x="4124157" y="-650366"/>
-          <a:ext cx="526384" cy="7640948"/>
-        </a:xfrm>
-        <a:prstGeom prst="round2SameRect">
-          <a:avLst/>
-        </a:prstGeom>
-        <a:solidFill>
-          <a:schemeClr val="lt1">
-            <a:alpha val="90000"/>
-            <a:hueOff val="0"/>
-            <a:satOff val="0"/>
-            <a:lumOff val="0"/>
-            <a:alphaOff val="0"/>
-          </a:schemeClr>
-        </a:solidFill>
-        <a:ln w="19050" cap="flat" cmpd="sng" algn="ctr">
-          <a:solidFill>
-            <a:schemeClr val="accent6">
-              <a:hueOff val="0"/>
-              <a:satOff val="0"/>
-              <a:lumOff val="0"/>
-              <a:alphaOff val="0"/>
-            </a:schemeClr>
-          </a:solidFill>
-          <a:prstDash val="solid"/>
-        </a:ln>
-        <a:effectLst/>
-      </dsp:spPr>
-      <dsp:style>
-        <a:lnRef idx="2">
-          <a:scrgbClr r="0" g="0" b="0"/>
-        </a:lnRef>
-        <a:fillRef idx="1">
-          <a:scrgbClr r="0" g="0" b="0"/>
-        </a:fillRef>
-        <a:effectRef idx="0">
-          <a:scrgbClr r="0" g="0" b="0"/>
-        </a:effectRef>
-        <a:fontRef idx="minor"/>
-      </dsp:style>
-      <dsp:txBody>
-        <a:bodyPr spcFirstLastPara="0" vert="horz" wrap="square" lIns="78232" tIns="6985" rIns="6985" bIns="6985" numCol="1" spcCol="1270" anchor="ctr" anchorCtr="0">
-          <a:noAutofit/>
-        </a:bodyPr>
-        <a:lstStyle/>
-        <a:p>
-          <a:pPr marL="57150" lvl="1" indent="-57150" algn="l" defTabSz="466725">
-            <a:lnSpc>
-              <a:spcPct val="90000"/>
-            </a:lnSpc>
-            <a:spcBef>
-              <a:spcPct val="0"/>
-            </a:spcBef>
-            <a:spcAft>
-              <a:spcPct val="15000"/>
-            </a:spcAft>
-            <a:buChar char="••"/>
-          </a:pPr>
-          <a:r>
-            <a:rPr lang="fr-FR" sz="1050" kern="1200" dirty="0" smtClean="0"/>
-            <a:t>TP organisation à géométrie variable </a:t>
-          </a:r>
-          <a:r>
-            <a:rPr lang="fr-FR" sz="1050" kern="1200" dirty="0" smtClean="0">
-              <a:sym typeface="Wingdings" panose="05000000000000000000" pitchFamily="2" charset="2"/>
-            </a:rPr>
-            <a:t></a:t>
-          </a:r>
-          <a:endParaRPr lang="fr-FR" sz="1050" kern="1200" dirty="0"/>
-        </a:p>
-        <a:p>
-          <a:pPr marL="57150" lvl="1" indent="-57150" algn="l" defTabSz="466725">
-            <a:lnSpc>
-              <a:spcPct val="90000"/>
-            </a:lnSpc>
-            <a:spcBef>
-              <a:spcPct val="0"/>
-            </a:spcBef>
-            <a:spcAft>
-              <a:spcPct val="15000"/>
-            </a:spcAft>
-            <a:buChar char="••"/>
-          </a:pPr>
-          <a:r>
-            <a:rPr lang="fr-FR" sz="1050" kern="1200" dirty="0" smtClean="0"/>
-            <a:t>Colle</a:t>
-          </a:r>
-          <a:endParaRPr lang="fr-FR" sz="1050" kern="1200" dirty="0"/>
-        </a:p>
-        <a:p>
-          <a:pPr marL="57150" lvl="1" indent="-57150" algn="l" defTabSz="466725">
-            <a:lnSpc>
-              <a:spcPct val="90000"/>
-            </a:lnSpc>
-            <a:spcBef>
-              <a:spcPct val="0"/>
-            </a:spcBef>
-            <a:spcAft>
-              <a:spcPct val="15000"/>
-            </a:spcAft>
-            <a:buChar char="••"/>
-          </a:pPr>
-          <a:r>
-            <a:rPr lang="fr-FR" sz="1050" kern="1200" dirty="0" smtClean="0"/>
-            <a:t>(Révision Sup)</a:t>
-          </a:r>
-          <a:endParaRPr lang="fr-FR" sz="1050" kern="1200" dirty="0"/>
-        </a:p>
-      </dsp:txBody>
-      <dsp:txXfrm rot="-5400000">
-        <a:off x="566875" y="2932612"/>
-        <a:ext cx="7615252" cy="474992"/>
-      </dsp:txXfrm>
-    </dsp:sp>
-    <dsp:sp modelId="{95F1E751-A099-4D9D-88C4-E602AD448B8C}">
-      <dsp:nvSpPr>
-        <dsp:cNvPr id="0" name=""/>
-        <dsp:cNvSpPr/>
-      </dsp:nvSpPr>
-      <dsp:spPr>
-        <a:xfrm rot="5400000">
-          <a:off x="-121473" y="3754331"/>
-          <a:ext cx="809822" cy="566875"/>
-        </a:xfrm>
-        <a:prstGeom prst="chevron">
-          <a:avLst/>
-        </a:prstGeom>
-        <a:solidFill>
-          <a:schemeClr val="accent2">
-            <a:hueOff val="0"/>
-            <a:satOff val="0"/>
-            <a:lumOff val="0"/>
-            <a:alphaOff val="0"/>
-          </a:schemeClr>
-        </a:solidFill>
-        <a:ln w="19050" cap="flat" cmpd="sng" algn="ctr">
-          <a:solidFill>
-            <a:schemeClr val="accent2">
-              <a:hueOff val="0"/>
-              <a:satOff val="0"/>
-              <a:lumOff val="0"/>
-              <a:alphaOff val="0"/>
-            </a:schemeClr>
-          </a:solidFill>
-          <a:prstDash val="solid"/>
-        </a:ln>
-        <a:effectLst/>
-      </dsp:spPr>
-      <dsp:style>
-        <a:lnRef idx="2">
-          <a:scrgbClr r="0" g="0" b="0"/>
-        </a:lnRef>
-        <a:fillRef idx="1">
-          <a:scrgbClr r="0" g="0" b="0"/>
-        </a:fillRef>
-        <a:effectRef idx="0">
-          <a:scrgbClr r="0" g="0" b="0"/>
-        </a:effectRef>
-        <a:fontRef idx="minor">
-          <a:schemeClr val="lt1"/>
-        </a:fontRef>
-      </dsp:style>
-      <dsp:txBody>
-        <a:bodyPr spcFirstLastPara="0" vert="horz" wrap="square" lIns="10160" tIns="10160" rIns="10160" bIns="10160" numCol="1" spcCol="1270" anchor="ctr" anchorCtr="0">
-          <a:noAutofit/>
-        </a:bodyPr>
-        <a:lstStyle/>
-        <a:p>
-          <a:pPr lvl="0" algn="ctr" defTabSz="711200">
-            <a:lnSpc>
-              <a:spcPct val="90000"/>
-            </a:lnSpc>
-            <a:spcBef>
-              <a:spcPct val="0"/>
-            </a:spcBef>
-            <a:spcAft>
-              <a:spcPct val="35000"/>
-            </a:spcAft>
-          </a:pPr>
-          <a:r>
-            <a:rPr lang="fr-FR" sz="1600" kern="1200" dirty="0" smtClean="0"/>
-            <a:t>Samedi</a:t>
-          </a:r>
-          <a:endParaRPr lang="fr-FR" sz="1600" kern="1200" dirty="0"/>
-        </a:p>
-      </dsp:txBody>
-      <dsp:txXfrm rot="-5400000">
-        <a:off x="1" y="3916296"/>
-        <a:ext cx="566875" cy="242947"/>
-      </dsp:txXfrm>
-    </dsp:sp>
-    <dsp:sp modelId="{858E6D29-F598-4C6A-9026-D912C022C231}">
-      <dsp:nvSpPr>
-        <dsp:cNvPr id="0" name=""/>
-        <dsp:cNvSpPr/>
-      </dsp:nvSpPr>
-      <dsp:spPr>
-        <a:xfrm rot="5400000">
-          <a:off x="4124157" y="75576"/>
-          <a:ext cx="526384" cy="7640948"/>
-        </a:xfrm>
-        <a:prstGeom prst="round2SameRect">
-          <a:avLst/>
-        </a:prstGeom>
-        <a:solidFill>
-          <a:schemeClr val="lt1">
-            <a:alpha val="90000"/>
-            <a:hueOff val="0"/>
-            <a:satOff val="0"/>
-            <a:lumOff val="0"/>
-            <a:alphaOff val="0"/>
-          </a:schemeClr>
-        </a:solidFill>
-        <a:ln w="19050" cap="flat" cmpd="sng" algn="ctr">
-          <a:solidFill>
-            <a:schemeClr val="accent2">
-              <a:hueOff val="0"/>
-              <a:satOff val="0"/>
-              <a:lumOff val="0"/>
-              <a:alphaOff val="0"/>
-            </a:schemeClr>
-          </a:solidFill>
-          <a:prstDash val="solid"/>
-        </a:ln>
-        <a:effectLst/>
-      </dsp:spPr>
-      <dsp:style>
-        <a:lnRef idx="2">
-          <a:scrgbClr r="0" g="0" b="0"/>
-        </a:lnRef>
-        <a:fillRef idx="1">
-          <a:scrgbClr r="0" g="0" b="0"/>
-        </a:fillRef>
-        <a:effectRef idx="0">
-          <a:scrgbClr r="0" g="0" b="0"/>
-        </a:effectRef>
-        <a:fontRef idx="minor"/>
-      </dsp:style>
-      <dsp:txBody>
-        <a:bodyPr spcFirstLastPara="0" vert="horz" wrap="square" lIns="78232" tIns="6985" rIns="6985" bIns="6985" numCol="1" spcCol="1270" anchor="ctr" anchorCtr="0">
-          <a:noAutofit/>
-        </a:bodyPr>
-        <a:lstStyle/>
-        <a:p>
-          <a:pPr marL="57150" lvl="1" indent="-57150" algn="l" defTabSz="466725">
-            <a:lnSpc>
-              <a:spcPct val="90000"/>
-            </a:lnSpc>
-            <a:spcBef>
-              <a:spcPct val="0"/>
-            </a:spcBef>
-            <a:spcAft>
-              <a:spcPct val="15000"/>
-            </a:spcAft>
-            <a:buChar char="••"/>
-          </a:pPr>
-          <a:r>
-            <a:rPr lang="fr-FR" sz="1050" kern="1200" dirty="0" smtClean="0"/>
-            <a:t>Devoir du soir</a:t>
-          </a:r>
-          <a:endParaRPr lang="fr-FR" sz="1050" kern="1200" dirty="0"/>
-        </a:p>
-      </dsp:txBody>
-      <dsp:txXfrm rot="-5400000">
-        <a:off x="566875" y="3658554"/>
-        <a:ext cx="7615252" cy="474992"/>
-      </dsp:txXfrm>
-    </dsp:sp>
-    <dsp:sp modelId="{B7F01B2B-FAF6-42FD-9911-1DA7AE44FE30}">
-      <dsp:nvSpPr>
-        <dsp:cNvPr id="0" name=""/>
-        <dsp:cNvSpPr/>
-      </dsp:nvSpPr>
-      <dsp:spPr>
-        <a:xfrm rot="5400000">
-          <a:off x="-121473" y="4480274"/>
-          <a:ext cx="809822" cy="566875"/>
-        </a:xfrm>
-        <a:prstGeom prst="chevron">
-          <a:avLst/>
-        </a:prstGeom>
-        <a:solidFill>
-          <a:schemeClr val="accent3">
-            <a:hueOff val="0"/>
-            <a:satOff val="0"/>
-            <a:lumOff val="0"/>
-            <a:alphaOff val="0"/>
-          </a:schemeClr>
-        </a:solidFill>
-        <a:ln w="19050" cap="flat" cmpd="sng" algn="ctr">
-          <a:solidFill>
-            <a:schemeClr val="accent3">
-              <a:hueOff val="0"/>
-              <a:satOff val="0"/>
-              <a:lumOff val="0"/>
-              <a:alphaOff val="0"/>
-            </a:schemeClr>
-          </a:solidFill>
-          <a:prstDash val="solid"/>
-        </a:ln>
-        <a:effectLst/>
-      </dsp:spPr>
-      <dsp:style>
-        <a:lnRef idx="2">
-          <a:scrgbClr r="0" g="0" b="0"/>
-        </a:lnRef>
-        <a:fillRef idx="1">
-          <a:scrgbClr r="0" g="0" b="0"/>
-        </a:fillRef>
-        <a:effectRef idx="0">
-          <a:scrgbClr r="0" g="0" b="0"/>
-        </a:effectRef>
-        <a:fontRef idx="minor">
-          <a:schemeClr val="lt1"/>
-        </a:fontRef>
-      </dsp:style>
-      <dsp:txBody>
-        <a:bodyPr spcFirstLastPara="0" vert="horz" wrap="square" lIns="10160" tIns="10160" rIns="10160" bIns="10160" numCol="1" spcCol="1270" anchor="ctr" anchorCtr="0">
-          <a:noAutofit/>
-        </a:bodyPr>
-        <a:lstStyle/>
-        <a:p>
-          <a:pPr lvl="0" algn="ctr" defTabSz="711200">
-            <a:lnSpc>
-              <a:spcPct val="90000"/>
-            </a:lnSpc>
-            <a:spcBef>
-              <a:spcPct val="0"/>
-            </a:spcBef>
-            <a:spcAft>
-              <a:spcPct val="35000"/>
-            </a:spcAft>
-          </a:pPr>
-          <a:r>
-            <a:rPr lang="fr-FR" sz="1600" kern="1200" dirty="0" smtClean="0"/>
-            <a:t>Dimanche</a:t>
-          </a:r>
-          <a:endParaRPr lang="fr-FR" sz="1600" kern="1200" dirty="0"/>
-        </a:p>
-      </dsp:txBody>
-      <dsp:txXfrm rot="-5400000">
-        <a:off x="1" y="4642239"/>
-        <a:ext cx="566875" cy="242947"/>
-      </dsp:txXfrm>
-    </dsp:sp>
-    <dsp:sp modelId="{6BF9DE3A-8408-47E6-95C4-9D68C0B59118}">
-      <dsp:nvSpPr>
-        <dsp:cNvPr id="0" name=""/>
-        <dsp:cNvSpPr/>
-      </dsp:nvSpPr>
-      <dsp:spPr>
-        <a:xfrm rot="5400000">
-          <a:off x="4124157" y="801519"/>
-          <a:ext cx="526384" cy="7640948"/>
-        </a:xfrm>
-        <a:prstGeom prst="round2SameRect">
-          <a:avLst/>
-        </a:prstGeom>
-        <a:solidFill>
-          <a:schemeClr val="lt1">
-            <a:alpha val="90000"/>
-            <a:hueOff val="0"/>
-            <a:satOff val="0"/>
-            <a:lumOff val="0"/>
-            <a:alphaOff val="0"/>
-          </a:schemeClr>
-        </a:solidFill>
-        <a:ln w="19050" cap="flat" cmpd="sng" algn="ctr">
-          <a:solidFill>
-            <a:schemeClr val="accent3">
-              <a:hueOff val="0"/>
-              <a:satOff val="0"/>
-              <a:lumOff val="0"/>
-              <a:alphaOff val="0"/>
-            </a:schemeClr>
-          </a:solidFill>
-          <a:prstDash val="solid"/>
-        </a:ln>
-        <a:effectLst/>
-      </dsp:spPr>
-      <dsp:style>
-        <a:lnRef idx="2">
-          <a:scrgbClr r="0" g="0" b="0"/>
-        </a:lnRef>
-        <a:fillRef idx="1">
-          <a:scrgbClr r="0" g="0" b="0"/>
-        </a:fillRef>
-        <a:effectRef idx="0">
-          <a:scrgbClr r="0" g="0" b="0"/>
-        </a:effectRef>
-        <a:fontRef idx="minor"/>
-      </dsp:style>
-      <dsp:txBody>
-        <a:bodyPr spcFirstLastPara="0" vert="horz" wrap="square" lIns="78232" tIns="6985" rIns="6985" bIns="6985" numCol="1" spcCol="1270" anchor="ctr" anchorCtr="0">
-          <a:noAutofit/>
-        </a:bodyPr>
-        <a:lstStyle/>
-        <a:p>
-          <a:pPr marL="57150" lvl="1" indent="-57150" algn="l" defTabSz="466725">
-            <a:lnSpc>
-              <a:spcPct val="90000"/>
-            </a:lnSpc>
-            <a:spcBef>
-              <a:spcPct val="0"/>
-            </a:spcBef>
-            <a:spcAft>
-              <a:spcPct val="15000"/>
-            </a:spcAft>
-            <a:buChar char="••"/>
-          </a:pPr>
-          <a:r>
-            <a:rPr lang="fr-FR" sz="1050" kern="1200" dirty="0" smtClean="0"/>
-            <a:t>Lecture du cours (du mardi)</a:t>
-          </a:r>
-          <a:endParaRPr lang="fr-FR" sz="1050" kern="1200" dirty="0"/>
-        </a:p>
-      </dsp:txBody>
-      <dsp:txXfrm rot="-5400000">
-        <a:off x="566875" y="4384497"/>
-        <a:ext cx="7615252" cy="474992"/>
       </dsp:txXfrm>
     </dsp:sp>
   </dsp:spTree>
@@ -6054,1297 +2525,7 @@
 </dgm:layoutDef>
 </file>
 
-<file path=ppt/diagrams/layout2.xml><?xml version="1.0" encoding="utf-8"?>
-<dgm:layoutDef xmlns:dgm="http://schemas.openxmlformats.org/drawingml/2006/diagram" xmlns:a="http://schemas.openxmlformats.org/drawingml/2006/main" uniqueId="urn:microsoft.com/office/officeart/2005/8/layout/chevron2">
-  <dgm:title val=""/>
-  <dgm:desc val=""/>
-  <dgm:catLst>
-    <dgm:cat type="process" pri="12000"/>
-    <dgm:cat type="list" pri="16000"/>
-    <dgm:cat type="convert" pri="11000"/>
-  </dgm:catLst>
-  <dgm:sampData>
-    <dgm:dataModel>
-      <dgm:ptLst>
-        <dgm:pt modelId="0" type="doc"/>
-        <dgm:pt modelId="1">
-          <dgm:prSet phldr="1"/>
-        </dgm:pt>
-        <dgm:pt modelId="11">
-          <dgm:prSet phldr="1"/>
-        </dgm:pt>
-        <dgm:pt modelId="12">
-          <dgm:prSet phldr="1"/>
-        </dgm:pt>
-        <dgm:pt modelId="2">
-          <dgm:prSet phldr="1"/>
-        </dgm:pt>
-        <dgm:pt modelId="21">
-          <dgm:prSet phldr="1"/>
-        </dgm:pt>
-        <dgm:pt modelId="22">
-          <dgm:prSet phldr="1"/>
-        </dgm:pt>
-        <dgm:pt modelId="3">
-          <dgm:prSet phldr="1"/>
-        </dgm:pt>
-        <dgm:pt modelId="31">
-          <dgm:prSet phldr="1"/>
-        </dgm:pt>
-        <dgm:pt modelId="32">
-          <dgm:prSet phldr="1"/>
-        </dgm:pt>
-      </dgm:ptLst>
-      <dgm:cxnLst>
-        <dgm:cxn modelId="4" srcId="0" destId="1" srcOrd="0" destOrd="0"/>
-        <dgm:cxn modelId="5" srcId="0" destId="2" srcOrd="1" destOrd="0"/>
-        <dgm:cxn modelId="6" srcId="0" destId="3" srcOrd="2" destOrd="0"/>
-        <dgm:cxn modelId="13" srcId="1" destId="11" srcOrd="0" destOrd="0"/>
-        <dgm:cxn modelId="14" srcId="1" destId="12" srcOrd="1" destOrd="0"/>
-        <dgm:cxn modelId="23" srcId="2" destId="21" srcOrd="0" destOrd="0"/>
-        <dgm:cxn modelId="24" srcId="2" destId="22" srcOrd="1" destOrd="0"/>
-        <dgm:cxn modelId="33" srcId="3" destId="31" srcOrd="0" destOrd="0"/>
-        <dgm:cxn modelId="34" srcId="3" destId="32" srcOrd="1" destOrd="0"/>
-      </dgm:cxnLst>
-      <dgm:bg/>
-      <dgm:whole/>
-    </dgm:dataModel>
-  </dgm:sampData>
-  <dgm:styleData>
-    <dgm:dataModel>
-      <dgm:ptLst>
-        <dgm:pt modelId="0" type="doc"/>
-        <dgm:pt modelId="1"/>
-      </dgm:ptLst>
-      <dgm:cxnLst>
-        <dgm:cxn modelId="4" srcId="0" destId="1" srcOrd="0" destOrd="0"/>
-      </dgm:cxnLst>
-      <dgm:bg/>
-      <dgm:whole/>
-    </dgm:dataModel>
-  </dgm:styleData>
-  <dgm:clrData>
-    <dgm:dataModel>
-      <dgm:ptLst>
-        <dgm:pt modelId="0" type="doc"/>
-        <dgm:pt modelId="1"/>
-        <dgm:pt modelId="11"/>
-        <dgm:pt modelId="2"/>
-        <dgm:pt modelId="21"/>
-        <dgm:pt modelId="3"/>
-        <dgm:pt modelId="31"/>
-        <dgm:pt modelId="4"/>
-        <dgm:pt modelId="41"/>
-      </dgm:ptLst>
-      <dgm:cxnLst>
-        <dgm:cxn modelId="5" srcId="0" destId="1" srcOrd="0" destOrd="0"/>
-        <dgm:cxn modelId="6" srcId="0" destId="2" srcOrd="1" destOrd="0"/>
-        <dgm:cxn modelId="7" srcId="0" destId="3" srcOrd="2" destOrd="0"/>
-        <dgm:cxn modelId="8" srcId="0" destId="4" srcOrd="3" destOrd="0"/>
-        <dgm:cxn modelId="13" srcId="1" destId="11" srcOrd="0" destOrd="0"/>
-        <dgm:cxn modelId="23" srcId="2" destId="21" srcOrd="0" destOrd="0"/>
-        <dgm:cxn modelId="33" srcId="3" destId="31" srcOrd="0" destOrd="0"/>
-        <dgm:cxn modelId="43" srcId="4" destId="41" srcOrd="0" destOrd="0"/>
-      </dgm:cxnLst>
-      <dgm:bg/>
-      <dgm:whole/>
-    </dgm:dataModel>
-  </dgm:clrData>
-  <dgm:layoutNode name="linearFlow">
-    <dgm:varLst>
-      <dgm:dir/>
-      <dgm:animLvl val="lvl"/>
-      <dgm:resizeHandles val="exact"/>
-    </dgm:varLst>
-    <dgm:alg type="lin">
-      <dgm:param type="linDir" val="fromT"/>
-      <dgm:param type="nodeHorzAlign" val="l"/>
-    </dgm:alg>
-    <dgm:shape xmlns:r="http://schemas.openxmlformats.org/officeDocument/2006/relationships" r:blip="">
-      <dgm:adjLst/>
-    </dgm:shape>
-    <dgm:presOf/>
-    <dgm:constrLst>
-      <dgm:constr type="h" for="ch" forName="composite" refType="h"/>
-      <dgm:constr type="w" for="ch" forName="composite" refType="w"/>
-      <dgm:constr type="h" for="des" forName="parentText" op="equ"/>
-      <dgm:constr type="h" for="ch" forName="sp" val="-14.88"/>
-      <dgm:constr type="h" for="ch" forName="sp" refType="w" refFor="des" refForName="parentText" op="gte" fact="-0.3"/>
-      <dgm:constr type="primFontSz" for="des" forName="parentText" op="equ" val="65"/>
-      <dgm:constr type="primFontSz" for="des" forName="descendantText" op="equ" val="65"/>
-    </dgm:constrLst>
-    <dgm:ruleLst/>
-    <dgm:forEach name="Name0" axis="ch" ptType="node">
-      <dgm:layoutNode name="composite">
-        <dgm:alg type="composite"/>
-        <dgm:shape xmlns:r="http://schemas.openxmlformats.org/officeDocument/2006/relationships" r:blip="">
-          <dgm:adjLst/>
-        </dgm:shape>
-        <dgm:presOf/>
-        <dgm:choose name="Name1">
-          <dgm:if name="Name2" func="var" arg="dir" op="equ" val="norm">
-            <dgm:constrLst>
-              <dgm:constr type="t" for="ch" forName="parentText"/>
-              <dgm:constr type="l" for="ch" forName="parentText"/>
-              <dgm:constr type="w" for="ch" forName="parentText" refType="w" fact="0.4"/>
-              <dgm:constr type="h" for="ch" forName="parentText" refType="h"/>
-              <dgm:constr type="w" for="ch" forName="parentText" refType="w" op="lte" fact="0.5"/>
-              <dgm:constr type="w" for="ch" forName="parentText" refType="h" refFor="ch" refForName="parentText" op="lte" fact="0.7"/>
-              <dgm:constr type="h" for="ch" forName="parentText" refType="w" refFor="ch" refForName="parentText" op="lte" fact="3"/>
-              <dgm:constr type="l" for="ch" forName="descendantText" refType="w" refFor="ch" refForName="parentText"/>
-              <dgm:constr type="w" for="ch" forName="descendantText" refType="w"/>
-              <dgm:constr type="wOff" for="ch" forName="descendantText" refType="w" refFor="ch" refForName="parentText" fact="-1"/>
-              <dgm:constr type="t" for="ch" forName="descendantText"/>
-              <dgm:constr type="b" for="ch" forName="descendantText" refType="h" refFor="ch" refForName="parentText"/>
-              <dgm:constr type="bOff" for="ch" forName="descendantText" refType="w" refFor="ch" refForName="parentText" fact="-0.5"/>
-            </dgm:constrLst>
-          </dgm:if>
-          <dgm:else name="Name3">
-            <dgm:constrLst>
-              <dgm:constr type="t" for="ch" forName="parentText"/>
-              <dgm:constr type="r" for="ch" forName="parentText" refType="w"/>
-              <dgm:constr type="w" for="ch" forName="parentText" refType="w" fact="0.4"/>
-              <dgm:constr type="h" for="ch" forName="parentText" refType="h"/>
-              <dgm:constr type="w" for="ch" forName="parentText" refType="w" op="lte" fact="0.5"/>
-              <dgm:constr type="w" for="ch" forName="parentText" refType="h" refFor="ch" refForName="parentText" op="lte" fact="0.7"/>
-              <dgm:constr type="h" for="ch" forName="parentText" refType="w" refFor="ch" refForName="parentText" op="lte" fact="3"/>
-              <dgm:constr type="l" for="ch" forName="descendantText"/>
-              <dgm:constr type="w" for="ch" forName="descendantText" refType="w"/>
-              <dgm:constr type="wOff" for="ch" forName="descendantText" refType="w" refFor="ch" refForName="parentText" fact="-1"/>
-              <dgm:constr type="t" for="ch" forName="descendantText"/>
-              <dgm:constr type="b" for="ch" forName="descendantText" refType="h" refFor="ch" refForName="parentText"/>
-              <dgm:constr type="bOff" for="ch" forName="descendantText" refType="w" refFor="ch" refForName="parentText" fact="-0.5"/>
-            </dgm:constrLst>
-          </dgm:else>
-        </dgm:choose>
-        <dgm:ruleLst/>
-        <dgm:layoutNode name="parentText" styleLbl="alignNode1">
-          <dgm:varLst>
-            <dgm:chMax val="1"/>
-            <dgm:bulletEnabled val="1"/>
-          </dgm:varLst>
-          <dgm:alg type="tx"/>
-          <dgm:shape xmlns:r="http://schemas.openxmlformats.org/officeDocument/2006/relationships" rot="90" type="chevron" r:blip="">
-            <dgm:adjLst/>
-          </dgm:shape>
-          <dgm:presOf axis="self" ptType="node"/>
-          <dgm:constrLst>
-            <dgm:constr type="lMarg" refType="primFontSz" fact="0.05"/>
-            <dgm:constr type="rMarg" refType="primFontSz" fact="0.05"/>
-            <dgm:constr type="tMarg" refType="primFontSz" fact="0.05"/>
-            <dgm:constr type="bMarg" refType="primFontSz" fact="0.05"/>
-          </dgm:constrLst>
-          <dgm:ruleLst>
-            <dgm:rule type="h" val="100" fact="NaN" max="NaN"/>
-            <dgm:rule type="primFontSz" val="24" fact="NaN" max="NaN"/>
-            <dgm:rule type="h" val="110" fact="NaN" max="NaN"/>
-            <dgm:rule type="primFontSz" val="18" fact="NaN" max="NaN"/>
-            <dgm:rule type="h" val="INF" fact="NaN" max="NaN"/>
-            <dgm:rule type="primFontSz" val="5" fact="NaN" max="NaN"/>
-          </dgm:ruleLst>
-        </dgm:layoutNode>
-        <dgm:layoutNode name="descendantText" styleLbl="alignAcc1">
-          <dgm:varLst>
-            <dgm:bulletEnabled val="1"/>
-          </dgm:varLst>
-          <dgm:choose name="Name4">
-            <dgm:if name="Name5" func="var" arg="dir" op="equ" val="norm">
-              <dgm:alg type="tx">
-                <dgm:param type="stBulletLvl" val="1"/>
-                <dgm:param type="txAnchorVertCh" val="mid"/>
-              </dgm:alg>
-              <dgm:shape xmlns:r="http://schemas.openxmlformats.org/officeDocument/2006/relationships" rot="90" type="round2SameRect" r:blip="">
-                <dgm:adjLst/>
-              </dgm:shape>
-            </dgm:if>
-            <dgm:else name="Name6">
-              <dgm:alg type="tx">
-                <dgm:param type="stBulletLvl" val="1"/>
-                <dgm:param type="txAnchorVertCh" val="mid"/>
-              </dgm:alg>
-              <dgm:shape xmlns:r="http://schemas.openxmlformats.org/officeDocument/2006/relationships" rot="-90" type="round2SameRect" r:blip="">
-                <dgm:adjLst/>
-              </dgm:shape>
-            </dgm:else>
-          </dgm:choose>
-          <dgm:presOf axis="des" ptType="node"/>
-          <dgm:choose name="Name7">
-            <dgm:if name="Name8" func="var" arg="dir" op="equ" val="norm">
-              <dgm:constrLst>
-                <dgm:constr type="secFontSz" refType="primFontSz"/>
-                <dgm:constr type="tMarg" refType="primFontSz" fact="0.05"/>
-                <dgm:constr type="bMarg" refType="primFontSz" fact="0.05"/>
-                <dgm:constr type="rMarg" refType="primFontSz" fact="0.05"/>
-              </dgm:constrLst>
-            </dgm:if>
-            <dgm:else name="Name9">
-              <dgm:constrLst>
-                <dgm:constr type="secFontSz" refType="primFontSz"/>
-                <dgm:constr type="tMarg" refType="primFontSz" fact="0.05"/>
-                <dgm:constr type="bMarg" refType="primFontSz" fact="0.05"/>
-                <dgm:constr type="lMarg" refType="primFontSz" fact="0.05"/>
-              </dgm:constrLst>
-            </dgm:else>
-          </dgm:choose>
-          <dgm:ruleLst>
-            <dgm:rule type="primFontSz" val="5" fact="NaN" max="NaN"/>
-          </dgm:ruleLst>
-        </dgm:layoutNode>
-      </dgm:layoutNode>
-      <dgm:forEach name="Name10" axis="followSib" ptType="sibTrans" cnt="1">
-        <dgm:layoutNode name="sp">
-          <dgm:alg type="sp"/>
-          <dgm:shape xmlns:r="http://schemas.openxmlformats.org/officeDocument/2006/relationships" r:blip="">
-            <dgm:adjLst/>
-          </dgm:shape>
-          <dgm:presOf axis="self"/>
-          <dgm:constrLst>
-            <dgm:constr type="w" val="1"/>
-            <dgm:constr type="h" val="37.5"/>
-          </dgm:constrLst>
-          <dgm:ruleLst/>
-        </dgm:layoutNode>
-      </dgm:forEach>
-    </dgm:forEach>
-  </dgm:layoutNode>
-</dgm:layoutDef>
-</file>
-
 <file path=ppt/diagrams/quickStyle1.xml><?xml version="1.0" encoding="utf-8"?>
-<dgm:styleDef xmlns:dgm="http://schemas.openxmlformats.org/drawingml/2006/diagram" xmlns:a="http://schemas.openxmlformats.org/drawingml/2006/main" uniqueId="urn:microsoft.com/office/officeart/2005/8/quickstyle/simple1">
-  <dgm:title val=""/>
-  <dgm:desc val=""/>
-  <dgm:catLst>
-    <dgm:cat type="simple" pri="10100"/>
-  </dgm:catLst>
-  <dgm:scene3d>
-    <a:camera prst="orthographicFront"/>
-    <a:lightRig rig="threePt" dir="t"/>
-  </dgm:scene3d>
-  <dgm:styleLbl name="node0">
-    <dgm:scene3d>
-      <a:camera prst="orthographicFront"/>
-      <a:lightRig rig="threePt" dir="t"/>
-    </dgm:scene3d>
-    <dgm:sp3d/>
-    <dgm:txPr/>
-    <dgm:style>
-      <a:lnRef idx="2">
-        <a:scrgbClr r="0" g="0" b="0"/>
-      </a:lnRef>
-      <a:fillRef idx="1">
-        <a:scrgbClr r="0" g="0" b="0"/>
-      </a:fillRef>
-      <a:effectRef idx="0">
-        <a:scrgbClr r="0" g="0" b="0"/>
-      </a:effectRef>
-      <a:fontRef idx="minor">
-        <a:schemeClr val="lt1"/>
-      </a:fontRef>
-    </dgm:style>
-  </dgm:styleLbl>
-  <dgm:styleLbl name="lnNode1">
-    <dgm:scene3d>
-      <a:camera prst="orthographicFront"/>
-      <a:lightRig rig="threePt" dir="t"/>
-    </dgm:scene3d>
-    <dgm:sp3d/>
-    <dgm:txPr/>
-    <dgm:style>
-      <a:lnRef idx="2">
-        <a:scrgbClr r="0" g="0" b="0"/>
-      </a:lnRef>
-      <a:fillRef idx="1">
-        <a:scrgbClr r="0" g="0" b="0"/>
-      </a:fillRef>
-      <a:effectRef idx="0">
-        <a:scrgbClr r="0" g="0" b="0"/>
-      </a:effectRef>
-      <a:fontRef idx="minor">
-        <a:schemeClr val="lt1"/>
-      </a:fontRef>
-    </dgm:style>
-  </dgm:styleLbl>
-  <dgm:styleLbl name="vennNode1">
-    <dgm:scene3d>
-      <a:camera prst="orthographicFront"/>
-      <a:lightRig rig="threePt" dir="t"/>
-    </dgm:scene3d>
-    <dgm:sp3d/>
-    <dgm:txPr/>
-    <dgm:style>
-      <a:lnRef idx="2">
-        <a:scrgbClr r="0" g="0" b="0"/>
-      </a:lnRef>
-      <a:fillRef idx="1">
-        <a:scrgbClr r="0" g="0" b="0"/>
-      </a:fillRef>
-      <a:effectRef idx="0">
-        <a:scrgbClr r="0" g="0" b="0"/>
-      </a:effectRef>
-      <a:fontRef idx="minor">
-        <a:schemeClr val="tx1"/>
-      </a:fontRef>
-    </dgm:style>
-  </dgm:styleLbl>
-  <dgm:styleLbl name="alignNode1">
-    <dgm:scene3d>
-      <a:camera prst="orthographicFront"/>
-      <a:lightRig rig="threePt" dir="t"/>
-    </dgm:scene3d>
-    <dgm:sp3d/>
-    <dgm:txPr/>
-    <dgm:style>
-      <a:lnRef idx="2">
-        <a:scrgbClr r="0" g="0" b="0"/>
-      </a:lnRef>
-      <a:fillRef idx="1">
-        <a:scrgbClr r="0" g="0" b="0"/>
-      </a:fillRef>
-      <a:effectRef idx="0">
-        <a:scrgbClr r="0" g="0" b="0"/>
-      </a:effectRef>
-      <a:fontRef idx="minor">
-        <a:schemeClr val="lt1"/>
-      </a:fontRef>
-    </dgm:style>
-  </dgm:styleLbl>
-  <dgm:styleLbl name="node1">
-    <dgm:scene3d>
-      <a:camera prst="orthographicFront"/>
-      <a:lightRig rig="threePt" dir="t"/>
-    </dgm:scene3d>
-    <dgm:sp3d/>
-    <dgm:txPr/>
-    <dgm:style>
-      <a:lnRef idx="2">
-        <a:scrgbClr r="0" g="0" b="0"/>
-      </a:lnRef>
-      <a:fillRef idx="1">
-        <a:scrgbClr r="0" g="0" b="0"/>
-      </a:fillRef>
-      <a:effectRef idx="0">
-        <a:scrgbClr r="0" g="0" b="0"/>
-      </a:effectRef>
-      <a:fontRef idx="minor">
-        <a:schemeClr val="lt1"/>
-      </a:fontRef>
-    </dgm:style>
-  </dgm:styleLbl>
-  <dgm:styleLbl name="node2">
-    <dgm:scene3d>
-      <a:camera prst="orthographicFront"/>
-      <a:lightRig rig="threePt" dir="t"/>
-    </dgm:scene3d>
-    <dgm:sp3d/>
-    <dgm:txPr/>
-    <dgm:style>
-      <a:lnRef idx="2">
-        <a:scrgbClr r="0" g="0" b="0"/>
-      </a:lnRef>
-      <a:fillRef idx="1">
-        <a:scrgbClr r="0" g="0" b="0"/>
-      </a:fillRef>
-      <a:effectRef idx="0">
-        <a:scrgbClr r="0" g="0" b="0"/>
-      </a:effectRef>
-      <a:fontRef idx="minor">
-        <a:schemeClr val="lt1"/>
-      </a:fontRef>
-    </dgm:style>
-  </dgm:styleLbl>
-  <dgm:styleLbl name="node3">
-    <dgm:scene3d>
-      <a:camera prst="orthographicFront"/>
-      <a:lightRig rig="threePt" dir="t"/>
-    </dgm:scene3d>
-    <dgm:sp3d/>
-    <dgm:txPr/>
-    <dgm:style>
-      <a:lnRef idx="2">
-        <a:scrgbClr r="0" g="0" b="0"/>
-      </a:lnRef>
-      <a:fillRef idx="1">
-        <a:scrgbClr r="0" g="0" b="0"/>
-      </a:fillRef>
-      <a:effectRef idx="0">
-        <a:scrgbClr r="0" g="0" b="0"/>
-      </a:effectRef>
-      <a:fontRef idx="minor">
-        <a:schemeClr val="lt1"/>
-      </a:fontRef>
-    </dgm:style>
-  </dgm:styleLbl>
-  <dgm:styleLbl name="node4">
-    <dgm:scene3d>
-      <a:camera prst="orthographicFront"/>
-      <a:lightRig rig="threePt" dir="t"/>
-    </dgm:scene3d>
-    <dgm:sp3d/>
-    <dgm:txPr/>
-    <dgm:style>
-      <a:lnRef idx="2">
-        <a:scrgbClr r="0" g="0" b="0"/>
-      </a:lnRef>
-      <a:fillRef idx="1">
-        <a:scrgbClr r="0" g="0" b="0"/>
-      </a:fillRef>
-      <a:effectRef idx="0">
-        <a:scrgbClr r="0" g="0" b="0"/>
-      </a:effectRef>
-      <a:fontRef idx="minor">
-        <a:schemeClr val="lt1"/>
-      </a:fontRef>
-    </dgm:style>
-  </dgm:styleLbl>
-  <dgm:styleLbl name="fgImgPlace1">
-    <dgm:scene3d>
-      <a:camera prst="orthographicFront"/>
-      <a:lightRig rig="threePt" dir="t"/>
-    </dgm:scene3d>
-    <dgm:sp3d/>
-    <dgm:txPr/>
-    <dgm:style>
-      <a:lnRef idx="2">
-        <a:scrgbClr r="0" g="0" b="0"/>
-      </a:lnRef>
-      <a:fillRef idx="1">
-        <a:scrgbClr r="0" g="0" b="0"/>
-      </a:fillRef>
-      <a:effectRef idx="0">
-        <a:scrgbClr r="0" g="0" b="0"/>
-      </a:effectRef>
-      <a:fontRef idx="minor"/>
-    </dgm:style>
-  </dgm:styleLbl>
-  <dgm:styleLbl name="alignImgPlace1">
-    <dgm:scene3d>
-      <a:camera prst="orthographicFront"/>
-      <a:lightRig rig="threePt" dir="t"/>
-    </dgm:scene3d>
-    <dgm:sp3d/>
-    <dgm:txPr/>
-    <dgm:style>
-      <a:lnRef idx="2">
-        <a:scrgbClr r="0" g="0" b="0"/>
-      </a:lnRef>
-      <a:fillRef idx="1">
-        <a:scrgbClr r="0" g="0" b="0"/>
-      </a:fillRef>
-      <a:effectRef idx="0">
-        <a:scrgbClr r="0" g="0" b="0"/>
-      </a:effectRef>
-      <a:fontRef idx="minor"/>
-    </dgm:style>
-  </dgm:styleLbl>
-  <dgm:styleLbl name="bgImgPlace1">
-    <dgm:scene3d>
-      <a:camera prst="orthographicFront"/>
-      <a:lightRig rig="threePt" dir="t"/>
-    </dgm:scene3d>
-    <dgm:sp3d/>
-    <dgm:txPr/>
-    <dgm:style>
-      <a:lnRef idx="2">
-        <a:scrgbClr r="0" g="0" b="0"/>
-      </a:lnRef>
-      <a:fillRef idx="1">
-        <a:scrgbClr r="0" g="0" b="0"/>
-      </a:fillRef>
-      <a:effectRef idx="0">
-        <a:scrgbClr r="0" g="0" b="0"/>
-      </a:effectRef>
-      <a:fontRef idx="minor"/>
-    </dgm:style>
-  </dgm:styleLbl>
-  <dgm:styleLbl name="sibTrans2D1">
-    <dgm:scene3d>
-      <a:camera prst="orthographicFront"/>
-      <a:lightRig rig="threePt" dir="t"/>
-    </dgm:scene3d>
-    <dgm:sp3d/>
-    <dgm:txPr/>
-    <dgm:style>
-      <a:lnRef idx="0">
-        <a:scrgbClr r="0" g="0" b="0"/>
-      </a:lnRef>
-      <a:fillRef idx="1">
-        <a:scrgbClr r="0" g="0" b="0"/>
-      </a:fillRef>
-      <a:effectRef idx="0">
-        <a:scrgbClr r="0" g="0" b="0"/>
-      </a:effectRef>
-      <a:fontRef idx="minor">
-        <a:schemeClr val="lt1"/>
-      </a:fontRef>
-    </dgm:style>
-  </dgm:styleLbl>
-  <dgm:styleLbl name="fgSibTrans2D1">
-    <dgm:scene3d>
-      <a:camera prst="orthographicFront"/>
-      <a:lightRig rig="threePt" dir="t"/>
-    </dgm:scene3d>
-    <dgm:sp3d/>
-    <dgm:txPr/>
-    <dgm:style>
-      <a:lnRef idx="0">
-        <a:scrgbClr r="0" g="0" b="0"/>
-      </a:lnRef>
-      <a:fillRef idx="1">
-        <a:scrgbClr r="0" g="0" b="0"/>
-      </a:fillRef>
-      <a:effectRef idx="0">
-        <a:scrgbClr r="0" g="0" b="0"/>
-      </a:effectRef>
-      <a:fontRef idx="minor">
-        <a:schemeClr val="lt1"/>
-      </a:fontRef>
-    </dgm:style>
-  </dgm:styleLbl>
-  <dgm:styleLbl name="bgSibTrans2D1">
-    <dgm:scene3d>
-      <a:camera prst="orthographicFront"/>
-      <a:lightRig rig="threePt" dir="t"/>
-    </dgm:scene3d>
-    <dgm:sp3d/>
-    <dgm:txPr/>
-    <dgm:style>
-      <a:lnRef idx="0">
-        <a:scrgbClr r="0" g="0" b="0"/>
-      </a:lnRef>
-      <a:fillRef idx="1">
-        <a:scrgbClr r="0" g="0" b="0"/>
-      </a:fillRef>
-      <a:effectRef idx="0">
-        <a:scrgbClr r="0" g="0" b="0"/>
-      </a:effectRef>
-      <a:fontRef idx="minor">
-        <a:schemeClr val="lt1"/>
-      </a:fontRef>
-    </dgm:style>
-  </dgm:styleLbl>
-  <dgm:styleLbl name="sibTrans1D1">
-    <dgm:scene3d>
-      <a:camera prst="orthographicFront"/>
-      <a:lightRig rig="threePt" dir="t"/>
-    </dgm:scene3d>
-    <dgm:sp3d/>
-    <dgm:txPr/>
-    <dgm:style>
-      <a:lnRef idx="1">
-        <a:scrgbClr r="0" g="0" b="0"/>
-      </a:lnRef>
-      <a:fillRef idx="0">
-        <a:scrgbClr r="0" g="0" b="0"/>
-      </a:fillRef>
-      <a:effectRef idx="0">
-        <a:scrgbClr r="0" g="0" b="0"/>
-      </a:effectRef>
-      <a:fontRef idx="minor"/>
-    </dgm:style>
-  </dgm:styleLbl>
-  <dgm:styleLbl name="callout">
-    <dgm:scene3d>
-      <a:camera prst="orthographicFront"/>
-      <a:lightRig rig="threePt" dir="t"/>
-    </dgm:scene3d>
-    <dgm:sp3d/>
-    <dgm:txPr/>
-    <dgm:style>
-      <a:lnRef idx="2">
-        <a:scrgbClr r="0" g="0" b="0"/>
-      </a:lnRef>
-      <a:fillRef idx="1">
-        <a:scrgbClr r="0" g="0" b="0"/>
-      </a:fillRef>
-      <a:effectRef idx="0">
-        <a:scrgbClr r="0" g="0" b="0"/>
-      </a:effectRef>
-      <a:fontRef idx="minor"/>
-    </dgm:style>
-  </dgm:styleLbl>
-  <dgm:styleLbl name="asst0">
-    <dgm:scene3d>
-      <a:camera prst="orthographicFront"/>
-      <a:lightRig rig="threePt" dir="t"/>
-    </dgm:scene3d>
-    <dgm:sp3d/>
-    <dgm:txPr/>
-    <dgm:style>
-      <a:lnRef idx="2">
-        <a:scrgbClr r="0" g="0" b="0"/>
-      </a:lnRef>
-      <a:fillRef idx="1">
-        <a:scrgbClr r="0" g="0" b="0"/>
-      </a:fillRef>
-      <a:effectRef idx="0">
-        <a:scrgbClr r="0" g="0" b="0"/>
-      </a:effectRef>
-      <a:fontRef idx="minor">
-        <a:schemeClr val="lt1"/>
-      </a:fontRef>
-    </dgm:style>
-  </dgm:styleLbl>
-  <dgm:styleLbl name="asst1">
-    <dgm:scene3d>
-      <a:camera prst="orthographicFront"/>
-      <a:lightRig rig="threePt" dir="t"/>
-    </dgm:scene3d>
-    <dgm:sp3d/>
-    <dgm:txPr/>
-    <dgm:style>
-      <a:lnRef idx="2">
-        <a:scrgbClr r="0" g="0" b="0"/>
-      </a:lnRef>
-      <a:fillRef idx="1">
-        <a:scrgbClr r="0" g="0" b="0"/>
-      </a:fillRef>
-      <a:effectRef idx="0">
-        <a:scrgbClr r="0" g="0" b="0"/>
-      </a:effectRef>
-      <a:fontRef idx="minor">
-        <a:schemeClr val="lt1"/>
-      </a:fontRef>
-    </dgm:style>
-  </dgm:styleLbl>
-  <dgm:styleLbl name="asst2">
-    <dgm:scene3d>
-      <a:camera prst="orthographicFront"/>
-      <a:lightRig rig="threePt" dir="t"/>
-    </dgm:scene3d>
-    <dgm:sp3d/>
-    <dgm:txPr/>
-    <dgm:style>
-      <a:lnRef idx="2">
-        <a:scrgbClr r="0" g="0" b="0"/>
-      </a:lnRef>
-      <a:fillRef idx="1">
-        <a:scrgbClr r="0" g="0" b="0"/>
-      </a:fillRef>
-      <a:effectRef idx="0">
-        <a:scrgbClr r="0" g="0" b="0"/>
-      </a:effectRef>
-      <a:fontRef idx="minor">
-        <a:schemeClr val="lt1"/>
-      </a:fontRef>
-    </dgm:style>
-  </dgm:styleLbl>
-  <dgm:styleLbl name="asst3">
-    <dgm:scene3d>
-      <a:camera prst="orthographicFront"/>
-      <a:lightRig rig="threePt" dir="t"/>
-    </dgm:scene3d>
-    <dgm:sp3d/>
-    <dgm:txPr/>
-    <dgm:style>
-      <a:lnRef idx="2">
-        <a:scrgbClr r="0" g="0" b="0"/>
-      </a:lnRef>
-      <a:fillRef idx="1">
-        <a:scrgbClr r="0" g="0" b="0"/>
-      </a:fillRef>
-      <a:effectRef idx="0">
-        <a:scrgbClr r="0" g="0" b="0"/>
-      </a:effectRef>
-      <a:fontRef idx="minor">
-        <a:schemeClr val="lt1"/>
-      </a:fontRef>
-    </dgm:style>
-  </dgm:styleLbl>
-  <dgm:styleLbl name="asst4">
-    <dgm:scene3d>
-      <a:camera prst="orthographicFront"/>
-      <a:lightRig rig="threePt" dir="t"/>
-    </dgm:scene3d>
-    <dgm:sp3d/>
-    <dgm:txPr/>
-    <dgm:style>
-      <a:lnRef idx="2">
-        <a:scrgbClr r="0" g="0" b="0"/>
-      </a:lnRef>
-      <a:fillRef idx="1">
-        <a:scrgbClr r="0" g="0" b="0"/>
-      </a:fillRef>
-      <a:effectRef idx="0">
-        <a:scrgbClr r="0" g="0" b="0"/>
-      </a:effectRef>
-      <a:fontRef idx="minor">
-        <a:schemeClr val="lt1"/>
-      </a:fontRef>
-    </dgm:style>
-  </dgm:styleLbl>
-  <dgm:styleLbl name="parChTrans2D1">
-    <dgm:scene3d>
-      <a:camera prst="orthographicFront"/>
-      <a:lightRig rig="threePt" dir="t"/>
-    </dgm:scene3d>
-    <dgm:sp3d/>
-    <dgm:txPr/>
-    <dgm:style>
-      <a:lnRef idx="2">
-        <a:scrgbClr r="0" g="0" b="0"/>
-      </a:lnRef>
-      <a:fillRef idx="1">
-        <a:scrgbClr r="0" g="0" b="0"/>
-      </a:fillRef>
-      <a:effectRef idx="0">
-        <a:scrgbClr r="0" g="0" b="0"/>
-      </a:effectRef>
-      <a:fontRef idx="minor">
-        <a:schemeClr val="lt1"/>
-      </a:fontRef>
-    </dgm:style>
-  </dgm:styleLbl>
-  <dgm:styleLbl name="parChTrans2D2">
-    <dgm:scene3d>
-      <a:camera prst="orthographicFront"/>
-      <a:lightRig rig="threePt" dir="t"/>
-    </dgm:scene3d>
-    <dgm:sp3d/>
-    <dgm:txPr/>
-    <dgm:style>
-      <a:lnRef idx="2">
-        <a:scrgbClr r="0" g="0" b="0"/>
-      </a:lnRef>
-      <a:fillRef idx="1">
-        <a:scrgbClr r="0" g="0" b="0"/>
-      </a:fillRef>
-      <a:effectRef idx="0">
-        <a:scrgbClr r="0" g="0" b="0"/>
-      </a:effectRef>
-      <a:fontRef idx="minor">
-        <a:schemeClr val="lt1"/>
-      </a:fontRef>
-    </dgm:style>
-  </dgm:styleLbl>
-  <dgm:styleLbl name="parChTrans2D3">
-    <dgm:scene3d>
-      <a:camera prst="orthographicFront"/>
-      <a:lightRig rig="threePt" dir="t"/>
-    </dgm:scene3d>
-    <dgm:sp3d/>
-    <dgm:txPr/>
-    <dgm:style>
-      <a:lnRef idx="2">
-        <a:scrgbClr r="0" g="0" b="0"/>
-      </a:lnRef>
-      <a:fillRef idx="1">
-        <a:scrgbClr r="0" g="0" b="0"/>
-      </a:fillRef>
-      <a:effectRef idx="0">
-        <a:scrgbClr r="0" g="0" b="0"/>
-      </a:effectRef>
-      <a:fontRef idx="minor">
-        <a:schemeClr val="lt1"/>
-      </a:fontRef>
-    </dgm:style>
-  </dgm:styleLbl>
-  <dgm:styleLbl name="parChTrans2D4">
-    <dgm:scene3d>
-      <a:camera prst="orthographicFront"/>
-      <a:lightRig rig="threePt" dir="t"/>
-    </dgm:scene3d>
-    <dgm:sp3d/>
-    <dgm:txPr/>
-    <dgm:style>
-      <a:lnRef idx="2">
-        <a:scrgbClr r="0" g="0" b="0"/>
-      </a:lnRef>
-      <a:fillRef idx="1">
-        <a:scrgbClr r="0" g="0" b="0"/>
-      </a:fillRef>
-      <a:effectRef idx="0">
-        <a:scrgbClr r="0" g="0" b="0"/>
-      </a:effectRef>
-      <a:fontRef idx="minor">
-        <a:schemeClr val="lt1"/>
-      </a:fontRef>
-    </dgm:style>
-  </dgm:styleLbl>
-  <dgm:styleLbl name="parChTrans1D1">
-    <dgm:scene3d>
-      <a:camera prst="orthographicFront"/>
-      <a:lightRig rig="threePt" dir="t"/>
-    </dgm:scene3d>
-    <dgm:sp3d/>
-    <dgm:txPr/>
-    <dgm:style>
-      <a:lnRef idx="2">
-        <a:scrgbClr r="0" g="0" b="0"/>
-      </a:lnRef>
-      <a:fillRef idx="0">
-        <a:scrgbClr r="0" g="0" b="0"/>
-      </a:fillRef>
-      <a:effectRef idx="0">
-        <a:scrgbClr r="0" g="0" b="0"/>
-      </a:effectRef>
-      <a:fontRef idx="minor"/>
-    </dgm:style>
-  </dgm:styleLbl>
-  <dgm:styleLbl name="parChTrans1D2">
-    <dgm:scene3d>
-      <a:camera prst="orthographicFront"/>
-      <a:lightRig rig="threePt" dir="t"/>
-    </dgm:scene3d>
-    <dgm:sp3d/>
-    <dgm:txPr/>
-    <dgm:style>
-      <a:lnRef idx="2">
-        <a:scrgbClr r="0" g="0" b="0"/>
-      </a:lnRef>
-      <a:fillRef idx="0">
-        <a:scrgbClr r="0" g="0" b="0"/>
-      </a:fillRef>
-      <a:effectRef idx="0">
-        <a:scrgbClr r="0" g="0" b="0"/>
-      </a:effectRef>
-      <a:fontRef idx="minor"/>
-    </dgm:style>
-  </dgm:styleLbl>
-  <dgm:styleLbl name="parChTrans1D3">
-    <dgm:scene3d>
-      <a:camera prst="orthographicFront"/>
-      <a:lightRig rig="threePt" dir="t"/>
-    </dgm:scene3d>
-    <dgm:sp3d/>
-    <dgm:txPr/>
-    <dgm:style>
-      <a:lnRef idx="2">
-        <a:scrgbClr r="0" g="0" b="0"/>
-      </a:lnRef>
-      <a:fillRef idx="0">
-        <a:scrgbClr r="0" g="0" b="0"/>
-      </a:fillRef>
-      <a:effectRef idx="0">
-        <a:scrgbClr r="0" g="0" b="0"/>
-      </a:effectRef>
-      <a:fontRef idx="minor"/>
-    </dgm:style>
-  </dgm:styleLbl>
-  <dgm:styleLbl name="parChTrans1D4">
-    <dgm:scene3d>
-      <a:camera prst="orthographicFront"/>
-      <a:lightRig rig="threePt" dir="t"/>
-    </dgm:scene3d>
-    <dgm:sp3d/>
-    <dgm:txPr/>
-    <dgm:style>
-      <a:lnRef idx="2">
-        <a:scrgbClr r="0" g="0" b="0"/>
-      </a:lnRef>
-      <a:fillRef idx="0">
-        <a:scrgbClr r="0" g="0" b="0"/>
-      </a:fillRef>
-      <a:effectRef idx="0">
-        <a:scrgbClr r="0" g="0" b="0"/>
-      </a:effectRef>
-      <a:fontRef idx="minor"/>
-    </dgm:style>
-  </dgm:styleLbl>
-  <dgm:styleLbl name="fgAcc1">
-    <dgm:scene3d>
-      <a:camera prst="orthographicFront"/>
-      <a:lightRig rig="threePt" dir="t"/>
-    </dgm:scene3d>
-    <dgm:sp3d/>
-    <dgm:txPr/>
-    <dgm:style>
-      <a:lnRef idx="2">
-        <a:scrgbClr r="0" g="0" b="0"/>
-      </a:lnRef>
-      <a:fillRef idx="1">
-        <a:scrgbClr r="0" g="0" b="0"/>
-      </a:fillRef>
-      <a:effectRef idx="0">
-        <a:scrgbClr r="0" g="0" b="0"/>
-      </a:effectRef>
-      <a:fontRef idx="minor"/>
-    </dgm:style>
-  </dgm:styleLbl>
-  <dgm:styleLbl name="conFgAcc1">
-    <dgm:scene3d>
-      <a:camera prst="orthographicFront"/>
-      <a:lightRig rig="threePt" dir="t"/>
-    </dgm:scene3d>
-    <dgm:sp3d/>
-    <dgm:txPr/>
-    <dgm:style>
-      <a:lnRef idx="2">
-        <a:scrgbClr r="0" g="0" b="0"/>
-      </a:lnRef>
-      <a:fillRef idx="1">
-        <a:scrgbClr r="0" g="0" b="0"/>
-      </a:fillRef>
-      <a:effectRef idx="0">
-        <a:scrgbClr r="0" g="0" b="0"/>
-      </a:effectRef>
-      <a:fontRef idx="minor"/>
-    </dgm:style>
-  </dgm:styleLbl>
-  <dgm:styleLbl name="alignAcc1">
-    <dgm:scene3d>
-      <a:camera prst="orthographicFront"/>
-      <a:lightRig rig="threePt" dir="t"/>
-    </dgm:scene3d>
-    <dgm:sp3d/>
-    <dgm:txPr/>
-    <dgm:style>
-      <a:lnRef idx="2">
-        <a:scrgbClr r="0" g="0" b="0"/>
-      </a:lnRef>
-      <a:fillRef idx="1">
-        <a:scrgbClr r="0" g="0" b="0"/>
-      </a:fillRef>
-      <a:effectRef idx="0">
-        <a:scrgbClr r="0" g="0" b="0"/>
-      </a:effectRef>
-      <a:fontRef idx="minor"/>
-    </dgm:style>
-  </dgm:styleLbl>
-  <dgm:styleLbl name="trAlignAcc1">
-    <dgm:scene3d>
-      <a:camera prst="orthographicFront"/>
-      <a:lightRig rig="threePt" dir="t"/>
-    </dgm:scene3d>
-    <dgm:sp3d/>
-    <dgm:txPr/>
-    <dgm:style>
-      <a:lnRef idx="1">
-        <a:scrgbClr r="0" g="0" b="0"/>
-      </a:lnRef>
-      <a:fillRef idx="1">
-        <a:scrgbClr r="0" g="0" b="0"/>
-      </a:fillRef>
-      <a:effectRef idx="0">
-        <a:scrgbClr r="0" g="0" b="0"/>
-      </a:effectRef>
-      <a:fontRef idx="minor"/>
-    </dgm:style>
-  </dgm:styleLbl>
-  <dgm:styleLbl name="bgAcc1">
-    <dgm:scene3d>
-      <a:camera prst="orthographicFront"/>
-      <a:lightRig rig="threePt" dir="t"/>
-    </dgm:scene3d>
-    <dgm:sp3d/>
-    <dgm:txPr/>
-    <dgm:style>
-      <a:lnRef idx="2">
-        <a:scrgbClr r="0" g="0" b="0"/>
-      </a:lnRef>
-      <a:fillRef idx="1">
-        <a:scrgbClr r="0" g="0" b="0"/>
-      </a:fillRef>
-      <a:effectRef idx="0">
-        <a:scrgbClr r="0" g="0" b="0"/>
-      </a:effectRef>
-      <a:fontRef idx="minor"/>
-    </dgm:style>
-  </dgm:styleLbl>
-  <dgm:styleLbl name="solidFgAcc1">
-    <dgm:scene3d>
-      <a:camera prst="orthographicFront"/>
-      <a:lightRig rig="threePt" dir="t"/>
-    </dgm:scene3d>
-    <dgm:sp3d/>
-    <dgm:txPr/>
-    <dgm:style>
-      <a:lnRef idx="2">
-        <a:scrgbClr r="0" g="0" b="0"/>
-      </a:lnRef>
-      <a:fillRef idx="1">
-        <a:scrgbClr r="0" g="0" b="0"/>
-      </a:fillRef>
-      <a:effectRef idx="0">
-        <a:scrgbClr r="0" g="0" b="0"/>
-      </a:effectRef>
-      <a:fontRef idx="minor"/>
-    </dgm:style>
-  </dgm:styleLbl>
-  <dgm:styleLbl name="solidAlignAcc1">
-    <dgm:scene3d>
-      <a:camera prst="orthographicFront"/>
-      <a:lightRig rig="threePt" dir="t"/>
-    </dgm:scene3d>
-    <dgm:sp3d/>
-    <dgm:txPr/>
-    <dgm:style>
-      <a:lnRef idx="2">
-        <a:scrgbClr r="0" g="0" b="0"/>
-      </a:lnRef>
-      <a:fillRef idx="1">
-        <a:scrgbClr r="0" g="0" b="0"/>
-      </a:fillRef>
-      <a:effectRef idx="0">
-        <a:scrgbClr r="0" g="0" b="0"/>
-      </a:effectRef>
-      <a:fontRef idx="minor"/>
-    </dgm:style>
-  </dgm:styleLbl>
-  <dgm:styleLbl name="solidBgAcc1">
-    <dgm:scene3d>
-      <a:camera prst="orthographicFront"/>
-      <a:lightRig rig="threePt" dir="t"/>
-    </dgm:scene3d>
-    <dgm:sp3d/>
-    <dgm:txPr/>
-    <dgm:style>
-      <a:lnRef idx="2">
-        <a:scrgbClr r="0" g="0" b="0"/>
-      </a:lnRef>
-      <a:fillRef idx="1">
-        <a:scrgbClr r="0" g="0" b="0"/>
-      </a:fillRef>
-      <a:effectRef idx="0">
-        <a:scrgbClr r="0" g="0" b="0"/>
-      </a:effectRef>
-      <a:fontRef idx="minor"/>
-    </dgm:style>
-  </dgm:styleLbl>
-  <dgm:styleLbl name="fgAccFollowNode1">
-    <dgm:scene3d>
-      <a:camera prst="orthographicFront"/>
-      <a:lightRig rig="threePt" dir="t"/>
-    </dgm:scene3d>
-    <dgm:sp3d/>
-    <dgm:txPr/>
-    <dgm:style>
-      <a:lnRef idx="2">
-        <a:scrgbClr r="0" g="0" b="0"/>
-      </a:lnRef>
-      <a:fillRef idx="1">
-        <a:scrgbClr r="0" g="0" b="0"/>
-      </a:fillRef>
-      <a:effectRef idx="0">
-        <a:scrgbClr r="0" g="0" b="0"/>
-      </a:effectRef>
-      <a:fontRef idx="minor"/>
-    </dgm:style>
-  </dgm:styleLbl>
-  <dgm:styleLbl name="alignAccFollowNode1">
-    <dgm:scene3d>
-      <a:camera prst="orthographicFront"/>
-      <a:lightRig rig="threePt" dir="t"/>
-    </dgm:scene3d>
-    <dgm:sp3d/>
-    <dgm:txPr/>
-    <dgm:style>
-      <a:lnRef idx="2">
-        <a:scrgbClr r="0" g="0" b="0"/>
-      </a:lnRef>
-      <a:fillRef idx="1">
-        <a:scrgbClr r="0" g="0" b="0"/>
-      </a:fillRef>
-      <a:effectRef idx="0">
-        <a:scrgbClr r="0" g="0" b="0"/>
-      </a:effectRef>
-      <a:fontRef idx="minor"/>
-    </dgm:style>
-  </dgm:styleLbl>
-  <dgm:styleLbl name="bgAccFollowNode1">
-    <dgm:scene3d>
-      <a:camera prst="orthographicFront"/>
-      <a:lightRig rig="threePt" dir="t"/>
-    </dgm:scene3d>
-    <dgm:sp3d/>
-    <dgm:txPr/>
-    <dgm:style>
-      <a:lnRef idx="2">
-        <a:scrgbClr r="0" g="0" b="0"/>
-      </a:lnRef>
-      <a:fillRef idx="1">
-        <a:scrgbClr r="0" g="0" b="0"/>
-      </a:fillRef>
-      <a:effectRef idx="0">
-        <a:scrgbClr r="0" g="0" b="0"/>
-      </a:effectRef>
-      <a:fontRef idx="minor"/>
-    </dgm:style>
-  </dgm:styleLbl>
-  <dgm:styleLbl name="fgAcc0">
-    <dgm:scene3d>
-      <a:camera prst="orthographicFront"/>
-      <a:lightRig rig="threePt" dir="t"/>
-    </dgm:scene3d>
-    <dgm:sp3d/>
-    <dgm:txPr/>
-    <dgm:style>
-      <a:lnRef idx="2">
-        <a:scrgbClr r="0" g="0" b="0"/>
-      </a:lnRef>
-      <a:fillRef idx="1">
-        <a:scrgbClr r="0" g="0" b="0"/>
-      </a:fillRef>
-      <a:effectRef idx="0">
-        <a:scrgbClr r="0" g="0" b="0"/>
-      </a:effectRef>
-      <a:fontRef idx="minor"/>
-    </dgm:style>
-  </dgm:styleLbl>
-  <dgm:styleLbl name="fgAcc2">
-    <dgm:scene3d>
-      <a:camera prst="orthographicFront"/>
-      <a:lightRig rig="threePt" dir="t"/>
-    </dgm:scene3d>
-    <dgm:sp3d/>
-    <dgm:txPr/>
-    <dgm:style>
-      <a:lnRef idx="2">
-        <a:scrgbClr r="0" g="0" b="0"/>
-      </a:lnRef>
-      <a:fillRef idx="1">
-        <a:scrgbClr r="0" g="0" b="0"/>
-      </a:fillRef>
-      <a:effectRef idx="0">
-        <a:scrgbClr r="0" g="0" b="0"/>
-      </a:effectRef>
-      <a:fontRef idx="minor"/>
-    </dgm:style>
-  </dgm:styleLbl>
-  <dgm:styleLbl name="fgAcc3">
-    <dgm:scene3d>
-      <a:camera prst="orthographicFront"/>
-      <a:lightRig rig="threePt" dir="t"/>
-    </dgm:scene3d>
-    <dgm:sp3d/>
-    <dgm:txPr/>
-    <dgm:style>
-      <a:lnRef idx="2">
-        <a:scrgbClr r="0" g="0" b="0"/>
-      </a:lnRef>
-      <a:fillRef idx="1">
-        <a:scrgbClr r="0" g="0" b="0"/>
-      </a:fillRef>
-      <a:effectRef idx="0">
-        <a:scrgbClr r="0" g="0" b="0"/>
-      </a:effectRef>
-      <a:fontRef idx="minor"/>
-    </dgm:style>
-  </dgm:styleLbl>
-  <dgm:styleLbl name="fgAcc4">
-    <dgm:scene3d>
-      <a:camera prst="orthographicFront"/>
-      <a:lightRig rig="threePt" dir="t"/>
-    </dgm:scene3d>
-    <dgm:sp3d/>
-    <dgm:txPr/>
-    <dgm:style>
-      <a:lnRef idx="2">
-        <a:scrgbClr r="0" g="0" b="0"/>
-      </a:lnRef>
-      <a:fillRef idx="1">
-        <a:scrgbClr r="0" g="0" b="0"/>
-      </a:fillRef>
-      <a:effectRef idx="0">
-        <a:scrgbClr r="0" g="0" b="0"/>
-      </a:effectRef>
-      <a:fontRef idx="minor"/>
-    </dgm:style>
-  </dgm:styleLbl>
-  <dgm:styleLbl name="bgShp">
-    <dgm:scene3d>
-      <a:camera prst="orthographicFront"/>
-      <a:lightRig rig="threePt" dir="t"/>
-    </dgm:scene3d>
-    <dgm:sp3d/>
-    <dgm:txPr/>
-    <dgm:style>
-      <a:lnRef idx="0">
-        <a:scrgbClr r="0" g="0" b="0"/>
-      </a:lnRef>
-      <a:fillRef idx="1">
-        <a:scrgbClr r="0" g="0" b="0"/>
-      </a:fillRef>
-      <a:effectRef idx="0">
-        <a:scrgbClr r="0" g="0" b="0"/>
-      </a:effectRef>
-      <a:fontRef idx="minor"/>
-    </dgm:style>
-  </dgm:styleLbl>
-  <dgm:styleLbl name="dkBgShp">
-    <dgm:scene3d>
-      <a:camera prst="orthographicFront"/>
-      <a:lightRig rig="threePt" dir="t"/>
-    </dgm:scene3d>
-    <dgm:sp3d/>
-    <dgm:txPr/>
-    <dgm:style>
-      <a:lnRef idx="0">
-        <a:scrgbClr r="0" g="0" b="0"/>
-      </a:lnRef>
-      <a:fillRef idx="1">
-        <a:scrgbClr r="0" g="0" b="0"/>
-      </a:fillRef>
-      <a:effectRef idx="0">
-        <a:scrgbClr r="0" g="0" b="0"/>
-      </a:effectRef>
-      <a:fontRef idx="minor"/>
-    </dgm:style>
-  </dgm:styleLbl>
-  <dgm:styleLbl name="trBgShp">
-    <dgm:scene3d>
-      <a:camera prst="orthographicFront"/>
-      <a:lightRig rig="threePt" dir="t"/>
-    </dgm:scene3d>
-    <dgm:sp3d/>
-    <dgm:txPr/>
-    <dgm:style>
-      <a:lnRef idx="0">
-        <a:scrgbClr r="0" g="0" b="0"/>
-      </a:lnRef>
-      <a:fillRef idx="1">
-        <a:scrgbClr r="0" g="0" b="0"/>
-      </a:fillRef>
-      <a:effectRef idx="0">
-        <a:scrgbClr r="0" g="0" b="0"/>
-      </a:effectRef>
-      <a:fontRef idx="minor"/>
-    </dgm:style>
-  </dgm:styleLbl>
-  <dgm:styleLbl name="fgShp">
-    <dgm:scene3d>
-      <a:camera prst="orthographicFront"/>
-      <a:lightRig rig="threePt" dir="t"/>
-    </dgm:scene3d>
-    <dgm:sp3d/>
-    <dgm:txPr/>
-    <dgm:style>
-      <a:lnRef idx="2">
-        <a:scrgbClr r="0" g="0" b="0"/>
-      </a:lnRef>
-      <a:fillRef idx="1">
-        <a:scrgbClr r="0" g="0" b="0"/>
-      </a:fillRef>
-      <a:effectRef idx="0">
-        <a:scrgbClr r="0" g="0" b="0"/>
-      </a:effectRef>
-      <a:fontRef idx="minor"/>
-    </dgm:style>
-  </dgm:styleLbl>
-  <dgm:styleLbl name="revTx">
-    <dgm:scene3d>
-      <a:camera prst="orthographicFront"/>
-      <a:lightRig rig="threePt" dir="t"/>
-    </dgm:scene3d>
-    <dgm:sp3d/>
-    <dgm:txPr/>
-    <dgm:style>
-      <a:lnRef idx="0">
-        <a:scrgbClr r="0" g="0" b="0"/>
-      </a:lnRef>
-      <a:fillRef idx="0">
-        <a:scrgbClr r="0" g="0" b="0"/>
-      </a:fillRef>
-      <a:effectRef idx="0">
-        <a:scrgbClr r="0" g="0" b="0"/>
-      </a:effectRef>
-      <a:fontRef idx="minor"/>
-    </dgm:style>
-  </dgm:styleLbl>
-</dgm:styleDef>
-</file>
-
-<file path=ppt/diagrams/quickStyle2.xml><?xml version="1.0" encoding="utf-8"?>
 <dgm:styleDef xmlns:dgm="http://schemas.openxmlformats.org/drawingml/2006/diagram" xmlns:a="http://schemas.openxmlformats.org/drawingml/2006/main" uniqueId="urn:microsoft.com/office/officeart/2005/8/quickstyle/simple1">
   <dgm:title val=""/>
   <dgm:desc val=""/>
@@ -8461,7 +3642,7 @@
             <a:fld id="{E494A05E-DEA9-4CEA-A63B-3593EEF3AC45}" type="datetimeFigureOut">
               <a:rPr lang="fr-FR" smtClean="0"/>
               <a:pPr/>
-              <a:t>25/08/2020</a:t>
+              <a:t>01/09/2020</a:t>
             </a:fld>
             <a:endParaRPr lang="fr-FR"/>
           </a:p>
@@ -9132,7 +4313,7 @@
             <a:fld id="{3A961F90-11F6-4966-B0E5-2BB20F714B78}" type="datetime1">
               <a:rPr lang="fr-FR" smtClean="0"/>
               <a:pPr/>
-              <a:t>25/08/2020</a:t>
+              <a:t>01/09/2020</a:t>
             </a:fld>
             <a:endParaRPr lang="fr-FR"/>
           </a:p>
@@ -9493,7 +4674,7 @@
             <a:fld id="{59700BD1-A4B5-444B-B773-B4FDD97DF200}" type="datetime1">
               <a:rPr lang="fr-FR" smtClean="0"/>
               <a:pPr/>
-              <a:t>25/08/2020</a:t>
+              <a:t>01/09/2020</a:t>
             </a:fld>
             <a:endParaRPr lang="fr-FR"/>
           </a:p>
@@ -9670,7 +4851,7 @@
             <a:fld id="{A354AF49-C35E-40F6-8345-CA866716EE79}" type="datetime1">
               <a:rPr lang="fr-FR" smtClean="0"/>
               <a:pPr/>
-              <a:t>25/08/2020</a:t>
+              <a:t>01/09/2020</a:t>
             </a:fld>
             <a:endParaRPr lang="fr-FR"/>
           </a:p>
@@ -9907,7 +5088,7 @@
             <a:fld id="{EAFEF7E1-4A71-4560-AA4D-33BBAAF32357}" type="datetime1">
               <a:rPr lang="fr-FR" smtClean="0"/>
               <a:pPr/>
-              <a:t>25/08/2020</a:t>
+              <a:t>01/09/2020</a:t>
             </a:fld>
             <a:endParaRPr lang="fr-FR"/>
           </a:p>
@@ -10178,7 +5359,7 @@
             <a:fld id="{9BE6CECE-C4BA-493A-9F45-8F69D8200EC9}" type="datetime1">
               <a:rPr lang="fr-FR" smtClean="0"/>
               <a:pPr/>
-              <a:t>25/08/2020</a:t>
+              <a:t>01/09/2020</a:t>
             </a:fld>
             <a:endParaRPr lang="fr-FR"/>
           </a:p>
@@ -10400,7 +5581,7 @@
             <a:fld id="{6B400324-51BB-4021-B482-6C084AB66459}" type="datetime1">
               <a:rPr lang="fr-FR" smtClean="0"/>
               <a:pPr/>
-              <a:t>25/08/2020</a:t>
+              <a:t>01/09/2020</a:t>
             </a:fld>
             <a:endParaRPr lang="fr-FR"/>
           </a:p>
@@ -10754,7 +5935,7 @@
             <a:fld id="{87C4A39B-E1E0-4B19-A965-1E1097FB3AF3}" type="datetime1">
               <a:rPr lang="fr-FR" smtClean="0"/>
               <a:pPr/>
-              <a:t>25/08/2020</a:t>
+              <a:t>01/09/2020</a:t>
             </a:fld>
             <a:endParaRPr lang="fr-FR"/>
           </a:p>
@@ -10988,7 +6169,7 @@
             <a:fld id="{CEF5A761-699F-4B94-BA43-1E8C0C9C554B}" type="datetime1">
               <a:rPr lang="fr-FR" smtClean="0"/>
               <a:pPr/>
-              <a:t>25/08/2020</a:t>
+              <a:t>01/09/2020</a:t>
             </a:fld>
             <a:endParaRPr lang="fr-FR"/>
           </a:p>
@@ -11130,7 +6311,7 @@
             <a:fld id="{E407DE65-0759-4C9C-9804-8C4C0AC5F8D7}" type="datetime1">
               <a:rPr lang="fr-FR" smtClean="0"/>
               <a:pPr/>
-              <a:t>25/08/2020</a:t>
+              <a:t>01/09/2020</a:t>
             </a:fld>
             <a:endParaRPr lang="fr-FR"/>
           </a:p>
@@ -11409,7 +6590,7 @@
             <a:fld id="{6DCAF433-E5EB-4B74-B8BB-3F6D9EEAE800}" type="datetime1">
               <a:rPr lang="fr-FR" smtClean="0"/>
               <a:pPr/>
-              <a:t>25/08/2020</a:t>
+              <a:t>01/09/2020</a:t>
             </a:fld>
             <a:endParaRPr lang="fr-FR"/>
           </a:p>
@@ -11818,7 +6999,7 @@
             <a:fld id="{E5AEAC06-18E9-471A-B77A-CDA5C363BF1F}" type="datetime1">
               <a:rPr lang="fr-FR" smtClean="0"/>
               <a:pPr/>
-              <a:t>25/08/2020</a:t>
+              <a:t>01/09/2020</a:t>
             </a:fld>
             <a:endParaRPr lang="fr-FR"/>
           </a:p>
@@ -12158,7 +7339,7 @@
             <a:fld id="{B9178431-C703-4FD6-9F6F-E8F5512852E2}" type="datetime1">
               <a:rPr lang="fr-FR" smtClean="0"/>
               <a:pPr/>
-              <a:t>25/08/2020</a:t>
+              <a:t>01/09/2020</a:t>
             </a:fld>
             <a:endParaRPr lang="fr-FR"/>
           </a:p>
@@ -12710,13 +7891,8 @@
           <a:p>
             <a:r>
               <a:rPr lang="fr-FR" b="1" dirty="0"/>
-              <a:t>Sciences Industrielles de </a:t>
-            </a:r>
-            <a:r>
-              <a:rPr lang="fr-FR" b="1" dirty="0" smtClean="0"/>
-              <a:t>l’Ingénieur</a:t>
-            </a:r>
-            <a:endParaRPr lang="fr-FR" b="1" dirty="0"/>
+              <a:t>Sciences Industrielles de l’Ingénieur</a:t>
+            </a:r>
           </a:p>
         </p:txBody>
       </p:sp>
@@ -14923,14 +10099,13 @@
                     <a:p>
                       <a:pPr algn="ctr"/>
                       <a:r>
-                        <a:rPr lang="fr-FR" sz="1100" dirty="0" err="1" smtClean="0"/>
+                        <a:rPr lang="fr-FR" sz="1100" dirty="0" err="1"/>
                         <a:t>Coef</a:t>
                       </a:r>
                       <a:r>
-                        <a:rPr lang="fr-FR" sz="1100" dirty="0" smtClean="0"/>
+                        <a:rPr lang="fr-FR" sz="1100" dirty="0"/>
                         <a:t>. écrit</a:t>
                       </a:r>
-                      <a:endParaRPr lang="fr-FR" sz="1100" dirty="0"/>
                     </a:p>
                   </a:txBody>
                   <a:tcPr/>
@@ -15016,10 +10191,9 @@
                     <a:lstStyle/>
                     <a:p>
                       <a:r>
-                        <a:rPr lang="fr-FR" sz="1100" dirty="0" smtClean="0"/>
+                        <a:rPr lang="fr-FR" sz="1100" dirty="0"/>
                         <a:t>6+6/111</a:t>
                       </a:r>
-                      <a:endParaRPr lang="fr-FR" sz="1100" dirty="0"/>
                     </a:p>
                   </a:txBody>
                   <a:tcPr/>
@@ -15057,7 +10231,7 @@
                         <a:defRPr/>
                       </a:pPr>
                       <a:r>
-                        <a:rPr lang="fr-FR" sz="1100" dirty="0" smtClean="0">
+                        <a:rPr lang="fr-FR" sz="1100" dirty="0">
                           <a:hlinkClick r:id="rId2"/>
                         </a:rPr>
                         <a:t>https://www.polytechnique.edu/admission-cycle-ingenieur/fr/epreuves-et-coefficients-psi</a:t>
@@ -15116,10 +10290,9 @@
                     <a:lstStyle/>
                     <a:p>
                       <a:r>
-                        <a:rPr lang="fr-FR" sz="1100" dirty="0" smtClean="0"/>
+                        <a:rPr lang="fr-FR" sz="1100" dirty="0"/>
                         <a:t>5/111</a:t>
                       </a:r>
-                      <a:endParaRPr lang="fr-FR" sz="1100" dirty="0"/>
                     </a:p>
                   </a:txBody>
                   <a:tcPr/>
@@ -15193,10 +10366,9 @@
                     <a:lstStyle/>
                     <a:p>
                       <a:r>
-                        <a:rPr lang="fr-FR" sz="1100" dirty="0" smtClean="0"/>
+                        <a:rPr lang="fr-FR" sz="1100" dirty="0"/>
                         <a:t>4/111</a:t>
                       </a:r>
-                      <a:endParaRPr lang="fr-FR" sz="1100" dirty="0"/>
                     </a:p>
                   </a:txBody>
                   <a:tcPr/>
@@ -15245,10 +10417,9 @@
                     <a:lstStyle/>
                     <a:p>
                       <a:r>
-                        <a:rPr lang="fr-FR" sz="1100" dirty="0" smtClean="0"/>
+                        <a:rPr lang="fr-FR" sz="1100" dirty="0"/>
                         <a:t>TIPE</a:t>
                       </a:r>
-                      <a:endParaRPr lang="fr-FR" sz="1100" dirty="0"/>
                     </a:p>
                   </a:txBody>
                   <a:tcPr/>
@@ -15259,11 +10430,11 @@
                     <a:lstStyle/>
                     <a:p>
                       <a:r>
-                        <a:rPr lang="fr-FR" sz="1100" dirty="0" smtClean="0"/>
+                        <a:rPr lang="fr-FR" sz="1100" dirty="0"/>
                         <a:t>40</a:t>
                       </a:r>
                       <a:r>
-                        <a:rPr lang="fr-FR" sz="1100" baseline="0" dirty="0" smtClean="0"/>
+                        <a:rPr lang="fr-FR" sz="1100" baseline="0" dirty="0"/>
                         <a:t> min</a:t>
                       </a:r>
                       <a:endParaRPr lang="fr-FR" sz="1100" dirty="0"/>
@@ -15294,7 +10465,7 @@
                         <a:defRPr/>
                       </a:pPr>
                       <a:r>
-                        <a:rPr lang="fr-FR" sz="1100" dirty="0" smtClean="0"/>
+                        <a:rPr lang="fr-FR" sz="1100" dirty="0"/>
                         <a:t>10/111</a:t>
                       </a:r>
                     </a:p>
@@ -15613,17 +10784,16 @@
                     <a:p>
                       <a:pPr algn="ctr"/>
                       <a:r>
-                        <a:rPr lang="fr-FR" sz="1100" b="1" dirty="0" smtClean="0"/>
+                        <a:rPr lang="fr-FR" sz="1100" b="1" dirty="0"/>
                         <a:t>Mines</a:t>
                       </a:r>
                     </a:p>
                     <a:p>
                       <a:pPr algn="ctr"/>
                       <a:r>
-                        <a:rPr lang="fr-FR" sz="1100" b="1" dirty="0" smtClean="0"/>
+                        <a:rPr lang="fr-FR" sz="1100" b="1" dirty="0"/>
                         <a:t>(MP et MT)</a:t>
                       </a:r>
-                      <a:endParaRPr lang="fr-FR" sz="1100" b="1" dirty="0"/>
                     </a:p>
                   </a:txBody>
                   <a:tcPr anchor="ctr"/>
@@ -15674,20 +10844,16 @@
                     <a:p>
                       <a:r>
                         <a:rPr lang="fr-FR" sz="1100" dirty="0"/>
-                        <a:t>6/41 (</a:t>
-                      </a:r>
-                      <a:r>
-                        <a:rPr lang="fr-FR" sz="1100" dirty="0" smtClean="0"/>
-                        <a:t>TP)</a:t>
+                        <a:t>6/41 (TP)</a:t>
                       </a:r>
                     </a:p>
                     <a:p>
                       <a:r>
-                        <a:rPr lang="fr-FR" sz="1100" dirty="0" smtClean="0"/>
+                        <a:rPr lang="fr-FR" sz="1100" dirty="0"/>
                         <a:t>(8/30</a:t>
                       </a:r>
                       <a:r>
-                        <a:rPr lang="fr-FR" sz="1100" baseline="0" dirty="0" smtClean="0"/>
+                        <a:rPr lang="fr-FR" sz="1100" baseline="0" dirty="0"/>
                         <a:t> – colle)</a:t>
                       </a:r>
                       <a:endParaRPr lang="fr-FR" sz="1100" dirty="0"/>
@@ -15960,10 +11126,9 @@
                     <a:p>
                       <a:pPr algn="l"/>
                       <a:r>
-                        <a:rPr lang="fr-FR" sz="1100" dirty="0" smtClean="0"/>
+                        <a:rPr lang="fr-FR" sz="1100" dirty="0"/>
                         <a:t>http://www.concours-commun-inp.fr/_resources/charte/picto/CCINP-notice-2020_FINAL.pdf?download=true</a:t>
                       </a:r>
-                      <a:endParaRPr lang="fr-FR" sz="1100" dirty="0"/>
                     </a:p>
                   </a:txBody>
                   <a:tcPr anchor="ctr"/>
@@ -16017,10 +11182,9 @@
                     <a:lstStyle/>
                     <a:p>
                       <a:r>
-                        <a:rPr lang="fr-FR" sz="1100" dirty="0" smtClean="0"/>
+                        <a:rPr lang="fr-FR" sz="1100" dirty="0"/>
                         <a:t>6/58</a:t>
                       </a:r>
-                      <a:endParaRPr lang="fr-FR" sz="1100" dirty="0"/>
                     </a:p>
                   </a:txBody>
                   <a:tcPr/>
@@ -16301,10 +11465,10 @@
       </p:sp>
       <p:sp>
         <p:nvSpPr>
-          <p:cNvPr id="5" name="Espace réservé du contenu 3">
+          <p:cNvPr id="4" name="Espace réservé du contenu 3">
             <a:extLst>
               <a:ext uri="{FF2B5EF4-FFF2-40B4-BE49-F238E27FC236}">
-                <a16:creationId xmlns:a16="http://schemas.microsoft.com/office/drawing/2014/main" id="{1FD61A26-E794-4F80-903F-FDA9D6BF6A6A}"/>
+                <a16:creationId xmlns:a16="http://schemas.microsoft.com/office/drawing/2014/main" id="{91D120B0-6F89-4F42-9A2F-529F68DF24B9}"/>
               </a:ext>
             </a:extLst>
           </p:cNvPr>
@@ -16315,109 +11479,145 @@
             <p:ph sz="quarter" idx="1"/>
           </p:nvPr>
         </p:nvSpPr>
-        <p:spPr>
-          <a:xfrm>
-            <a:off x="-3420888" y="404664"/>
-            <a:ext cx="3754760" cy="4937760"/>
-          </a:xfrm>
-        </p:spPr>
+        <p:spPr/>
         <p:txBody>
           <a:bodyPr>
-            <a:normAutofit fontScale="77500" lnSpcReduction="20000"/>
+            <a:normAutofit fontScale="85000" lnSpcReduction="20000"/>
           </a:bodyPr>
           <a:lstStyle/>
           <a:p>
             <a:r>
               <a:rPr lang="fr-FR" dirty="0"/>
-              <a:t>Cours (1h) : </a:t>
+              <a:t>Lundi</a:t>
             </a:r>
           </a:p>
           <a:p>
             <a:pPr lvl="1"/>
             <a:r>
               <a:rPr lang="fr-FR" dirty="0"/>
-              <a:t>Un résumé de cours (à lire) et un exercice d’activation (à faire) ET/OU un QCM sont donnés une semaine en avance.</a:t>
+              <a:t>DS, Devoir du soir, lecture du cours</a:t>
+            </a:r>
+          </a:p>
+          <a:p>
+            <a:r>
+              <a:rPr lang="fr-FR" dirty="0"/>
+              <a:t>Mardi </a:t>
             </a:r>
           </a:p>
           <a:p>
             <a:pPr lvl="1"/>
             <a:r>
               <a:rPr lang="fr-FR" dirty="0"/>
-              <a:t>Le cours et l’exercice sont repris en fonction des questions.</a:t>
+              <a:t>Cours : réponses aux questions, exercices d’application</a:t>
             </a:r>
           </a:p>
           <a:p>
             <a:pPr lvl="1"/>
             <a:r>
               <a:rPr lang="fr-FR" dirty="0"/>
-              <a:t>Un exercice d’application peu être traité.</a:t>
-            </a:r>
-          </a:p>
-          <a:p>
+              <a:t>TD : travail en groupe</a:t>
+            </a:r>
+          </a:p>
+          <a:p>
+            <a:pPr lvl="1"/>
             <a:r>
               <a:rPr lang="fr-FR" dirty="0"/>
-              <a:t>TD (1h) :</a:t>
+              <a:t>TIPE</a:t>
             </a:r>
           </a:p>
           <a:p>
             <a:pPr lvl="1"/>
             <a:r>
               <a:rPr lang="fr-FR" dirty="0"/>
-              <a:t>1 à plusieurs exercices sont donnés chaque semaine. Le TD n’est pas corrigé au tableau. Dans la mesure du possible un corrigé écrit est distribué ou disponible sur les sites.</a:t>
+              <a:t>Devoir du soir</a:t>
+            </a:r>
+          </a:p>
+          <a:p>
+            <a:r>
+              <a:rPr lang="fr-FR" dirty="0"/>
+              <a:t>Mercredi, jeudi</a:t>
             </a:r>
           </a:p>
           <a:p>
             <a:pPr lvl="1"/>
             <a:r>
               <a:rPr lang="fr-FR" dirty="0"/>
-              <a:t>Conseil de travailler en groupe.</a:t>
+              <a:t>Devoir du soir </a:t>
+            </a:r>
+            <a:r>
+              <a:rPr lang="fr-FR" dirty="0">
+                <a:sym typeface="Wingdings" panose="05000000000000000000" pitchFamily="2" charset="2"/>
+              </a:rPr>
+              <a:t></a:t>
+            </a:r>
+          </a:p>
+          <a:p>
+            <a:r>
+              <a:rPr lang="fr-FR" dirty="0">
+                <a:sym typeface="Wingdings" panose="05000000000000000000" pitchFamily="2" charset="2"/>
+              </a:rPr>
+              <a:t>Vendredi</a:t>
             </a:r>
           </a:p>
           <a:p>
             <a:pPr lvl="1"/>
-            <a:endParaRPr lang="fr-FR" dirty="0"/>
-          </a:p>
-          <a:p>
+            <a:r>
+              <a:rPr lang="fr-FR" dirty="0">
+                <a:sym typeface="Wingdings" panose="05000000000000000000" pitchFamily="2" charset="2"/>
+              </a:rPr>
+              <a:t>TP à géométrie variable</a:t>
+            </a:r>
+          </a:p>
+          <a:p>
+            <a:pPr lvl="1"/>
+            <a:r>
+              <a:rPr lang="fr-FR" dirty="0">
+                <a:sym typeface="Wingdings" panose="05000000000000000000" pitchFamily="2" charset="2"/>
+              </a:rPr>
+              <a:t>TIPE</a:t>
+            </a:r>
+          </a:p>
+          <a:p>
+            <a:r>
+              <a:rPr lang="fr-FR" dirty="0">
+                <a:sym typeface="Wingdings" panose="05000000000000000000" pitchFamily="2" charset="2"/>
+              </a:rPr>
+              <a:t>Samedi</a:t>
+            </a:r>
+          </a:p>
+          <a:p>
+            <a:pPr lvl="1"/>
+            <a:r>
+              <a:rPr lang="fr-FR" dirty="0">
+                <a:sym typeface="Wingdings" panose="05000000000000000000" pitchFamily="2" charset="2"/>
+              </a:rPr>
+              <a:t>Devoir du soir</a:t>
+            </a:r>
+          </a:p>
+          <a:p>
+            <a:r>
+              <a:rPr lang="fr-FR" dirty="0">
+                <a:sym typeface="Wingdings" panose="05000000000000000000" pitchFamily="2" charset="2"/>
+              </a:rPr>
+              <a:t>Dimanche</a:t>
+            </a:r>
+          </a:p>
+          <a:p>
+            <a:pPr lvl="1"/>
             <a:r>
               <a:rPr lang="fr-FR" dirty="0"/>
-              <a:t>TP (2h) :</a:t>
+              <a:t>Lecture du cours, exercice d’application du cours </a:t>
             </a:r>
           </a:p>
           <a:p>
             <a:pPr lvl="1"/>
             <a:r>
               <a:rPr lang="fr-FR" dirty="0"/>
-              <a:t>Plusieurs types d’organisation (en équipe ou en individuel) suivant les cycles. </a:t>
-            </a:r>
-          </a:p>
-          <a:p>
-            <a:pPr lvl="1"/>
-            <a:endParaRPr lang="fr-FR" dirty="0"/>
-          </a:p>
-        </p:txBody>
-      </p:sp>
-      <p:graphicFrame>
-        <p:nvGraphicFramePr>
-          <p:cNvPr id="6" name="Diagramme 5"/>
-          <p:cNvGraphicFramePr/>
-          <p:nvPr>
-            <p:extLst>
-              <p:ext uri="{D42A27DB-BD31-4B8C-83A1-F6EECF244321}">
-                <p14:modId xmlns:p14="http://schemas.microsoft.com/office/powerpoint/2010/main" val="3935591063"/>
-              </p:ext>
-            </p:extLst>
-          </p:nvPr>
-        </p:nvGraphicFramePr>
-        <p:xfrm>
-          <a:off x="612648" y="1143000"/>
-          <a:ext cx="8207824" cy="5171768"/>
-        </p:xfrm>
-        <a:graphic>
-          <a:graphicData uri="http://schemas.openxmlformats.org/drawingml/2006/diagram">
-            <dgm:relIds xmlns:dgm="http://schemas.openxmlformats.org/drawingml/2006/diagram" xmlns:r="http://schemas.openxmlformats.org/officeDocument/2006/relationships" r:dm="rId2" r:lo="rId3" r:qs="rId4" r:cs="rId5"/>
-          </a:graphicData>
-        </a:graphic>
-      </p:graphicFrame>
+              <a:t>DDS</a:t>
+            </a:r>
+          </a:p>
+        </p:txBody>
+      </p:sp>
     </p:spTree>
     <p:extLst>
       <p:ext uri="{BB962C8B-B14F-4D97-AF65-F5344CB8AC3E}">
@@ -16581,20 +11781,15 @@
             <a:pPr lvl="1"/>
             <a:r>
               <a:rPr lang="fr-FR" dirty="0"/>
-              <a:t>Mails ? Autre </a:t>
-            </a:r>
-            <a:r>
-              <a:rPr lang="fr-FR" dirty="0" smtClean="0"/>
-              <a:t>?</a:t>
+              <a:t>Mails ? Autre ?</a:t>
             </a:r>
           </a:p>
           <a:p>
             <a:pPr lvl="2"/>
             <a:r>
-              <a:rPr lang="fr-FR" dirty="0" smtClean="0"/>
+              <a:rPr lang="fr-FR" dirty="0"/>
               <a:t>Créer un groupe de discussion serait nécessaire</a:t>
             </a:r>
-            <a:endParaRPr lang="fr-FR" dirty="0"/>
           </a:p>
           <a:p>
             <a:r>

--- a/Introduction_SII_PSI.pptx
+++ b/Introduction_SII_PSI.pptx
@@ -5,16 +5,17 @@
     <p:sldMasterId id="2147483684" r:id="rId1"/>
   </p:sldMasterIdLst>
   <p:notesMasterIdLst>
-    <p:notesMasterId r:id="rId9"/>
+    <p:notesMasterId r:id="rId10"/>
   </p:notesMasterIdLst>
   <p:sldIdLst>
     <p:sldId id="256" r:id="rId2"/>
     <p:sldId id="290" r:id="rId3"/>
-    <p:sldId id="291" r:id="rId4"/>
-    <p:sldId id="292" r:id="rId5"/>
-    <p:sldId id="287" r:id="rId6"/>
-    <p:sldId id="294" r:id="rId7"/>
-    <p:sldId id="295" r:id="rId8"/>
+    <p:sldId id="296" r:id="rId4"/>
+    <p:sldId id="291" r:id="rId5"/>
+    <p:sldId id="292" r:id="rId6"/>
+    <p:sldId id="287" r:id="rId7"/>
+    <p:sldId id="294" r:id="rId8"/>
+    <p:sldId id="295" r:id="rId9"/>
   </p:sldIdLst>
   <p:sldSz cx="9144000" cy="6858000" type="screen4x3"/>
   <p:notesSz cx="6858000" cy="9144000"/>
@@ -1155,18 +1156,46 @@
         </dgm:presLayoutVars>
       </dgm:prSet>
       <dgm:spPr/>
+      <dgm:t>
+        <a:bodyPr/>
+        <a:lstStyle/>
+        <a:p>
+          <a:endParaRPr lang="fr-FR"/>
+        </a:p>
+      </dgm:t>
     </dgm:pt>
     <dgm:pt modelId="{795B084A-6AF2-4FE3-B8E7-6E77B4B1B4FE}" type="pres">
       <dgm:prSet presAssocID="{6C7F26EE-DC41-4FCE-9A2B-BCB785BD3D40}" presName="centerShape" presStyleLbl="node0" presStyleIdx="0" presStyleCnt="1" custScaleX="134623" custScaleY="61213"/>
       <dgm:spPr/>
+      <dgm:t>
+        <a:bodyPr/>
+        <a:lstStyle/>
+        <a:p>
+          <a:endParaRPr lang="fr-FR"/>
+        </a:p>
+      </dgm:t>
     </dgm:pt>
     <dgm:pt modelId="{855A38A7-EDEB-431E-A167-42643272BBEE}" type="pres">
       <dgm:prSet presAssocID="{BF08AF18-252A-4A5D-9A63-82B61EF94DB5}" presName="parTrans" presStyleLbl="sibTrans2D1" presStyleIdx="0" presStyleCnt="6"/>
       <dgm:spPr/>
+      <dgm:t>
+        <a:bodyPr/>
+        <a:lstStyle/>
+        <a:p>
+          <a:endParaRPr lang="fr-FR"/>
+        </a:p>
+      </dgm:t>
     </dgm:pt>
     <dgm:pt modelId="{C5CB236E-81F3-4E87-9694-5BDFFCCF0DCD}" type="pres">
       <dgm:prSet presAssocID="{BF08AF18-252A-4A5D-9A63-82B61EF94DB5}" presName="connectorText" presStyleLbl="sibTrans2D1" presStyleIdx="0" presStyleCnt="6"/>
       <dgm:spPr/>
+      <dgm:t>
+        <a:bodyPr/>
+        <a:lstStyle/>
+        <a:p>
+          <a:endParaRPr lang="fr-FR"/>
+        </a:p>
+      </dgm:t>
     </dgm:pt>
     <dgm:pt modelId="{A4EEF9AC-C79A-4CC0-AE94-3847C4155BC9}" type="pres">
       <dgm:prSet presAssocID="{ABD21938-04B1-41CA-83C8-2ABDF967D126}" presName="node" presStyleLbl="node1" presStyleIdx="0" presStyleCnt="6" custScaleX="134758" custScaleY="53903" custRadScaleRad="87743" custRadScaleInc="-3456">
@@ -1175,14 +1204,35 @@
         </dgm:presLayoutVars>
       </dgm:prSet>
       <dgm:spPr/>
+      <dgm:t>
+        <a:bodyPr/>
+        <a:lstStyle/>
+        <a:p>
+          <a:endParaRPr lang="fr-FR"/>
+        </a:p>
+      </dgm:t>
     </dgm:pt>
     <dgm:pt modelId="{67BD1836-BBD8-49E6-8A1D-0B6AD1A49804}" type="pres">
       <dgm:prSet presAssocID="{AF093D10-7012-425E-8E21-3F88DE2923C4}" presName="parTrans" presStyleLbl="sibTrans2D1" presStyleIdx="1" presStyleCnt="6"/>
       <dgm:spPr/>
+      <dgm:t>
+        <a:bodyPr/>
+        <a:lstStyle/>
+        <a:p>
+          <a:endParaRPr lang="fr-FR"/>
+        </a:p>
+      </dgm:t>
     </dgm:pt>
     <dgm:pt modelId="{44173EF8-C060-456B-A7FF-51FF3C3F3728}" type="pres">
       <dgm:prSet presAssocID="{AF093D10-7012-425E-8E21-3F88DE2923C4}" presName="connectorText" presStyleLbl="sibTrans2D1" presStyleIdx="1" presStyleCnt="6"/>
       <dgm:spPr/>
+      <dgm:t>
+        <a:bodyPr/>
+        <a:lstStyle/>
+        <a:p>
+          <a:endParaRPr lang="fr-FR"/>
+        </a:p>
+      </dgm:t>
     </dgm:pt>
     <dgm:pt modelId="{3CA7F5B3-1CF7-48CD-9446-5EAAC42314B2}" type="pres">
       <dgm:prSet presAssocID="{F0C6DB36-3872-4B58-8E34-E788738E6D2E}" presName="node" presStyleLbl="node1" presStyleIdx="1" presStyleCnt="6" custScaleX="134758" custScaleY="53903" custRadScaleRad="106734" custRadScaleInc="8488">
@@ -1191,14 +1241,35 @@
         </dgm:presLayoutVars>
       </dgm:prSet>
       <dgm:spPr/>
+      <dgm:t>
+        <a:bodyPr/>
+        <a:lstStyle/>
+        <a:p>
+          <a:endParaRPr lang="fr-FR"/>
+        </a:p>
+      </dgm:t>
     </dgm:pt>
     <dgm:pt modelId="{79CA3347-9782-411C-88F7-42E0FDE4A993}" type="pres">
       <dgm:prSet presAssocID="{D505439A-4959-4459-A573-2343A93FF006}" presName="parTrans" presStyleLbl="sibTrans2D1" presStyleIdx="2" presStyleCnt="6"/>
       <dgm:spPr/>
+      <dgm:t>
+        <a:bodyPr/>
+        <a:lstStyle/>
+        <a:p>
+          <a:endParaRPr lang="fr-FR"/>
+        </a:p>
+      </dgm:t>
     </dgm:pt>
     <dgm:pt modelId="{FAC6D00E-7DBC-4269-B96D-AD34341426B3}" type="pres">
       <dgm:prSet presAssocID="{D505439A-4959-4459-A573-2343A93FF006}" presName="connectorText" presStyleLbl="sibTrans2D1" presStyleIdx="2" presStyleCnt="6"/>
       <dgm:spPr/>
+      <dgm:t>
+        <a:bodyPr/>
+        <a:lstStyle/>
+        <a:p>
+          <a:endParaRPr lang="fr-FR"/>
+        </a:p>
+      </dgm:t>
     </dgm:pt>
     <dgm:pt modelId="{4BBFCE1B-2519-4F4B-A2D6-A629CFD6B43E}" type="pres">
       <dgm:prSet presAssocID="{E03C1B12-9674-4158-82E6-380D58725FD2}" presName="node" presStyleLbl="node1" presStyleIdx="2" presStyleCnt="6" custScaleX="134758" custScaleY="53903" custRadScaleRad="112253" custRadScaleInc="-8187">
@@ -1207,14 +1278,35 @@
         </dgm:presLayoutVars>
       </dgm:prSet>
       <dgm:spPr/>
+      <dgm:t>
+        <a:bodyPr/>
+        <a:lstStyle/>
+        <a:p>
+          <a:endParaRPr lang="fr-FR"/>
+        </a:p>
+      </dgm:t>
     </dgm:pt>
     <dgm:pt modelId="{2908CCF2-B3E0-4425-A3A4-741C48F697CC}" type="pres">
       <dgm:prSet presAssocID="{7C67E25A-687E-43EF-A30E-1BE6BB1C96BB}" presName="parTrans" presStyleLbl="sibTrans2D1" presStyleIdx="3" presStyleCnt="6"/>
       <dgm:spPr/>
+      <dgm:t>
+        <a:bodyPr/>
+        <a:lstStyle/>
+        <a:p>
+          <a:endParaRPr lang="fr-FR"/>
+        </a:p>
+      </dgm:t>
     </dgm:pt>
     <dgm:pt modelId="{02EDF0E0-C93D-496C-9C44-8B52081CF42F}" type="pres">
       <dgm:prSet presAssocID="{7C67E25A-687E-43EF-A30E-1BE6BB1C96BB}" presName="connectorText" presStyleLbl="sibTrans2D1" presStyleIdx="3" presStyleCnt="6"/>
       <dgm:spPr/>
+      <dgm:t>
+        <a:bodyPr/>
+        <a:lstStyle/>
+        <a:p>
+          <a:endParaRPr lang="fr-FR"/>
+        </a:p>
+      </dgm:t>
     </dgm:pt>
     <dgm:pt modelId="{E47AF97F-3A35-4678-BBFB-CEBE864CC32F}" type="pres">
       <dgm:prSet presAssocID="{3BB986C5-39B4-419F-BC66-29AA94C2C8B4}" presName="node" presStyleLbl="node1" presStyleIdx="3" presStyleCnt="6" custScaleX="134758" custScaleY="53903" custRadScaleRad="90444" custRadScaleInc="3352">
@@ -1223,14 +1315,35 @@
         </dgm:presLayoutVars>
       </dgm:prSet>
       <dgm:spPr/>
+      <dgm:t>
+        <a:bodyPr/>
+        <a:lstStyle/>
+        <a:p>
+          <a:endParaRPr lang="fr-FR"/>
+        </a:p>
+      </dgm:t>
     </dgm:pt>
     <dgm:pt modelId="{6EA9DD4F-02C6-49FE-9FCF-19492F4C119B}" type="pres">
       <dgm:prSet presAssocID="{97E1711E-874A-4867-847A-9FB0D49421F4}" presName="parTrans" presStyleLbl="sibTrans2D1" presStyleIdx="4" presStyleCnt="6"/>
       <dgm:spPr/>
+      <dgm:t>
+        <a:bodyPr/>
+        <a:lstStyle/>
+        <a:p>
+          <a:endParaRPr lang="fr-FR"/>
+        </a:p>
+      </dgm:t>
     </dgm:pt>
     <dgm:pt modelId="{76B889AC-5DC7-49E9-9470-1726B0E1E77F}" type="pres">
       <dgm:prSet presAssocID="{97E1711E-874A-4867-847A-9FB0D49421F4}" presName="connectorText" presStyleLbl="sibTrans2D1" presStyleIdx="4" presStyleCnt="6"/>
       <dgm:spPr/>
+      <dgm:t>
+        <a:bodyPr/>
+        <a:lstStyle/>
+        <a:p>
+          <a:endParaRPr lang="fr-FR"/>
+        </a:p>
+      </dgm:t>
     </dgm:pt>
     <dgm:pt modelId="{F649323C-9A23-4780-ABBF-44EB22816205}" type="pres">
       <dgm:prSet presAssocID="{8E868AD2-930E-400E-AAA6-8A5A38622904}" presName="node" presStyleLbl="node1" presStyleIdx="4" presStyleCnt="6" custScaleX="134758" custScaleY="53903" custRadScaleRad="115077" custRadScaleInc="10623">
@@ -1239,14 +1352,35 @@
         </dgm:presLayoutVars>
       </dgm:prSet>
       <dgm:spPr/>
+      <dgm:t>
+        <a:bodyPr/>
+        <a:lstStyle/>
+        <a:p>
+          <a:endParaRPr lang="fr-FR"/>
+        </a:p>
+      </dgm:t>
     </dgm:pt>
     <dgm:pt modelId="{D8543BC6-C2A3-44A0-AD66-B070AE3B70F1}" type="pres">
       <dgm:prSet presAssocID="{CDC0C329-BEB2-408B-BDAB-EAAE090BC465}" presName="parTrans" presStyleLbl="sibTrans2D1" presStyleIdx="5" presStyleCnt="6"/>
       <dgm:spPr/>
+      <dgm:t>
+        <a:bodyPr/>
+        <a:lstStyle/>
+        <a:p>
+          <a:endParaRPr lang="fr-FR"/>
+        </a:p>
+      </dgm:t>
     </dgm:pt>
     <dgm:pt modelId="{4B41BC24-608A-47A8-894A-F5C3286201C3}" type="pres">
       <dgm:prSet presAssocID="{CDC0C329-BEB2-408B-BDAB-EAAE090BC465}" presName="connectorText" presStyleLbl="sibTrans2D1" presStyleIdx="5" presStyleCnt="6"/>
       <dgm:spPr/>
+      <dgm:t>
+        <a:bodyPr/>
+        <a:lstStyle/>
+        <a:p>
+          <a:endParaRPr lang="fr-FR"/>
+        </a:p>
+      </dgm:t>
     </dgm:pt>
     <dgm:pt modelId="{649B0251-076A-43A0-A9F0-20A26A16F648}" type="pres">
       <dgm:prSet presAssocID="{B62E7B2B-FA3A-426A-B7EB-F310A4C8F75C}" presName="node" presStyleLbl="node1" presStyleIdx="5" presStyleCnt="6" custScaleX="134758" custScaleY="53903" custRadScaleRad="109562" custRadScaleInc="-11039">
@@ -1255,36 +1389,43 @@
         </dgm:presLayoutVars>
       </dgm:prSet>
       <dgm:spPr/>
+      <dgm:t>
+        <a:bodyPr/>
+        <a:lstStyle/>
+        <a:p>
+          <a:endParaRPr lang="fr-FR"/>
+        </a:p>
+      </dgm:t>
     </dgm:pt>
   </dgm:ptLst>
   <dgm:cxnLst>
+    <dgm:cxn modelId="{9165EBD3-B066-4A24-9446-F2A6D64CD860}" type="presOf" srcId="{ABD21938-04B1-41CA-83C8-2ABDF967D126}" destId="{A4EEF9AC-C79A-4CC0-AE94-3847C4155BC9}" srcOrd="0" destOrd="0" presId="urn:microsoft.com/office/officeart/2005/8/layout/radial5"/>
+    <dgm:cxn modelId="{A27BD5C5-98E9-4318-AF6E-79EC1869D510}" srcId="{F9998325-7ADE-4311-A231-52FDC1B8CDA9}" destId="{6C7F26EE-DC41-4FCE-9A2B-BCB785BD3D40}" srcOrd="0" destOrd="0" parTransId="{E67DDFC5-6407-44C9-88BA-B29F651CA55F}" sibTransId="{32DAA5E5-A336-4688-A8E9-E9E67FCEA09C}"/>
+    <dgm:cxn modelId="{48B183D5-9229-49B8-B8BF-7CCC95286584}" type="presOf" srcId="{3BB986C5-39B4-419F-BC66-29AA94C2C8B4}" destId="{E47AF97F-3A35-4678-BBFB-CEBE864CC32F}" srcOrd="0" destOrd="0" presId="urn:microsoft.com/office/officeart/2005/8/layout/radial5"/>
+    <dgm:cxn modelId="{DA00FFCE-8051-4BEE-B2CB-D038378B4F4A}" type="presOf" srcId="{97E1711E-874A-4867-847A-9FB0D49421F4}" destId="{76B889AC-5DC7-49E9-9470-1726B0E1E77F}" srcOrd="1" destOrd="0" presId="urn:microsoft.com/office/officeart/2005/8/layout/radial5"/>
+    <dgm:cxn modelId="{E231FA1D-34BE-490D-93A5-27BDDF493FD6}" type="presOf" srcId="{F0C6DB36-3872-4B58-8E34-E788738E6D2E}" destId="{3CA7F5B3-1CF7-48CD-9446-5EAAC42314B2}" srcOrd="0" destOrd="0" presId="urn:microsoft.com/office/officeart/2005/8/layout/radial5"/>
+    <dgm:cxn modelId="{6A7F93C6-E7A5-40CF-BCA9-62CFB38140A6}" type="presOf" srcId="{7C67E25A-687E-43EF-A30E-1BE6BB1C96BB}" destId="{2908CCF2-B3E0-4425-A3A4-741C48F697CC}" srcOrd="0" destOrd="0" presId="urn:microsoft.com/office/officeart/2005/8/layout/radial5"/>
+    <dgm:cxn modelId="{5702097A-4CE3-41F2-81F9-FDD9F1A422E4}" type="presOf" srcId="{97E1711E-874A-4867-847A-9FB0D49421F4}" destId="{6EA9DD4F-02C6-49FE-9FCF-19492F4C119B}" srcOrd="0" destOrd="0" presId="urn:microsoft.com/office/officeart/2005/8/layout/radial5"/>
+    <dgm:cxn modelId="{D6147ED2-98C9-440A-8128-A2C7C8E7F921}" type="presOf" srcId="{BF08AF18-252A-4A5D-9A63-82B61EF94DB5}" destId="{C5CB236E-81F3-4E87-9694-5BDFFCCF0DCD}" srcOrd="1" destOrd="0" presId="urn:microsoft.com/office/officeart/2005/8/layout/radial5"/>
+    <dgm:cxn modelId="{A2A26490-63E0-4244-8E5E-DA191B3871F9}" srcId="{6C7F26EE-DC41-4FCE-9A2B-BCB785BD3D40}" destId="{ABD21938-04B1-41CA-83C8-2ABDF967D126}" srcOrd="0" destOrd="0" parTransId="{BF08AF18-252A-4A5D-9A63-82B61EF94DB5}" sibTransId="{E2D2F5AC-45C6-47DE-8D32-46362313B352}"/>
+    <dgm:cxn modelId="{CCA1D185-E200-464F-9472-1CE2C5A7E784}" type="presOf" srcId="{BF08AF18-252A-4A5D-9A63-82B61EF94DB5}" destId="{855A38A7-EDEB-431E-A167-42643272BBEE}" srcOrd="0" destOrd="0" presId="urn:microsoft.com/office/officeart/2005/8/layout/radial5"/>
+    <dgm:cxn modelId="{7EFFB9AC-B92F-4FE0-AD61-CD9D563F93D8}" type="presOf" srcId="{D505439A-4959-4459-A573-2343A93FF006}" destId="{79CA3347-9782-411C-88F7-42E0FDE4A993}" srcOrd="0" destOrd="0" presId="urn:microsoft.com/office/officeart/2005/8/layout/radial5"/>
+    <dgm:cxn modelId="{E0E29099-C7D9-46F1-9955-FB30872C1168}" type="presOf" srcId="{8E868AD2-930E-400E-AAA6-8A5A38622904}" destId="{F649323C-9A23-4780-ABBF-44EB22816205}" srcOrd="0" destOrd="0" presId="urn:microsoft.com/office/officeart/2005/8/layout/radial5"/>
+    <dgm:cxn modelId="{DDE09341-A8D5-48FF-80C0-A0DD3008222C}" type="presOf" srcId="{F9998325-7ADE-4311-A231-52FDC1B8CDA9}" destId="{C587B4A8-743B-42E8-A685-647273CB9C3E}" srcOrd="0" destOrd="0" presId="urn:microsoft.com/office/officeart/2005/8/layout/radial5"/>
+    <dgm:cxn modelId="{F7BF687E-CDC4-402E-AA1A-21EEA45381D3}" srcId="{6C7F26EE-DC41-4FCE-9A2B-BCB785BD3D40}" destId="{F0C6DB36-3872-4B58-8E34-E788738E6D2E}" srcOrd="1" destOrd="0" parTransId="{AF093D10-7012-425E-8E21-3F88DE2923C4}" sibTransId="{A8813212-DCE7-4664-97BA-CD68F83C165B}"/>
+    <dgm:cxn modelId="{8D6FC9A5-7FEF-406E-8FAF-7341EF098230}" srcId="{6C7F26EE-DC41-4FCE-9A2B-BCB785BD3D40}" destId="{8E868AD2-930E-400E-AAA6-8A5A38622904}" srcOrd="4" destOrd="0" parTransId="{97E1711E-874A-4867-847A-9FB0D49421F4}" sibTransId="{42EA9274-B982-4F92-AB98-104C73C78B23}"/>
+    <dgm:cxn modelId="{EFE7E207-FE94-4657-8EF6-9DB24939E01D}" srcId="{6C7F26EE-DC41-4FCE-9A2B-BCB785BD3D40}" destId="{B62E7B2B-FA3A-426A-B7EB-F310A4C8F75C}" srcOrd="5" destOrd="0" parTransId="{CDC0C329-BEB2-408B-BDAB-EAAE090BC465}" sibTransId="{6F80404E-2C54-4D9F-9ECA-7172053D77E5}"/>
+    <dgm:cxn modelId="{96AD066A-C83F-45F3-8784-C0EA75EEC60C}" type="presOf" srcId="{AF093D10-7012-425E-8E21-3F88DE2923C4}" destId="{44173EF8-C060-456B-A7FF-51FF3C3F3728}" srcOrd="1" destOrd="0" presId="urn:microsoft.com/office/officeart/2005/8/layout/radial5"/>
+    <dgm:cxn modelId="{ACB3CE3A-9A82-4288-848C-FF1454AC4B14}" type="presOf" srcId="{6C7F26EE-DC41-4FCE-9A2B-BCB785BD3D40}" destId="{795B084A-6AF2-4FE3-B8E7-6E77B4B1B4FE}" srcOrd="0" destOrd="0" presId="urn:microsoft.com/office/officeart/2005/8/layout/radial5"/>
+    <dgm:cxn modelId="{115F94F3-B364-44B5-B59A-022972CB01FC}" srcId="{6C7F26EE-DC41-4FCE-9A2B-BCB785BD3D40}" destId="{E03C1B12-9674-4158-82E6-380D58725FD2}" srcOrd="2" destOrd="0" parTransId="{D505439A-4959-4459-A573-2343A93FF006}" sibTransId="{79082AFD-ADB4-4A07-AD6D-3FAB394DA409}"/>
+    <dgm:cxn modelId="{4D9799D1-7C58-4CFA-B446-10A6EAE9D19E}" type="presOf" srcId="{CDC0C329-BEB2-408B-BDAB-EAAE090BC465}" destId="{4B41BC24-608A-47A8-894A-F5C3286201C3}" srcOrd="1" destOrd="0" presId="urn:microsoft.com/office/officeart/2005/8/layout/radial5"/>
+    <dgm:cxn modelId="{796749A4-54A5-4F96-8DF6-936CD2B5D858}" type="presOf" srcId="{D505439A-4959-4459-A573-2343A93FF006}" destId="{FAC6D00E-7DBC-4269-B96D-AD34341426B3}" srcOrd="1" destOrd="0" presId="urn:microsoft.com/office/officeart/2005/8/layout/radial5"/>
     <dgm:cxn modelId="{82D56A07-0F2D-4B39-8112-28903D5E7914}" srcId="{6C7F26EE-DC41-4FCE-9A2B-BCB785BD3D40}" destId="{3BB986C5-39B4-419F-BC66-29AA94C2C8B4}" srcOrd="3" destOrd="0" parTransId="{7C67E25A-687E-43EF-A30E-1BE6BB1C96BB}" sibTransId="{6D74F808-3D7F-4FA4-AAE3-8BE6FCE9A644}"/>
-    <dgm:cxn modelId="{EFE7E207-FE94-4657-8EF6-9DB24939E01D}" srcId="{6C7F26EE-DC41-4FCE-9A2B-BCB785BD3D40}" destId="{B62E7B2B-FA3A-426A-B7EB-F310A4C8F75C}" srcOrd="5" destOrd="0" parTransId="{CDC0C329-BEB2-408B-BDAB-EAAE090BC465}" sibTransId="{6F80404E-2C54-4D9F-9ECA-7172053D77E5}"/>
     <dgm:cxn modelId="{DB4DCA15-3A21-49E2-8DE1-AE14995A8429}" type="presOf" srcId="{7C67E25A-687E-43EF-A30E-1BE6BB1C96BB}" destId="{02EDF0E0-C93D-496C-9C44-8B52081CF42F}" srcOrd="1" destOrd="0" presId="urn:microsoft.com/office/officeart/2005/8/layout/radial5"/>
-    <dgm:cxn modelId="{E231FA1D-34BE-490D-93A5-27BDDF493FD6}" type="presOf" srcId="{F0C6DB36-3872-4B58-8E34-E788738E6D2E}" destId="{3CA7F5B3-1CF7-48CD-9446-5EAAC42314B2}" srcOrd="0" destOrd="0" presId="urn:microsoft.com/office/officeart/2005/8/layout/radial5"/>
+    <dgm:cxn modelId="{06F65436-5D60-422F-8FA6-E3C1921BED54}" type="presOf" srcId="{B62E7B2B-FA3A-426A-B7EB-F310A4C8F75C}" destId="{649B0251-076A-43A0-A9F0-20A26A16F648}" srcOrd="0" destOrd="0" presId="urn:microsoft.com/office/officeart/2005/8/layout/radial5"/>
     <dgm:cxn modelId="{0ED3562F-3DCF-42AB-82A3-B3E0DD0F2256}" type="presOf" srcId="{E03C1B12-9674-4158-82E6-380D58725FD2}" destId="{4BBFCE1B-2519-4F4B-A2D6-A629CFD6B43E}" srcOrd="0" destOrd="0" presId="urn:microsoft.com/office/officeart/2005/8/layout/radial5"/>
-    <dgm:cxn modelId="{06F65436-5D60-422F-8FA6-E3C1921BED54}" type="presOf" srcId="{B62E7B2B-FA3A-426A-B7EB-F310A4C8F75C}" destId="{649B0251-076A-43A0-A9F0-20A26A16F648}" srcOrd="0" destOrd="0" presId="urn:microsoft.com/office/officeart/2005/8/layout/radial5"/>
-    <dgm:cxn modelId="{ACB3CE3A-9A82-4288-848C-FF1454AC4B14}" type="presOf" srcId="{6C7F26EE-DC41-4FCE-9A2B-BCB785BD3D40}" destId="{795B084A-6AF2-4FE3-B8E7-6E77B4B1B4FE}" srcOrd="0" destOrd="0" presId="urn:microsoft.com/office/officeart/2005/8/layout/radial5"/>
-    <dgm:cxn modelId="{DDE09341-A8D5-48FF-80C0-A0DD3008222C}" type="presOf" srcId="{F9998325-7ADE-4311-A231-52FDC1B8CDA9}" destId="{C587B4A8-743B-42E8-A685-647273CB9C3E}" srcOrd="0" destOrd="0" presId="urn:microsoft.com/office/officeart/2005/8/layout/radial5"/>
-    <dgm:cxn modelId="{96AD066A-C83F-45F3-8784-C0EA75EEC60C}" type="presOf" srcId="{AF093D10-7012-425E-8E21-3F88DE2923C4}" destId="{44173EF8-C060-456B-A7FF-51FF3C3F3728}" srcOrd="1" destOrd="0" presId="urn:microsoft.com/office/officeart/2005/8/layout/radial5"/>
+    <dgm:cxn modelId="{74EEB082-FF03-4B2C-A079-A3F2D3709F1E}" type="presOf" srcId="{CDC0C329-BEB2-408B-BDAB-EAAE090BC465}" destId="{D8543BC6-C2A3-44A0-AD66-B070AE3B70F1}" srcOrd="0" destOrd="0" presId="urn:microsoft.com/office/officeart/2005/8/layout/radial5"/>
     <dgm:cxn modelId="{B9B8684B-2680-48F1-9A77-B950DD172C77}" type="presOf" srcId="{AF093D10-7012-425E-8E21-3F88DE2923C4}" destId="{67BD1836-BBD8-49E6-8A1D-0B6AD1A49804}" srcOrd="0" destOrd="0" presId="urn:microsoft.com/office/officeart/2005/8/layout/radial5"/>
-    <dgm:cxn modelId="{5702097A-4CE3-41F2-81F9-FDD9F1A422E4}" type="presOf" srcId="{97E1711E-874A-4867-847A-9FB0D49421F4}" destId="{6EA9DD4F-02C6-49FE-9FCF-19492F4C119B}" srcOrd="0" destOrd="0" presId="urn:microsoft.com/office/officeart/2005/8/layout/radial5"/>
-    <dgm:cxn modelId="{F7BF687E-CDC4-402E-AA1A-21EEA45381D3}" srcId="{6C7F26EE-DC41-4FCE-9A2B-BCB785BD3D40}" destId="{F0C6DB36-3872-4B58-8E34-E788738E6D2E}" srcOrd="1" destOrd="0" parTransId="{AF093D10-7012-425E-8E21-3F88DE2923C4}" sibTransId="{A8813212-DCE7-4664-97BA-CD68F83C165B}"/>
-    <dgm:cxn modelId="{74EEB082-FF03-4B2C-A079-A3F2D3709F1E}" type="presOf" srcId="{CDC0C329-BEB2-408B-BDAB-EAAE090BC465}" destId="{D8543BC6-C2A3-44A0-AD66-B070AE3B70F1}" srcOrd="0" destOrd="0" presId="urn:microsoft.com/office/officeart/2005/8/layout/radial5"/>
-    <dgm:cxn modelId="{CCA1D185-E200-464F-9472-1CE2C5A7E784}" type="presOf" srcId="{BF08AF18-252A-4A5D-9A63-82B61EF94DB5}" destId="{855A38A7-EDEB-431E-A167-42643272BBEE}" srcOrd="0" destOrd="0" presId="urn:microsoft.com/office/officeart/2005/8/layout/radial5"/>
-    <dgm:cxn modelId="{A2A26490-63E0-4244-8E5E-DA191B3871F9}" srcId="{6C7F26EE-DC41-4FCE-9A2B-BCB785BD3D40}" destId="{ABD21938-04B1-41CA-83C8-2ABDF967D126}" srcOrd="0" destOrd="0" parTransId="{BF08AF18-252A-4A5D-9A63-82B61EF94DB5}" sibTransId="{E2D2F5AC-45C6-47DE-8D32-46362313B352}"/>
-    <dgm:cxn modelId="{E0E29099-C7D9-46F1-9955-FB30872C1168}" type="presOf" srcId="{8E868AD2-930E-400E-AAA6-8A5A38622904}" destId="{F649323C-9A23-4780-ABBF-44EB22816205}" srcOrd="0" destOrd="0" presId="urn:microsoft.com/office/officeart/2005/8/layout/radial5"/>
-    <dgm:cxn modelId="{796749A4-54A5-4F96-8DF6-936CD2B5D858}" type="presOf" srcId="{D505439A-4959-4459-A573-2343A93FF006}" destId="{FAC6D00E-7DBC-4269-B96D-AD34341426B3}" srcOrd="1" destOrd="0" presId="urn:microsoft.com/office/officeart/2005/8/layout/radial5"/>
-    <dgm:cxn modelId="{8D6FC9A5-7FEF-406E-8FAF-7341EF098230}" srcId="{6C7F26EE-DC41-4FCE-9A2B-BCB785BD3D40}" destId="{8E868AD2-930E-400E-AAA6-8A5A38622904}" srcOrd="4" destOrd="0" parTransId="{97E1711E-874A-4867-847A-9FB0D49421F4}" sibTransId="{42EA9274-B982-4F92-AB98-104C73C78B23}"/>
-    <dgm:cxn modelId="{7EFFB9AC-B92F-4FE0-AD61-CD9D563F93D8}" type="presOf" srcId="{D505439A-4959-4459-A573-2343A93FF006}" destId="{79CA3347-9782-411C-88F7-42E0FDE4A993}" srcOrd="0" destOrd="0" presId="urn:microsoft.com/office/officeart/2005/8/layout/radial5"/>
-    <dgm:cxn modelId="{A27BD5C5-98E9-4318-AF6E-79EC1869D510}" srcId="{F9998325-7ADE-4311-A231-52FDC1B8CDA9}" destId="{6C7F26EE-DC41-4FCE-9A2B-BCB785BD3D40}" srcOrd="0" destOrd="0" parTransId="{E67DDFC5-6407-44C9-88BA-B29F651CA55F}" sibTransId="{32DAA5E5-A336-4688-A8E9-E9E67FCEA09C}"/>
-    <dgm:cxn modelId="{6A7F93C6-E7A5-40CF-BCA9-62CFB38140A6}" type="presOf" srcId="{7C67E25A-687E-43EF-A30E-1BE6BB1C96BB}" destId="{2908CCF2-B3E0-4425-A3A4-741C48F697CC}" srcOrd="0" destOrd="0" presId="urn:microsoft.com/office/officeart/2005/8/layout/radial5"/>
-    <dgm:cxn modelId="{DA00FFCE-8051-4BEE-B2CB-D038378B4F4A}" type="presOf" srcId="{97E1711E-874A-4867-847A-9FB0D49421F4}" destId="{76B889AC-5DC7-49E9-9470-1726B0E1E77F}" srcOrd="1" destOrd="0" presId="urn:microsoft.com/office/officeart/2005/8/layout/radial5"/>
-    <dgm:cxn modelId="{4D9799D1-7C58-4CFA-B446-10A6EAE9D19E}" type="presOf" srcId="{CDC0C329-BEB2-408B-BDAB-EAAE090BC465}" destId="{4B41BC24-608A-47A8-894A-F5C3286201C3}" srcOrd="1" destOrd="0" presId="urn:microsoft.com/office/officeart/2005/8/layout/radial5"/>
-    <dgm:cxn modelId="{D6147ED2-98C9-440A-8128-A2C7C8E7F921}" type="presOf" srcId="{BF08AF18-252A-4A5D-9A63-82B61EF94DB5}" destId="{C5CB236E-81F3-4E87-9694-5BDFFCCF0DCD}" srcOrd="1" destOrd="0" presId="urn:microsoft.com/office/officeart/2005/8/layout/radial5"/>
-    <dgm:cxn modelId="{9165EBD3-B066-4A24-9446-F2A6D64CD860}" type="presOf" srcId="{ABD21938-04B1-41CA-83C8-2ABDF967D126}" destId="{A4EEF9AC-C79A-4CC0-AE94-3847C4155BC9}" srcOrd="0" destOrd="0" presId="urn:microsoft.com/office/officeart/2005/8/layout/radial5"/>
-    <dgm:cxn modelId="{48B183D5-9229-49B8-B8BF-7CCC95286584}" type="presOf" srcId="{3BB986C5-39B4-419F-BC66-29AA94C2C8B4}" destId="{E47AF97F-3A35-4678-BBFB-CEBE864CC32F}" srcOrd="0" destOrd="0" presId="urn:microsoft.com/office/officeart/2005/8/layout/radial5"/>
-    <dgm:cxn modelId="{115F94F3-B364-44B5-B59A-022972CB01FC}" srcId="{6C7F26EE-DC41-4FCE-9A2B-BCB785BD3D40}" destId="{E03C1B12-9674-4158-82E6-380D58725FD2}" srcOrd="2" destOrd="0" parTransId="{D505439A-4959-4459-A573-2343A93FF006}" sibTransId="{79082AFD-ADB4-4A07-AD6D-3FAB394DA409}"/>
     <dgm:cxn modelId="{8B9BC0E2-457C-4F1B-9FAC-A97A73469517}" type="presParOf" srcId="{C587B4A8-743B-42E8-A685-647273CB9C3E}" destId="{795B084A-6AF2-4FE3-B8E7-6E77B4B1B4FE}" srcOrd="0" destOrd="0" presId="urn:microsoft.com/office/officeart/2005/8/layout/radial5"/>
     <dgm:cxn modelId="{0A006FF0-C2EC-4E22-BEEA-F922A33F3E8D}" type="presParOf" srcId="{C587B4A8-743B-42E8-A685-647273CB9C3E}" destId="{855A38A7-EDEB-431E-A167-42643272BBEE}" srcOrd="1" destOrd="0" presId="urn:microsoft.com/office/officeart/2005/8/layout/radial5"/>
     <dgm:cxn modelId="{A5230BF6-DE15-4DCC-857B-819590E791F4}" type="presParOf" srcId="{855A38A7-EDEB-431E-A167-42643272BBEE}" destId="{C5CB236E-81F3-4E87-9694-5BDFFCCF0DCD}" srcOrd="0" destOrd="0" presId="urn:microsoft.com/office/officeart/2005/8/layout/radial5"/>
@@ -1377,7 +1518,7 @@
         </a:bodyPr>
         <a:lstStyle/>
         <a:p>
-          <a:pPr marL="0" lvl="0" indent="0" algn="ctr" defTabSz="533400">
+          <a:pPr lvl="0" algn="ctr" defTabSz="533400">
             <a:lnSpc>
               <a:spcPct val="90000"/>
             </a:lnSpc>
@@ -1387,7 +1528,6 @@
             <a:spcAft>
               <a:spcPct val="35000"/>
             </a:spcAft>
-            <a:buNone/>
           </a:pPr>
           <a:r>
             <a:rPr lang="fr-FR" sz="1200" kern="1200" dirty="0"/>
@@ -1450,7 +1590,7 @@
         </a:bodyPr>
         <a:lstStyle/>
         <a:p>
-          <a:pPr marL="0" lvl="0" indent="0" algn="ctr" defTabSz="533400">
+          <a:pPr lvl="0" algn="ctr" defTabSz="533400">
             <a:lnSpc>
               <a:spcPct val="90000"/>
             </a:lnSpc>
@@ -1460,7 +1600,6 @@
             <a:spcAft>
               <a:spcPct val="35000"/>
             </a:spcAft>
-            <a:buNone/>
           </a:pPr>
           <a:endParaRPr lang="fr-FR" sz="1200" kern="1200"/>
         </a:p>
@@ -1524,7 +1663,7 @@
         </a:bodyPr>
         <a:lstStyle/>
         <a:p>
-          <a:pPr marL="0" lvl="0" indent="0" algn="ctr" defTabSz="533400">
+          <a:pPr lvl="0" algn="ctr" defTabSz="533400">
             <a:lnSpc>
               <a:spcPct val="90000"/>
             </a:lnSpc>
@@ -1534,7 +1673,6 @@
             <a:spcAft>
               <a:spcPct val="35000"/>
             </a:spcAft>
-            <a:buNone/>
           </a:pPr>
           <a:r>
             <a:rPr lang="fr-FR" sz="1200" kern="1200" dirty="0"/>
@@ -1597,7 +1735,7 @@
         </a:bodyPr>
         <a:lstStyle/>
         <a:p>
-          <a:pPr marL="0" lvl="0" indent="0" algn="ctr" defTabSz="533400">
+          <a:pPr lvl="0" algn="ctr" defTabSz="533400">
             <a:lnSpc>
               <a:spcPct val="90000"/>
             </a:lnSpc>
@@ -1607,7 +1745,6 @@
             <a:spcAft>
               <a:spcPct val="35000"/>
             </a:spcAft>
-            <a:buNone/>
           </a:pPr>
           <a:endParaRPr lang="fr-FR" sz="1200" kern="1200"/>
         </a:p>
@@ -1671,7 +1808,7 @@
         </a:bodyPr>
         <a:lstStyle/>
         <a:p>
-          <a:pPr marL="0" lvl="0" indent="0" algn="ctr" defTabSz="533400">
+          <a:pPr lvl="0" algn="ctr" defTabSz="533400">
             <a:lnSpc>
               <a:spcPct val="90000"/>
             </a:lnSpc>
@@ -1681,7 +1818,6 @@
             <a:spcAft>
               <a:spcPct val="35000"/>
             </a:spcAft>
-            <a:buNone/>
           </a:pPr>
           <a:r>
             <a:rPr lang="fr-FR" sz="1200" kern="1200" dirty="0"/>
@@ -1744,7 +1880,7 @@
         </a:bodyPr>
         <a:lstStyle/>
         <a:p>
-          <a:pPr marL="0" lvl="0" indent="0" algn="ctr" defTabSz="533400">
+          <a:pPr lvl="0" algn="ctr" defTabSz="533400">
             <a:lnSpc>
               <a:spcPct val="90000"/>
             </a:lnSpc>
@@ -1754,7 +1890,6 @@
             <a:spcAft>
               <a:spcPct val="35000"/>
             </a:spcAft>
-            <a:buNone/>
           </a:pPr>
           <a:endParaRPr lang="fr-FR" sz="1200" kern="1200"/>
         </a:p>
@@ -1818,7 +1953,7 @@
         </a:bodyPr>
         <a:lstStyle/>
         <a:p>
-          <a:pPr marL="0" lvl="0" indent="0" algn="ctr" defTabSz="533400">
+          <a:pPr lvl="0" algn="ctr" defTabSz="533400">
             <a:lnSpc>
               <a:spcPct val="90000"/>
             </a:lnSpc>
@@ -1828,7 +1963,6 @@
             <a:spcAft>
               <a:spcPct val="35000"/>
             </a:spcAft>
-            <a:buNone/>
           </a:pPr>
           <a:r>
             <a:rPr lang="fr-FR" sz="1200" kern="1200" dirty="0"/>
@@ -1891,7 +2025,7 @@
         </a:bodyPr>
         <a:lstStyle/>
         <a:p>
-          <a:pPr marL="0" lvl="0" indent="0" algn="ctr" defTabSz="533400">
+          <a:pPr lvl="0" algn="ctr" defTabSz="533400">
             <a:lnSpc>
               <a:spcPct val="90000"/>
             </a:lnSpc>
@@ -1901,7 +2035,6 @@
             <a:spcAft>
               <a:spcPct val="35000"/>
             </a:spcAft>
-            <a:buNone/>
           </a:pPr>
           <a:endParaRPr lang="fr-FR" sz="1200" kern="1200"/>
         </a:p>
@@ -1965,7 +2098,7 @@
         </a:bodyPr>
         <a:lstStyle/>
         <a:p>
-          <a:pPr marL="0" lvl="0" indent="0" algn="ctr" defTabSz="533400">
+          <a:pPr lvl="0" algn="ctr" defTabSz="533400">
             <a:lnSpc>
               <a:spcPct val="90000"/>
             </a:lnSpc>
@@ -1975,7 +2108,6 @@
             <a:spcAft>
               <a:spcPct val="35000"/>
             </a:spcAft>
-            <a:buNone/>
           </a:pPr>
           <a:r>
             <a:rPr lang="fr-FR" sz="1200" kern="1200" dirty="0"/>
@@ -2038,7 +2170,7 @@
         </a:bodyPr>
         <a:lstStyle/>
         <a:p>
-          <a:pPr marL="0" lvl="0" indent="0" algn="ctr" defTabSz="533400">
+          <a:pPr lvl="0" algn="ctr" defTabSz="533400">
             <a:lnSpc>
               <a:spcPct val="90000"/>
             </a:lnSpc>
@@ -2048,7 +2180,6 @@
             <a:spcAft>
               <a:spcPct val="35000"/>
             </a:spcAft>
-            <a:buNone/>
           </a:pPr>
           <a:endParaRPr lang="fr-FR" sz="1200" kern="1200"/>
         </a:p>
@@ -2112,7 +2243,7 @@
         </a:bodyPr>
         <a:lstStyle/>
         <a:p>
-          <a:pPr marL="0" lvl="0" indent="0" algn="ctr" defTabSz="533400">
+          <a:pPr lvl="0" algn="ctr" defTabSz="533400">
             <a:lnSpc>
               <a:spcPct val="90000"/>
             </a:lnSpc>
@@ -2122,7 +2253,6 @@
             <a:spcAft>
               <a:spcPct val="35000"/>
             </a:spcAft>
-            <a:buNone/>
           </a:pPr>
           <a:r>
             <a:rPr lang="fr-FR" sz="1200" kern="1200" dirty="0"/>
@@ -2185,7 +2315,7 @@
         </a:bodyPr>
         <a:lstStyle/>
         <a:p>
-          <a:pPr marL="0" lvl="0" indent="0" algn="ctr" defTabSz="533400">
+          <a:pPr lvl="0" algn="ctr" defTabSz="533400">
             <a:lnSpc>
               <a:spcPct val="90000"/>
             </a:lnSpc>
@@ -2195,7 +2325,6 @@
             <a:spcAft>
               <a:spcPct val="35000"/>
             </a:spcAft>
-            <a:buNone/>
           </a:pPr>
           <a:endParaRPr lang="fr-FR" sz="1200" kern="1200"/>
         </a:p>
@@ -2259,7 +2388,7 @@
         </a:bodyPr>
         <a:lstStyle/>
         <a:p>
-          <a:pPr marL="0" lvl="0" indent="0" algn="ctr" defTabSz="533400">
+          <a:pPr lvl="0" algn="ctr" defTabSz="533400">
             <a:lnSpc>
               <a:spcPct val="90000"/>
             </a:lnSpc>
@@ -2269,7 +2398,6 @@
             <a:spcAft>
               <a:spcPct val="35000"/>
             </a:spcAft>
-            <a:buNone/>
           </a:pPr>
           <a:r>
             <a:rPr lang="fr-FR" sz="1200" kern="1200" dirty="0"/>
@@ -3642,7 +3770,7 @@
             <a:fld id="{E494A05E-DEA9-4CEA-A63B-3593EEF3AC45}" type="datetimeFigureOut">
               <a:rPr lang="fr-FR" smtClean="0"/>
               <a:pPr/>
-              <a:t>01/09/2020</a:t>
+              <a:t>05/10/2020</a:t>
             </a:fld>
             <a:endParaRPr lang="fr-FR"/>
           </a:p>
@@ -4313,7 +4441,7 @@
             <a:fld id="{3A961F90-11F6-4966-B0E5-2BB20F714B78}" type="datetime1">
               <a:rPr lang="fr-FR" smtClean="0"/>
               <a:pPr/>
-              <a:t>01/09/2020</a:t>
+              <a:t>05/10/2020</a:t>
             </a:fld>
             <a:endParaRPr lang="fr-FR"/>
           </a:p>
@@ -4674,7 +4802,7 @@
             <a:fld id="{59700BD1-A4B5-444B-B773-B4FDD97DF200}" type="datetime1">
               <a:rPr lang="fr-FR" smtClean="0"/>
               <a:pPr/>
-              <a:t>01/09/2020</a:t>
+              <a:t>05/10/2020</a:t>
             </a:fld>
             <a:endParaRPr lang="fr-FR"/>
           </a:p>
@@ -4851,7 +4979,7 @@
             <a:fld id="{A354AF49-C35E-40F6-8345-CA866716EE79}" type="datetime1">
               <a:rPr lang="fr-FR" smtClean="0"/>
               <a:pPr/>
-              <a:t>01/09/2020</a:t>
+              <a:t>05/10/2020</a:t>
             </a:fld>
             <a:endParaRPr lang="fr-FR"/>
           </a:p>
@@ -5088,7 +5216,7 @@
             <a:fld id="{EAFEF7E1-4A71-4560-AA4D-33BBAAF32357}" type="datetime1">
               <a:rPr lang="fr-FR" smtClean="0"/>
               <a:pPr/>
-              <a:t>01/09/2020</a:t>
+              <a:t>05/10/2020</a:t>
             </a:fld>
             <a:endParaRPr lang="fr-FR"/>
           </a:p>
@@ -5359,7 +5487,7 @@
             <a:fld id="{9BE6CECE-C4BA-493A-9F45-8F69D8200EC9}" type="datetime1">
               <a:rPr lang="fr-FR" smtClean="0"/>
               <a:pPr/>
-              <a:t>01/09/2020</a:t>
+              <a:t>05/10/2020</a:t>
             </a:fld>
             <a:endParaRPr lang="fr-FR"/>
           </a:p>
@@ -5581,7 +5709,7 @@
             <a:fld id="{6B400324-51BB-4021-B482-6C084AB66459}" type="datetime1">
               <a:rPr lang="fr-FR" smtClean="0"/>
               <a:pPr/>
-              <a:t>01/09/2020</a:t>
+              <a:t>05/10/2020</a:t>
             </a:fld>
             <a:endParaRPr lang="fr-FR"/>
           </a:p>
@@ -5935,7 +6063,7 @@
             <a:fld id="{87C4A39B-E1E0-4B19-A965-1E1097FB3AF3}" type="datetime1">
               <a:rPr lang="fr-FR" smtClean="0"/>
               <a:pPr/>
-              <a:t>01/09/2020</a:t>
+              <a:t>05/10/2020</a:t>
             </a:fld>
             <a:endParaRPr lang="fr-FR"/>
           </a:p>
@@ -6169,7 +6297,7 @@
             <a:fld id="{CEF5A761-699F-4B94-BA43-1E8C0C9C554B}" type="datetime1">
               <a:rPr lang="fr-FR" smtClean="0"/>
               <a:pPr/>
-              <a:t>01/09/2020</a:t>
+              <a:t>05/10/2020</a:t>
             </a:fld>
             <a:endParaRPr lang="fr-FR"/>
           </a:p>
@@ -6311,7 +6439,7 @@
             <a:fld id="{E407DE65-0759-4C9C-9804-8C4C0AC5F8D7}" type="datetime1">
               <a:rPr lang="fr-FR" smtClean="0"/>
               <a:pPr/>
-              <a:t>01/09/2020</a:t>
+              <a:t>05/10/2020</a:t>
             </a:fld>
             <a:endParaRPr lang="fr-FR"/>
           </a:p>
@@ -6590,7 +6718,7 @@
             <a:fld id="{6DCAF433-E5EB-4B74-B8BB-3F6D9EEAE800}" type="datetime1">
               <a:rPr lang="fr-FR" smtClean="0"/>
               <a:pPr/>
-              <a:t>01/09/2020</a:t>
+              <a:t>05/10/2020</a:t>
             </a:fld>
             <a:endParaRPr lang="fr-FR"/>
           </a:p>
@@ -6999,7 +7127,7 @@
             <a:fld id="{E5AEAC06-18E9-471A-B77A-CDA5C363BF1F}" type="datetime1">
               <a:rPr lang="fr-FR" smtClean="0"/>
               <a:pPr/>
-              <a:t>01/09/2020</a:t>
+              <a:t>05/10/2020</a:t>
             </a:fld>
             <a:endParaRPr lang="fr-FR"/>
           </a:p>
@@ -7339,7 +7467,7 @@
             <a:fld id="{B9178431-C703-4FD6-9F6F-E8F5512852E2}" type="datetime1">
               <a:rPr lang="fr-FR" smtClean="0"/>
               <a:pPr/>
-              <a:t>01/09/2020</a:t>
+              <a:t>05/10/2020</a:t>
             </a:fld>
             <a:endParaRPr lang="fr-FR"/>
           </a:p>
@@ -9187,8 +9315,8 @@
         </p:nvSpPr>
         <p:spPr>
           <a:xfrm rot="16200000">
-            <a:off x="6074823" y="2945424"/>
-            <a:ext cx="1944216" cy="400110"/>
+            <a:off x="6074823" y="2853091"/>
+            <a:ext cx="1944216" cy="584775"/>
           </a:xfrm>
           <a:prstGeom prst="rect">
             <a:avLst/>
@@ -9219,7 +9347,7 @@
               <a:defRPr/>
             </a:pPr>
             <a:r>
-              <a:rPr kumimoji="0" lang="fr-FR" sz="2000" b="1" i="0" u="none" strike="noStrike" kern="0" cap="none" spc="0" normalizeH="0" baseline="0" noProof="0" dirty="0">
+              <a:rPr kumimoji="0" lang="fr-FR" sz="1600" b="1" i="0" u="none" strike="noStrike" kern="0" cap="none" spc="0" normalizeH="0" baseline="0" noProof="0" dirty="0" smtClean="0">
                 <a:ln>
                   <a:noFill/>
                 </a:ln>
@@ -9231,38 +9359,9 @@
                 <a:uFillTx/>
                 <a:latin typeface="Calibri" pitchFamily="34" charset="0"/>
               </a:rPr>
-              <a:t>Ecart 1</a:t>
-            </a:r>
-          </a:p>
-        </p:txBody>
-      </p:sp>
-      <p:sp>
-        <p:nvSpPr>
-          <p:cNvPr id="33" name="ZoneTexte 32">
-            <a:extLst>
-              <a:ext uri="{FF2B5EF4-FFF2-40B4-BE49-F238E27FC236}">
-                <a16:creationId xmlns:a16="http://schemas.microsoft.com/office/drawing/2014/main" id="{1E43D50B-1284-45A2-B458-3096FD3C0DCD}"/>
-              </a:ext>
-            </a:extLst>
-          </p:cNvPr>
-          <p:cNvSpPr txBox="1"/>
-          <p:nvPr/>
-        </p:nvSpPr>
-        <p:spPr>
-          <a:xfrm rot="16200000">
-            <a:off x="6074382" y="4923679"/>
-            <a:ext cx="1944216" cy="400110"/>
-          </a:xfrm>
-          <a:prstGeom prst="rect">
-            <a:avLst/>
-          </a:prstGeom>
-          <a:noFill/>
-        </p:spPr>
-        <p:txBody>
-          <a:bodyPr wrap="square" rtlCol="0">
-            <a:spAutoFit/>
-          </a:bodyPr>
-          <a:lstStyle/>
+              <a:t>Écart 1</a:t>
+            </a:r>
+          </a:p>
           <a:p>
             <a:pPr marL="0" marR="0" lvl="0" indent="0" algn="ctr" defTabSz="914400" eaLnBrk="1" fontAlgn="auto" latinLnBrk="0" hangingPunct="1">
               <a:lnSpc>
@@ -9282,7 +9381,71 @@
               <a:defRPr/>
             </a:pPr>
             <a:r>
-              <a:rPr kumimoji="0" lang="fr-FR" sz="2000" b="1" i="0" u="none" strike="noStrike" kern="0" cap="none" spc="0" normalizeH="0" baseline="0" noProof="0" dirty="0">
+              <a:rPr lang="fr-FR" sz="1600" b="1" kern="0" dirty="0" smtClean="0">
+                <a:solidFill>
+                  <a:srgbClr val="FF0000"/>
+                </a:solidFill>
+                <a:latin typeface="Calibri" pitchFamily="34" charset="0"/>
+              </a:rPr>
+              <a:t>Réel  - souhaité </a:t>
+            </a:r>
+            <a:endParaRPr kumimoji="0" lang="fr-FR" sz="1600" b="1" i="0" u="none" strike="noStrike" kern="0" cap="none" spc="0" normalizeH="0" baseline="0" noProof="0" dirty="0">
+              <a:ln>
+                <a:noFill/>
+              </a:ln>
+              <a:solidFill>
+                <a:srgbClr val="FF0000"/>
+              </a:solidFill>
+              <a:effectLst/>
+              <a:uLnTx/>
+              <a:uFillTx/>
+              <a:latin typeface="Calibri" pitchFamily="34" charset="0"/>
+            </a:endParaRPr>
+          </a:p>
+        </p:txBody>
+      </p:sp>
+      <p:sp>
+        <p:nvSpPr>
+          <p:cNvPr id="33" name="ZoneTexte 32">
+            <a:extLst>
+              <a:ext uri="{FF2B5EF4-FFF2-40B4-BE49-F238E27FC236}">
+                <a16:creationId xmlns:a16="http://schemas.microsoft.com/office/drawing/2014/main" id="{1E43D50B-1284-45A2-B458-3096FD3C0DCD}"/>
+              </a:ext>
+            </a:extLst>
+          </p:cNvPr>
+          <p:cNvSpPr txBox="1"/>
+          <p:nvPr/>
+        </p:nvSpPr>
+        <p:spPr>
+          <a:xfrm rot="16200000">
+            <a:off x="6074382" y="4831346"/>
+            <a:ext cx="1944216" cy="584775"/>
+          </a:xfrm>
+          <a:prstGeom prst="rect">
+            <a:avLst/>
+          </a:prstGeom>
+          <a:noFill/>
+        </p:spPr>
+        <p:txBody>
+          <a:bodyPr wrap="square" rtlCol="0">
+            <a:spAutoFit/>
+          </a:bodyPr>
+          <a:lstStyle/>
+          <a:p>
+            <a:pPr lvl="0" algn="ctr">
+              <a:defRPr/>
+            </a:pPr>
+            <a:r>
+              <a:rPr lang="fr-FR" sz="1600" b="1" kern="0" dirty="0">
+                <a:solidFill>
+                  <a:srgbClr val="FF0000"/>
+                </a:solidFill>
+                <a:latin typeface="Calibri" pitchFamily="34" charset="0"/>
+              </a:rPr>
+              <a:t>Écart </a:t>
+            </a:r>
+            <a:r>
+              <a:rPr kumimoji="0" lang="fr-FR" sz="1600" b="1" i="0" u="none" strike="noStrike" kern="0" cap="none" spc="0" normalizeH="0" baseline="0" noProof="0" dirty="0" smtClean="0">
                 <a:ln>
                   <a:noFill/>
                 </a:ln>
@@ -9294,8 +9457,34 @@
                 <a:uFillTx/>
                 <a:latin typeface="Calibri" pitchFamily="34" charset="0"/>
               </a:rPr>
-              <a:t>Ecart 2</a:t>
-            </a:r>
+              <a:t>2</a:t>
+            </a:r>
+          </a:p>
+          <a:p>
+            <a:pPr lvl="0" algn="ctr">
+              <a:defRPr/>
+            </a:pPr>
+            <a:r>
+              <a:rPr lang="fr-FR" sz="1600" b="1" kern="0" dirty="0" smtClean="0">
+                <a:solidFill>
+                  <a:srgbClr val="FF0000"/>
+                </a:solidFill>
+                <a:latin typeface="Calibri" pitchFamily="34" charset="0"/>
+              </a:rPr>
+              <a:t>Réel – Simulé </a:t>
+            </a:r>
+            <a:endParaRPr kumimoji="0" lang="fr-FR" sz="1600" b="1" i="0" u="none" strike="noStrike" kern="0" cap="none" spc="0" normalizeH="0" baseline="0" noProof="0" dirty="0">
+              <a:ln>
+                <a:noFill/>
+              </a:ln>
+              <a:solidFill>
+                <a:srgbClr val="FF0000"/>
+              </a:solidFill>
+              <a:effectLst/>
+              <a:uLnTx/>
+              <a:uFillTx/>
+              <a:latin typeface="Calibri" pitchFamily="34" charset="0"/>
+            </a:endParaRPr>
           </a:p>
         </p:txBody>
       </p:sp>
@@ -9313,8 +9502,8 @@
         </p:nvSpPr>
         <p:spPr>
           <a:xfrm rot="16200000">
-            <a:off x="7864333" y="3938794"/>
-            <a:ext cx="1944216" cy="400110"/>
+            <a:off x="7727536" y="3757544"/>
+            <a:ext cx="2579272" cy="584775"/>
           </a:xfrm>
           <a:prstGeom prst="rect">
             <a:avLst/>
@@ -9345,7 +9534,7 @@
               <a:defRPr/>
             </a:pPr>
             <a:r>
-              <a:rPr kumimoji="0" lang="fr-FR" sz="2000" b="1" i="0" u="none" strike="noStrike" kern="0" cap="none" spc="0" normalizeH="0" baseline="0" noProof="0" dirty="0">
+              <a:rPr kumimoji="0" lang="fr-FR" sz="1600" b="1" i="0" u="none" strike="noStrike" kern="0" cap="none" spc="0" normalizeH="0" baseline="0" noProof="0" dirty="0" smtClean="0">
                 <a:ln>
                   <a:noFill/>
                 </a:ln>
@@ -9357,38 +9546,9 @@
                 <a:uFillTx/>
                 <a:latin typeface="Calibri" pitchFamily="34" charset="0"/>
               </a:rPr>
-              <a:t>Ecart 3</a:t>
-            </a:r>
-          </a:p>
-        </p:txBody>
-      </p:sp>
-      <p:sp>
-        <p:nvSpPr>
-          <p:cNvPr id="35" name="ZoneTexte 34">
-            <a:extLst>
-              <a:ext uri="{FF2B5EF4-FFF2-40B4-BE49-F238E27FC236}">
-                <a16:creationId xmlns:a16="http://schemas.microsoft.com/office/drawing/2014/main" id="{A58B5836-CE78-43F3-B824-B560235561C5}"/>
-              </a:ext>
-            </a:extLst>
-          </p:cNvPr>
-          <p:cNvSpPr txBox="1"/>
-          <p:nvPr/>
-        </p:nvSpPr>
-        <p:spPr>
-          <a:xfrm rot="18900000">
-            <a:off x="-207494" y="1850205"/>
-            <a:ext cx="1944216" cy="646331"/>
-          </a:xfrm>
-          <a:prstGeom prst="rect">
-            <a:avLst/>
-          </a:prstGeom>
-          <a:noFill/>
-        </p:spPr>
-        <p:txBody>
-          <a:bodyPr wrap="square" rtlCol="0">
-            <a:spAutoFit/>
-          </a:bodyPr>
-          <a:lstStyle/>
+              <a:t>Écart 3</a:t>
+            </a:r>
+          </a:p>
           <a:p>
             <a:pPr marL="0" marR="0" lvl="0" indent="0" algn="ctr" defTabSz="914400" eaLnBrk="1" fontAlgn="auto" latinLnBrk="0" hangingPunct="1">
               <a:lnSpc>
@@ -9408,29 +9568,35 @@
               <a:defRPr/>
             </a:pPr>
             <a:r>
-              <a:rPr kumimoji="0" lang="fr-FR" sz="1800" b="1" i="0" u="none" strike="noStrike" kern="0" cap="none" spc="0" normalizeH="0" baseline="0" noProof="0" dirty="0">
-                <a:ln>
-                  <a:noFill/>
-                </a:ln>
+              <a:rPr lang="fr-FR" sz="1600" b="1" kern="0" dirty="0" smtClean="0">
                 <a:solidFill>
-                  <a:sysClr val="windowText" lastClr="000000"/>
+                  <a:srgbClr val="FF0000"/>
                 </a:solidFill>
-                <a:effectLst/>
-                <a:uLnTx/>
-                <a:uFillTx/>
                 <a:latin typeface="Calibri" pitchFamily="34" charset="0"/>
               </a:rPr>
-              <a:t>Domaine du commanditaire</a:t>
-            </a:r>
-          </a:p>
-        </p:txBody>
-      </p:sp>
-      <p:sp>
-        <p:nvSpPr>
-          <p:cNvPr id="36" name="ZoneTexte 35">
+              <a:t>Souhaité – Simulé </a:t>
+            </a:r>
+            <a:endParaRPr kumimoji="0" lang="fr-FR" sz="1600" b="1" i="0" u="none" strike="noStrike" kern="0" cap="none" spc="0" normalizeH="0" baseline="0" noProof="0" dirty="0">
+              <a:ln>
+                <a:noFill/>
+              </a:ln>
+              <a:solidFill>
+                <a:srgbClr val="FF0000"/>
+              </a:solidFill>
+              <a:effectLst/>
+              <a:uLnTx/>
+              <a:uFillTx/>
+              <a:latin typeface="Calibri" pitchFamily="34" charset="0"/>
+            </a:endParaRPr>
+          </a:p>
+        </p:txBody>
+      </p:sp>
+      <p:sp>
+        <p:nvSpPr>
+          <p:cNvPr id="35" name="ZoneTexte 34">
             <a:extLst>
               <a:ext uri="{FF2B5EF4-FFF2-40B4-BE49-F238E27FC236}">
-                <a16:creationId xmlns:a16="http://schemas.microsoft.com/office/drawing/2014/main" id="{86B7464F-469E-47C7-9870-FFBD3CD83F59}"/>
+                <a16:creationId xmlns:a16="http://schemas.microsoft.com/office/drawing/2014/main" id="{A58B5836-CE78-43F3-B824-B560235561C5}"/>
               </a:ext>
             </a:extLst>
           </p:cNvPr>
@@ -9439,7 +9605,7 @@
         </p:nvSpPr>
         <p:spPr>
           <a:xfrm rot="18900000">
-            <a:off x="-166178" y="3351095"/>
+            <a:off x="-207494" y="1850205"/>
             <a:ext cx="1944216" cy="646331"/>
           </a:xfrm>
           <a:prstGeom prst="rect">
@@ -9483,17 +9649,17 @@
                 <a:uFillTx/>
                 <a:latin typeface="Calibri" pitchFamily="34" charset="0"/>
               </a:rPr>
-              <a:t>Domaine du laboratoire</a:t>
-            </a:r>
-          </a:p>
-        </p:txBody>
-      </p:sp>
-      <p:sp>
-        <p:nvSpPr>
-          <p:cNvPr id="37" name="ZoneTexte 36">
+              <a:t>Domaine du commanditaire</a:t>
+            </a:r>
+          </a:p>
+        </p:txBody>
+      </p:sp>
+      <p:sp>
+        <p:nvSpPr>
+          <p:cNvPr id="36" name="ZoneTexte 35">
             <a:extLst>
               <a:ext uri="{FF2B5EF4-FFF2-40B4-BE49-F238E27FC236}">
-                <a16:creationId xmlns:a16="http://schemas.microsoft.com/office/drawing/2014/main" id="{DEDDB2E1-DA4A-4A4D-A16A-584006742C61}"/>
+                <a16:creationId xmlns:a16="http://schemas.microsoft.com/office/drawing/2014/main" id="{86B7464F-469E-47C7-9870-FFBD3CD83F59}"/>
               </a:ext>
             </a:extLst>
           </p:cNvPr>
@@ -9502,7 +9668,7 @@
         </p:nvSpPr>
         <p:spPr>
           <a:xfrm rot="18900000">
-            <a:off x="-124862" y="4851985"/>
+            <a:off x="-166178" y="3351095"/>
             <a:ext cx="1944216" cy="646331"/>
           </a:xfrm>
           <a:prstGeom prst="rect">
@@ -9546,7 +9712,100 @@
                 <a:uFillTx/>
                 <a:latin typeface="Calibri" pitchFamily="34" charset="0"/>
               </a:rPr>
-              <a:t>Domaine dd la simulation</a:t>
+              <a:t>Domaine du laboratoire</a:t>
+            </a:r>
+          </a:p>
+        </p:txBody>
+      </p:sp>
+      <p:sp>
+        <p:nvSpPr>
+          <p:cNvPr id="37" name="ZoneTexte 36">
+            <a:extLst>
+              <a:ext uri="{FF2B5EF4-FFF2-40B4-BE49-F238E27FC236}">
+                <a16:creationId xmlns:a16="http://schemas.microsoft.com/office/drawing/2014/main" id="{DEDDB2E1-DA4A-4A4D-A16A-584006742C61}"/>
+              </a:ext>
+            </a:extLst>
+          </p:cNvPr>
+          <p:cNvSpPr txBox="1"/>
+          <p:nvPr/>
+        </p:nvSpPr>
+        <p:spPr>
+          <a:xfrm rot="18900000">
+            <a:off x="-124862" y="4851985"/>
+            <a:ext cx="1944216" cy="646331"/>
+          </a:xfrm>
+          <a:prstGeom prst="rect">
+            <a:avLst/>
+          </a:prstGeom>
+          <a:noFill/>
+        </p:spPr>
+        <p:txBody>
+          <a:bodyPr wrap="square" rtlCol="0">
+            <a:spAutoFit/>
+          </a:bodyPr>
+          <a:lstStyle/>
+          <a:p>
+            <a:pPr marL="0" marR="0" lvl="0" indent="0" algn="ctr" defTabSz="914400" eaLnBrk="1" fontAlgn="auto" latinLnBrk="0" hangingPunct="1">
+              <a:lnSpc>
+                <a:spcPct val="100000"/>
+              </a:lnSpc>
+              <a:spcBef>
+                <a:spcPts val="0"/>
+              </a:spcBef>
+              <a:spcAft>
+                <a:spcPts val="0"/>
+              </a:spcAft>
+              <a:buClrTx/>
+              <a:buSzTx/>
+              <a:buFontTx/>
+              <a:buNone/>
+              <a:tabLst/>
+              <a:defRPr/>
+            </a:pPr>
+            <a:r>
+              <a:rPr kumimoji="0" lang="fr-FR" sz="1800" b="1" i="0" u="none" strike="noStrike" kern="0" cap="none" spc="0" normalizeH="0" baseline="0" noProof="0" dirty="0">
+                <a:ln>
+                  <a:noFill/>
+                </a:ln>
+                <a:solidFill>
+                  <a:sysClr val="windowText" lastClr="000000"/>
+                </a:solidFill>
+                <a:effectLst/>
+                <a:uLnTx/>
+                <a:uFillTx/>
+                <a:latin typeface="Calibri" pitchFamily="34" charset="0"/>
+              </a:rPr>
+              <a:t>Domaine </a:t>
+            </a:r>
+            <a:r>
+              <a:rPr kumimoji="0" lang="fr-FR" sz="1800" b="1" i="0" u="none" strike="noStrike" kern="0" cap="none" spc="0" normalizeH="0" baseline="0" noProof="0" dirty="0" smtClean="0">
+                <a:ln>
+                  <a:noFill/>
+                </a:ln>
+                <a:solidFill>
+                  <a:sysClr val="windowText" lastClr="000000"/>
+                </a:solidFill>
+                <a:effectLst/>
+                <a:uLnTx/>
+                <a:uFillTx/>
+                <a:latin typeface="Calibri" pitchFamily="34" charset="0"/>
+              </a:rPr>
+              <a:t>de </a:t>
+            </a:r>
+            <a:r>
+              <a:rPr kumimoji="0" lang="fr-FR" sz="1800" b="1" i="0" u="none" strike="noStrike" kern="0" cap="none" spc="0" normalizeH="0" baseline="0" noProof="0" dirty="0">
+                <a:ln>
+                  <a:noFill/>
+                </a:ln>
+                <a:solidFill>
+                  <a:sysClr val="windowText" lastClr="000000"/>
+                </a:solidFill>
+                <a:effectLst/>
+                <a:uLnTx/>
+                <a:uFillTx/>
+                <a:latin typeface="Calibri" pitchFamily="34" charset="0"/>
+              </a:rPr>
+              <a:t>la simulation</a:t>
             </a:r>
           </a:p>
         </p:txBody>
@@ -9636,6 +9895,1626 @@
               <a:rPr lang="fr-FR" smtClean="0"/>
               <a:pPr/>
               <a:t>3</a:t>
+            </a:fld>
+            <a:endParaRPr lang="fr-FR"/>
+          </a:p>
+        </p:txBody>
+      </p:sp>
+      <p:sp>
+        <p:nvSpPr>
+          <p:cNvPr id="3" name="Espace réservé du pied de page 2"/>
+          <p:cNvSpPr>
+            <a:spLocks noGrp="1"/>
+          </p:cNvSpPr>
+          <p:nvPr>
+            <p:ph type="ftr" sz="quarter" idx="11"/>
+          </p:nvPr>
+        </p:nvSpPr>
+        <p:spPr/>
+        <p:txBody>
+          <a:bodyPr/>
+          <a:lstStyle/>
+          <a:p>
+            <a:r>
+              <a:rPr lang="fr-FR" dirty="0"/>
+              <a:t>Xavier Pessoles - La Martinière Monplaisir</a:t>
+            </a:r>
+          </a:p>
+        </p:txBody>
+      </p:sp>
+      <p:pic>
+        <p:nvPicPr>
+          <p:cNvPr id="18" name="Picture 3">
+            <a:extLst>
+              <a:ext uri="{FF2B5EF4-FFF2-40B4-BE49-F238E27FC236}">
+                <a16:creationId xmlns:a16="http://schemas.microsoft.com/office/drawing/2014/main" id="{3EA51FA0-C77C-49E7-96AB-F3D56E559F93}"/>
+              </a:ext>
+            </a:extLst>
+          </p:cNvPr>
+          <p:cNvPicPr>
+            <a:picLocks noChangeAspect="1" noChangeArrowheads="1"/>
+          </p:cNvPicPr>
+          <p:nvPr/>
+        </p:nvPicPr>
+        <p:blipFill>
+          <a:blip r:embed="rId2" cstate="print">
+            <a:extLst>
+              <a:ext uri="{28A0092B-C50C-407E-A947-70E740481C1C}">
+                <a14:useLocalDpi xmlns:a14="http://schemas.microsoft.com/office/drawing/2010/main" val="0"/>
+              </a:ext>
+            </a:extLst>
+          </a:blip>
+          <a:srcRect/>
+          <a:stretch>
+            <a:fillRect/>
+          </a:stretch>
+        </p:blipFill>
+        <p:spPr bwMode="auto">
+          <a:xfrm>
+            <a:off x="1739757" y="1649205"/>
+            <a:ext cx="726241" cy="1138791"/>
+          </a:xfrm>
+          <a:prstGeom prst="rect">
+            <a:avLst/>
+          </a:prstGeom>
+          <a:noFill/>
+          <a:ln>
+            <a:noFill/>
+          </a:ln>
+          <a:effectLst/>
+          <a:extLst>
+            <a:ext uri="{909E8E84-426E-40DD-AFC4-6F175D3DCCD1}">
+              <a14:hiddenFill xmlns:a14="http://schemas.microsoft.com/office/drawing/2010/main">
+                <a:solidFill>
+                  <a:schemeClr val="accent1"/>
+                </a:solidFill>
+              </a14:hiddenFill>
+            </a:ext>
+            <a:ext uri="{91240B29-F687-4F45-9708-019B960494DF}">
+              <a14:hiddenLine xmlns:a14="http://schemas.microsoft.com/office/drawing/2010/main" w="9525">
+                <a:solidFill>
+                  <a:schemeClr val="tx1"/>
+                </a:solidFill>
+                <a:miter lim="800000"/>
+                <a:headEnd/>
+                <a:tailEnd/>
+              </a14:hiddenLine>
+            </a:ext>
+            <a:ext uri="{AF507438-7753-43E0-B8FC-AC1667EBCBE1}">
+              <a14:hiddenEffects xmlns:a14="http://schemas.microsoft.com/office/drawing/2010/main">
+                <a:effectLst>
+                  <a:outerShdw dist="35921" dir="2700000" algn="ctr" rotWithShape="0">
+                    <a:schemeClr val="bg2"/>
+                  </a:outerShdw>
+                </a:effectLst>
+              </a14:hiddenEffects>
+            </a:ext>
+          </a:extLst>
+        </p:spPr>
+      </p:pic>
+      <p:pic>
+        <p:nvPicPr>
+          <p:cNvPr id="19" name="Picture 2">
+            <a:extLst>
+              <a:ext uri="{FF2B5EF4-FFF2-40B4-BE49-F238E27FC236}">
+                <a16:creationId xmlns:a16="http://schemas.microsoft.com/office/drawing/2014/main" id="{E7A13198-9476-4684-BB85-509284D5DC9B}"/>
+              </a:ext>
+            </a:extLst>
+          </p:cNvPr>
+          <p:cNvPicPr>
+            <a:picLocks noChangeAspect="1" noChangeArrowheads="1"/>
+          </p:cNvPicPr>
+          <p:nvPr/>
+        </p:nvPicPr>
+        <p:blipFill>
+          <a:blip r:embed="rId3" cstate="print">
+            <a:extLst>
+              <a:ext uri="{28A0092B-C50C-407E-A947-70E740481C1C}">
+                <a14:useLocalDpi xmlns:a14="http://schemas.microsoft.com/office/drawing/2010/main" val="0"/>
+              </a:ext>
+            </a:extLst>
+          </a:blip>
+          <a:srcRect/>
+          <a:stretch>
+            <a:fillRect/>
+          </a:stretch>
+        </p:blipFill>
+        <p:spPr bwMode="auto">
+          <a:xfrm>
+            <a:off x="2362917" y="1337974"/>
+            <a:ext cx="1327819" cy="747371"/>
+          </a:xfrm>
+          <a:prstGeom prst="ellipse">
+            <a:avLst/>
+          </a:prstGeom>
+          <a:ln w="9525">
+            <a:solidFill>
+              <a:sysClr val="windowText" lastClr="000000"/>
+            </a:solidFill>
+            <a:miter lim="800000"/>
+            <a:headEnd/>
+            <a:tailEnd/>
+          </a:ln>
+          <a:effectLst>
+            <a:outerShdw blurRad="381000" dist="292100" dir="5400000" sx="-80000" sy="-18000" rotWithShape="0">
+              <a:srgbClr val="000000">
+                <a:alpha val="22000"/>
+              </a:srgbClr>
+            </a:outerShdw>
+          </a:effectLst>
+          <a:scene3d>
+            <a:camera prst="orthographicFront"/>
+            <a:lightRig rig="contrasting" dir="t">
+              <a:rot lat="0" lon="0" rev="3000000"/>
+            </a:lightRig>
+          </a:scene3d>
+          <a:sp3d contourW="7620">
+            <a:bevelT w="95250" h="31750"/>
+            <a:contourClr>
+              <a:srgbClr val="333333"/>
+            </a:contourClr>
+          </a:sp3d>
+          <a:extLst>
+            <a:ext uri="{909E8E84-426E-40DD-AFC4-6F175D3DCCD1}">
+              <a14:hiddenFill xmlns:a14="http://schemas.microsoft.com/office/drawing/2010/main">
+                <a:solidFill>
+                  <a:schemeClr val="accent1"/>
+                </a:solidFill>
+              </a14:hiddenFill>
+            </a:ext>
+          </a:extLst>
+        </p:spPr>
+      </p:pic>
+      <p:pic>
+        <p:nvPicPr>
+          <p:cNvPr id="20" name="Picture 4">
+            <a:extLst>
+              <a:ext uri="{FF2B5EF4-FFF2-40B4-BE49-F238E27FC236}">
+                <a16:creationId xmlns:a16="http://schemas.microsoft.com/office/drawing/2014/main" id="{6C9FA232-B458-4EC5-98A3-AED72B7A0185}"/>
+              </a:ext>
+            </a:extLst>
+          </p:cNvPr>
+          <p:cNvPicPr>
+            <a:picLocks noChangeAspect="1" noChangeArrowheads="1"/>
+          </p:cNvPicPr>
+          <p:nvPr/>
+        </p:nvPicPr>
+        <p:blipFill rotWithShape="1">
+          <a:blip r:embed="rId4">
+            <a:extLst>
+              <a:ext uri="{28A0092B-C50C-407E-A947-70E740481C1C}">
+                <a14:useLocalDpi xmlns:a14="http://schemas.microsoft.com/office/drawing/2010/main" val="0"/>
+              </a:ext>
+            </a:extLst>
+          </a:blip>
+          <a:srcRect t="9127" b="7418"/>
+          <a:stretch/>
+        </p:blipFill>
+        <p:spPr bwMode="auto">
+          <a:xfrm>
+            <a:off x="1739567" y="4647181"/>
+            <a:ext cx="1951169" cy="1443612"/>
+          </a:xfrm>
+          <a:prstGeom prst="rect">
+            <a:avLst/>
+          </a:prstGeom>
+          <a:noFill/>
+          <a:ln>
+            <a:noFill/>
+          </a:ln>
+          <a:effectLst/>
+          <a:extLst>
+            <a:ext uri="{909E8E84-426E-40DD-AFC4-6F175D3DCCD1}">
+              <a14:hiddenFill xmlns:a14="http://schemas.microsoft.com/office/drawing/2010/main">
+                <a:solidFill>
+                  <a:schemeClr val="accent1"/>
+                </a:solidFill>
+              </a14:hiddenFill>
+            </a:ext>
+            <a:ext uri="{91240B29-F687-4F45-9708-019B960494DF}">
+              <a14:hiddenLine xmlns:a14="http://schemas.microsoft.com/office/drawing/2010/main" w="9525">
+                <a:solidFill>
+                  <a:schemeClr val="tx1"/>
+                </a:solidFill>
+                <a:miter lim="800000"/>
+                <a:headEnd/>
+                <a:tailEnd/>
+              </a14:hiddenLine>
+            </a:ext>
+            <a:ext uri="{AF507438-7753-43E0-B8FC-AC1667EBCBE1}">
+              <a14:hiddenEffects xmlns:a14="http://schemas.microsoft.com/office/drawing/2010/main">
+                <a:effectLst>
+                  <a:outerShdw dist="35921" dir="2700000" algn="ctr" rotWithShape="0">
+                    <a:schemeClr val="bg2"/>
+                  </a:outerShdw>
+                </a:effectLst>
+              </a14:hiddenEffects>
+            </a:ext>
+          </a:extLst>
+        </p:spPr>
+      </p:pic>
+      <p:pic>
+        <p:nvPicPr>
+          <p:cNvPr id="21" name="Picture 6">
+            <a:extLst>
+              <a:ext uri="{FF2B5EF4-FFF2-40B4-BE49-F238E27FC236}">
+                <a16:creationId xmlns:a16="http://schemas.microsoft.com/office/drawing/2014/main" id="{14CD2564-50C2-48C0-92D7-7E2CFFB93624}"/>
+              </a:ext>
+            </a:extLst>
+          </p:cNvPr>
+          <p:cNvPicPr>
+            <a:picLocks noChangeAspect="1" noChangeArrowheads="1"/>
+          </p:cNvPicPr>
+          <p:nvPr/>
+        </p:nvPicPr>
+        <p:blipFill>
+          <a:blip r:embed="rId5" cstate="print">
+            <a:extLst>
+              <a:ext uri="{28A0092B-C50C-407E-A947-70E740481C1C}">
+                <a14:useLocalDpi xmlns:a14="http://schemas.microsoft.com/office/drawing/2010/main" val="0"/>
+              </a:ext>
+            </a:extLst>
+          </a:blip>
+          <a:srcRect/>
+          <a:stretch>
+            <a:fillRect/>
+          </a:stretch>
+        </p:blipFill>
+        <p:spPr bwMode="auto">
+          <a:xfrm>
+            <a:off x="1739567" y="2985622"/>
+            <a:ext cx="1951169" cy="1350575"/>
+          </a:xfrm>
+          <a:prstGeom prst="rect">
+            <a:avLst/>
+          </a:prstGeom>
+          <a:noFill/>
+          <a:ln>
+            <a:noFill/>
+          </a:ln>
+          <a:effectLst/>
+          <a:extLst>
+            <a:ext uri="{909E8E84-426E-40DD-AFC4-6F175D3DCCD1}">
+              <a14:hiddenFill xmlns:a14="http://schemas.microsoft.com/office/drawing/2010/main">
+                <a:solidFill>
+                  <a:schemeClr val="accent1"/>
+                </a:solidFill>
+              </a14:hiddenFill>
+            </a:ext>
+            <a:ext uri="{91240B29-F687-4F45-9708-019B960494DF}">
+              <a14:hiddenLine xmlns:a14="http://schemas.microsoft.com/office/drawing/2010/main" w="9525">
+                <a:solidFill>
+                  <a:schemeClr val="tx1"/>
+                </a:solidFill>
+                <a:miter lim="800000"/>
+                <a:headEnd/>
+                <a:tailEnd/>
+              </a14:hiddenLine>
+            </a:ext>
+            <a:ext uri="{AF507438-7753-43E0-B8FC-AC1667EBCBE1}">
+              <a14:hiddenEffects xmlns:a14="http://schemas.microsoft.com/office/drawing/2010/main">
+                <a:effectLst>
+                  <a:outerShdw dist="35921" dir="2700000" algn="ctr" rotWithShape="0">
+                    <a:schemeClr val="bg2"/>
+                  </a:outerShdw>
+                </a:effectLst>
+              </a14:hiddenEffects>
+            </a:ext>
+          </a:extLst>
+        </p:spPr>
+      </p:pic>
+      <p:sp>
+        <p:nvSpPr>
+          <p:cNvPr id="22" name="Flèche droite 10">
+            <a:extLst>
+              <a:ext uri="{FF2B5EF4-FFF2-40B4-BE49-F238E27FC236}">
+                <a16:creationId xmlns:a16="http://schemas.microsoft.com/office/drawing/2014/main" id="{FD5CA047-C7A0-486C-BF6F-C8E68EB4FDBA}"/>
+              </a:ext>
+            </a:extLst>
+          </p:cNvPr>
+          <p:cNvSpPr/>
+          <p:nvPr/>
+        </p:nvSpPr>
+        <p:spPr>
+          <a:xfrm>
+            <a:off x="3755529" y="1815054"/>
+            <a:ext cx="3037584" cy="716632"/>
+          </a:xfrm>
+          <a:prstGeom prst="rightArrow">
+            <a:avLst/>
+          </a:prstGeom>
+          <a:gradFill rotWithShape="1">
+            <a:gsLst>
+              <a:gs pos="0">
+                <a:srgbClr val="8FB08C">
+                  <a:tint val="65000"/>
+                  <a:satMod val="270000"/>
+                </a:srgbClr>
+              </a:gs>
+              <a:gs pos="25000">
+                <a:srgbClr val="8FB08C">
+                  <a:tint val="60000"/>
+                  <a:satMod val="300000"/>
+                </a:srgbClr>
+              </a:gs>
+              <a:gs pos="100000">
+                <a:srgbClr val="8FB08C">
+                  <a:tint val="29000"/>
+                  <a:satMod val="400000"/>
+                </a:srgbClr>
+              </a:gs>
+            </a:gsLst>
+            <a:lin ang="16200000" scaled="1"/>
+          </a:gradFill>
+          <a:ln w="9525" cap="flat" cmpd="sng" algn="ctr">
+            <a:solidFill>
+              <a:srgbClr val="8FB08C">
+                <a:satMod val="150000"/>
+              </a:srgbClr>
+            </a:solidFill>
+            <a:prstDash val="solid"/>
+          </a:ln>
+          <a:effectLst>
+            <a:outerShdw blurRad="65500" dist="38100" dir="5400000" rotWithShape="0">
+              <a:srgbClr val="000000">
+                <a:alpha val="40000"/>
+              </a:srgbClr>
+            </a:outerShdw>
+          </a:effectLst>
+        </p:spPr>
+        <p:txBody>
+          <a:bodyPr rtlCol="0" anchor="ctr"/>
+          <a:lstStyle/>
+          <a:p>
+            <a:pPr marL="0" marR="0" lvl="0" indent="0" algn="ctr" defTabSz="914400" eaLnBrk="1" fontAlgn="auto" latinLnBrk="0" hangingPunct="1">
+              <a:lnSpc>
+                <a:spcPct val="100000"/>
+              </a:lnSpc>
+              <a:spcBef>
+                <a:spcPts val="0"/>
+              </a:spcBef>
+              <a:spcAft>
+                <a:spcPts val="0"/>
+              </a:spcAft>
+              <a:buClrTx/>
+              <a:buSzTx/>
+              <a:buFontTx/>
+              <a:buNone/>
+              <a:tabLst/>
+              <a:defRPr/>
+            </a:pPr>
+            <a:r>
+              <a:rPr kumimoji="0" lang="fr-FR" sz="1800" b="0" i="0" u="none" strike="noStrike" kern="0" cap="none" spc="0" normalizeH="0" baseline="0" noProof="0" dirty="0">
+                <a:ln>
+                  <a:noFill/>
+                </a:ln>
+                <a:solidFill>
+                  <a:sysClr val="windowText" lastClr="000000"/>
+                </a:solidFill>
+                <a:effectLst/>
+                <a:uLnTx/>
+                <a:uFillTx/>
+                <a:latin typeface="Calibri" pitchFamily="34" charset="0"/>
+              </a:rPr>
+              <a:t>Système souhaité</a:t>
+            </a:r>
+          </a:p>
+        </p:txBody>
+      </p:sp>
+      <p:sp>
+        <p:nvSpPr>
+          <p:cNvPr id="23" name="Flèche droite 11">
+            <a:extLst>
+              <a:ext uri="{FF2B5EF4-FFF2-40B4-BE49-F238E27FC236}">
+                <a16:creationId xmlns:a16="http://schemas.microsoft.com/office/drawing/2014/main" id="{96450DC1-644C-41B0-AFB8-1ED7F8096F9C}"/>
+              </a:ext>
+            </a:extLst>
+          </p:cNvPr>
+          <p:cNvSpPr/>
+          <p:nvPr/>
+        </p:nvSpPr>
+        <p:spPr>
+          <a:xfrm>
+            <a:off x="3749793" y="3315944"/>
+            <a:ext cx="3037584" cy="716632"/>
+          </a:xfrm>
+          <a:prstGeom prst="rightArrow">
+            <a:avLst/>
+          </a:prstGeom>
+          <a:gradFill rotWithShape="1">
+            <a:gsLst>
+              <a:gs pos="0">
+                <a:srgbClr val="8FB08C">
+                  <a:tint val="65000"/>
+                  <a:satMod val="270000"/>
+                </a:srgbClr>
+              </a:gs>
+              <a:gs pos="25000">
+                <a:srgbClr val="8FB08C">
+                  <a:tint val="60000"/>
+                  <a:satMod val="300000"/>
+                </a:srgbClr>
+              </a:gs>
+              <a:gs pos="100000">
+                <a:srgbClr val="8FB08C">
+                  <a:tint val="29000"/>
+                  <a:satMod val="400000"/>
+                </a:srgbClr>
+              </a:gs>
+            </a:gsLst>
+            <a:lin ang="16200000" scaled="1"/>
+          </a:gradFill>
+          <a:ln w="9525" cap="flat" cmpd="sng" algn="ctr">
+            <a:solidFill>
+              <a:srgbClr val="8FB08C">
+                <a:satMod val="150000"/>
+              </a:srgbClr>
+            </a:solidFill>
+            <a:prstDash val="solid"/>
+          </a:ln>
+          <a:effectLst>
+            <a:outerShdw blurRad="65500" dist="38100" dir="5400000" rotWithShape="0">
+              <a:srgbClr val="000000">
+                <a:alpha val="40000"/>
+              </a:srgbClr>
+            </a:outerShdw>
+          </a:effectLst>
+        </p:spPr>
+        <p:txBody>
+          <a:bodyPr rtlCol="0" anchor="ctr"/>
+          <a:lstStyle/>
+          <a:p>
+            <a:pPr marL="0" marR="0" lvl="0" indent="0" algn="ctr" defTabSz="914400" eaLnBrk="1" fontAlgn="auto" latinLnBrk="0" hangingPunct="1">
+              <a:lnSpc>
+                <a:spcPct val="100000"/>
+              </a:lnSpc>
+              <a:spcBef>
+                <a:spcPts val="0"/>
+              </a:spcBef>
+              <a:spcAft>
+                <a:spcPts val="0"/>
+              </a:spcAft>
+              <a:buClrTx/>
+              <a:buSzTx/>
+              <a:buFontTx/>
+              <a:buNone/>
+              <a:tabLst/>
+              <a:defRPr/>
+            </a:pPr>
+            <a:r>
+              <a:rPr kumimoji="0" lang="fr-FR" sz="1800" b="0" i="0" u="none" strike="noStrike" kern="0" cap="none" spc="0" normalizeH="0" baseline="0" noProof="0" dirty="0">
+                <a:ln>
+                  <a:noFill/>
+                </a:ln>
+                <a:solidFill>
+                  <a:sysClr val="windowText" lastClr="000000"/>
+                </a:solidFill>
+                <a:effectLst/>
+                <a:uLnTx/>
+                <a:uFillTx/>
+                <a:latin typeface="Calibri" pitchFamily="34" charset="0"/>
+              </a:rPr>
+              <a:t>Système réel en utilisation</a:t>
+            </a:r>
+          </a:p>
+        </p:txBody>
+      </p:sp>
+      <p:sp>
+        <p:nvSpPr>
+          <p:cNvPr id="24" name="Flèche droite 12">
+            <a:extLst>
+              <a:ext uri="{FF2B5EF4-FFF2-40B4-BE49-F238E27FC236}">
+                <a16:creationId xmlns:a16="http://schemas.microsoft.com/office/drawing/2014/main" id="{1B7E1EEE-89FF-4307-A9A7-0851BC50EE04}"/>
+              </a:ext>
+            </a:extLst>
+          </p:cNvPr>
+          <p:cNvSpPr/>
+          <p:nvPr/>
+        </p:nvSpPr>
+        <p:spPr>
+          <a:xfrm>
+            <a:off x="3808851" y="5005679"/>
+            <a:ext cx="3037584" cy="716632"/>
+          </a:xfrm>
+          <a:prstGeom prst="rightArrow">
+            <a:avLst/>
+          </a:prstGeom>
+          <a:gradFill rotWithShape="1">
+            <a:gsLst>
+              <a:gs pos="0">
+                <a:srgbClr val="8FB08C">
+                  <a:tint val="65000"/>
+                  <a:satMod val="270000"/>
+                </a:srgbClr>
+              </a:gs>
+              <a:gs pos="25000">
+                <a:srgbClr val="8FB08C">
+                  <a:tint val="60000"/>
+                  <a:satMod val="300000"/>
+                </a:srgbClr>
+              </a:gs>
+              <a:gs pos="100000">
+                <a:srgbClr val="8FB08C">
+                  <a:tint val="29000"/>
+                  <a:satMod val="400000"/>
+                </a:srgbClr>
+              </a:gs>
+            </a:gsLst>
+            <a:lin ang="16200000" scaled="1"/>
+          </a:gradFill>
+          <a:ln w="9525" cap="flat" cmpd="sng" algn="ctr">
+            <a:solidFill>
+              <a:srgbClr val="8FB08C">
+                <a:satMod val="150000"/>
+              </a:srgbClr>
+            </a:solidFill>
+            <a:prstDash val="solid"/>
+          </a:ln>
+          <a:effectLst>
+            <a:outerShdw blurRad="65500" dist="38100" dir="5400000" rotWithShape="0">
+              <a:srgbClr val="000000">
+                <a:alpha val="40000"/>
+              </a:srgbClr>
+            </a:outerShdw>
+          </a:effectLst>
+        </p:spPr>
+        <p:txBody>
+          <a:bodyPr rtlCol="0" anchor="ctr"/>
+          <a:lstStyle/>
+          <a:p>
+            <a:pPr marL="0" marR="0" lvl="0" indent="0" algn="ctr" defTabSz="914400" eaLnBrk="1" fontAlgn="auto" latinLnBrk="0" hangingPunct="1">
+              <a:lnSpc>
+                <a:spcPct val="100000"/>
+              </a:lnSpc>
+              <a:spcBef>
+                <a:spcPts val="0"/>
+              </a:spcBef>
+              <a:spcAft>
+                <a:spcPts val="0"/>
+              </a:spcAft>
+              <a:buClrTx/>
+              <a:buSzTx/>
+              <a:buFontTx/>
+              <a:buNone/>
+              <a:tabLst/>
+              <a:defRPr/>
+            </a:pPr>
+            <a:r>
+              <a:rPr kumimoji="0" lang="fr-FR" sz="1800" b="0" i="0" u="none" strike="noStrike" kern="0" cap="none" spc="0" normalizeH="0" baseline="0" noProof="0" dirty="0">
+                <a:ln>
+                  <a:noFill/>
+                </a:ln>
+                <a:solidFill>
+                  <a:sysClr val="windowText" lastClr="000000"/>
+                </a:solidFill>
+                <a:effectLst/>
+                <a:uLnTx/>
+                <a:uFillTx/>
+                <a:latin typeface="Calibri" pitchFamily="34" charset="0"/>
+              </a:rPr>
+              <a:t>Système </a:t>
+            </a:r>
+            <a:r>
+              <a:rPr lang="fr-FR" kern="0" dirty="0">
+                <a:solidFill>
+                  <a:sysClr val="windowText" lastClr="000000"/>
+                </a:solidFill>
+                <a:latin typeface="Calibri" pitchFamily="34" charset="0"/>
+              </a:rPr>
+              <a:t>simulé</a:t>
+            </a:r>
+            <a:endParaRPr kumimoji="0" lang="fr-FR" sz="1800" b="0" i="0" u="none" strike="noStrike" kern="0" cap="none" spc="0" normalizeH="0" baseline="0" noProof="0" dirty="0">
+              <a:ln>
+                <a:noFill/>
+              </a:ln>
+              <a:solidFill>
+                <a:sysClr val="windowText" lastClr="000000"/>
+              </a:solidFill>
+              <a:effectLst/>
+              <a:uLnTx/>
+              <a:uFillTx/>
+              <a:latin typeface="Calibri" pitchFamily="34" charset="0"/>
+            </a:endParaRPr>
+          </a:p>
+        </p:txBody>
+      </p:sp>
+      <p:sp>
+        <p:nvSpPr>
+          <p:cNvPr id="26" name="ZoneTexte 25">
+            <a:extLst>
+              <a:ext uri="{FF2B5EF4-FFF2-40B4-BE49-F238E27FC236}">
+                <a16:creationId xmlns:a16="http://schemas.microsoft.com/office/drawing/2014/main" id="{8902A591-6B41-48AD-944F-369955505995}"/>
+              </a:ext>
+            </a:extLst>
+          </p:cNvPr>
+          <p:cNvSpPr txBox="1"/>
+          <p:nvPr/>
+        </p:nvSpPr>
+        <p:spPr>
+          <a:xfrm>
+            <a:off x="6708648" y="1807966"/>
+            <a:ext cx="1745996" cy="646331"/>
+          </a:xfrm>
+          <a:prstGeom prst="rect">
+            <a:avLst/>
+          </a:prstGeom>
+          <a:noFill/>
+        </p:spPr>
+        <p:txBody>
+          <a:bodyPr wrap="square" rtlCol="0">
+            <a:spAutoFit/>
+          </a:bodyPr>
+          <a:lstStyle/>
+          <a:p>
+            <a:pPr marL="0" marR="0" lvl="0" indent="0" algn="ctr" defTabSz="914400" eaLnBrk="1" fontAlgn="auto" latinLnBrk="0" hangingPunct="1">
+              <a:lnSpc>
+                <a:spcPct val="100000"/>
+              </a:lnSpc>
+              <a:spcBef>
+                <a:spcPts val="0"/>
+              </a:spcBef>
+              <a:spcAft>
+                <a:spcPts val="0"/>
+              </a:spcAft>
+              <a:buClrTx/>
+              <a:buSzTx/>
+              <a:buFontTx/>
+              <a:buNone/>
+              <a:tabLst/>
+              <a:defRPr/>
+            </a:pPr>
+            <a:r>
+              <a:rPr kumimoji="0" lang="fr-FR" sz="1800" b="0" i="0" u="none" strike="noStrike" kern="0" cap="none" spc="0" normalizeH="0" baseline="0" noProof="0" dirty="0">
+                <a:ln>
+                  <a:noFill/>
+                </a:ln>
+                <a:solidFill>
+                  <a:sysClr val="windowText" lastClr="000000"/>
+                </a:solidFill>
+                <a:effectLst/>
+                <a:uLnTx/>
+                <a:uFillTx/>
+                <a:latin typeface="Calibri" pitchFamily="34" charset="0"/>
+              </a:rPr>
+              <a:t>Performances</a:t>
+            </a:r>
+          </a:p>
+          <a:p>
+            <a:pPr marL="0" marR="0" lvl="0" indent="0" algn="ctr" defTabSz="914400" eaLnBrk="1" fontAlgn="auto" latinLnBrk="0" hangingPunct="1">
+              <a:lnSpc>
+                <a:spcPct val="100000"/>
+              </a:lnSpc>
+              <a:spcBef>
+                <a:spcPts val="0"/>
+              </a:spcBef>
+              <a:spcAft>
+                <a:spcPts val="0"/>
+              </a:spcAft>
+              <a:buClrTx/>
+              <a:buSzTx/>
+              <a:buFontTx/>
+              <a:buNone/>
+              <a:tabLst/>
+              <a:defRPr/>
+            </a:pPr>
+            <a:r>
+              <a:rPr kumimoji="0" lang="fr-FR" sz="1800" b="0" i="0" u="none" strike="noStrike" kern="0" cap="none" spc="0" normalizeH="0" baseline="0" noProof="0" dirty="0">
+                <a:ln>
+                  <a:noFill/>
+                </a:ln>
+                <a:solidFill>
+                  <a:sysClr val="windowText" lastClr="000000"/>
+                </a:solidFill>
+                <a:effectLst/>
+                <a:uLnTx/>
+                <a:uFillTx/>
+                <a:latin typeface="Calibri" pitchFamily="34" charset="0"/>
+              </a:rPr>
+              <a:t>attendues</a:t>
+            </a:r>
+          </a:p>
+        </p:txBody>
+      </p:sp>
+      <p:sp>
+        <p:nvSpPr>
+          <p:cNvPr id="27" name="ZoneTexte 26">
+            <a:extLst>
+              <a:ext uri="{FF2B5EF4-FFF2-40B4-BE49-F238E27FC236}">
+                <a16:creationId xmlns:a16="http://schemas.microsoft.com/office/drawing/2014/main" id="{95391E3E-74D5-468A-B6B9-8ECFC98A3E94}"/>
+              </a:ext>
+            </a:extLst>
+          </p:cNvPr>
+          <p:cNvSpPr txBox="1"/>
+          <p:nvPr/>
+        </p:nvSpPr>
+        <p:spPr>
+          <a:xfrm>
+            <a:off x="6787377" y="3815684"/>
+            <a:ext cx="1529039" cy="646331"/>
+          </a:xfrm>
+          <a:prstGeom prst="rect">
+            <a:avLst/>
+          </a:prstGeom>
+          <a:noFill/>
+        </p:spPr>
+        <p:txBody>
+          <a:bodyPr wrap="square" rtlCol="0">
+            <a:spAutoFit/>
+          </a:bodyPr>
+          <a:lstStyle/>
+          <a:p>
+            <a:pPr marL="0" marR="0" lvl="0" indent="0" algn="ctr" defTabSz="914400" eaLnBrk="1" fontAlgn="auto" latinLnBrk="0" hangingPunct="1">
+              <a:lnSpc>
+                <a:spcPct val="100000"/>
+              </a:lnSpc>
+              <a:spcBef>
+                <a:spcPts val="0"/>
+              </a:spcBef>
+              <a:spcAft>
+                <a:spcPts val="0"/>
+              </a:spcAft>
+              <a:buClrTx/>
+              <a:buSzTx/>
+              <a:buFontTx/>
+              <a:buNone/>
+              <a:tabLst/>
+              <a:defRPr/>
+            </a:pPr>
+            <a:r>
+              <a:rPr kumimoji="0" lang="fr-FR" sz="1800" b="0" i="0" u="none" strike="noStrike" kern="0" cap="none" spc="0" normalizeH="0" baseline="0" noProof="0" dirty="0">
+                <a:ln>
+                  <a:noFill/>
+                </a:ln>
+                <a:solidFill>
+                  <a:sysClr val="windowText" lastClr="000000"/>
+                </a:solidFill>
+                <a:effectLst/>
+                <a:uLnTx/>
+                <a:uFillTx/>
+                <a:latin typeface="Calibri" pitchFamily="34" charset="0"/>
+              </a:rPr>
+              <a:t>Performances</a:t>
+            </a:r>
+          </a:p>
+          <a:p>
+            <a:pPr marL="0" marR="0" lvl="0" indent="0" algn="ctr" defTabSz="914400" eaLnBrk="1" fontAlgn="auto" latinLnBrk="0" hangingPunct="1">
+              <a:lnSpc>
+                <a:spcPct val="100000"/>
+              </a:lnSpc>
+              <a:spcBef>
+                <a:spcPts val="0"/>
+              </a:spcBef>
+              <a:spcAft>
+                <a:spcPts val="0"/>
+              </a:spcAft>
+              <a:buClrTx/>
+              <a:buSzTx/>
+              <a:buFontTx/>
+              <a:buNone/>
+              <a:tabLst/>
+              <a:defRPr/>
+            </a:pPr>
+            <a:r>
+              <a:rPr lang="fr-FR" kern="0" dirty="0">
+                <a:solidFill>
+                  <a:sysClr val="windowText" lastClr="000000"/>
+                </a:solidFill>
+                <a:latin typeface="Calibri" pitchFamily="34" charset="0"/>
+              </a:rPr>
+              <a:t>mesurées</a:t>
+            </a:r>
+            <a:endParaRPr kumimoji="0" lang="fr-FR" sz="1800" b="0" i="0" u="none" strike="noStrike" kern="0" cap="none" spc="0" normalizeH="0" baseline="0" noProof="0" dirty="0">
+              <a:ln>
+                <a:noFill/>
+              </a:ln>
+              <a:solidFill>
+                <a:sysClr val="windowText" lastClr="000000"/>
+              </a:solidFill>
+              <a:effectLst/>
+              <a:uLnTx/>
+              <a:uFillTx/>
+              <a:latin typeface="Calibri" pitchFamily="34" charset="0"/>
+            </a:endParaRPr>
+          </a:p>
+        </p:txBody>
+      </p:sp>
+      <p:sp>
+        <p:nvSpPr>
+          <p:cNvPr id="28" name="ZoneTexte 27">
+            <a:extLst>
+              <a:ext uri="{FF2B5EF4-FFF2-40B4-BE49-F238E27FC236}">
+                <a16:creationId xmlns:a16="http://schemas.microsoft.com/office/drawing/2014/main" id="{E32A740F-90B2-41FA-B11A-C9DDA2ED6391}"/>
+              </a:ext>
+            </a:extLst>
+          </p:cNvPr>
+          <p:cNvSpPr txBox="1"/>
+          <p:nvPr/>
+        </p:nvSpPr>
+        <p:spPr>
+          <a:xfrm>
+            <a:off x="6708648" y="5730093"/>
+            <a:ext cx="1745996" cy="646331"/>
+          </a:xfrm>
+          <a:prstGeom prst="rect">
+            <a:avLst/>
+          </a:prstGeom>
+          <a:noFill/>
+        </p:spPr>
+        <p:txBody>
+          <a:bodyPr wrap="square" rtlCol="0">
+            <a:spAutoFit/>
+          </a:bodyPr>
+          <a:lstStyle/>
+          <a:p>
+            <a:pPr marL="0" marR="0" lvl="0" indent="0" algn="ctr" defTabSz="914400" eaLnBrk="1" fontAlgn="auto" latinLnBrk="0" hangingPunct="1">
+              <a:lnSpc>
+                <a:spcPct val="100000"/>
+              </a:lnSpc>
+              <a:spcBef>
+                <a:spcPts val="0"/>
+              </a:spcBef>
+              <a:spcAft>
+                <a:spcPts val="0"/>
+              </a:spcAft>
+              <a:buClrTx/>
+              <a:buSzTx/>
+              <a:buFontTx/>
+              <a:buNone/>
+              <a:tabLst/>
+              <a:defRPr/>
+            </a:pPr>
+            <a:r>
+              <a:rPr kumimoji="0" lang="fr-FR" sz="1800" b="0" i="0" u="none" strike="noStrike" kern="0" cap="none" spc="0" normalizeH="0" baseline="0" noProof="0" dirty="0">
+                <a:ln>
+                  <a:noFill/>
+                </a:ln>
+                <a:solidFill>
+                  <a:sysClr val="windowText" lastClr="000000"/>
+                </a:solidFill>
+                <a:effectLst/>
+                <a:uLnTx/>
+                <a:uFillTx/>
+                <a:latin typeface="Calibri" pitchFamily="34" charset="0"/>
+              </a:rPr>
+              <a:t>Performances </a:t>
+            </a:r>
+          </a:p>
+          <a:p>
+            <a:pPr marL="0" marR="0" lvl="0" indent="0" algn="ctr" defTabSz="914400" eaLnBrk="1" fontAlgn="auto" latinLnBrk="0" hangingPunct="1">
+              <a:lnSpc>
+                <a:spcPct val="100000"/>
+              </a:lnSpc>
+              <a:spcBef>
+                <a:spcPts val="0"/>
+              </a:spcBef>
+              <a:spcAft>
+                <a:spcPts val="0"/>
+              </a:spcAft>
+              <a:buClrTx/>
+              <a:buSzTx/>
+              <a:buFontTx/>
+              <a:buNone/>
+              <a:tabLst/>
+              <a:defRPr/>
+            </a:pPr>
+            <a:r>
+              <a:rPr kumimoji="0" lang="fr-FR" sz="1800" b="0" i="0" u="none" strike="noStrike" kern="0" cap="none" spc="0" normalizeH="0" baseline="0" noProof="0" dirty="0">
+                <a:ln>
+                  <a:noFill/>
+                </a:ln>
+                <a:solidFill>
+                  <a:sysClr val="windowText" lastClr="000000"/>
+                </a:solidFill>
+                <a:effectLst/>
+                <a:uLnTx/>
+                <a:uFillTx/>
+                <a:latin typeface="Calibri" pitchFamily="34" charset="0"/>
+              </a:rPr>
+              <a:t>simulées</a:t>
+            </a:r>
+          </a:p>
+        </p:txBody>
+      </p:sp>
+      <p:sp>
+        <p:nvSpPr>
+          <p:cNvPr id="29" name="Double flèche verticale 17">
+            <a:extLst>
+              <a:ext uri="{FF2B5EF4-FFF2-40B4-BE49-F238E27FC236}">
+                <a16:creationId xmlns:a16="http://schemas.microsoft.com/office/drawing/2014/main" id="{1DE9B2B0-5F90-4E09-BFF2-684D9ECAA848}"/>
+              </a:ext>
+            </a:extLst>
+          </p:cNvPr>
+          <p:cNvSpPr/>
+          <p:nvPr/>
+        </p:nvSpPr>
+        <p:spPr>
+          <a:xfrm>
+            <a:off x="7329618" y="2592097"/>
+            <a:ext cx="504056" cy="1106764"/>
+          </a:xfrm>
+          <a:prstGeom prst="upDownArrow">
+            <a:avLst/>
+          </a:prstGeom>
+          <a:solidFill>
+            <a:srgbClr val="D16349"/>
+          </a:solidFill>
+          <a:ln w="42500" cap="flat" cmpd="sng" algn="ctr">
+            <a:solidFill>
+              <a:srgbClr val="D16349">
+                <a:shade val="50000"/>
+              </a:srgbClr>
+            </a:solidFill>
+            <a:prstDash val="solid"/>
+          </a:ln>
+          <a:effectLst/>
+        </p:spPr>
+        <p:txBody>
+          <a:bodyPr rtlCol="0" anchor="ctr"/>
+          <a:lstStyle/>
+          <a:p>
+            <a:pPr marL="0" marR="0" lvl="0" indent="0" algn="ctr" defTabSz="914400" eaLnBrk="1" fontAlgn="auto" latinLnBrk="0" hangingPunct="1">
+              <a:lnSpc>
+                <a:spcPct val="100000"/>
+              </a:lnSpc>
+              <a:spcBef>
+                <a:spcPts val="0"/>
+              </a:spcBef>
+              <a:spcAft>
+                <a:spcPts val="0"/>
+              </a:spcAft>
+              <a:buClrTx/>
+              <a:buSzTx/>
+              <a:buFontTx/>
+              <a:buNone/>
+              <a:tabLst/>
+              <a:defRPr/>
+            </a:pPr>
+            <a:endParaRPr kumimoji="0" lang="fr-FR" sz="500" b="0" i="0" u="none" strike="noStrike" kern="0" cap="none" spc="0" normalizeH="0" baseline="0" noProof="0" dirty="0">
+              <a:ln>
+                <a:noFill/>
+              </a:ln>
+              <a:solidFill>
+                <a:sysClr val="window" lastClr="FFFFFF"/>
+              </a:solidFill>
+              <a:effectLst/>
+              <a:uLnTx/>
+              <a:uFillTx/>
+              <a:latin typeface="Calibri" pitchFamily="34" charset="0"/>
+            </a:endParaRPr>
+          </a:p>
+        </p:txBody>
+      </p:sp>
+      <p:sp>
+        <p:nvSpPr>
+          <p:cNvPr id="30" name="Double flèche verticale 18">
+            <a:extLst>
+              <a:ext uri="{FF2B5EF4-FFF2-40B4-BE49-F238E27FC236}">
+                <a16:creationId xmlns:a16="http://schemas.microsoft.com/office/drawing/2014/main" id="{F5D03AA6-58C5-405B-A633-955DBF9A43F9}"/>
+              </a:ext>
+            </a:extLst>
+          </p:cNvPr>
+          <p:cNvSpPr/>
+          <p:nvPr/>
+        </p:nvSpPr>
+        <p:spPr>
+          <a:xfrm>
+            <a:off x="7329618" y="4564789"/>
+            <a:ext cx="504056" cy="1106764"/>
+          </a:xfrm>
+          <a:prstGeom prst="upDownArrow">
+            <a:avLst/>
+          </a:prstGeom>
+          <a:solidFill>
+            <a:srgbClr val="D16349"/>
+          </a:solidFill>
+          <a:ln w="42500" cap="flat" cmpd="sng" algn="ctr">
+            <a:solidFill>
+              <a:srgbClr val="D16349">
+                <a:shade val="50000"/>
+              </a:srgbClr>
+            </a:solidFill>
+            <a:prstDash val="solid"/>
+          </a:ln>
+          <a:effectLst/>
+        </p:spPr>
+        <p:txBody>
+          <a:bodyPr rtlCol="0" anchor="ctr"/>
+          <a:lstStyle/>
+          <a:p>
+            <a:pPr marL="0" marR="0" lvl="0" indent="0" algn="ctr" defTabSz="914400" eaLnBrk="1" fontAlgn="auto" latinLnBrk="0" hangingPunct="1">
+              <a:lnSpc>
+                <a:spcPct val="100000"/>
+              </a:lnSpc>
+              <a:spcBef>
+                <a:spcPts val="0"/>
+              </a:spcBef>
+              <a:spcAft>
+                <a:spcPts val="0"/>
+              </a:spcAft>
+              <a:buClrTx/>
+              <a:buSzTx/>
+              <a:buFontTx/>
+              <a:buNone/>
+              <a:tabLst/>
+              <a:defRPr/>
+            </a:pPr>
+            <a:endParaRPr kumimoji="0" lang="fr-FR" sz="500" b="0" i="0" u="none" strike="noStrike" kern="0" cap="none" spc="0" normalizeH="0" baseline="0" noProof="0" dirty="0">
+              <a:ln>
+                <a:noFill/>
+              </a:ln>
+              <a:solidFill>
+                <a:sysClr val="window" lastClr="FFFFFF"/>
+              </a:solidFill>
+              <a:effectLst/>
+              <a:uLnTx/>
+              <a:uFillTx/>
+              <a:latin typeface="Calibri" pitchFamily="34" charset="0"/>
+            </a:endParaRPr>
+          </a:p>
+        </p:txBody>
+      </p:sp>
+      <p:sp>
+        <p:nvSpPr>
+          <p:cNvPr id="31" name="Double flèche verticale 19">
+            <a:extLst>
+              <a:ext uri="{FF2B5EF4-FFF2-40B4-BE49-F238E27FC236}">
+                <a16:creationId xmlns:a16="http://schemas.microsoft.com/office/drawing/2014/main" id="{0477B0EC-401C-483E-8C35-0317767C5F3F}"/>
+              </a:ext>
+            </a:extLst>
+          </p:cNvPr>
+          <p:cNvSpPr/>
+          <p:nvPr/>
+        </p:nvSpPr>
+        <p:spPr>
+          <a:xfrm>
+            <a:off x="8316416" y="2181856"/>
+            <a:ext cx="504056" cy="3913986"/>
+          </a:xfrm>
+          <a:prstGeom prst="upDownArrow">
+            <a:avLst/>
+          </a:prstGeom>
+          <a:solidFill>
+            <a:srgbClr val="D16349"/>
+          </a:solidFill>
+          <a:ln w="42500" cap="flat" cmpd="sng" algn="ctr">
+            <a:solidFill>
+              <a:srgbClr val="D16349">
+                <a:shade val="50000"/>
+              </a:srgbClr>
+            </a:solidFill>
+            <a:prstDash val="solid"/>
+          </a:ln>
+          <a:effectLst/>
+        </p:spPr>
+        <p:txBody>
+          <a:bodyPr rtlCol="0" anchor="ctr"/>
+          <a:lstStyle/>
+          <a:p>
+            <a:pPr marL="0" marR="0" lvl="0" indent="0" algn="ctr" defTabSz="914400" eaLnBrk="1" fontAlgn="auto" latinLnBrk="0" hangingPunct="1">
+              <a:lnSpc>
+                <a:spcPct val="100000"/>
+              </a:lnSpc>
+              <a:spcBef>
+                <a:spcPts val="0"/>
+              </a:spcBef>
+              <a:spcAft>
+                <a:spcPts val="0"/>
+              </a:spcAft>
+              <a:buClrTx/>
+              <a:buSzTx/>
+              <a:buFontTx/>
+              <a:buNone/>
+              <a:tabLst/>
+              <a:defRPr/>
+            </a:pPr>
+            <a:endParaRPr kumimoji="0" lang="fr-FR" sz="500" b="0" i="0" u="none" strike="noStrike" kern="0" cap="none" spc="0" normalizeH="0" baseline="0" noProof="0" dirty="0">
+              <a:ln>
+                <a:noFill/>
+              </a:ln>
+              <a:solidFill>
+                <a:sysClr val="window" lastClr="FFFFFF"/>
+              </a:solidFill>
+              <a:effectLst/>
+              <a:uLnTx/>
+              <a:uFillTx/>
+              <a:latin typeface="Calibri" pitchFamily="34" charset="0"/>
+            </a:endParaRPr>
+          </a:p>
+        </p:txBody>
+      </p:sp>
+      <p:sp>
+        <p:nvSpPr>
+          <p:cNvPr id="32" name="ZoneTexte 31">
+            <a:extLst>
+              <a:ext uri="{FF2B5EF4-FFF2-40B4-BE49-F238E27FC236}">
+                <a16:creationId xmlns:a16="http://schemas.microsoft.com/office/drawing/2014/main" id="{2E90CF45-23EC-4032-B002-C5B6818D672B}"/>
+              </a:ext>
+            </a:extLst>
+          </p:cNvPr>
+          <p:cNvSpPr txBox="1"/>
+          <p:nvPr/>
+        </p:nvSpPr>
+        <p:spPr>
+          <a:xfrm rot="16200000">
+            <a:off x="6074823" y="2945424"/>
+            <a:ext cx="1944216" cy="400110"/>
+          </a:xfrm>
+          <a:prstGeom prst="rect">
+            <a:avLst/>
+          </a:prstGeom>
+          <a:noFill/>
+        </p:spPr>
+        <p:txBody>
+          <a:bodyPr wrap="square" rtlCol="0">
+            <a:spAutoFit/>
+          </a:bodyPr>
+          <a:lstStyle/>
+          <a:p>
+            <a:pPr marL="0" marR="0" lvl="0" indent="0" algn="ctr" defTabSz="914400" eaLnBrk="1" fontAlgn="auto" latinLnBrk="0" hangingPunct="1">
+              <a:lnSpc>
+                <a:spcPct val="100000"/>
+              </a:lnSpc>
+              <a:spcBef>
+                <a:spcPts val="0"/>
+              </a:spcBef>
+              <a:spcAft>
+                <a:spcPts val="0"/>
+              </a:spcAft>
+              <a:buClrTx/>
+              <a:buSzTx/>
+              <a:buFontTx/>
+              <a:buNone/>
+              <a:tabLst/>
+              <a:defRPr/>
+            </a:pPr>
+            <a:r>
+              <a:rPr kumimoji="0" lang="fr-FR" sz="2000" b="1" i="0" u="none" strike="noStrike" kern="0" cap="none" spc="0" normalizeH="0" baseline="0" noProof="0" dirty="0" err="1">
+                <a:ln>
+                  <a:noFill/>
+                </a:ln>
+                <a:solidFill>
+                  <a:srgbClr val="FF0000"/>
+                </a:solidFill>
+                <a:effectLst/>
+                <a:uLnTx/>
+                <a:uFillTx/>
+                <a:latin typeface="Calibri" pitchFamily="34" charset="0"/>
+              </a:rPr>
+              <a:t>Ecart</a:t>
+            </a:r>
+            <a:r>
+              <a:rPr kumimoji="0" lang="fr-FR" sz="2000" b="1" i="0" u="none" strike="noStrike" kern="0" cap="none" spc="0" normalizeH="0" baseline="0" noProof="0" dirty="0">
+                <a:ln>
+                  <a:noFill/>
+                </a:ln>
+                <a:solidFill>
+                  <a:srgbClr val="FF0000"/>
+                </a:solidFill>
+                <a:effectLst/>
+                <a:uLnTx/>
+                <a:uFillTx/>
+                <a:latin typeface="Calibri" pitchFamily="34" charset="0"/>
+              </a:rPr>
+              <a:t> </a:t>
+            </a:r>
+            <a:r>
+              <a:rPr kumimoji="0" lang="fr-FR" sz="2000" b="1" i="0" u="none" strike="noStrike" kern="0" cap="none" spc="0" normalizeH="0" baseline="0" noProof="0" dirty="0" smtClean="0">
+                <a:ln>
+                  <a:noFill/>
+                </a:ln>
+                <a:solidFill>
+                  <a:srgbClr val="FF0000"/>
+                </a:solidFill>
+                <a:effectLst/>
+                <a:uLnTx/>
+                <a:uFillTx/>
+                <a:latin typeface="Calibri" pitchFamily="34" charset="0"/>
+              </a:rPr>
+              <a:t>1</a:t>
+            </a:r>
+          </a:p>
+        </p:txBody>
+      </p:sp>
+      <p:sp>
+        <p:nvSpPr>
+          <p:cNvPr id="33" name="ZoneTexte 32">
+            <a:extLst>
+              <a:ext uri="{FF2B5EF4-FFF2-40B4-BE49-F238E27FC236}">
+                <a16:creationId xmlns:a16="http://schemas.microsoft.com/office/drawing/2014/main" id="{1E43D50B-1284-45A2-B458-3096FD3C0DCD}"/>
+              </a:ext>
+            </a:extLst>
+          </p:cNvPr>
+          <p:cNvSpPr txBox="1"/>
+          <p:nvPr/>
+        </p:nvSpPr>
+        <p:spPr>
+          <a:xfrm rot="16200000">
+            <a:off x="6074382" y="4923679"/>
+            <a:ext cx="1944216" cy="400110"/>
+          </a:xfrm>
+          <a:prstGeom prst="rect">
+            <a:avLst/>
+          </a:prstGeom>
+          <a:noFill/>
+        </p:spPr>
+        <p:txBody>
+          <a:bodyPr wrap="square" rtlCol="0">
+            <a:spAutoFit/>
+          </a:bodyPr>
+          <a:lstStyle/>
+          <a:p>
+            <a:pPr marL="0" marR="0" lvl="0" indent="0" algn="ctr" defTabSz="914400" eaLnBrk="1" fontAlgn="auto" latinLnBrk="0" hangingPunct="1">
+              <a:lnSpc>
+                <a:spcPct val="100000"/>
+              </a:lnSpc>
+              <a:spcBef>
+                <a:spcPts val="0"/>
+              </a:spcBef>
+              <a:spcAft>
+                <a:spcPts val="0"/>
+              </a:spcAft>
+              <a:buClrTx/>
+              <a:buSzTx/>
+              <a:buFontTx/>
+              <a:buNone/>
+              <a:tabLst/>
+              <a:defRPr/>
+            </a:pPr>
+            <a:r>
+              <a:rPr kumimoji="0" lang="fr-FR" sz="2000" b="1" i="0" u="none" strike="noStrike" kern="0" cap="none" spc="0" normalizeH="0" baseline="0" noProof="0" dirty="0">
+                <a:ln>
+                  <a:noFill/>
+                </a:ln>
+                <a:solidFill>
+                  <a:srgbClr val="FF0000"/>
+                </a:solidFill>
+                <a:effectLst/>
+                <a:uLnTx/>
+                <a:uFillTx/>
+                <a:latin typeface="Calibri" pitchFamily="34" charset="0"/>
+              </a:rPr>
+              <a:t>Ecart 2</a:t>
+            </a:r>
+          </a:p>
+        </p:txBody>
+      </p:sp>
+      <p:sp>
+        <p:nvSpPr>
+          <p:cNvPr id="34" name="ZoneTexte 33">
+            <a:extLst>
+              <a:ext uri="{FF2B5EF4-FFF2-40B4-BE49-F238E27FC236}">
+                <a16:creationId xmlns:a16="http://schemas.microsoft.com/office/drawing/2014/main" id="{73DA3D0A-6131-463A-AB3A-DE7C02B3EDEA}"/>
+              </a:ext>
+            </a:extLst>
+          </p:cNvPr>
+          <p:cNvSpPr txBox="1"/>
+          <p:nvPr/>
+        </p:nvSpPr>
+        <p:spPr>
+          <a:xfrm rot="16200000">
+            <a:off x="7864333" y="3938794"/>
+            <a:ext cx="1944216" cy="400110"/>
+          </a:xfrm>
+          <a:prstGeom prst="rect">
+            <a:avLst/>
+          </a:prstGeom>
+          <a:noFill/>
+        </p:spPr>
+        <p:txBody>
+          <a:bodyPr wrap="square" rtlCol="0">
+            <a:spAutoFit/>
+          </a:bodyPr>
+          <a:lstStyle/>
+          <a:p>
+            <a:pPr marL="0" marR="0" lvl="0" indent="0" algn="ctr" defTabSz="914400" eaLnBrk="1" fontAlgn="auto" latinLnBrk="0" hangingPunct="1">
+              <a:lnSpc>
+                <a:spcPct val="100000"/>
+              </a:lnSpc>
+              <a:spcBef>
+                <a:spcPts val="0"/>
+              </a:spcBef>
+              <a:spcAft>
+                <a:spcPts val="0"/>
+              </a:spcAft>
+              <a:buClrTx/>
+              <a:buSzTx/>
+              <a:buFontTx/>
+              <a:buNone/>
+              <a:tabLst/>
+              <a:defRPr/>
+            </a:pPr>
+            <a:r>
+              <a:rPr kumimoji="0" lang="fr-FR" sz="2000" b="1" i="0" u="none" strike="noStrike" kern="0" cap="none" spc="0" normalizeH="0" baseline="0" noProof="0" dirty="0">
+                <a:ln>
+                  <a:noFill/>
+                </a:ln>
+                <a:solidFill>
+                  <a:srgbClr val="FF0000"/>
+                </a:solidFill>
+                <a:effectLst/>
+                <a:uLnTx/>
+                <a:uFillTx/>
+                <a:latin typeface="Calibri" pitchFamily="34" charset="0"/>
+              </a:rPr>
+              <a:t>Ecart 3</a:t>
+            </a:r>
+          </a:p>
+        </p:txBody>
+      </p:sp>
+      <p:sp>
+        <p:nvSpPr>
+          <p:cNvPr id="35" name="ZoneTexte 34">
+            <a:extLst>
+              <a:ext uri="{FF2B5EF4-FFF2-40B4-BE49-F238E27FC236}">
+                <a16:creationId xmlns:a16="http://schemas.microsoft.com/office/drawing/2014/main" id="{A58B5836-CE78-43F3-B824-B560235561C5}"/>
+              </a:ext>
+            </a:extLst>
+          </p:cNvPr>
+          <p:cNvSpPr txBox="1"/>
+          <p:nvPr/>
+        </p:nvSpPr>
+        <p:spPr>
+          <a:xfrm rot="18900000">
+            <a:off x="-207494" y="1850205"/>
+            <a:ext cx="1944216" cy="646331"/>
+          </a:xfrm>
+          <a:prstGeom prst="rect">
+            <a:avLst/>
+          </a:prstGeom>
+          <a:noFill/>
+        </p:spPr>
+        <p:txBody>
+          <a:bodyPr wrap="square" rtlCol="0">
+            <a:spAutoFit/>
+          </a:bodyPr>
+          <a:lstStyle/>
+          <a:p>
+            <a:pPr marL="0" marR="0" lvl="0" indent="0" algn="ctr" defTabSz="914400" eaLnBrk="1" fontAlgn="auto" latinLnBrk="0" hangingPunct="1">
+              <a:lnSpc>
+                <a:spcPct val="100000"/>
+              </a:lnSpc>
+              <a:spcBef>
+                <a:spcPts val="0"/>
+              </a:spcBef>
+              <a:spcAft>
+                <a:spcPts val="0"/>
+              </a:spcAft>
+              <a:buClrTx/>
+              <a:buSzTx/>
+              <a:buFontTx/>
+              <a:buNone/>
+              <a:tabLst/>
+              <a:defRPr/>
+            </a:pPr>
+            <a:r>
+              <a:rPr kumimoji="0" lang="fr-FR" sz="1800" b="1" i="0" u="none" strike="noStrike" kern="0" cap="none" spc="0" normalizeH="0" baseline="0" noProof="0" dirty="0">
+                <a:ln>
+                  <a:noFill/>
+                </a:ln>
+                <a:solidFill>
+                  <a:sysClr val="windowText" lastClr="000000"/>
+                </a:solidFill>
+                <a:effectLst/>
+                <a:uLnTx/>
+                <a:uFillTx/>
+                <a:latin typeface="Calibri" pitchFamily="34" charset="0"/>
+              </a:rPr>
+              <a:t>Domaine du commanditaire</a:t>
+            </a:r>
+          </a:p>
+        </p:txBody>
+      </p:sp>
+      <p:sp>
+        <p:nvSpPr>
+          <p:cNvPr id="36" name="ZoneTexte 35">
+            <a:extLst>
+              <a:ext uri="{FF2B5EF4-FFF2-40B4-BE49-F238E27FC236}">
+                <a16:creationId xmlns:a16="http://schemas.microsoft.com/office/drawing/2014/main" id="{86B7464F-469E-47C7-9870-FFBD3CD83F59}"/>
+              </a:ext>
+            </a:extLst>
+          </p:cNvPr>
+          <p:cNvSpPr txBox="1"/>
+          <p:nvPr/>
+        </p:nvSpPr>
+        <p:spPr>
+          <a:xfrm rot="18900000">
+            <a:off x="-166178" y="3351095"/>
+            <a:ext cx="1944216" cy="646331"/>
+          </a:xfrm>
+          <a:prstGeom prst="rect">
+            <a:avLst/>
+          </a:prstGeom>
+          <a:noFill/>
+        </p:spPr>
+        <p:txBody>
+          <a:bodyPr wrap="square" rtlCol="0">
+            <a:spAutoFit/>
+          </a:bodyPr>
+          <a:lstStyle/>
+          <a:p>
+            <a:pPr marL="0" marR="0" lvl="0" indent="0" algn="ctr" defTabSz="914400" eaLnBrk="1" fontAlgn="auto" latinLnBrk="0" hangingPunct="1">
+              <a:lnSpc>
+                <a:spcPct val="100000"/>
+              </a:lnSpc>
+              <a:spcBef>
+                <a:spcPts val="0"/>
+              </a:spcBef>
+              <a:spcAft>
+                <a:spcPts val="0"/>
+              </a:spcAft>
+              <a:buClrTx/>
+              <a:buSzTx/>
+              <a:buFontTx/>
+              <a:buNone/>
+              <a:tabLst/>
+              <a:defRPr/>
+            </a:pPr>
+            <a:r>
+              <a:rPr kumimoji="0" lang="fr-FR" sz="1800" b="1" i="0" u="none" strike="noStrike" kern="0" cap="none" spc="0" normalizeH="0" baseline="0" noProof="0" dirty="0">
+                <a:ln>
+                  <a:noFill/>
+                </a:ln>
+                <a:solidFill>
+                  <a:sysClr val="windowText" lastClr="000000"/>
+                </a:solidFill>
+                <a:effectLst/>
+                <a:uLnTx/>
+                <a:uFillTx/>
+                <a:latin typeface="Calibri" pitchFamily="34" charset="0"/>
+              </a:rPr>
+              <a:t>Domaine du laboratoire</a:t>
+            </a:r>
+          </a:p>
+        </p:txBody>
+      </p:sp>
+      <p:sp>
+        <p:nvSpPr>
+          <p:cNvPr id="37" name="ZoneTexte 36">
+            <a:extLst>
+              <a:ext uri="{FF2B5EF4-FFF2-40B4-BE49-F238E27FC236}">
+                <a16:creationId xmlns:a16="http://schemas.microsoft.com/office/drawing/2014/main" id="{DEDDB2E1-DA4A-4A4D-A16A-584006742C61}"/>
+              </a:ext>
+            </a:extLst>
+          </p:cNvPr>
+          <p:cNvSpPr txBox="1"/>
+          <p:nvPr/>
+        </p:nvSpPr>
+        <p:spPr>
+          <a:xfrm rot="18900000">
+            <a:off x="-124862" y="4851985"/>
+            <a:ext cx="1944216" cy="646331"/>
+          </a:xfrm>
+          <a:prstGeom prst="rect">
+            <a:avLst/>
+          </a:prstGeom>
+          <a:noFill/>
+        </p:spPr>
+        <p:txBody>
+          <a:bodyPr wrap="square" rtlCol="0">
+            <a:spAutoFit/>
+          </a:bodyPr>
+          <a:lstStyle/>
+          <a:p>
+            <a:pPr marL="0" marR="0" lvl="0" indent="0" algn="ctr" defTabSz="914400" eaLnBrk="1" fontAlgn="auto" latinLnBrk="0" hangingPunct="1">
+              <a:lnSpc>
+                <a:spcPct val="100000"/>
+              </a:lnSpc>
+              <a:spcBef>
+                <a:spcPts val="0"/>
+              </a:spcBef>
+              <a:spcAft>
+                <a:spcPts val="0"/>
+              </a:spcAft>
+              <a:buClrTx/>
+              <a:buSzTx/>
+              <a:buFontTx/>
+              <a:buNone/>
+              <a:tabLst/>
+              <a:defRPr/>
+            </a:pPr>
+            <a:r>
+              <a:rPr kumimoji="0" lang="fr-FR" sz="1800" b="1" i="0" u="none" strike="noStrike" kern="0" cap="none" spc="0" normalizeH="0" baseline="0" noProof="0" dirty="0">
+                <a:ln>
+                  <a:noFill/>
+                </a:ln>
+                <a:solidFill>
+                  <a:sysClr val="windowText" lastClr="000000"/>
+                </a:solidFill>
+                <a:effectLst/>
+                <a:uLnTx/>
+                <a:uFillTx/>
+                <a:latin typeface="Calibri" pitchFamily="34" charset="0"/>
+              </a:rPr>
+              <a:t>Domaine dd la simulation</a:t>
+            </a:r>
+          </a:p>
+        </p:txBody>
+      </p:sp>
+    </p:spTree>
+    <p:extLst>
+      <p:ext uri="{BB962C8B-B14F-4D97-AF65-F5344CB8AC3E}">
+        <p14:creationId xmlns:p14="http://schemas.microsoft.com/office/powerpoint/2010/main" val="3457538290"/>
+      </p:ext>
+    </p:extLst>
+  </p:cSld>
+  <p:clrMapOvr>
+    <a:masterClrMapping/>
+  </p:clrMapOvr>
+</p:sld>
+</file>
+
+<file path=ppt/slides/slide4.xml><?xml version="1.0" encoding="utf-8"?>
+<p:sld xmlns:a="http://schemas.openxmlformats.org/drawingml/2006/main" xmlns:r="http://schemas.openxmlformats.org/officeDocument/2006/relationships" xmlns:p="http://schemas.openxmlformats.org/presentationml/2006/main">
+  <p:cSld>
+    <p:spTree>
+      <p:nvGrpSpPr>
+        <p:cNvPr id="1" name=""/>
+        <p:cNvGrpSpPr/>
+        <p:nvPr/>
+      </p:nvGrpSpPr>
+      <p:grpSpPr>
+        <a:xfrm>
+          <a:off x="0" y="0"/>
+          <a:ext cx="0" cy="0"/>
+          <a:chOff x="0" y="0"/>
+          <a:chExt cx="0" cy="0"/>
+        </a:xfrm>
+      </p:grpSpPr>
+      <p:sp>
+        <p:nvSpPr>
+          <p:cNvPr id="2" name="Titre 1"/>
+          <p:cNvSpPr>
+            <a:spLocks noGrp="1"/>
+          </p:cNvSpPr>
+          <p:nvPr>
+            <p:ph type="title"/>
+          </p:nvPr>
+        </p:nvSpPr>
+        <p:spPr>
+          <a:xfrm>
+            <a:off x="457200" y="152400"/>
+            <a:ext cx="8291264" cy="990600"/>
+          </a:xfrm>
+        </p:spPr>
+        <p:txBody>
+          <a:bodyPr>
+            <a:normAutofit/>
+          </a:bodyPr>
+          <a:lstStyle/>
+          <a:p>
+            <a:r>
+              <a:rPr lang="fr-FR" sz="2400" b="1" dirty="0"/>
+              <a:t>Les Sciences Industrielles de l’Ingénieur en PSI</a:t>
+            </a:r>
+            <a:r>
+              <a:rPr lang="fr-FR" sz="2400" b="1" dirty="0">
+                <a:sym typeface="Wingdings"/>
+              </a:rPr>
+              <a:t></a:t>
+            </a:r>
+            <a:endParaRPr lang="fr-FR" sz="2400" b="1" dirty="0"/>
+          </a:p>
+        </p:txBody>
+      </p:sp>
+      <p:sp>
+        <p:nvSpPr>
+          <p:cNvPr id="6" name="Espace réservé du numéro de diapositive 5"/>
+          <p:cNvSpPr>
+            <a:spLocks noGrp="1"/>
+          </p:cNvSpPr>
+          <p:nvPr>
+            <p:ph type="sldNum" sz="quarter" idx="12"/>
+          </p:nvPr>
+        </p:nvSpPr>
+        <p:spPr/>
+        <p:txBody>
+          <a:bodyPr/>
+          <a:lstStyle/>
+          <a:p>
+            <a:fld id="{3F1D8263-54E8-442D-88B4-DA252C595E3D}" type="slidenum">
+              <a:rPr lang="fr-FR" smtClean="0"/>
+              <a:pPr/>
+              <a:t>4</a:t>
             </a:fld>
             <a:endParaRPr lang="fr-FR"/>
           </a:p>
@@ -9704,195 +11583,6 @@
 </p:sld>
 </file>
 
-<file path=ppt/slides/slide4.xml><?xml version="1.0" encoding="utf-8"?>
-<p:sld xmlns:a="http://schemas.openxmlformats.org/drawingml/2006/main" xmlns:r="http://schemas.openxmlformats.org/officeDocument/2006/relationships" xmlns:p="http://schemas.openxmlformats.org/presentationml/2006/main">
-  <p:cSld>
-    <p:spTree>
-      <p:nvGrpSpPr>
-        <p:cNvPr id="1" name=""/>
-        <p:cNvGrpSpPr/>
-        <p:nvPr/>
-      </p:nvGrpSpPr>
-      <p:grpSpPr>
-        <a:xfrm>
-          <a:off x="0" y="0"/>
-          <a:ext cx="0" cy="0"/>
-          <a:chOff x="0" y="0"/>
-          <a:chExt cx="0" cy="0"/>
-        </a:xfrm>
-      </p:grpSpPr>
-      <p:sp>
-        <p:nvSpPr>
-          <p:cNvPr id="2" name="Titre 1"/>
-          <p:cNvSpPr>
-            <a:spLocks noGrp="1"/>
-          </p:cNvSpPr>
-          <p:nvPr>
-            <p:ph type="title"/>
-          </p:nvPr>
-        </p:nvSpPr>
-        <p:spPr>
-          <a:xfrm>
-            <a:off x="457200" y="152400"/>
-            <a:ext cx="8291264" cy="990600"/>
-          </a:xfrm>
-        </p:spPr>
-        <p:txBody>
-          <a:bodyPr>
-            <a:normAutofit/>
-          </a:bodyPr>
-          <a:lstStyle/>
-          <a:p>
-            <a:r>
-              <a:rPr lang="fr-FR" sz="2400" b="1" dirty="0"/>
-              <a:t>Les Sciences Industrielles de l’Ingénieur en PSI</a:t>
-            </a:r>
-            <a:r>
-              <a:rPr lang="fr-FR" sz="2400" b="1" dirty="0">
-                <a:sym typeface="Wingdings"/>
-              </a:rPr>
-              <a:t></a:t>
-            </a:r>
-            <a:endParaRPr lang="fr-FR" sz="2400" b="1" dirty="0"/>
-          </a:p>
-        </p:txBody>
-      </p:sp>
-      <p:sp>
-        <p:nvSpPr>
-          <p:cNvPr id="6" name="Espace réservé du numéro de diapositive 5"/>
-          <p:cNvSpPr>
-            <a:spLocks noGrp="1"/>
-          </p:cNvSpPr>
-          <p:nvPr>
-            <p:ph type="sldNum" sz="quarter" idx="12"/>
-          </p:nvPr>
-        </p:nvSpPr>
-        <p:spPr/>
-        <p:txBody>
-          <a:bodyPr/>
-          <a:lstStyle/>
-          <a:p>
-            <a:fld id="{3F1D8263-54E8-442D-88B4-DA252C595E3D}" type="slidenum">
-              <a:rPr lang="fr-FR" smtClean="0"/>
-              <a:pPr/>
-              <a:t>4</a:t>
-            </a:fld>
-            <a:endParaRPr lang="fr-FR"/>
-          </a:p>
-        </p:txBody>
-      </p:sp>
-      <p:sp>
-        <p:nvSpPr>
-          <p:cNvPr id="3" name="Espace réservé du pied de page 2"/>
-          <p:cNvSpPr>
-            <a:spLocks noGrp="1"/>
-          </p:cNvSpPr>
-          <p:nvPr>
-            <p:ph type="ftr" sz="quarter" idx="11"/>
-          </p:nvPr>
-        </p:nvSpPr>
-        <p:spPr/>
-        <p:txBody>
-          <a:bodyPr/>
-          <a:lstStyle/>
-          <a:p>
-            <a:r>
-              <a:rPr lang="fr-FR" dirty="0"/>
-              <a:t>Xavier Pessoles - La Martinière Monplaisir</a:t>
-            </a:r>
-          </a:p>
-        </p:txBody>
-      </p:sp>
-      <p:sp>
-        <p:nvSpPr>
-          <p:cNvPr id="7" name="Espace réservé du contenu 3">
-            <a:extLst>
-              <a:ext uri="{FF2B5EF4-FFF2-40B4-BE49-F238E27FC236}">
-                <a16:creationId xmlns:a16="http://schemas.microsoft.com/office/drawing/2014/main" id="{879BAF49-7CF5-45FE-B2E9-E4960C9CC0DC}"/>
-              </a:ext>
-            </a:extLst>
-          </p:cNvPr>
-          <p:cNvSpPr>
-            <a:spLocks noGrp="1"/>
-          </p:cNvSpPr>
-          <p:nvPr>
-            <p:ph sz="quarter" idx="1"/>
-          </p:nvPr>
-        </p:nvSpPr>
-        <p:spPr>
-          <a:xfrm>
-            <a:off x="457200" y="1219200"/>
-            <a:ext cx="8229600" cy="4937760"/>
-          </a:xfrm>
-        </p:spPr>
-        <p:txBody>
-          <a:bodyPr>
-            <a:normAutofit/>
-          </a:bodyPr>
-          <a:lstStyle/>
-          <a:p>
-            <a:r>
-              <a:rPr lang="fr-FR" sz="2000" dirty="0"/>
-              <a:t>Cycle 1 : Modéliser le comportement linéaire et non linéaire des systèmes.</a:t>
-            </a:r>
-          </a:p>
-          <a:p>
-            <a:r>
-              <a:rPr lang="fr-FR" sz="2000" dirty="0"/>
-              <a:t>Cycle 2 : Prévoir les performances des systèmes asservis. </a:t>
-            </a:r>
-          </a:p>
-          <a:p>
-            <a:r>
-              <a:rPr lang="fr-FR" sz="2000" dirty="0"/>
-              <a:t>Cycle 3 : Concevoir la partie commande des systèmes asservis afin de valider leurs performances. </a:t>
-            </a:r>
-          </a:p>
-          <a:p>
-            <a:r>
-              <a:rPr lang="fr-FR" sz="2000" dirty="0"/>
-              <a:t>Cycle 4 : Modéliser le comportement dynamique des systèmes mécaniques dans le but d'établir une loi de comportement ou de déterminer des actions mécaniques.</a:t>
-            </a:r>
-          </a:p>
-          <a:p>
-            <a:r>
-              <a:rPr lang="fr-FR" sz="2000" dirty="0"/>
-              <a:t>Cycle 5 : Modéliser le comportement énergétique des systèmes dans le but d'établir une loi de comportement.</a:t>
-            </a:r>
-          </a:p>
-          <a:p>
-            <a:r>
-              <a:rPr lang="fr-FR" sz="2000" dirty="0"/>
-              <a:t>Cycle 6 : Démarches de résolution pour résoudre les problèmes dynamiques ou énergétique.</a:t>
-            </a:r>
-          </a:p>
-          <a:p>
-            <a:r>
-              <a:rPr lang="fr-FR" sz="2000" dirty="0"/>
-              <a:t>Cycle 7 : Modélisation des chaînes de solide dans le but de déterminer les contraintes géométriques dans un mécanisme.</a:t>
-            </a:r>
-          </a:p>
-          <a:p>
-            <a:r>
-              <a:rPr lang="fr-FR" sz="2000" dirty="0"/>
-              <a:t>Cycle 8 : Analyse de la chaine d'information d'un système.</a:t>
-            </a:r>
-          </a:p>
-        </p:txBody>
-      </p:sp>
-    </p:spTree>
-    <p:extLst>
-      <p:ext uri="{BB962C8B-B14F-4D97-AF65-F5344CB8AC3E}">
-        <p14:creationId xmlns:p14="http://schemas.microsoft.com/office/powerpoint/2010/main" val="3071731443"/>
-      </p:ext>
-    </p:extLst>
-  </p:cSld>
-  <p:clrMapOvr>
-    <a:masterClrMapping/>
-  </p:clrMapOvr>
-</p:sld>
-</file>
-
 <file path=ppt/slides/slide5.xml><?xml version="1.0" encoding="utf-8"?>
 <p:sld xmlns:a="http://schemas.openxmlformats.org/drawingml/2006/main" xmlns:r="http://schemas.openxmlformats.org/officeDocument/2006/relationships" xmlns:p="http://schemas.openxmlformats.org/presentationml/2006/main">
   <p:cSld>
@@ -9912,6 +11602,195 @@
       </p:grpSpPr>
       <p:sp>
         <p:nvSpPr>
+          <p:cNvPr id="2" name="Titre 1"/>
+          <p:cNvSpPr>
+            <a:spLocks noGrp="1"/>
+          </p:cNvSpPr>
+          <p:nvPr>
+            <p:ph type="title"/>
+          </p:nvPr>
+        </p:nvSpPr>
+        <p:spPr>
+          <a:xfrm>
+            <a:off x="457200" y="152400"/>
+            <a:ext cx="8291264" cy="990600"/>
+          </a:xfrm>
+        </p:spPr>
+        <p:txBody>
+          <a:bodyPr>
+            <a:normAutofit/>
+          </a:bodyPr>
+          <a:lstStyle/>
+          <a:p>
+            <a:r>
+              <a:rPr lang="fr-FR" sz="2400" b="1" dirty="0"/>
+              <a:t>Les Sciences Industrielles de l’Ingénieur en PSI</a:t>
+            </a:r>
+            <a:r>
+              <a:rPr lang="fr-FR" sz="2400" b="1" dirty="0">
+                <a:sym typeface="Wingdings"/>
+              </a:rPr>
+              <a:t></a:t>
+            </a:r>
+            <a:endParaRPr lang="fr-FR" sz="2400" b="1" dirty="0"/>
+          </a:p>
+        </p:txBody>
+      </p:sp>
+      <p:sp>
+        <p:nvSpPr>
+          <p:cNvPr id="6" name="Espace réservé du numéro de diapositive 5"/>
+          <p:cNvSpPr>
+            <a:spLocks noGrp="1"/>
+          </p:cNvSpPr>
+          <p:nvPr>
+            <p:ph type="sldNum" sz="quarter" idx="12"/>
+          </p:nvPr>
+        </p:nvSpPr>
+        <p:spPr/>
+        <p:txBody>
+          <a:bodyPr/>
+          <a:lstStyle/>
+          <a:p>
+            <a:fld id="{3F1D8263-54E8-442D-88B4-DA252C595E3D}" type="slidenum">
+              <a:rPr lang="fr-FR" smtClean="0"/>
+              <a:pPr/>
+              <a:t>5</a:t>
+            </a:fld>
+            <a:endParaRPr lang="fr-FR"/>
+          </a:p>
+        </p:txBody>
+      </p:sp>
+      <p:sp>
+        <p:nvSpPr>
+          <p:cNvPr id="3" name="Espace réservé du pied de page 2"/>
+          <p:cNvSpPr>
+            <a:spLocks noGrp="1"/>
+          </p:cNvSpPr>
+          <p:nvPr>
+            <p:ph type="ftr" sz="quarter" idx="11"/>
+          </p:nvPr>
+        </p:nvSpPr>
+        <p:spPr/>
+        <p:txBody>
+          <a:bodyPr/>
+          <a:lstStyle/>
+          <a:p>
+            <a:r>
+              <a:rPr lang="fr-FR" dirty="0"/>
+              <a:t>Xavier Pessoles - La Martinière Monplaisir</a:t>
+            </a:r>
+          </a:p>
+        </p:txBody>
+      </p:sp>
+      <p:sp>
+        <p:nvSpPr>
+          <p:cNvPr id="7" name="Espace réservé du contenu 3">
+            <a:extLst>
+              <a:ext uri="{FF2B5EF4-FFF2-40B4-BE49-F238E27FC236}">
+                <a16:creationId xmlns:a16="http://schemas.microsoft.com/office/drawing/2014/main" id="{879BAF49-7CF5-45FE-B2E9-E4960C9CC0DC}"/>
+              </a:ext>
+            </a:extLst>
+          </p:cNvPr>
+          <p:cNvSpPr>
+            <a:spLocks noGrp="1"/>
+          </p:cNvSpPr>
+          <p:nvPr>
+            <p:ph sz="quarter" idx="1"/>
+          </p:nvPr>
+        </p:nvSpPr>
+        <p:spPr>
+          <a:xfrm>
+            <a:off x="457200" y="1219200"/>
+            <a:ext cx="8229600" cy="4937760"/>
+          </a:xfrm>
+        </p:spPr>
+        <p:txBody>
+          <a:bodyPr>
+            <a:normAutofit/>
+          </a:bodyPr>
+          <a:lstStyle/>
+          <a:p>
+            <a:r>
+              <a:rPr lang="fr-FR" sz="2000" dirty="0"/>
+              <a:t>Cycle 1 : Modéliser le comportement linéaire et non linéaire des systèmes.</a:t>
+            </a:r>
+          </a:p>
+          <a:p>
+            <a:r>
+              <a:rPr lang="fr-FR" sz="2000" dirty="0"/>
+              <a:t>Cycle 2 : Prévoir les performances des systèmes asservis. </a:t>
+            </a:r>
+          </a:p>
+          <a:p>
+            <a:r>
+              <a:rPr lang="fr-FR" sz="2000" dirty="0"/>
+              <a:t>Cycle 3 : Concevoir la partie commande des systèmes asservis afin de valider leurs performances. </a:t>
+            </a:r>
+          </a:p>
+          <a:p>
+            <a:r>
+              <a:rPr lang="fr-FR" sz="2000" dirty="0"/>
+              <a:t>Cycle 4 : Modéliser le comportement dynamique des systèmes mécaniques dans le but d'établir une loi de comportement ou de déterminer des actions mécaniques.</a:t>
+            </a:r>
+          </a:p>
+          <a:p>
+            <a:r>
+              <a:rPr lang="fr-FR" sz="2000" dirty="0"/>
+              <a:t>Cycle 5 : Modéliser le comportement énergétique des systèmes dans le but d'établir une loi de comportement.</a:t>
+            </a:r>
+          </a:p>
+          <a:p>
+            <a:r>
+              <a:rPr lang="fr-FR" sz="2000" dirty="0"/>
+              <a:t>Cycle 6 : Démarches de résolution pour résoudre les problèmes dynamiques ou énergétique.</a:t>
+            </a:r>
+          </a:p>
+          <a:p>
+            <a:r>
+              <a:rPr lang="fr-FR" sz="2000" dirty="0"/>
+              <a:t>Cycle 7 : Modélisation des chaînes de solide dans le but de déterminer les contraintes géométriques dans un mécanisme.</a:t>
+            </a:r>
+          </a:p>
+          <a:p>
+            <a:r>
+              <a:rPr lang="fr-FR" sz="2000" dirty="0"/>
+              <a:t>Cycle 8 : Analyse de la chaine d'information d'un système.</a:t>
+            </a:r>
+          </a:p>
+        </p:txBody>
+      </p:sp>
+    </p:spTree>
+    <p:extLst>
+      <p:ext uri="{BB962C8B-B14F-4D97-AF65-F5344CB8AC3E}">
+        <p14:creationId xmlns:p14="http://schemas.microsoft.com/office/powerpoint/2010/main" val="3071731443"/>
+      </p:ext>
+    </p:extLst>
+  </p:cSld>
+  <p:clrMapOvr>
+    <a:masterClrMapping/>
+  </p:clrMapOvr>
+</p:sld>
+</file>
+
+<file path=ppt/slides/slide6.xml><?xml version="1.0" encoding="utf-8"?>
+<p:sld xmlns:a="http://schemas.openxmlformats.org/drawingml/2006/main" xmlns:r="http://schemas.openxmlformats.org/officeDocument/2006/relationships" xmlns:p="http://schemas.openxmlformats.org/presentationml/2006/main">
+  <p:cSld>
+    <p:spTree>
+      <p:nvGrpSpPr>
+        <p:cNvPr id="1" name=""/>
+        <p:cNvGrpSpPr/>
+        <p:nvPr/>
+      </p:nvGrpSpPr>
+      <p:grpSpPr>
+        <a:xfrm>
+          <a:off x="0" y="0"/>
+          <a:ext cx="0" cy="0"/>
+          <a:chOff x="0" y="0"/>
+          <a:chExt cx="0" cy="0"/>
+        </a:xfrm>
+      </p:grpSpPr>
+      <p:sp>
+        <p:nvSpPr>
           <p:cNvPr id="3" name="Espace réservé du numéro de diapositive 2">
             <a:extLst>
               <a:ext uri="{FF2B5EF4-FFF2-40B4-BE49-F238E27FC236}">
@@ -9934,7 +11813,7 @@
             <a:fld id="{3F1D8263-54E8-442D-88B4-DA252C595E3D}" type="slidenum">
               <a:rPr lang="fr-FR" smtClean="0"/>
               <a:pPr/>
-              <a:t>5</a:t>
+              <a:t>6</a:t>
             </a:fld>
             <a:endParaRPr lang="fr-FR"/>
           </a:p>
@@ -11381,256 +13260,6 @@
 </p:sld>
 </file>
 
-<file path=ppt/slides/slide6.xml><?xml version="1.0" encoding="utf-8"?>
-<p:sld xmlns:a="http://schemas.openxmlformats.org/drawingml/2006/main" xmlns:r="http://schemas.openxmlformats.org/officeDocument/2006/relationships" xmlns:p="http://schemas.openxmlformats.org/presentationml/2006/main">
-  <p:cSld>
-    <p:spTree>
-      <p:nvGrpSpPr>
-        <p:cNvPr id="1" name=""/>
-        <p:cNvGrpSpPr/>
-        <p:nvPr/>
-      </p:nvGrpSpPr>
-      <p:grpSpPr>
-        <a:xfrm>
-          <a:off x="0" y="0"/>
-          <a:ext cx="0" cy="0"/>
-          <a:chOff x="0" y="0"/>
-          <a:chExt cx="0" cy="0"/>
-        </a:xfrm>
-      </p:grpSpPr>
-      <p:sp>
-        <p:nvSpPr>
-          <p:cNvPr id="3" name="Espace réservé du numéro de diapositive 2">
-            <a:extLst>
-              <a:ext uri="{FF2B5EF4-FFF2-40B4-BE49-F238E27FC236}">
-                <a16:creationId xmlns:a16="http://schemas.microsoft.com/office/drawing/2014/main" id="{184A8170-727C-4479-BF12-18C8B8CAC022}"/>
-              </a:ext>
-            </a:extLst>
-          </p:cNvPr>
-          <p:cNvSpPr>
-            <a:spLocks noGrp="1"/>
-          </p:cNvSpPr>
-          <p:nvPr>
-            <p:ph type="sldNum" sz="quarter" idx="12"/>
-          </p:nvPr>
-        </p:nvSpPr>
-        <p:spPr/>
-        <p:txBody>
-          <a:bodyPr/>
-          <a:lstStyle/>
-          <a:p>
-            <a:fld id="{3F1D8263-54E8-442D-88B4-DA252C595E3D}" type="slidenum">
-              <a:rPr lang="fr-FR" smtClean="0"/>
-              <a:pPr/>
-              <a:t>6</a:t>
-            </a:fld>
-            <a:endParaRPr lang="fr-FR"/>
-          </a:p>
-        </p:txBody>
-      </p:sp>
-      <p:sp>
-        <p:nvSpPr>
-          <p:cNvPr id="9" name="Titre 1">
-            <a:extLst>
-              <a:ext uri="{FF2B5EF4-FFF2-40B4-BE49-F238E27FC236}">
-                <a16:creationId xmlns:a16="http://schemas.microsoft.com/office/drawing/2014/main" id="{7D627A2E-999C-465A-BA9A-B946C5959B66}"/>
-              </a:ext>
-            </a:extLst>
-          </p:cNvPr>
-          <p:cNvSpPr>
-            <a:spLocks noGrp="1"/>
-          </p:cNvSpPr>
-          <p:nvPr>
-            <p:ph type="title"/>
-          </p:nvPr>
-        </p:nvSpPr>
-        <p:spPr>
-          <a:xfrm>
-            <a:off x="457200" y="152400"/>
-            <a:ext cx="8291264" cy="990600"/>
-          </a:xfrm>
-        </p:spPr>
-        <p:txBody>
-          <a:bodyPr>
-            <a:normAutofit/>
-          </a:bodyPr>
-          <a:lstStyle/>
-          <a:p>
-            <a:r>
-              <a:rPr lang="fr-FR" sz="2400" b="1" dirty="0"/>
-              <a:t>Tentative d’organisation de travail</a:t>
-            </a:r>
-          </a:p>
-        </p:txBody>
-      </p:sp>
-      <p:sp>
-        <p:nvSpPr>
-          <p:cNvPr id="4" name="Espace réservé du contenu 3">
-            <a:extLst>
-              <a:ext uri="{FF2B5EF4-FFF2-40B4-BE49-F238E27FC236}">
-                <a16:creationId xmlns:a16="http://schemas.microsoft.com/office/drawing/2014/main" id="{91D120B0-6F89-4F42-9A2F-529F68DF24B9}"/>
-              </a:ext>
-            </a:extLst>
-          </p:cNvPr>
-          <p:cNvSpPr>
-            <a:spLocks noGrp="1"/>
-          </p:cNvSpPr>
-          <p:nvPr>
-            <p:ph sz="quarter" idx="1"/>
-          </p:nvPr>
-        </p:nvSpPr>
-        <p:spPr/>
-        <p:txBody>
-          <a:bodyPr>
-            <a:normAutofit fontScale="85000" lnSpcReduction="20000"/>
-          </a:bodyPr>
-          <a:lstStyle/>
-          <a:p>
-            <a:r>
-              <a:rPr lang="fr-FR" dirty="0"/>
-              <a:t>Lundi</a:t>
-            </a:r>
-          </a:p>
-          <a:p>
-            <a:pPr lvl="1"/>
-            <a:r>
-              <a:rPr lang="fr-FR" dirty="0"/>
-              <a:t>DS, Devoir du soir, lecture du cours</a:t>
-            </a:r>
-          </a:p>
-          <a:p>
-            <a:r>
-              <a:rPr lang="fr-FR" dirty="0"/>
-              <a:t>Mardi </a:t>
-            </a:r>
-          </a:p>
-          <a:p>
-            <a:pPr lvl="1"/>
-            <a:r>
-              <a:rPr lang="fr-FR" dirty="0"/>
-              <a:t>Cours : réponses aux questions, exercices d’application</a:t>
-            </a:r>
-          </a:p>
-          <a:p>
-            <a:pPr lvl="1"/>
-            <a:r>
-              <a:rPr lang="fr-FR" dirty="0"/>
-              <a:t>TD : travail en groupe</a:t>
-            </a:r>
-          </a:p>
-          <a:p>
-            <a:pPr lvl="1"/>
-            <a:r>
-              <a:rPr lang="fr-FR" dirty="0"/>
-              <a:t>TIPE</a:t>
-            </a:r>
-          </a:p>
-          <a:p>
-            <a:pPr lvl="1"/>
-            <a:r>
-              <a:rPr lang="fr-FR" dirty="0"/>
-              <a:t>Devoir du soir</a:t>
-            </a:r>
-          </a:p>
-          <a:p>
-            <a:r>
-              <a:rPr lang="fr-FR" dirty="0"/>
-              <a:t>Mercredi, jeudi</a:t>
-            </a:r>
-          </a:p>
-          <a:p>
-            <a:pPr lvl="1"/>
-            <a:r>
-              <a:rPr lang="fr-FR" dirty="0"/>
-              <a:t>Devoir du soir </a:t>
-            </a:r>
-            <a:r>
-              <a:rPr lang="fr-FR" dirty="0">
-                <a:sym typeface="Wingdings" panose="05000000000000000000" pitchFamily="2" charset="2"/>
-              </a:rPr>
-              <a:t></a:t>
-            </a:r>
-          </a:p>
-          <a:p>
-            <a:r>
-              <a:rPr lang="fr-FR" dirty="0">
-                <a:sym typeface="Wingdings" panose="05000000000000000000" pitchFamily="2" charset="2"/>
-              </a:rPr>
-              <a:t>Vendredi</a:t>
-            </a:r>
-          </a:p>
-          <a:p>
-            <a:pPr lvl="1"/>
-            <a:r>
-              <a:rPr lang="fr-FR" dirty="0">
-                <a:sym typeface="Wingdings" panose="05000000000000000000" pitchFamily="2" charset="2"/>
-              </a:rPr>
-              <a:t>TP à géométrie variable</a:t>
-            </a:r>
-          </a:p>
-          <a:p>
-            <a:pPr lvl="1"/>
-            <a:r>
-              <a:rPr lang="fr-FR" dirty="0">
-                <a:sym typeface="Wingdings" panose="05000000000000000000" pitchFamily="2" charset="2"/>
-              </a:rPr>
-              <a:t>TIPE</a:t>
-            </a:r>
-          </a:p>
-          <a:p>
-            <a:r>
-              <a:rPr lang="fr-FR" dirty="0">
-                <a:sym typeface="Wingdings" panose="05000000000000000000" pitchFamily="2" charset="2"/>
-              </a:rPr>
-              <a:t>Samedi</a:t>
-            </a:r>
-          </a:p>
-          <a:p>
-            <a:pPr lvl="1"/>
-            <a:r>
-              <a:rPr lang="fr-FR" dirty="0">
-                <a:sym typeface="Wingdings" panose="05000000000000000000" pitchFamily="2" charset="2"/>
-              </a:rPr>
-              <a:t>Devoir du soir</a:t>
-            </a:r>
-          </a:p>
-          <a:p>
-            <a:r>
-              <a:rPr lang="fr-FR" dirty="0">
-                <a:sym typeface="Wingdings" panose="05000000000000000000" pitchFamily="2" charset="2"/>
-              </a:rPr>
-              <a:t>Dimanche</a:t>
-            </a:r>
-          </a:p>
-          <a:p>
-            <a:pPr lvl="1"/>
-            <a:r>
-              <a:rPr lang="fr-FR" dirty="0"/>
-              <a:t>Lecture du cours, exercice d’application du cours </a:t>
-            </a:r>
-          </a:p>
-          <a:p>
-            <a:pPr lvl="1"/>
-            <a:r>
-              <a:rPr lang="fr-FR" dirty="0"/>
-              <a:t>DDS</a:t>
-            </a:r>
-          </a:p>
-        </p:txBody>
-      </p:sp>
-    </p:spTree>
-    <p:extLst>
-      <p:ext uri="{BB962C8B-B14F-4D97-AF65-F5344CB8AC3E}">
-        <p14:creationId xmlns:p14="http://schemas.microsoft.com/office/powerpoint/2010/main" val="3088331779"/>
-      </p:ext>
-    </p:extLst>
-  </p:cSld>
-  <p:clrMapOvr>
-    <a:masterClrMapping/>
-  </p:clrMapOvr>
-</p:sld>
-</file>
-
 <file path=ppt/slides/slide7.xml><?xml version="1.0" encoding="utf-8"?>
 <p:sld xmlns:a="http://schemas.openxmlformats.org/drawingml/2006/main" xmlns:r="http://schemas.openxmlformats.org/officeDocument/2006/relationships" xmlns:p="http://schemas.openxmlformats.org/presentationml/2006/main">
   <p:cSld>
@@ -11673,6 +13302,256 @@
               <a:rPr lang="fr-FR" smtClean="0"/>
               <a:pPr/>
               <a:t>7</a:t>
+            </a:fld>
+            <a:endParaRPr lang="fr-FR"/>
+          </a:p>
+        </p:txBody>
+      </p:sp>
+      <p:sp>
+        <p:nvSpPr>
+          <p:cNvPr id="9" name="Titre 1">
+            <a:extLst>
+              <a:ext uri="{FF2B5EF4-FFF2-40B4-BE49-F238E27FC236}">
+                <a16:creationId xmlns:a16="http://schemas.microsoft.com/office/drawing/2014/main" id="{7D627A2E-999C-465A-BA9A-B946C5959B66}"/>
+              </a:ext>
+            </a:extLst>
+          </p:cNvPr>
+          <p:cNvSpPr>
+            <a:spLocks noGrp="1"/>
+          </p:cNvSpPr>
+          <p:nvPr>
+            <p:ph type="title"/>
+          </p:nvPr>
+        </p:nvSpPr>
+        <p:spPr>
+          <a:xfrm>
+            <a:off x="457200" y="152400"/>
+            <a:ext cx="8291264" cy="990600"/>
+          </a:xfrm>
+        </p:spPr>
+        <p:txBody>
+          <a:bodyPr>
+            <a:normAutofit/>
+          </a:bodyPr>
+          <a:lstStyle/>
+          <a:p>
+            <a:r>
+              <a:rPr lang="fr-FR" sz="2400" b="1" dirty="0"/>
+              <a:t>Tentative d’organisation de travail</a:t>
+            </a:r>
+          </a:p>
+        </p:txBody>
+      </p:sp>
+      <p:sp>
+        <p:nvSpPr>
+          <p:cNvPr id="4" name="Espace réservé du contenu 3">
+            <a:extLst>
+              <a:ext uri="{FF2B5EF4-FFF2-40B4-BE49-F238E27FC236}">
+                <a16:creationId xmlns:a16="http://schemas.microsoft.com/office/drawing/2014/main" id="{91D120B0-6F89-4F42-9A2F-529F68DF24B9}"/>
+              </a:ext>
+            </a:extLst>
+          </p:cNvPr>
+          <p:cNvSpPr>
+            <a:spLocks noGrp="1"/>
+          </p:cNvSpPr>
+          <p:nvPr>
+            <p:ph sz="quarter" idx="1"/>
+          </p:nvPr>
+        </p:nvSpPr>
+        <p:spPr/>
+        <p:txBody>
+          <a:bodyPr>
+            <a:normAutofit fontScale="85000" lnSpcReduction="20000"/>
+          </a:bodyPr>
+          <a:lstStyle/>
+          <a:p>
+            <a:r>
+              <a:rPr lang="fr-FR" dirty="0"/>
+              <a:t>Lundi</a:t>
+            </a:r>
+          </a:p>
+          <a:p>
+            <a:pPr lvl="1"/>
+            <a:r>
+              <a:rPr lang="fr-FR" dirty="0"/>
+              <a:t>DS, Devoir du soir, lecture du cours</a:t>
+            </a:r>
+          </a:p>
+          <a:p>
+            <a:r>
+              <a:rPr lang="fr-FR" dirty="0"/>
+              <a:t>Mardi </a:t>
+            </a:r>
+          </a:p>
+          <a:p>
+            <a:pPr lvl="1"/>
+            <a:r>
+              <a:rPr lang="fr-FR" dirty="0"/>
+              <a:t>Cours : réponses aux questions, exercices d’application</a:t>
+            </a:r>
+          </a:p>
+          <a:p>
+            <a:pPr lvl="1"/>
+            <a:r>
+              <a:rPr lang="fr-FR" dirty="0"/>
+              <a:t>TD : travail en groupe</a:t>
+            </a:r>
+          </a:p>
+          <a:p>
+            <a:pPr lvl="1"/>
+            <a:r>
+              <a:rPr lang="fr-FR" dirty="0"/>
+              <a:t>TIPE</a:t>
+            </a:r>
+          </a:p>
+          <a:p>
+            <a:pPr lvl="1"/>
+            <a:r>
+              <a:rPr lang="fr-FR" dirty="0"/>
+              <a:t>Devoir du soir</a:t>
+            </a:r>
+          </a:p>
+          <a:p>
+            <a:r>
+              <a:rPr lang="fr-FR" dirty="0"/>
+              <a:t>Mercredi, jeudi</a:t>
+            </a:r>
+          </a:p>
+          <a:p>
+            <a:pPr lvl="1"/>
+            <a:r>
+              <a:rPr lang="fr-FR" dirty="0"/>
+              <a:t>Devoir du soir </a:t>
+            </a:r>
+            <a:r>
+              <a:rPr lang="fr-FR" dirty="0">
+                <a:sym typeface="Wingdings" panose="05000000000000000000" pitchFamily="2" charset="2"/>
+              </a:rPr>
+              <a:t></a:t>
+            </a:r>
+          </a:p>
+          <a:p>
+            <a:r>
+              <a:rPr lang="fr-FR" dirty="0">
+                <a:sym typeface="Wingdings" panose="05000000000000000000" pitchFamily="2" charset="2"/>
+              </a:rPr>
+              <a:t>Vendredi</a:t>
+            </a:r>
+          </a:p>
+          <a:p>
+            <a:pPr lvl="1"/>
+            <a:r>
+              <a:rPr lang="fr-FR" dirty="0">
+                <a:sym typeface="Wingdings" panose="05000000000000000000" pitchFamily="2" charset="2"/>
+              </a:rPr>
+              <a:t>TP à géométrie variable</a:t>
+            </a:r>
+          </a:p>
+          <a:p>
+            <a:pPr lvl="1"/>
+            <a:r>
+              <a:rPr lang="fr-FR" dirty="0">
+                <a:sym typeface="Wingdings" panose="05000000000000000000" pitchFamily="2" charset="2"/>
+              </a:rPr>
+              <a:t>TIPE</a:t>
+            </a:r>
+          </a:p>
+          <a:p>
+            <a:r>
+              <a:rPr lang="fr-FR" dirty="0">
+                <a:sym typeface="Wingdings" panose="05000000000000000000" pitchFamily="2" charset="2"/>
+              </a:rPr>
+              <a:t>Samedi</a:t>
+            </a:r>
+          </a:p>
+          <a:p>
+            <a:pPr lvl="1"/>
+            <a:r>
+              <a:rPr lang="fr-FR" dirty="0">
+                <a:sym typeface="Wingdings" panose="05000000000000000000" pitchFamily="2" charset="2"/>
+              </a:rPr>
+              <a:t>Devoir du soir</a:t>
+            </a:r>
+          </a:p>
+          <a:p>
+            <a:r>
+              <a:rPr lang="fr-FR" dirty="0">
+                <a:sym typeface="Wingdings" panose="05000000000000000000" pitchFamily="2" charset="2"/>
+              </a:rPr>
+              <a:t>Dimanche</a:t>
+            </a:r>
+          </a:p>
+          <a:p>
+            <a:pPr lvl="1"/>
+            <a:r>
+              <a:rPr lang="fr-FR" dirty="0"/>
+              <a:t>Lecture du cours, exercice d’application du cours </a:t>
+            </a:r>
+          </a:p>
+          <a:p>
+            <a:pPr lvl="1"/>
+            <a:r>
+              <a:rPr lang="fr-FR" dirty="0"/>
+              <a:t>DDS</a:t>
+            </a:r>
+          </a:p>
+        </p:txBody>
+      </p:sp>
+    </p:spTree>
+    <p:extLst>
+      <p:ext uri="{BB962C8B-B14F-4D97-AF65-F5344CB8AC3E}">
+        <p14:creationId xmlns:p14="http://schemas.microsoft.com/office/powerpoint/2010/main" val="3088331779"/>
+      </p:ext>
+    </p:extLst>
+  </p:cSld>
+  <p:clrMapOvr>
+    <a:masterClrMapping/>
+  </p:clrMapOvr>
+</p:sld>
+</file>
+
+<file path=ppt/slides/slide8.xml><?xml version="1.0" encoding="utf-8"?>
+<p:sld xmlns:a="http://schemas.openxmlformats.org/drawingml/2006/main" xmlns:r="http://schemas.openxmlformats.org/officeDocument/2006/relationships" xmlns:p="http://schemas.openxmlformats.org/presentationml/2006/main">
+  <p:cSld>
+    <p:spTree>
+      <p:nvGrpSpPr>
+        <p:cNvPr id="1" name=""/>
+        <p:cNvGrpSpPr/>
+        <p:nvPr/>
+      </p:nvGrpSpPr>
+      <p:grpSpPr>
+        <a:xfrm>
+          <a:off x="0" y="0"/>
+          <a:ext cx="0" cy="0"/>
+          <a:chOff x="0" y="0"/>
+          <a:chExt cx="0" cy="0"/>
+        </a:xfrm>
+      </p:grpSpPr>
+      <p:sp>
+        <p:nvSpPr>
+          <p:cNvPr id="3" name="Espace réservé du numéro de diapositive 2">
+            <a:extLst>
+              <a:ext uri="{FF2B5EF4-FFF2-40B4-BE49-F238E27FC236}">
+                <a16:creationId xmlns:a16="http://schemas.microsoft.com/office/drawing/2014/main" id="{184A8170-727C-4479-BF12-18C8B8CAC022}"/>
+              </a:ext>
+            </a:extLst>
+          </p:cNvPr>
+          <p:cNvSpPr>
+            <a:spLocks noGrp="1"/>
+          </p:cNvSpPr>
+          <p:nvPr>
+            <p:ph type="sldNum" sz="quarter" idx="12"/>
+          </p:nvPr>
+        </p:nvSpPr>
+        <p:spPr/>
+        <p:txBody>
+          <a:bodyPr/>
+          <a:lstStyle/>
+          <a:p>
+            <a:fld id="{3F1D8263-54E8-442D-88B4-DA252C595E3D}" type="slidenum">
+              <a:rPr lang="fr-FR" smtClean="0"/>
+              <a:pPr/>
+              <a:t>8</a:t>
             </a:fld>
             <a:endParaRPr lang="fr-FR"/>
           </a:p>
